--- a/doc/c++11learning.pptx
+++ b/doc/c++11learning.pptx
@@ -21,6 +21,7 @@
     <p:sldId id="269" r:id="rId16"/>
     <p:sldId id="267" r:id="rId17"/>
     <p:sldId id="266" r:id="rId18"/>
+    <p:sldId id="282" r:id="rId19"/>
   </p:sldIdLst>
   <p:sldSz cx="9144000" cy="6858000" type="screen4x3"/>
   <p:notesSz cx="6858000" cy="9144000"/>
@@ -125,21 +126,22 @@
         <p14:section name="默认节" id="{039B0A7B-50D1-4388-9306-190C3A7AC59D}">
           <p14:sldIdLst>
             <p14:sldId id="256"/>
-            <p14:sldId id="257"/>
-            <p14:sldId id="258"/>
             <p14:sldId id="268"/>
             <p14:sldId id="260"/>
             <p14:sldId id="270"/>
             <p14:sldId id="261"/>
-            <p14:sldId id="271"/>
-            <p14:sldId id="272"/>
             <p14:sldId id="262"/>
-            <p14:sldId id="263"/>
             <p14:sldId id="264"/>
             <p14:sldId id="265"/>
             <p14:sldId id="269"/>
             <p14:sldId id="267"/>
             <p14:sldId id="266"/>
+            <p14:sldId id="282"/>
+            <p14:sldId id="258"/>
+            <p14:sldId id="257"/>
+            <p14:sldId id="271"/>
+            <p14:sldId id="272"/>
+            <p14:sldId id="263"/>
           </p14:sldIdLst>
         </p14:section>
       </p14:sectionLst>
@@ -14504,13 +14506,6 @@
           </a:p>
           <a:p>
             <a:r>
-              <a:rPr lang="en-US" altLang="zh-CN" dirty="0" smtClean="0"/>
-              <a:t>alias</a:t>
-            </a:r>
-            <a:endParaRPr lang="en-US" altLang="zh-CN" dirty="0" smtClean="0"/>
-          </a:p>
-          <a:p>
-            <a:r>
               <a:rPr lang="en-US" altLang="zh-CN" b="1" dirty="0" err="1" smtClean="0"/>
               <a:t>nullptr</a:t>
             </a:r>
@@ -14543,14 +14538,14 @@
               <a:rPr lang="en-US" altLang="zh-CN" b="1" dirty="0" err="1" smtClean="0"/>
               <a:t>oexcept</a:t>
             </a:r>
-            <a:endParaRPr lang="en-US" altLang="zh-CN" b="1" dirty="0" smtClean="0"/>
+            <a:endParaRPr lang="en-US" altLang="zh-CN" b="1" dirty="0" err="1" smtClean="0"/>
           </a:p>
           <a:p>
             <a:r>
               <a:rPr lang="en-US" altLang="zh-CN" dirty="0" err="1" smtClean="0"/>
-              <a:t>decltype</a:t>
-            </a:r>
-            <a:endParaRPr lang="en-US" altLang="zh-CN" dirty="0" smtClean="0"/>
+              <a:t>final/override</a:t>
+            </a:r>
+            <a:endParaRPr lang="en-US" altLang="zh-CN" dirty="0" err="1" smtClean="0"/>
           </a:p>
           <a:p>
             <a:pPr marL="68580" indent="0">
@@ -14756,7 +14751,7 @@
             </a:r>
             <a:r>
               <a:rPr lang="en-US" altLang="zh-CN" dirty="0" err="1" smtClean="0"/>
-              <a:t>tbd</a:t>
+              <a:t>TBD</a:t>
             </a:r>
             <a:r>
               <a:rPr lang="zh-CN" altLang="en-US" dirty="0" smtClean="0"/>
@@ -14774,8 +14769,10 @@
               <a:t>(</a:t>
             </a:r>
             <a:r>
-              <a:rPr lang="en-US" altLang="zh-CN" dirty="0" err="1"/>
-              <a:t>tbd</a:t>
+              <a:rPr lang="en-US" altLang="zh-CN" dirty="0" err="1" smtClean="0">
+                <a:sym typeface="+mn-ea"/>
+              </a:rPr>
+              <a:t>TBD</a:t>
             </a:r>
             <a:r>
               <a:rPr lang="zh-CN" altLang="en-US" dirty="0" smtClean="0"/>
@@ -14789,8 +14786,10 @@
               <a:t>ranges(</a:t>
             </a:r>
             <a:r>
-              <a:rPr lang="en-US" altLang="zh-CN" dirty="0" err="1"/>
-              <a:t>tbd</a:t>
+              <a:rPr lang="en-US" altLang="zh-CN" dirty="0" err="1" smtClean="0">
+                <a:sym typeface="+mn-ea"/>
+              </a:rPr>
+              <a:t>TBD</a:t>
             </a:r>
             <a:r>
               <a:rPr lang="zh-CN" altLang="en-US" dirty="0" smtClean="0"/>
@@ -14804,8 +14803,10 @@
               <a:t>concepts(</a:t>
             </a:r>
             <a:r>
-              <a:rPr lang="en-US" altLang="zh-CN" b="1" dirty="0" err="1"/>
-              <a:t>tbd</a:t>
+              <a:rPr lang="en-US" altLang="zh-CN" dirty="0" err="1" smtClean="0">
+                <a:sym typeface="+mn-ea"/>
+              </a:rPr>
+              <a:t>TBD</a:t>
             </a:r>
             <a:r>
               <a:rPr lang="zh-CN" altLang="en-US" b="1" dirty="0" smtClean="0"/>
@@ -14819,8 +14820,10 @@
               <a:t>Invoke(</a:t>
             </a:r>
             <a:r>
-              <a:rPr lang="en-US" altLang="zh-CN" dirty="0" err="1"/>
-              <a:t>tbd</a:t>
+              <a:rPr lang="en-US" altLang="zh-CN" dirty="0" err="1" smtClean="0">
+                <a:sym typeface="+mn-ea"/>
+              </a:rPr>
+              <a:t>TBD</a:t>
             </a:r>
             <a:r>
               <a:rPr lang="zh-CN" altLang="en-US" dirty="0" smtClean="0"/>
@@ -14987,7 +14990,299 @@
             </a:r>
             <a:r>
               <a:rPr lang="zh-CN" altLang="en-US" dirty="0" smtClean="0"/>
-              <a:t>并发编程</a:t>
+              <a:t>并发编程实战</a:t>
+            </a:r>
+            <a:r>
+              <a:rPr lang="en-US" altLang="zh-CN" dirty="0" smtClean="0"/>
+              <a:t>》</a:t>
+            </a:r>
+            <a:endParaRPr lang="zh-CN" altLang="en-US" dirty="0"/>
+          </a:p>
+        </p:txBody>
+      </p:sp>
+      <p:sp>
+        <p:nvSpPr>
+          <p:cNvPr id="4" name="内容占位符 2"/>
+          <p:cNvSpPr>
+            <a:spLocks noGrp="1"/>
+          </p:cNvSpPr>
+          <p:nvPr/>
+        </p:nvSpPr>
+        <p:spPr>
+          <a:xfrm>
+            <a:off x="1044127" y="2316032"/>
+            <a:ext cx="6777317" cy="3508977"/>
+          </a:xfrm>
+          <a:prstGeom prst="rect">
+            <a:avLst/>
+          </a:prstGeom>
+        </p:spPr>
+        <p:txBody>
+          <a:bodyPr vert="horz" lIns="91440" tIns="45720" rIns="91440" bIns="45720" rtlCol="0">
+            <a:normAutofit/>
+          </a:bodyPr>
+          <a:lstStyle>
+            <a:lvl1pPr marL="342900" indent="-274320" algn="l" defTabSz="914400" rtl="0" eaLnBrk="1" latinLnBrk="0" hangingPunct="1">
+              <a:spcBef>
+                <a:spcPct val="20000"/>
+              </a:spcBef>
+              <a:buClr>
+                <a:schemeClr val="accent1"/>
+              </a:buClr>
+              <a:buSzPct val="76000"/>
+              <a:buFont typeface="Wingdings 2" pitchFamily="18" charset="2"/>
+              <a:buChar char=""/>
+              <a:defRPr sz="2400" kern="1200">
+                <a:solidFill>
+                  <a:schemeClr val="tx2"/>
+                </a:solidFill>
+                <a:latin typeface="+mn-lt"/>
+                <a:ea typeface="+mn-ea"/>
+                <a:cs typeface="+mn-cs"/>
+              </a:defRPr>
+            </a:lvl1pPr>
+            <a:lvl2pPr marL="640080" indent="-274320" algn="l" defTabSz="914400" rtl="0" eaLnBrk="1" latinLnBrk="0" hangingPunct="1">
+              <a:spcBef>
+                <a:spcPct val="20000"/>
+              </a:spcBef>
+              <a:buClr>
+                <a:schemeClr val="accent1"/>
+              </a:buClr>
+              <a:buSzPct val="76000"/>
+              <a:buFont typeface="Wingdings 2" pitchFamily="18" charset="2"/>
+              <a:buChar char=""/>
+              <a:defRPr sz="2200" kern="1200">
+                <a:solidFill>
+                  <a:schemeClr val="tx2"/>
+                </a:solidFill>
+                <a:latin typeface="+mn-lt"/>
+                <a:ea typeface="+mn-ea"/>
+                <a:cs typeface="+mn-cs"/>
+              </a:defRPr>
+            </a:lvl2pPr>
+            <a:lvl3pPr marL="914400" indent="-228600" algn="l" defTabSz="914400" rtl="0" eaLnBrk="1" latinLnBrk="0" hangingPunct="1">
+              <a:spcBef>
+                <a:spcPct val="20000"/>
+              </a:spcBef>
+              <a:buClr>
+                <a:schemeClr val="accent1"/>
+              </a:buClr>
+              <a:buSzPct val="76000"/>
+              <a:buFont typeface="Wingdings 2" pitchFamily="18" charset="2"/>
+              <a:buChar char=""/>
+              <a:defRPr sz="2000" kern="1200">
+                <a:solidFill>
+                  <a:schemeClr val="tx2"/>
+                </a:solidFill>
+                <a:latin typeface="+mn-lt"/>
+                <a:ea typeface="+mn-ea"/>
+                <a:cs typeface="+mn-cs"/>
+              </a:defRPr>
+            </a:lvl3pPr>
+            <a:lvl4pPr marL="1124585" indent="-228600" algn="l" defTabSz="914400" rtl="0" eaLnBrk="1" latinLnBrk="0" hangingPunct="1">
+              <a:spcBef>
+                <a:spcPct val="20000"/>
+              </a:spcBef>
+              <a:buClr>
+                <a:schemeClr val="accent1"/>
+              </a:buClr>
+              <a:buSzPct val="76000"/>
+              <a:buFont typeface="Wingdings 2" pitchFamily="18" charset="2"/>
+              <a:buChar char=""/>
+              <a:defRPr sz="1800" kern="1200">
+                <a:solidFill>
+                  <a:schemeClr val="tx2"/>
+                </a:solidFill>
+                <a:latin typeface="+mn-lt"/>
+                <a:ea typeface="+mn-ea"/>
+                <a:cs typeface="+mn-cs"/>
+              </a:defRPr>
+            </a:lvl4pPr>
+            <a:lvl5pPr marL="1325880" indent="-228600" algn="l" defTabSz="914400" rtl="0" eaLnBrk="1" latinLnBrk="0" hangingPunct="1">
+              <a:spcBef>
+                <a:spcPct val="20000"/>
+              </a:spcBef>
+              <a:buClr>
+                <a:schemeClr val="accent1"/>
+              </a:buClr>
+              <a:buSzPct val="76000"/>
+              <a:buFont typeface="Wingdings 2" pitchFamily="18" charset="2"/>
+              <a:buChar char=""/>
+              <a:defRPr sz="1600" kern="1200" baseline="0">
+                <a:solidFill>
+                  <a:schemeClr val="tx2"/>
+                </a:solidFill>
+                <a:latin typeface="+mn-lt"/>
+                <a:ea typeface="+mn-ea"/>
+                <a:cs typeface="+mn-cs"/>
+              </a:defRPr>
+            </a:lvl5pPr>
+            <a:lvl6pPr marL="1517650" indent="-228600" algn="l" defTabSz="914400" rtl="0" eaLnBrk="1" latinLnBrk="0" hangingPunct="1">
+              <a:spcBef>
+                <a:spcPct val="20000"/>
+              </a:spcBef>
+              <a:buClr>
+                <a:schemeClr val="accent1"/>
+              </a:buClr>
+              <a:buSzPct val="76000"/>
+              <a:buFont typeface="Wingdings 2" pitchFamily="18" charset="2"/>
+              <a:buChar char=""/>
+              <a:defRPr sz="1400" kern="1200">
+                <a:solidFill>
+                  <a:schemeClr val="tx2"/>
+                </a:solidFill>
+                <a:latin typeface="+mn-lt"/>
+                <a:ea typeface="+mn-ea"/>
+                <a:cs typeface="+mn-cs"/>
+              </a:defRPr>
+            </a:lvl6pPr>
+            <a:lvl7pPr marL="1718945" indent="-228600" algn="l" defTabSz="914400" rtl="0" eaLnBrk="1" latinLnBrk="0" hangingPunct="1">
+              <a:spcBef>
+                <a:spcPct val="20000"/>
+              </a:spcBef>
+              <a:buClr>
+                <a:schemeClr val="accent1"/>
+              </a:buClr>
+              <a:buSzPct val="76000"/>
+              <a:buFont typeface="Wingdings 2" pitchFamily="18" charset="2"/>
+              <a:buChar char=""/>
+              <a:defRPr sz="1400" kern="1200">
+                <a:solidFill>
+                  <a:schemeClr val="tx2"/>
+                </a:solidFill>
+                <a:latin typeface="+mn-lt"/>
+                <a:ea typeface="+mn-ea"/>
+                <a:cs typeface="+mn-cs"/>
+              </a:defRPr>
+            </a:lvl7pPr>
+            <a:lvl8pPr marL="1920240" indent="-228600" algn="l" defTabSz="914400" rtl="0" eaLnBrk="1" latinLnBrk="0" hangingPunct="1">
+              <a:spcBef>
+                <a:spcPct val="20000"/>
+              </a:spcBef>
+              <a:buClr>
+                <a:schemeClr val="accent1"/>
+              </a:buClr>
+              <a:buSzPct val="76000"/>
+              <a:buFont typeface="Wingdings 2" pitchFamily="18" charset="2"/>
+              <a:buChar char=""/>
+              <a:defRPr sz="1400" kern="1200">
+                <a:solidFill>
+                  <a:schemeClr val="tx2"/>
+                </a:solidFill>
+                <a:latin typeface="+mn-lt"/>
+                <a:ea typeface="+mn-ea"/>
+                <a:cs typeface="+mn-cs"/>
+              </a:defRPr>
+            </a:lvl8pPr>
+            <a:lvl9pPr marL="2121535" indent="-228600" algn="l" defTabSz="914400" rtl="0" eaLnBrk="1" latinLnBrk="0" hangingPunct="1">
+              <a:spcBef>
+                <a:spcPct val="20000"/>
+              </a:spcBef>
+              <a:buClr>
+                <a:schemeClr val="accent1"/>
+              </a:buClr>
+              <a:buSzPct val="76000"/>
+              <a:buFont typeface="Wingdings 2" pitchFamily="18" charset="2"/>
+              <a:buChar char=""/>
+              <a:defRPr sz="1400" kern="1200">
+                <a:solidFill>
+                  <a:schemeClr val="tx2"/>
+                </a:solidFill>
+                <a:latin typeface="+mn-lt"/>
+                <a:ea typeface="+mn-ea"/>
+                <a:cs typeface="+mn-cs"/>
+              </a:defRPr>
+            </a:lvl9pPr>
+          </a:lstStyle>
+          <a:p>
+            <a:r>
+              <a:rPr lang="en-US" altLang="zh-CN" dirty="0" smtClean="0"/>
+              <a:t>《C++11/14</a:t>
+            </a:r>
+            <a:r>
+              <a:rPr lang="zh-CN" altLang="en-US" dirty="0" smtClean="0"/>
+              <a:t>高级编程</a:t>
+            </a:r>
+            <a:r>
+              <a:rPr lang="zh-CN" altLang="en-US" dirty="0"/>
+              <a:t>：</a:t>
+            </a:r>
+            <a:r>
+              <a:rPr lang="en-US" altLang="zh-CN" dirty="0" smtClean="0"/>
+              <a:t>Boost</a:t>
+            </a:r>
+            <a:r>
+              <a:rPr lang="zh-CN" altLang="en-US" dirty="0" smtClean="0"/>
+              <a:t>程序库探秘</a:t>
+            </a:r>
+            <a:r>
+              <a:rPr lang="en-US" altLang="zh-CN" dirty="0" smtClean="0"/>
+              <a:t>》</a:t>
+            </a:r>
+            <a:endParaRPr lang="en-US" altLang="zh-CN" dirty="0" smtClean="0"/>
+          </a:p>
+          <a:p>
+            <a:r>
+              <a:rPr lang="en-US" altLang="zh-CN" dirty="0" smtClean="0"/>
+              <a:t>《Effective Modern C++ 》</a:t>
+            </a:r>
+            <a:endParaRPr lang="en-US" altLang="zh-CN" dirty="0" smtClean="0"/>
+          </a:p>
+          <a:p>
+            <a:r>
+              <a:rPr lang="en-US" altLang="zh-CN" dirty="0" smtClean="0"/>
+              <a:t>《</a:t>
+            </a:r>
+            <a:r>
+              <a:rPr lang="zh-CN" altLang="en-US" dirty="0" smtClean="0"/>
+              <a:t>深入理解</a:t>
+            </a:r>
+            <a:r>
+              <a:rPr lang="en-US" altLang="zh-CN" dirty="0" smtClean="0"/>
+              <a:t>C++11》</a:t>
+            </a:r>
+            <a:endParaRPr lang="en-US" altLang="zh-CN" dirty="0" smtClean="0"/>
+          </a:p>
+          <a:p>
+            <a:r>
+              <a:rPr lang="en-US" altLang="zh-CN" dirty="0" smtClean="0"/>
+              <a:t> cppReference.com</a:t>
+            </a:r>
+            <a:endParaRPr lang="en-US" altLang="zh-CN" dirty="0" smtClean="0"/>
+          </a:p>
+          <a:p>
+            <a:r>
+              <a:rPr lang="en-US" altLang="zh-CN" dirty="0" smtClean="0"/>
+              <a:t> </a:t>
+            </a:r>
+            <a:r>
+              <a:rPr lang="en-US" altLang="zh-CN" dirty="0" smtClean="0">
+                <a:hlinkClick r:id="rId1"/>
+              </a:rPr>
+              <a:t>https</a:t>
+            </a:r>
+            <a:r>
+              <a:rPr lang="en-US" altLang="zh-CN" dirty="0">
+                <a:hlinkClick r:id="rId1"/>
+              </a:rPr>
+              <a:t>://changkun.gitbooks.io/cpp1x-tutorial</a:t>
+            </a:r>
+            <a:r>
+              <a:rPr lang="en-US" altLang="zh-CN" dirty="0" smtClean="0">
+                <a:hlinkClick r:id="rId1"/>
+              </a:rPr>
+              <a:t>/</a:t>
+            </a:r>
+            <a:endParaRPr lang="en-US" altLang="zh-CN" dirty="0" smtClean="0"/>
+          </a:p>
+          <a:p>
+            <a:r>
+              <a:rPr lang="en-US" altLang="zh-CN" dirty="0" smtClean="0"/>
+              <a:t>《C++</a:t>
+            </a:r>
+            <a:r>
+              <a:rPr lang="zh-CN" altLang="en-US" dirty="0" smtClean="0"/>
+              <a:t>并发编程实战</a:t>
             </a:r>
             <a:r>
               <a:rPr lang="en-US" altLang="zh-CN" dirty="0" smtClean="0"/>
@@ -15009,6 +15304,73 @@
       </p:par>
     </p:tnLst>
   </p:timing>
+</p:sld>
+</file>
+
+<file path=ppt/slides/slide17.xml><?xml version="1.0" encoding="utf-8"?>
+<p:sld xmlns:a="http://schemas.openxmlformats.org/drawingml/2006/main" xmlns:r="http://schemas.openxmlformats.org/officeDocument/2006/relationships" xmlns:p="http://schemas.openxmlformats.org/presentationml/2006/main">
+  <p:cSld>
+    <p:spTree>
+      <p:nvGrpSpPr>
+        <p:cNvPr id="1" name=""/>
+        <p:cNvGrpSpPr/>
+        <p:nvPr/>
+      </p:nvGrpSpPr>
+      <p:grpSpPr/>
+      <p:sp>
+        <p:nvSpPr>
+          <p:cNvPr id="2" name="标题 1"/>
+          <p:cNvSpPr>
+            <a:spLocks noGrp="1"/>
+          </p:cNvSpPr>
+          <p:nvPr>
+            <p:ph type="title"/>
+          </p:nvPr>
+        </p:nvSpPr>
+        <p:spPr/>
+        <p:txBody>
+          <a:bodyPr/>
+          <a:p>
+            <a:pPr algn="ctr"/>
+            <a:r>
+              <a:rPr lang="zh-CN" altLang="en-US"/>
+              <a:t>谢谢大家</a:t>
+            </a:r>
+            <a:endParaRPr lang="zh-CN" altLang="en-US"/>
+          </a:p>
+        </p:txBody>
+      </p:sp>
+      <p:pic>
+        <p:nvPicPr>
+          <p:cNvPr id="4" name="内容占位符 3"/>
+          <p:cNvPicPr>
+            <a:picLocks noChangeAspect="1"/>
+          </p:cNvPicPr>
+          <p:nvPr>
+            <p:ph idx="1"/>
+          </p:nvPr>
+        </p:nvPicPr>
+        <p:blipFill>
+          <a:blip r:embed="rId1"/>
+          <a:stretch>
+            <a:fillRect/>
+          </a:stretch>
+        </p:blipFill>
+        <p:spPr>
+          <a:xfrm>
+            <a:off x="3241675" y="2346960"/>
+            <a:ext cx="2628265" cy="3509010"/>
+          </a:xfrm>
+          <a:prstGeom prst="rect">
+            <a:avLst/>
+          </a:prstGeom>
+        </p:spPr>
+      </p:pic>
+    </p:spTree>
+  </p:cSld>
+  <p:clrMapOvr>
+    <a:masterClrMapping/>
+  </p:clrMapOvr>
 </p:sld>
 </file>
 
@@ -15084,21 +15446,21 @@
           <a:p>
             <a:r>
               <a:rPr lang="en-US" altLang="zh-CN" dirty="0" smtClean="0"/>
-              <a:t>C++98/99/03</a:t>
+              <a:t>C++98/03</a:t>
             </a:r>
             <a:endParaRPr lang="en-US" altLang="zh-CN" dirty="0" smtClean="0"/>
           </a:p>
           <a:p>
             <a:r>
               <a:rPr lang="en-US" altLang="zh-CN" dirty="0" smtClean="0"/>
-              <a:t>C++0x/1x</a:t>
+              <a:t>C++0x/11</a:t>
             </a:r>
             <a:endParaRPr lang="en-US" altLang="zh-CN" dirty="0" smtClean="0"/>
           </a:p>
           <a:p>
             <a:r>
               <a:rPr lang="en-US" altLang="zh-CN" dirty="0" smtClean="0"/>
-              <a:t>C++2x</a:t>
+              <a:t>C++20</a:t>
             </a:r>
             <a:endParaRPr lang="en-US" altLang="zh-CN" dirty="0" smtClean="0"/>
           </a:p>
@@ -15854,44 +16216,48 @@
           <a:lstStyle/>
           <a:p>
             <a:r>
-              <a:rPr lang="en-US" altLang="zh-CN" dirty="0" smtClean="0"/>
+              <a:rPr lang="en-US" altLang="zh-CN" b="1" u="sng" dirty="0" smtClean="0"/>
               <a:t>auto</a:t>
             </a:r>
-            <a:endParaRPr lang="en-US" altLang="zh-CN" dirty="0" smtClean="0"/>
-          </a:p>
-          <a:p>
-            <a:r>
-              <a:rPr lang="zh-CN" altLang="en-US" b="1" dirty="0" smtClean="0"/>
-              <a:t>右值引用、</a:t>
-            </a:r>
-            <a:r>
-              <a:rPr lang="en-US" altLang="zh-CN" b="1" dirty="0"/>
+            <a:endParaRPr lang="en-US" altLang="zh-CN" b="1" u="sng" dirty="0" smtClean="0"/>
+          </a:p>
+          <a:p>
+            <a:r>
+              <a:rPr lang="zh-CN" altLang="en-US" b="1" u="sng" dirty="0" smtClean="0"/>
+              <a:t>右值引</a:t>
+            </a:r>
+            <a:r>
+              <a:rPr lang="zh-CN" altLang="en-US" b="1" u="sng" dirty="0" smtClean="0"/>
+              <a:t>用、</a:t>
+            </a:r>
+            <a:r>
+              <a:rPr lang="en-US" altLang="zh-CN" b="1" u="sng" dirty="0"/>
               <a:t> </a:t>
             </a:r>
             <a:r>
-              <a:rPr lang="en-US" altLang="zh-CN" b="1" dirty="0" smtClean="0"/>
+              <a:rPr lang="en-US" altLang="zh-CN" b="1" u="sng" dirty="0" smtClean="0"/>
               <a:t>move</a:t>
             </a:r>
             <a:r>
-              <a:rPr lang="zh-CN" altLang="en-US" b="1" dirty="0" smtClean="0"/>
+              <a:rPr lang="zh-CN" altLang="en-US" b="1" u="sng" dirty="0" smtClean="0"/>
               <a:t>、</a:t>
             </a:r>
             <a:r>
-              <a:rPr lang="en-US" altLang="zh-CN" b="1" smtClean="0"/>
+              <a:rPr lang="en-US" altLang="zh-CN" b="1" u="sng" smtClean="0"/>
               <a:t>forward</a:t>
             </a:r>
-            <a:endParaRPr lang="en-US" altLang="zh-CN" b="1" dirty="0" smtClean="0"/>
-          </a:p>
-          <a:p>
-            <a:r>
-              <a:rPr lang="en-US" altLang="zh-CN" dirty="0" smtClean="0"/>
+            <a:endParaRPr lang="en-US" altLang="zh-CN" b="1" u="sng" dirty="0" smtClean="0"/>
+          </a:p>
+          <a:p>
+            <a:r>
+              <a:rPr lang="en-US" altLang="zh-CN" b="1" u="sng" dirty="0" smtClean="0"/>
               <a:t>Lambda</a:t>
             </a:r>
             <a:r>
-              <a:rPr lang="zh-CN" altLang="en-US" dirty="0" smtClean="0"/>
+              <a:rPr lang="zh-CN" altLang="en-US" b="1" u="sng" dirty="0" smtClean="0"/>
               <a:t>表达式</a:t>
             </a:r>
-            <a:endParaRPr lang="en-US" altLang="zh-CN" dirty="0" smtClean="0"/>
+            <a:endParaRPr lang="en-US" altLang="zh-CN" b="1" u="sng" dirty="0" smtClean="0"/>
           </a:p>
           <a:p>
             <a:r>
@@ -15967,7 +16333,11 @@
               <a:rPr lang="en-US" altLang="zh-CN" dirty="0" smtClean="0"/>
               <a:t>auto</a:t>
             </a:r>
-            <a:endParaRPr lang="zh-CN" altLang="en-US" dirty="0"/>
+            <a:r>
+              <a:rPr lang="zh-CN" altLang="en-US" dirty="0" smtClean="0"/>
+              <a:t>的好处</a:t>
+            </a:r>
+            <a:endParaRPr lang="zh-CN" altLang="en-US" dirty="0" smtClean="0"/>
           </a:p>
         </p:txBody>
       </p:sp>
@@ -15983,87 +16353,205 @@
         </p:nvSpPr>
         <p:spPr/>
         <p:txBody>
-          <a:bodyPr/>
+          <a:bodyPr>
+            <a:normAutofit lnSpcReduction="10000"/>
+          </a:bodyPr>
           <a:lstStyle/>
           <a:p>
             <a:r>
-              <a:rPr lang="en-US" altLang="zh-CN" dirty="0" err="1" smtClean="0"/>
+              <a:rPr lang="zh-CN" altLang="en-US" sz="2400" dirty="0" smtClean="0">
+                <a:sym typeface="+mn-ea"/>
+              </a:rPr>
+              <a:t>类型推导</a:t>
+            </a:r>
+            <a:r>
+              <a:rPr lang="en-US" altLang="zh-CN" sz="2400" dirty="0" smtClean="0">
+                <a:sym typeface="+mn-ea"/>
+              </a:rPr>
+              <a:t>&amp;</a:t>
+            </a:r>
+            <a:r>
+              <a:rPr lang="zh-CN" altLang="en-US" sz="2400" dirty="0" smtClean="0">
+                <a:sym typeface="+mn-ea"/>
+              </a:rPr>
+              <a:t>必须初始化</a:t>
+            </a:r>
+            <a:endParaRPr lang="zh-CN" altLang="en-US" sz="2400" dirty="0" smtClean="0"/>
+          </a:p>
+          <a:p>
+            <a:pPr lvl="1"/>
+            <a:r>
+              <a:rPr lang="en-US" altLang="zh-CN" sz="2400" dirty="0" smtClean="0">
+                <a:sym typeface="+mn-ea"/>
+              </a:rPr>
+              <a:t>auto i; 			//error</a:t>
+            </a:r>
+            <a:endParaRPr lang="en-US" altLang="zh-CN" sz="2400" dirty="0" smtClean="0"/>
+          </a:p>
+          <a:p>
+            <a:r>
+              <a:rPr lang="zh-CN" altLang="en-US" sz="2400" dirty="0" smtClean="0">
+                <a:sym typeface="+mn-ea"/>
+              </a:rPr>
+              <a:t>节省代码量</a:t>
+            </a:r>
+            <a:endParaRPr lang="zh-CN" altLang="en-US" sz="2400" dirty="0" smtClean="0">
+              <a:sym typeface="+mn-ea"/>
+            </a:endParaRPr>
+          </a:p>
+          <a:p>
+            <a:pPr lvl="1"/>
+            <a:r>
+              <a:rPr lang="en-US" altLang="zh-CN" sz="2400" dirty="0" err="1" smtClean="0">
+                <a:sym typeface="+mn-ea"/>
+              </a:rPr>
               <a:t>std</a:t>
             </a:r>
             <a:r>
-              <a:rPr lang="en-US" altLang="zh-CN" dirty="0" smtClean="0"/>
+              <a:rPr lang="en-US" altLang="zh-CN" sz="2400" dirty="0" smtClean="0">
+                <a:sym typeface="+mn-ea"/>
+              </a:rPr>
               <a:t>::map&lt;</a:t>
             </a:r>
             <a:r>
-              <a:rPr lang="en-US" altLang="zh-CN" dirty="0" err="1" smtClean="0"/>
+              <a:rPr lang="en-US" altLang="zh-CN" sz="2400" dirty="0" err="1" smtClean="0">
+                <a:sym typeface="+mn-ea"/>
+              </a:rPr>
               <a:t>int</a:t>
             </a:r>
             <a:r>
-              <a:rPr lang="en-US" altLang="zh-CN" dirty="0" smtClean="0"/>
+              <a:rPr lang="en-US" altLang="zh-CN" sz="2400" dirty="0" smtClean="0">
+                <a:sym typeface="+mn-ea"/>
+              </a:rPr>
               <a:t>, </a:t>
             </a:r>
             <a:r>
-              <a:rPr lang="en-US" altLang="zh-CN" dirty="0" err="1" smtClean="0"/>
+              <a:rPr lang="en-US" altLang="zh-CN" sz="2400" dirty="0" err="1" smtClean="0">
+                <a:sym typeface="+mn-ea"/>
+              </a:rPr>
               <a:t>int</a:t>
             </a:r>
             <a:r>
-              <a:rPr lang="en-US" altLang="zh-CN" dirty="0" smtClean="0"/>
+              <a:rPr lang="en-US" altLang="zh-CN" sz="2400" dirty="0" smtClean="0">
+                <a:sym typeface="+mn-ea"/>
+              </a:rPr>
               <a:t>&gt; ma;</a:t>
             </a:r>
-            <a:endParaRPr lang="en-US" altLang="zh-CN" dirty="0" smtClean="0"/>
-          </a:p>
-          <a:p>
-            <a:r>
-              <a:rPr lang="en-US" altLang="zh-CN" dirty="0" smtClean="0"/>
+            <a:endParaRPr lang="en-US" altLang="zh-CN" sz="2400" dirty="0" smtClean="0"/>
+          </a:p>
+          <a:p>
+            <a:pPr lvl="1"/>
+            <a:r>
+              <a:rPr lang="en-US" altLang="zh-CN" sz="2400" dirty="0" smtClean="0">
+                <a:sym typeface="+mn-ea"/>
+              </a:rPr>
               <a:t>for ( </a:t>
             </a:r>
             <a:r>
-              <a:rPr lang="en-US" altLang="zh-CN" dirty="0" err="1" smtClean="0"/>
+              <a:rPr lang="en-US" altLang="zh-CN" sz="2400" dirty="0" err="1" smtClean="0">
+                <a:sym typeface="+mn-ea"/>
+              </a:rPr>
               <a:t>std</a:t>
             </a:r>
             <a:r>
-              <a:rPr lang="en-US" altLang="zh-CN" dirty="0" smtClean="0"/>
+              <a:rPr lang="en-US" altLang="zh-CN" sz="2400" dirty="0" smtClean="0">
+                <a:sym typeface="+mn-ea"/>
+              </a:rPr>
               <a:t>::map&lt;</a:t>
             </a:r>
             <a:r>
-              <a:rPr lang="en-US" altLang="zh-CN" dirty="0" err="1" smtClean="0"/>
+              <a:rPr lang="en-US" altLang="zh-CN" sz="2400" dirty="0" err="1" smtClean="0">
+                <a:sym typeface="+mn-ea"/>
+              </a:rPr>
               <a:t>int</a:t>
             </a:r>
             <a:r>
-              <a:rPr lang="en-US" altLang="zh-CN" dirty="0" smtClean="0"/>
+              <a:rPr lang="en-US" altLang="zh-CN" sz="2400" dirty="0" smtClean="0">
+                <a:sym typeface="+mn-ea"/>
+              </a:rPr>
               <a:t>, </a:t>
             </a:r>
             <a:r>
-              <a:rPr lang="en-US" altLang="zh-CN" dirty="0" err="1" smtClean="0"/>
+              <a:rPr lang="en-US" altLang="zh-CN" sz="2400" dirty="0" err="1" smtClean="0">
+                <a:sym typeface="+mn-ea"/>
+              </a:rPr>
               <a:t>int</a:t>
             </a:r>
             <a:r>
-              <a:rPr lang="en-US" altLang="zh-CN" dirty="0" smtClean="0"/>
+              <a:rPr lang="en-US" altLang="zh-CN" sz="2400" dirty="0" smtClean="0">
+                <a:sym typeface="+mn-ea"/>
+              </a:rPr>
               <a:t>&gt;::iterator it = </a:t>
             </a:r>
             <a:r>
-              <a:rPr lang="en-US" altLang="zh-CN" dirty="0" err="1" smtClean="0"/>
+              <a:rPr lang="en-US" altLang="zh-CN" sz="2400" dirty="0" err="1" smtClean="0">
+                <a:sym typeface="+mn-ea"/>
+              </a:rPr>
               <a:t>ma.begin</a:t>
             </a:r>
             <a:r>
-              <a:rPr lang="en-US" altLang="zh-CN" dirty="0" smtClean="0"/>
+              <a:rPr lang="en-US" altLang="zh-CN" sz="2400" dirty="0" smtClean="0">
+                <a:sym typeface="+mn-ea"/>
+              </a:rPr>
               <a:t>(); it != </a:t>
             </a:r>
             <a:r>
-              <a:rPr lang="en-US" altLang="zh-CN" dirty="0" err="1" smtClean="0"/>
+              <a:rPr lang="en-US" altLang="zh-CN" sz="2400" dirty="0" err="1" smtClean="0">
+                <a:sym typeface="+mn-ea"/>
+              </a:rPr>
               <a:t>ma.end</a:t>
             </a:r>
             <a:r>
-              <a:rPr lang="en-US" altLang="zh-CN" dirty="0" smtClean="0"/>
+              <a:rPr lang="en-US" altLang="zh-CN" sz="2400" dirty="0" smtClean="0">
+                <a:sym typeface="+mn-ea"/>
+              </a:rPr>
               <a:t>(); ++it)</a:t>
             </a:r>
-            <a:endParaRPr lang="en-US" altLang="zh-CN" dirty="0" smtClean="0"/>
-          </a:p>
-          <a:p>
-            <a:r>
-              <a:rPr lang="en-US" altLang="zh-CN" dirty="0" smtClean="0"/>
-              <a:t>for ( auto&amp; it : ma)</a:t>
-            </a:r>
+            <a:endParaRPr lang="en-US" altLang="zh-CN" sz="2400" dirty="0" smtClean="0"/>
+          </a:p>
+          <a:p>
+            <a:pPr lvl="1"/>
+            <a:r>
+              <a:rPr lang="en-US" altLang="zh-CN" sz="2400" dirty="0" smtClean="0">
+                <a:sym typeface="+mn-ea"/>
+              </a:rPr>
+              <a:t>for ( </a:t>
+            </a:r>
+            <a:r>
+              <a:rPr lang="en-US" altLang="zh-CN" sz="2400" dirty="0" smtClean="0">
+                <a:solidFill>
+                  <a:srgbClr val="FF0000"/>
+                </a:solidFill>
+                <a:sym typeface="+mn-ea"/>
+              </a:rPr>
+              <a:t>auto</a:t>
+            </a:r>
+            <a:r>
+              <a:rPr lang="en-US" altLang="zh-CN" sz="2400" dirty="0" smtClean="0">
+                <a:sym typeface="+mn-ea"/>
+              </a:rPr>
+              <a:t>&amp; it : ma)</a:t>
+            </a:r>
+            <a:endParaRPr lang="zh-CN" altLang="en-US" sz="2400" dirty="0" smtClean="0">
+              <a:sym typeface="+mn-ea"/>
+            </a:endParaRPr>
+          </a:p>
+          <a:p>
+            <a:r>
+              <a:rPr lang="zh-CN" altLang="en-US" dirty="0" smtClean="0">
+                <a:sym typeface="+mn-ea"/>
+              </a:rPr>
+              <a:t>代码重构</a:t>
+            </a:r>
+            <a:endParaRPr lang="zh-CN" altLang="en-US" dirty="0" smtClean="0">
+              <a:sym typeface="+mn-ea"/>
+            </a:endParaRPr>
+          </a:p>
+          <a:p>
+            <a:pPr lvl="1"/>
+            <a:endParaRPr lang="zh-CN" altLang="en-US" sz="2400" dirty="0" smtClean="0"/>
+          </a:p>
+          <a:p>
             <a:endParaRPr lang="en-US" altLang="zh-CN" dirty="0" smtClean="0"/>
           </a:p>
           <a:p>
@@ -16127,7 +16615,11 @@
               <a:rPr lang="en-US" altLang="zh-CN" dirty="0" smtClean="0"/>
               <a:t>auto</a:t>
             </a:r>
-            <a:endParaRPr lang="zh-CN" altLang="en-US" dirty="0"/>
+            <a:r>
+              <a:rPr lang="zh-CN" altLang="en-US" dirty="0" smtClean="0"/>
+              <a:t>的疑问</a:t>
+            </a:r>
+            <a:endParaRPr lang="zh-CN" altLang="en-US" dirty="0" smtClean="0"/>
           </a:p>
         </p:txBody>
       </p:sp>
@@ -16147,104 +16639,334 @@
           <a:lstStyle/>
           <a:p>
             <a:r>
-              <a:rPr lang="en-US" altLang="zh-CN" dirty="0" err="1" smtClean="0"/>
-              <a:t>std</a:t>
-            </a:r>
+              <a:rPr lang="zh-CN" altLang="en-US" dirty="0" smtClean="0"/>
+              <a:t>大量</a:t>
+            </a:r>
+            <a:r>
+              <a:rPr lang="zh-CN" altLang="en-US" dirty="0" smtClean="0"/>
+              <a:t>会影响编译速度吗？</a:t>
+            </a:r>
+            <a:endParaRPr lang="zh-CN" altLang="en-US" dirty="0" smtClean="0"/>
+          </a:p>
+          <a:p>
+            <a:endParaRPr lang="zh-CN" altLang="en-US" dirty="0" smtClean="0"/>
+          </a:p>
+          <a:p>
+            <a:r>
+              <a:rPr lang="zh-CN" altLang="en-US" dirty="0" smtClean="0"/>
+              <a:t>滥用后会降低代码可读性？</a:t>
+            </a:r>
+            <a:endParaRPr lang="zh-CN" altLang="en-US" dirty="0" smtClean="0"/>
+          </a:p>
+          <a:p>
+            <a:endParaRPr lang="zh-CN" altLang="en-US" dirty="0" smtClean="0"/>
+          </a:p>
+          <a:p>
             <a:r>
               <a:rPr lang="en-US" altLang="zh-CN" dirty="0" smtClean="0"/>
-              <a:t>::</a:t>
-            </a:r>
-            <a:r>
-              <a:rPr lang="en-US" altLang="zh-CN" dirty="0" err="1" smtClean="0"/>
-              <a:t>unorderd_map</a:t>
-            </a:r>
-            <a:r>
-              <a:rPr lang="en-US" altLang="zh-CN" dirty="0" smtClean="0"/>
-              <a:t>&lt;</a:t>
-            </a:r>
-            <a:r>
-              <a:rPr lang="en-US" altLang="zh-CN" dirty="0" err="1" smtClean="0"/>
-              <a:t>std</a:t>
-            </a:r>
-            <a:r>
-              <a:rPr lang="en-US" altLang="zh-CN" dirty="0" smtClean="0"/>
-              <a:t>::string, </a:t>
-            </a:r>
-            <a:r>
-              <a:rPr lang="en-US" altLang="zh-CN" dirty="0" err="1" smtClean="0"/>
-              <a:t>int</a:t>
-            </a:r>
-            <a:r>
-              <a:rPr lang="en-US" altLang="zh-CN" dirty="0" smtClean="0"/>
-              <a:t>&gt; m;</a:t>
-            </a:r>
-            <a:endParaRPr lang="en-US" altLang="zh-CN" dirty="0" smtClean="0"/>
-          </a:p>
-          <a:p>
-            <a:r>
-              <a:rPr lang="en-US" altLang="zh-CN" dirty="0" smtClean="0"/>
-              <a:t>for ( </a:t>
-            </a:r>
-            <a:r>
-              <a:rPr lang="en-US" altLang="zh-CN" dirty="0" err="1" smtClean="0"/>
-              <a:t>const</a:t>
-            </a:r>
-            <a:r>
-              <a:rPr lang="en-US" altLang="zh-CN" dirty="0" smtClean="0"/>
-              <a:t> </a:t>
-            </a:r>
-            <a:r>
-              <a:rPr lang="en-US" altLang="zh-CN" dirty="0" err="1" smtClean="0"/>
-              <a:t>std</a:t>
-            </a:r>
-            <a:r>
-              <a:rPr lang="en-US" altLang="zh-CN" dirty="0" smtClean="0"/>
-              <a:t>::pair&lt;</a:t>
-            </a:r>
-            <a:r>
-              <a:rPr lang="en-US" altLang="zh-CN" dirty="0" err="1" smtClean="0"/>
-              <a:t>std</a:t>
-            </a:r>
-            <a:r>
-              <a:rPr lang="en-US" altLang="zh-CN" dirty="0" smtClean="0"/>
-              <a:t>::string, </a:t>
-            </a:r>
-            <a:r>
-              <a:rPr lang="en-US" altLang="zh-CN" dirty="0" err="1" smtClean="0"/>
-              <a:t>int</a:t>
-            </a:r>
-            <a:r>
-              <a:rPr lang="en-US" altLang="zh-CN" dirty="0" smtClean="0"/>
-              <a:t>&gt;&amp; p : m )</a:t>
-            </a:r>
-            <a:endParaRPr lang="en-US" altLang="zh-CN" dirty="0" smtClean="0"/>
-          </a:p>
-          <a:p>
-            <a:r>
-              <a:rPr lang="en-US" altLang="zh-CN" dirty="0" smtClean="0"/>
-              <a:t>for ( </a:t>
-            </a:r>
-            <a:r>
-              <a:rPr lang="en-US" altLang="zh-CN" dirty="0" err="1" smtClean="0"/>
-              <a:t>const</a:t>
-            </a:r>
-            <a:r>
-              <a:rPr lang="en-US" altLang="zh-CN" dirty="0" smtClean="0"/>
-              <a:t> auto&amp; p : m )</a:t>
-            </a:r>
-            <a:endParaRPr lang="en-US" altLang="zh-CN" dirty="0" smtClean="0"/>
+              <a:t>IDE</a:t>
+            </a:r>
+            <a:r>
+              <a:rPr lang="zh-CN" altLang="en-US" dirty="0" smtClean="0"/>
+              <a:t>代码提示？</a:t>
+            </a:r>
+            <a:endParaRPr lang="zh-CN" altLang="en-US" dirty="0" smtClean="0"/>
+          </a:p>
+          <a:p>
+            <a:endParaRPr lang="zh-CN" altLang="en-US" dirty="0" smtClean="0"/>
+          </a:p>
+          <a:p>
+            <a:endParaRPr lang="zh-CN" altLang="en-US" dirty="0" smtClean="0"/>
           </a:p>
         </p:txBody>
       </p:sp>
+      <p:pic>
+        <p:nvPicPr>
+          <p:cNvPr id="4" name="图片 3"/>
+          <p:cNvPicPr>
+            <a:picLocks noChangeAspect="1"/>
+          </p:cNvPicPr>
+          <p:nvPr/>
+        </p:nvPicPr>
+        <p:blipFill>
+          <a:blip r:embed="rId1"/>
+          <a:stretch>
+            <a:fillRect/>
+          </a:stretch>
+        </p:blipFill>
+        <p:spPr>
+          <a:xfrm>
+            <a:off x="5733415" y="3416935"/>
+            <a:ext cx="1828800" cy="857250"/>
+          </a:xfrm>
+          <a:prstGeom prst="rect">
+            <a:avLst/>
+          </a:prstGeom>
+        </p:spPr>
+      </p:pic>
+      <p:pic>
+        <p:nvPicPr>
+          <p:cNvPr id="6" name="图片 5" descr="2EN63ZBQ)_818FD3Q%EYR6W"/>
+          <p:cNvPicPr>
+            <a:picLocks noChangeAspect="1"/>
+          </p:cNvPicPr>
+          <p:nvPr/>
+        </p:nvPicPr>
+        <p:blipFill>
+          <a:blip r:embed="rId2"/>
+          <a:stretch>
+            <a:fillRect/>
+          </a:stretch>
+        </p:blipFill>
+        <p:spPr>
+          <a:xfrm>
+            <a:off x="5431155" y="4658360"/>
+            <a:ext cx="1309370" cy="614045"/>
+          </a:xfrm>
+          <a:prstGeom prst="rect">
+            <a:avLst/>
+          </a:prstGeom>
+        </p:spPr>
+      </p:pic>
+      <p:pic>
+        <p:nvPicPr>
+          <p:cNvPr id="7" name="图片 6" descr="X0A`($Z9R}27H2WIY[ENQVE"/>
+          <p:cNvPicPr>
+            <a:picLocks noChangeAspect="1"/>
+          </p:cNvPicPr>
+          <p:nvPr/>
+        </p:nvPicPr>
+        <p:blipFill>
+          <a:blip r:embed="rId3"/>
+          <a:stretch>
+            <a:fillRect/>
+          </a:stretch>
+        </p:blipFill>
+        <p:spPr>
+          <a:xfrm>
+            <a:off x="4148455" y="4718050"/>
+            <a:ext cx="3601720" cy="1466850"/>
+          </a:xfrm>
+          <a:prstGeom prst="rect">
+            <a:avLst/>
+          </a:prstGeom>
+        </p:spPr>
+      </p:pic>
     </p:spTree>
   </p:cSld>
   <p:clrMapOvr>
     <a:masterClrMapping/>
   </p:clrMapOvr>
+  <p:transition/>
   <p:timing>
     <p:tnLst>
       <p:par>
-        <p:cTn id="1" dur="indefinite" restart="never" nodeType="tmRoot"/>
+        <p:cTn id="1" dur="indefinite" restart="never" nodeType="tmRoot">
+          <p:childTnLst>
+            <p:seq concurrent="1" nextAc="seek">
+              <p:cTn id="2" dur="indefinite" nodeType="mainSeq">
+                <p:childTnLst>
+                  <p:par>
+                    <p:cTn id="3" fill="hold">
+                      <p:stCondLst>
+                        <p:cond delay="indefinite"/>
+                      </p:stCondLst>
+                      <p:childTnLst>
+                        <p:par>
+                          <p:cTn id="4" fill="hold">
+                            <p:stCondLst>
+                              <p:cond delay="0"/>
+                            </p:stCondLst>
+                            <p:childTnLst>
+                              <p:par>
+                                <p:cTn id="5" presetID="2" presetClass="entr" presetSubtype="2" fill="hold" nodeType="clickEffect">
+                                  <p:stCondLst>
+                                    <p:cond delay="0"/>
+                                  </p:stCondLst>
+                                  <p:childTnLst>
+                                    <p:set>
+                                      <p:cBhvr>
+                                        <p:cTn id="6" dur="1" fill="hold">
+                                          <p:stCondLst>
+                                            <p:cond delay="0"/>
+                                          </p:stCondLst>
+                                        </p:cTn>
+                                        <p:tgtEl>
+                                          <p:spTgt spid="4"/>
+                                        </p:tgtEl>
+                                        <p:attrNameLst>
+                                          <p:attrName>style.visibility</p:attrName>
+                                        </p:attrNameLst>
+                                      </p:cBhvr>
+                                      <p:to>
+                                        <p:strVal val="visible"/>
+                                      </p:to>
+                                    </p:set>
+                                    <p:anim calcmode="lin" valueType="num">
+                                      <p:cBhvr additive="base">
+                                        <p:cTn id="7" dur="500" fill="hold"/>
+                                        <p:tgtEl>
+                                          <p:spTgt spid="4"/>
+                                        </p:tgtEl>
+                                        <p:attrNameLst>
+                                          <p:attrName>ppt_x</p:attrName>
+                                        </p:attrNameLst>
+                                      </p:cBhvr>
+                                      <p:tavLst>
+                                        <p:tav tm="0">
+                                          <p:val>
+                                            <p:strVal val="1+#ppt_w/2"/>
+                                          </p:val>
+                                        </p:tav>
+                                        <p:tav tm="100000">
+                                          <p:val>
+                                            <p:strVal val="#ppt_x"/>
+                                          </p:val>
+                                        </p:tav>
+                                      </p:tavLst>
+                                    </p:anim>
+                                    <p:anim calcmode="lin" valueType="num">
+                                      <p:cBhvr additive="base">
+                                        <p:cTn id="8" dur="500" fill="hold"/>
+                                        <p:tgtEl>
+                                          <p:spTgt spid="4"/>
+                                        </p:tgtEl>
+                                        <p:attrNameLst>
+                                          <p:attrName>ppt_y</p:attrName>
+                                        </p:attrNameLst>
+                                      </p:cBhvr>
+                                      <p:tavLst>
+                                        <p:tav tm="0">
+                                          <p:val>
+                                            <p:strVal val="#ppt_y"/>
+                                          </p:val>
+                                        </p:tav>
+                                        <p:tav tm="100000">
+                                          <p:val>
+                                            <p:strVal val="#ppt_y"/>
+                                          </p:val>
+                                        </p:tav>
+                                      </p:tavLst>
+                                    </p:anim>
+                                  </p:childTnLst>
+                                </p:cTn>
+                              </p:par>
+                            </p:childTnLst>
+                          </p:cTn>
+                        </p:par>
+                      </p:childTnLst>
+                    </p:cTn>
+                  </p:par>
+                  <p:par>
+                    <p:cTn id="9" fill="hold">
+                      <p:stCondLst>
+                        <p:cond delay="indefinite"/>
+                      </p:stCondLst>
+                      <p:childTnLst>
+                        <p:par>
+                          <p:cTn id="10" fill="hold">
+                            <p:stCondLst>
+                              <p:cond delay="0"/>
+                            </p:stCondLst>
+                            <p:childTnLst>
+                              <p:par>
+                                <p:cTn id="11" presetID="2" presetClass="entr" presetSubtype="4" fill="hold" nodeType="clickEffect">
+                                  <p:stCondLst>
+                                    <p:cond delay="0"/>
+                                  </p:stCondLst>
+                                  <p:childTnLst>
+                                    <p:set>
+                                      <p:cBhvr>
+                                        <p:cTn id="12" dur="1" fill="hold">
+                                          <p:stCondLst>
+                                            <p:cond delay="0"/>
+                                          </p:stCondLst>
+                                        </p:cTn>
+                                        <p:tgtEl>
+                                          <p:spTgt spid="7"/>
+                                        </p:tgtEl>
+                                        <p:attrNameLst>
+                                          <p:attrName>style.visibility</p:attrName>
+                                        </p:attrNameLst>
+                                      </p:cBhvr>
+                                      <p:to>
+                                        <p:strVal val="visible"/>
+                                      </p:to>
+                                    </p:set>
+                                    <p:anim calcmode="lin" valueType="num">
+                                      <p:cBhvr additive="base">
+                                        <p:cTn id="13" dur="500" fill="hold"/>
+                                        <p:tgtEl>
+                                          <p:spTgt spid="7"/>
+                                        </p:tgtEl>
+                                        <p:attrNameLst>
+                                          <p:attrName>ppt_x</p:attrName>
+                                        </p:attrNameLst>
+                                      </p:cBhvr>
+                                      <p:tavLst>
+                                        <p:tav tm="0">
+                                          <p:val>
+                                            <p:strVal val="#ppt_x"/>
+                                          </p:val>
+                                        </p:tav>
+                                        <p:tav tm="100000">
+                                          <p:val>
+                                            <p:strVal val="#ppt_x"/>
+                                          </p:val>
+                                        </p:tav>
+                                      </p:tavLst>
+                                    </p:anim>
+                                    <p:anim calcmode="lin" valueType="num">
+                                      <p:cBhvr additive="base">
+                                        <p:cTn id="14" dur="500" fill="hold"/>
+                                        <p:tgtEl>
+                                          <p:spTgt spid="7"/>
+                                        </p:tgtEl>
+                                        <p:attrNameLst>
+                                          <p:attrName>ppt_y</p:attrName>
+                                        </p:attrNameLst>
+                                      </p:cBhvr>
+                                      <p:tavLst>
+                                        <p:tav tm="0">
+                                          <p:val>
+                                            <p:strVal val="1+#ppt_h/2"/>
+                                          </p:val>
+                                        </p:tav>
+                                        <p:tav tm="100000">
+                                          <p:val>
+                                            <p:strVal val="#ppt_y"/>
+                                          </p:val>
+                                        </p:tav>
+                                      </p:tavLst>
+                                    </p:anim>
+                                  </p:childTnLst>
+                                </p:cTn>
+                              </p:par>
+                            </p:childTnLst>
+                          </p:cTn>
+                        </p:par>
+                      </p:childTnLst>
+                    </p:cTn>
+                  </p:par>
+                </p:childTnLst>
+              </p:cTn>
+              <p:prevCondLst>
+                <p:cond evt="onPrev" delay="0">
+                  <p:tgtEl>
+                    <p:sldTgt/>
+                  </p:tgtEl>
+                </p:cond>
+              </p:prevCondLst>
+              <p:nextCondLst>
+                <p:cond evt="onNext" delay="0">
+                  <p:tgtEl>
+                    <p:sldTgt/>
+                  </p:tgtEl>
+                </p:cond>
+              </p:nextCondLst>
+            </p:seq>
+          </p:childTnLst>
+        </p:cTn>
       </p:par>
     </p:tnLst>
   </p:timing>
@@ -16475,7 +17197,7 @@
           <a:p>
             <a:r>
               <a:rPr lang="en-US" altLang="zh-CN" dirty="0" smtClean="0"/>
-              <a:t>move</a:t>
+              <a:t>std::move</a:t>
             </a:r>
             <a:endParaRPr lang="zh-CN" altLang="en-US" dirty="0"/>
           </a:p>
@@ -16498,7 +17220,7 @@
           <a:p>
             <a:r>
               <a:rPr lang="en-US" altLang="zh-CN" dirty="0" smtClean="0"/>
-              <a:t>Template &lt;class T&gt;</a:t>
+              <a:t>template &lt;class T&gt;</a:t>
             </a:r>
             <a:endParaRPr lang="en-US" altLang="zh-CN" dirty="0" smtClean="0"/>
           </a:p>
@@ -16795,7 +17517,7 @@
             </a:r>
             <a:r>
               <a:rPr lang="en-US" altLang="zh-CN" b="1" dirty="0" smtClean="0"/>
-              <a:t>A:A (A&amp;&amp;)</a:t>
+              <a:t>A (A&amp;&amp;)</a:t>
             </a:r>
             <a:endParaRPr lang="en-US" altLang="zh-CN" b="1" dirty="0" smtClean="0"/>
           </a:p>
@@ -16908,7 +17630,7 @@
         </p:blipFill>
         <p:spPr bwMode="auto">
           <a:xfrm>
-            <a:off x="755575" y="620688"/>
+            <a:off x="782245" y="621323"/>
             <a:ext cx="7579423" cy="5616624"/>
           </a:xfrm>
           <a:prstGeom prst="rect">

--- a/doc/c++11learning.pptx
+++ b/doc/c++11learning.pptx
@@ -1,27 +1,38 @@
 
 <file path=ppt/presentation.xml><?xml version="1.0" encoding="utf-8"?>
-<p:presentation xmlns:a="http://schemas.openxmlformats.org/drawingml/2006/main" xmlns:r="http://schemas.openxmlformats.org/officeDocument/2006/relationships" xmlns:p="http://schemas.openxmlformats.org/presentationml/2006/main">
+<p:presentation xmlns:a="http://schemas.openxmlformats.org/drawingml/2006/main" xmlns:r="http://schemas.openxmlformats.org/officeDocument/2006/relationships" xmlns:p="http://schemas.openxmlformats.org/presentationml/2006/main" saveSubsetFonts="1">
   <p:sldMasterIdLst>
     <p:sldMasterId id="2147483648" r:id="rId1"/>
   </p:sldMasterIdLst>
+  <p:notesMasterIdLst>
+    <p:notesMasterId r:id="rId27"/>
+  </p:notesMasterIdLst>
   <p:sldIdLst>
-    <p:sldId id="256" r:id="rId3"/>
-    <p:sldId id="257" r:id="rId4"/>
-    <p:sldId id="258" r:id="rId5"/>
-    <p:sldId id="268" r:id="rId6"/>
-    <p:sldId id="260" r:id="rId7"/>
-    <p:sldId id="270" r:id="rId8"/>
-    <p:sldId id="261" r:id="rId9"/>
-    <p:sldId id="271" r:id="rId10"/>
-    <p:sldId id="272" r:id="rId11"/>
-    <p:sldId id="262" r:id="rId12"/>
-    <p:sldId id="263" r:id="rId13"/>
-    <p:sldId id="264" r:id="rId14"/>
-    <p:sldId id="265" r:id="rId15"/>
-    <p:sldId id="269" r:id="rId16"/>
-    <p:sldId id="267" r:id="rId17"/>
-    <p:sldId id="266" r:id="rId18"/>
-    <p:sldId id="282" r:id="rId19"/>
+    <p:sldId id="256" r:id="rId2"/>
+    <p:sldId id="257" r:id="rId3"/>
+    <p:sldId id="258" r:id="rId4"/>
+    <p:sldId id="268" r:id="rId5"/>
+    <p:sldId id="283" r:id="rId6"/>
+    <p:sldId id="284" r:id="rId7"/>
+    <p:sldId id="260" r:id="rId8"/>
+    <p:sldId id="290" r:id="rId9"/>
+    <p:sldId id="291" r:id="rId10"/>
+    <p:sldId id="270" r:id="rId11"/>
+    <p:sldId id="261" r:id="rId12"/>
+    <p:sldId id="285" r:id="rId13"/>
+    <p:sldId id="289" r:id="rId14"/>
+    <p:sldId id="271" r:id="rId15"/>
+    <p:sldId id="272" r:id="rId16"/>
+    <p:sldId id="287" r:id="rId17"/>
+    <p:sldId id="264" r:id="rId18"/>
+    <p:sldId id="292" r:id="rId19"/>
+    <p:sldId id="265" r:id="rId20"/>
+    <p:sldId id="269" r:id="rId21"/>
+    <p:sldId id="293" r:id="rId22"/>
+    <p:sldId id="288" r:id="rId23"/>
+    <p:sldId id="267" r:id="rId24"/>
+    <p:sldId id="266" r:id="rId25"/>
+    <p:sldId id="282" r:id="rId26"/>
   </p:sldIdLst>
   <p:sldSz cx="9144000" cy="6858000" type="screen4x3"/>
   <p:notesSz cx="6858000" cy="9144000"/>
@@ -126,32 +137,404 @@
         <p14:section name="默认节" id="{039B0A7B-50D1-4388-9306-190C3A7AC59D}">
           <p14:sldIdLst>
             <p14:sldId id="256"/>
+            <p14:sldId id="257"/>
+            <p14:sldId id="258"/>
             <p14:sldId id="268"/>
+            <p14:sldId id="283"/>
+            <p14:sldId id="284"/>
             <p14:sldId id="260"/>
+            <p14:sldId id="290"/>
+            <p14:sldId id="291"/>
             <p14:sldId id="270"/>
             <p14:sldId id="261"/>
-            <p14:sldId id="262"/>
+            <p14:sldId id="285"/>
+            <p14:sldId id="289"/>
+            <p14:sldId id="271"/>
+            <p14:sldId id="272"/>
+            <p14:sldId id="287"/>
             <p14:sldId id="264"/>
+            <p14:sldId id="292"/>
             <p14:sldId id="265"/>
             <p14:sldId id="269"/>
+            <p14:sldId id="293"/>
+            <p14:sldId id="288"/>
             <p14:sldId id="267"/>
             <p14:sldId id="266"/>
             <p14:sldId id="282"/>
-            <p14:sldId id="258"/>
-            <p14:sldId id="257"/>
-            <p14:sldId id="271"/>
-            <p14:sldId id="272"/>
-            <p14:sldId id="263"/>
           </p14:sldIdLst>
         </p14:section>
       </p14:sectionLst>
+    </p:ext>
+    <p:ext uri="{EFAFB233-063F-42B5-8137-9DF3F51BA10A}">
+      <p15:sldGuideLst xmlns:p15="http://schemas.microsoft.com/office/powerpoint/2012/main">
+        <p15:guide id="1" orient="horz" pos="2160">
+          <p15:clr>
+            <a:srgbClr val="A4A3A4"/>
+          </p15:clr>
+        </p15:guide>
+        <p15:guide id="2" pos="2870">
+          <p15:clr>
+            <a:srgbClr val="A4A3A4"/>
+          </p15:clr>
+        </p15:guide>
+      </p15:sldGuideLst>
     </p:ext>
   </p:extLst>
 </p:presentation>
 </file>
 
+<file path=ppt/notesMasters/notesMaster1.xml><?xml version="1.0" encoding="utf-8"?>
+<p:notesMaster xmlns:a="http://schemas.openxmlformats.org/drawingml/2006/main" xmlns:r="http://schemas.openxmlformats.org/officeDocument/2006/relationships" xmlns:p="http://schemas.openxmlformats.org/presentationml/2006/main">
+  <p:cSld>
+    <p:bg>
+      <p:bgRef idx="1001">
+        <a:schemeClr val="bg1"/>
+      </p:bgRef>
+    </p:bg>
+    <p:spTree>
+      <p:nvGrpSpPr>
+        <p:cNvPr id="1" name=""/>
+        <p:cNvGrpSpPr/>
+        <p:nvPr/>
+      </p:nvGrpSpPr>
+      <p:grpSpPr>
+        <a:xfrm>
+          <a:off x="0" y="0"/>
+          <a:ext cx="0" cy="0"/>
+          <a:chOff x="0" y="0"/>
+          <a:chExt cx="0" cy="0"/>
+        </a:xfrm>
+      </p:grpSpPr>
+      <p:sp>
+        <p:nvSpPr>
+          <p:cNvPr id="2" name="Header Placeholder 1"/>
+          <p:cNvSpPr>
+            <a:spLocks noGrp="1"/>
+          </p:cNvSpPr>
+          <p:nvPr>
+            <p:ph type="hdr" sz="quarter"/>
+          </p:nvPr>
+        </p:nvSpPr>
+        <p:spPr>
+          <a:xfrm>
+            <a:off x="0" y="0"/>
+            <a:ext cx="2971800" cy="458788"/>
+          </a:xfrm>
+          <a:prstGeom prst="rect">
+            <a:avLst/>
+          </a:prstGeom>
+        </p:spPr>
+        <p:txBody>
+          <a:bodyPr vert="horz" lIns="91440" tIns="45720" rIns="91440" bIns="45720" rtlCol="0"/>
+          <a:lstStyle>
+            <a:lvl1pPr algn="l">
+              <a:defRPr sz="1200"/>
+            </a:lvl1pPr>
+          </a:lstStyle>
+          <a:p>
+            <a:endParaRPr lang="en-US"/>
+          </a:p>
+        </p:txBody>
+      </p:sp>
+      <p:sp>
+        <p:nvSpPr>
+          <p:cNvPr id="3" name="Date Placeholder 2"/>
+          <p:cNvSpPr>
+            <a:spLocks noGrp="1"/>
+          </p:cNvSpPr>
+          <p:nvPr>
+            <p:ph type="dt" idx="1"/>
+          </p:nvPr>
+        </p:nvSpPr>
+        <p:spPr>
+          <a:xfrm>
+            <a:off x="3884613" y="0"/>
+            <a:ext cx="2971800" cy="458788"/>
+          </a:xfrm>
+          <a:prstGeom prst="rect">
+            <a:avLst/>
+          </a:prstGeom>
+        </p:spPr>
+        <p:txBody>
+          <a:bodyPr vert="horz" lIns="91440" tIns="45720" rIns="91440" bIns="45720" rtlCol="0"/>
+          <a:lstStyle>
+            <a:lvl1pPr algn="r">
+              <a:defRPr sz="1200"/>
+            </a:lvl1pPr>
+          </a:lstStyle>
+          <a:p>
+            <a:fld id="{7AA4A401-4BFB-AD49-BDDA-8244E01004BE}" type="datetimeFigureOut">
+              <a:rPr lang="en-US" smtClean="0"/>
+              <a:t>11/6/17</a:t>
+            </a:fld>
+            <a:endParaRPr lang="en-US"/>
+          </a:p>
+        </p:txBody>
+      </p:sp>
+      <p:sp>
+        <p:nvSpPr>
+          <p:cNvPr id="4" name="Slide Image Placeholder 3"/>
+          <p:cNvSpPr>
+            <a:spLocks noGrp="1" noRot="1" noChangeAspect="1"/>
+          </p:cNvSpPr>
+          <p:nvPr>
+            <p:ph type="sldImg" idx="2"/>
+          </p:nvPr>
+        </p:nvSpPr>
+        <p:spPr>
+          <a:xfrm>
+            <a:off x="1371600" y="1143000"/>
+            <a:ext cx="4114800" cy="3086100"/>
+          </a:xfrm>
+          <a:prstGeom prst="rect">
+            <a:avLst/>
+          </a:prstGeom>
+          <a:noFill/>
+          <a:ln w="12700">
+            <a:solidFill>
+              <a:prstClr val="black"/>
+            </a:solidFill>
+          </a:ln>
+        </p:spPr>
+        <p:txBody>
+          <a:bodyPr vert="horz" lIns="91440" tIns="45720" rIns="91440" bIns="45720" rtlCol="0" anchor="ctr"/>
+          <a:lstStyle/>
+          <a:p>
+            <a:endParaRPr lang="en-US"/>
+          </a:p>
+        </p:txBody>
+      </p:sp>
+      <p:sp>
+        <p:nvSpPr>
+          <p:cNvPr id="5" name="Notes Placeholder 4"/>
+          <p:cNvSpPr>
+            <a:spLocks noGrp="1"/>
+          </p:cNvSpPr>
+          <p:nvPr>
+            <p:ph type="body" sz="quarter" idx="3"/>
+          </p:nvPr>
+        </p:nvSpPr>
+        <p:spPr>
+          <a:xfrm>
+            <a:off x="685800" y="4400550"/>
+            <a:ext cx="5486400" cy="3600450"/>
+          </a:xfrm>
+          <a:prstGeom prst="rect">
+            <a:avLst/>
+          </a:prstGeom>
+        </p:spPr>
+        <p:txBody>
+          <a:bodyPr vert="horz" lIns="91440" tIns="45720" rIns="91440" bIns="45720" rtlCol="0"/>
+          <a:lstStyle/>
+          <a:p>
+            <a:pPr lvl="0"/>
+            <a:r>
+              <a:rPr lang="en-US" smtClean="0"/>
+              <a:t>Click to edit Master text styles</a:t>
+            </a:r>
+          </a:p>
+          <a:p>
+            <a:pPr lvl="1"/>
+            <a:r>
+              <a:rPr lang="en-US" smtClean="0"/>
+              <a:t>Second level</a:t>
+            </a:r>
+          </a:p>
+          <a:p>
+            <a:pPr lvl="2"/>
+            <a:r>
+              <a:rPr lang="en-US" smtClean="0"/>
+              <a:t>Third level</a:t>
+            </a:r>
+          </a:p>
+          <a:p>
+            <a:pPr lvl="3"/>
+            <a:r>
+              <a:rPr lang="en-US" smtClean="0"/>
+              <a:t>Fourth level</a:t>
+            </a:r>
+          </a:p>
+          <a:p>
+            <a:pPr lvl="4"/>
+            <a:r>
+              <a:rPr lang="en-US" smtClean="0"/>
+              <a:t>Fifth level</a:t>
+            </a:r>
+            <a:endParaRPr lang="en-US"/>
+          </a:p>
+        </p:txBody>
+      </p:sp>
+      <p:sp>
+        <p:nvSpPr>
+          <p:cNvPr id="6" name="Footer Placeholder 5"/>
+          <p:cNvSpPr>
+            <a:spLocks noGrp="1"/>
+          </p:cNvSpPr>
+          <p:nvPr>
+            <p:ph type="ftr" sz="quarter" idx="4"/>
+          </p:nvPr>
+        </p:nvSpPr>
+        <p:spPr>
+          <a:xfrm>
+            <a:off x="0" y="8685213"/>
+            <a:ext cx="2971800" cy="458787"/>
+          </a:xfrm>
+          <a:prstGeom prst="rect">
+            <a:avLst/>
+          </a:prstGeom>
+        </p:spPr>
+        <p:txBody>
+          <a:bodyPr vert="horz" lIns="91440" tIns="45720" rIns="91440" bIns="45720" rtlCol="0" anchor="b"/>
+          <a:lstStyle>
+            <a:lvl1pPr algn="l">
+              <a:defRPr sz="1200"/>
+            </a:lvl1pPr>
+          </a:lstStyle>
+          <a:p>
+            <a:endParaRPr lang="en-US"/>
+          </a:p>
+        </p:txBody>
+      </p:sp>
+      <p:sp>
+        <p:nvSpPr>
+          <p:cNvPr id="7" name="Slide Number Placeholder 6"/>
+          <p:cNvSpPr>
+            <a:spLocks noGrp="1"/>
+          </p:cNvSpPr>
+          <p:nvPr>
+            <p:ph type="sldNum" sz="quarter" idx="5"/>
+          </p:nvPr>
+        </p:nvSpPr>
+        <p:spPr>
+          <a:xfrm>
+            <a:off x="3884613" y="8685213"/>
+            <a:ext cx="2971800" cy="458787"/>
+          </a:xfrm>
+          <a:prstGeom prst="rect">
+            <a:avLst/>
+          </a:prstGeom>
+        </p:spPr>
+        <p:txBody>
+          <a:bodyPr vert="horz" lIns="91440" tIns="45720" rIns="91440" bIns="45720" rtlCol="0" anchor="b"/>
+          <a:lstStyle>
+            <a:lvl1pPr algn="r">
+              <a:defRPr sz="1200"/>
+            </a:lvl1pPr>
+          </a:lstStyle>
+          <a:p>
+            <a:fld id="{BCCEB6C6-B3CD-9045-9992-F4F7C747430C}" type="slidenum">
+              <a:rPr lang="en-US" smtClean="0"/>
+              <a:t>‹#›</a:t>
+            </a:fld>
+            <a:endParaRPr lang="en-US"/>
+          </a:p>
+        </p:txBody>
+      </p:sp>
+    </p:spTree>
+    <p:extLst>
+      <p:ext uri="{BB962C8B-B14F-4D97-AF65-F5344CB8AC3E}">
+        <p14:creationId xmlns:p14="http://schemas.microsoft.com/office/powerpoint/2010/main" val="1041073053"/>
+      </p:ext>
+    </p:extLst>
+  </p:cSld>
+  <p:clrMap bg1="lt1" tx1="dk1" bg2="lt2" tx2="dk2" accent1="accent1" accent2="accent2" accent3="accent3" accent4="accent4" accent5="accent5" accent6="accent6" hlink="hlink" folHlink="folHlink"/>
+  <p:notesStyle>
+    <a:lvl1pPr marL="0" algn="l" defTabSz="914400" rtl="0" eaLnBrk="1" latinLnBrk="0" hangingPunct="1">
+      <a:defRPr sz="1200" kern="1200">
+        <a:solidFill>
+          <a:schemeClr val="tx1"/>
+        </a:solidFill>
+        <a:latin typeface="+mn-lt"/>
+        <a:ea typeface="+mn-ea"/>
+        <a:cs typeface="+mn-cs"/>
+      </a:defRPr>
+    </a:lvl1pPr>
+    <a:lvl2pPr marL="457200" algn="l" defTabSz="914400" rtl="0" eaLnBrk="1" latinLnBrk="0" hangingPunct="1">
+      <a:defRPr sz="1200" kern="1200">
+        <a:solidFill>
+          <a:schemeClr val="tx1"/>
+        </a:solidFill>
+        <a:latin typeface="+mn-lt"/>
+        <a:ea typeface="+mn-ea"/>
+        <a:cs typeface="+mn-cs"/>
+      </a:defRPr>
+    </a:lvl2pPr>
+    <a:lvl3pPr marL="914400" algn="l" defTabSz="914400" rtl="0" eaLnBrk="1" latinLnBrk="0" hangingPunct="1">
+      <a:defRPr sz="1200" kern="1200">
+        <a:solidFill>
+          <a:schemeClr val="tx1"/>
+        </a:solidFill>
+        <a:latin typeface="+mn-lt"/>
+        <a:ea typeface="+mn-ea"/>
+        <a:cs typeface="+mn-cs"/>
+      </a:defRPr>
+    </a:lvl3pPr>
+    <a:lvl4pPr marL="1371600" algn="l" defTabSz="914400" rtl="0" eaLnBrk="1" latinLnBrk="0" hangingPunct="1">
+      <a:defRPr sz="1200" kern="1200">
+        <a:solidFill>
+          <a:schemeClr val="tx1"/>
+        </a:solidFill>
+        <a:latin typeface="+mn-lt"/>
+        <a:ea typeface="+mn-ea"/>
+        <a:cs typeface="+mn-cs"/>
+      </a:defRPr>
+    </a:lvl4pPr>
+    <a:lvl5pPr marL="1828800" algn="l" defTabSz="914400" rtl="0" eaLnBrk="1" latinLnBrk="0" hangingPunct="1">
+      <a:defRPr sz="1200" kern="1200">
+        <a:solidFill>
+          <a:schemeClr val="tx1"/>
+        </a:solidFill>
+        <a:latin typeface="+mn-lt"/>
+        <a:ea typeface="+mn-ea"/>
+        <a:cs typeface="+mn-cs"/>
+      </a:defRPr>
+    </a:lvl5pPr>
+    <a:lvl6pPr marL="2286000" algn="l" defTabSz="914400" rtl="0" eaLnBrk="1" latinLnBrk="0" hangingPunct="1">
+      <a:defRPr sz="1200" kern="1200">
+        <a:solidFill>
+          <a:schemeClr val="tx1"/>
+        </a:solidFill>
+        <a:latin typeface="+mn-lt"/>
+        <a:ea typeface="+mn-ea"/>
+        <a:cs typeface="+mn-cs"/>
+      </a:defRPr>
+    </a:lvl6pPr>
+    <a:lvl7pPr marL="2743200" algn="l" defTabSz="914400" rtl="0" eaLnBrk="1" latinLnBrk="0" hangingPunct="1">
+      <a:defRPr sz="1200" kern="1200">
+        <a:solidFill>
+          <a:schemeClr val="tx1"/>
+        </a:solidFill>
+        <a:latin typeface="+mn-lt"/>
+        <a:ea typeface="+mn-ea"/>
+        <a:cs typeface="+mn-cs"/>
+      </a:defRPr>
+    </a:lvl7pPr>
+    <a:lvl8pPr marL="3200400" algn="l" defTabSz="914400" rtl="0" eaLnBrk="1" latinLnBrk="0" hangingPunct="1">
+      <a:defRPr sz="1200" kern="1200">
+        <a:solidFill>
+          <a:schemeClr val="tx1"/>
+        </a:solidFill>
+        <a:latin typeface="+mn-lt"/>
+        <a:ea typeface="+mn-ea"/>
+        <a:cs typeface="+mn-cs"/>
+      </a:defRPr>
+    </a:lvl8pPr>
+    <a:lvl9pPr marL="3657600" algn="l" defTabSz="914400" rtl="0" eaLnBrk="1" latinLnBrk="0" hangingPunct="1">
+      <a:defRPr sz="1200" kern="1200">
+        <a:solidFill>
+          <a:schemeClr val="tx1"/>
+        </a:solidFill>
+        <a:latin typeface="+mn-lt"/>
+        <a:ea typeface="+mn-ea"/>
+        <a:cs typeface="+mn-cs"/>
+      </a:defRPr>
+    </a:lvl9pPr>
+  </p:notesStyle>
+</p:notesMaster>
+</file>
+
 <file path=ppt/slideLayouts/slideLayout1.xml><?xml version="1.0" encoding="utf-8"?>
-<p:sldLayout xmlns:a="http://schemas.openxmlformats.org/drawingml/2006/main" xmlns:r="http://schemas.openxmlformats.org/officeDocument/2006/relationships" xmlns:p="http://schemas.openxmlformats.org/presentationml/2006/main" type="title" preserve="1" showMasterSp="0">
+<p:sldLayout xmlns:a="http://schemas.openxmlformats.org/drawingml/2006/main" xmlns:r="http://schemas.openxmlformats.org/officeDocument/2006/relationships" xmlns:p="http://schemas.openxmlformats.org/presentationml/2006/main" showMasterSp="0" type="title" preserve="1">
   <p:cSld name="标题幻灯片">
     <p:spTree>
       <p:nvGrpSpPr>
@@ -2907,6 +3290,7 @@
           <a:p>
             <a:fld id="{C6255890-9A61-4A62-90F2-6D5F594D636A}" type="datetimeFigureOut">
               <a:rPr lang="zh-CN" altLang="en-US" smtClean="0"/>
+              <a:t>2017/11/6</a:t>
             </a:fld>
             <a:endParaRPr lang="zh-CN" altLang="en-US"/>
           </a:p>
@@ -3022,6 +3406,7 @@
           <a:p>
             <a:fld id="{12BCDAA0-A26E-4A27-B432-689082EEB92A}" type="slidenum">
               <a:rPr lang="zh-CN" altLang="en-US" smtClean="0"/>
+              <a:t>‹#›</a:t>
             </a:fld>
             <a:endParaRPr lang="zh-CN" altLang="en-US"/>
           </a:p>
@@ -3141,7 +3526,6 @@
               <a:rPr lang="zh-CN" altLang="en-US" smtClean="0"/>
               <a:t>单击此处编辑母版文本样式</a:t>
             </a:r>
-            <a:endParaRPr lang="zh-CN" altLang="en-US" smtClean="0"/>
           </a:p>
           <a:p>
             <a:pPr lvl="1"/>
@@ -3149,7 +3533,6 @@
               <a:rPr lang="zh-CN" altLang="en-US" smtClean="0"/>
               <a:t>第二级</a:t>
             </a:r>
-            <a:endParaRPr lang="zh-CN" altLang="en-US" smtClean="0"/>
           </a:p>
           <a:p>
             <a:pPr lvl="2"/>
@@ -3157,7 +3540,6 @@
               <a:rPr lang="zh-CN" altLang="en-US" smtClean="0"/>
               <a:t>第三级</a:t>
             </a:r>
-            <a:endParaRPr lang="zh-CN" altLang="en-US" smtClean="0"/>
           </a:p>
           <a:p>
             <a:pPr lvl="3"/>
@@ -3165,7 +3547,6 @@
               <a:rPr lang="zh-CN" altLang="en-US" smtClean="0"/>
               <a:t>第四级</a:t>
             </a:r>
-            <a:endParaRPr lang="zh-CN" altLang="en-US" smtClean="0"/>
           </a:p>
           <a:p>
             <a:pPr lvl="4"/>
@@ -3194,6 +3575,7 @@
           <a:p>
             <a:fld id="{C6255890-9A61-4A62-90F2-6D5F594D636A}" type="datetimeFigureOut">
               <a:rPr lang="zh-CN" altLang="en-US" smtClean="0"/>
+              <a:t>2017/11/6</a:t>
             </a:fld>
             <a:endParaRPr lang="zh-CN" altLang="en-US"/>
           </a:p>
@@ -3235,6 +3617,7 @@
           <a:p>
             <a:fld id="{12BCDAA0-A26E-4A27-B432-689082EEB92A}" type="slidenum">
               <a:rPr lang="zh-CN" altLang="en-US" smtClean="0"/>
+              <a:t>‹#›</a:t>
             </a:fld>
             <a:endParaRPr lang="zh-CN" altLang="en-US"/>
           </a:p>
@@ -3318,7 +3701,6 @@
               <a:rPr lang="zh-CN" altLang="en-US" smtClean="0"/>
               <a:t>单击此处编辑母版文本样式</a:t>
             </a:r>
-            <a:endParaRPr lang="zh-CN" altLang="en-US" smtClean="0"/>
           </a:p>
           <a:p>
             <a:pPr lvl="1"/>
@@ -3326,7 +3708,6 @@
               <a:rPr lang="zh-CN" altLang="en-US" smtClean="0"/>
               <a:t>第二级</a:t>
             </a:r>
-            <a:endParaRPr lang="zh-CN" altLang="en-US" smtClean="0"/>
           </a:p>
           <a:p>
             <a:pPr lvl="2"/>
@@ -3334,7 +3715,6 @@
               <a:rPr lang="zh-CN" altLang="en-US" smtClean="0"/>
               <a:t>第三级</a:t>
             </a:r>
-            <a:endParaRPr lang="zh-CN" altLang="en-US" smtClean="0"/>
           </a:p>
           <a:p>
             <a:pPr lvl="3"/>
@@ -3342,7 +3722,6 @@
               <a:rPr lang="zh-CN" altLang="en-US" smtClean="0"/>
               <a:t>第四级</a:t>
             </a:r>
-            <a:endParaRPr lang="zh-CN" altLang="en-US" smtClean="0"/>
           </a:p>
           <a:p>
             <a:pPr lvl="4"/>
@@ -3371,6 +3750,7 @@
           <a:p>
             <a:fld id="{C6255890-9A61-4A62-90F2-6D5F594D636A}" type="datetimeFigureOut">
               <a:rPr lang="zh-CN" altLang="en-US" smtClean="0"/>
+              <a:t>2017/11/6</a:t>
             </a:fld>
             <a:endParaRPr lang="zh-CN" altLang="en-US"/>
           </a:p>
@@ -3412,6 +3792,7 @@
           <a:p>
             <a:fld id="{12BCDAA0-A26E-4A27-B432-689082EEB92A}" type="slidenum">
               <a:rPr lang="zh-CN" altLang="en-US" smtClean="0"/>
+              <a:t>‹#›</a:t>
             </a:fld>
             <a:endParaRPr lang="zh-CN" altLang="en-US"/>
           </a:p>
@@ -3485,7 +3866,6 @@
               <a:rPr lang="zh-CN" altLang="en-US" smtClean="0"/>
               <a:t>单击此处编辑母版文本样式</a:t>
             </a:r>
-            <a:endParaRPr lang="zh-CN" altLang="en-US" smtClean="0"/>
           </a:p>
           <a:p>
             <a:pPr lvl="1"/>
@@ -3493,7 +3873,6 @@
               <a:rPr lang="zh-CN" altLang="en-US" smtClean="0"/>
               <a:t>第二级</a:t>
             </a:r>
-            <a:endParaRPr lang="zh-CN" altLang="en-US" smtClean="0"/>
           </a:p>
           <a:p>
             <a:pPr lvl="2"/>
@@ -3501,7 +3880,6 @@
               <a:rPr lang="zh-CN" altLang="en-US" smtClean="0"/>
               <a:t>第三级</a:t>
             </a:r>
-            <a:endParaRPr lang="zh-CN" altLang="en-US" smtClean="0"/>
           </a:p>
           <a:p>
             <a:pPr lvl="3"/>
@@ -3509,7 +3887,6 @@
               <a:rPr lang="zh-CN" altLang="en-US" smtClean="0"/>
               <a:t>第四级</a:t>
             </a:r>
-            <a:endParaRPr lang="zh-CN" altLang="en-US" smtClean="0"/>
           </a:p>
           <a:p>
             <a:pPr lvl="4"/>
@@ -3538,6 +3915,7 @@
           <a:p>
             <a:fld id="{C6255890-9A61-4A62-90F2-6D5F594D636A}" type="datetimeFigureOut">
               <a:rPr lang="zh-CN" altLang="en-US" smtClean="0"/>
+              <a:t>2017/11/6</a:t>
             </a:fld>
             <a:endParaRPr lang="zh-CN" altLang="en-US"/>
           </a:p>
@@ -3579,6 +3957,7 @@
           <a:p>
             <a:fld id="{12BCDAA0-A26E-4A27-B432-689082EEB92A}" type="slidenum">
               <a:rPr lang="zh-CN" altLang="en-US" smtClean="0"/>
+              <a:t>‹#›</a:t>
             </a:fld>
             <a:endParaRPr lang="zh-CN" altLang="en-US"/>
           </a:p>
@@ -3757,7 +4136,6 @@
               <a:rPr lang="zh-CN" altLang="en-US" smtClean="0"/>
               <a:t>单击此处编辑母版文本样式</a:t>
             </a:r>
-            <a:endParaRPr lang="zh-CN" altLang="en-US" smtClean="0"/>
           </a:p>
         </p:txBody>
       </p:sp>
@@ -3778,6 +4156,7 @@
           <a:p>
             <a:fld id="{C6255890-9A61-4A62-90F2-6D5F594D636A}" type="datetimeFigureOut">
               <a:rPr lang="zh-CN" altLang="en-US" smtClean="0"/>
+              <a:t>2017/11/6</a:t>
             </a:fld>
             <a:endParaRPr lang="zh-CN" altLang="en-US"/>
           </a:p>
@@ -3819,6 +4198,7 @@
           <a:p>
             <a:fld id="{12BCDAA0-A26E-4A27-B432-689082EEB92A}" type="slidenum">
               <a:rPr lang="zh-CN" altLang="en-US" smtClean="0"/>
+              <a:t>‹#›</a:t>
             </a:fld>
             <a:endParaRPr lang="zh-CN" altLang="en-US"/>
           </a:p>
@@ -3889,6 +4269,7 @@
           <a:p>
             <a:fld id="{C6255890-9A61-4A62-90F2-6D5F594D636A}" type="datetimeFigureOut">
               <a:rPr lang="zh-CN" altLang="en-US" smtClean="0"/>
+              <a:t>2017/11/6</a:t>
             </a:fld>
             <a:endParaRPr lang="zh-CN" altLang="en-US"/>
           </a:p>
@@ -3930,6 +4311,7 @@
           <a:p>
             <a:fld id="{12BCDAA0-A26E-4A27-B432-689082EEB92A}" type="slidenum">
               <a:rPr lang="zh-CN" altLang="en-US" smtClean="0"/>
+              <a:t>‹#›</a:t>
             </a:fld>
             <a:endParaRPr lang="zh-CN" altLang="en-US"/>
           </a:p>
@@ -3960,7 +4342,6 @@
               <a:rPr lang="zh-CN" altLang="en-US" smtClean="0"/>
               <a:t>单击此处编辑母版文本样式</a:t>
             </a:r>
-            <a:endParaRPr lang="zh-CN" altLang="en-US" smtClean="0"/>
           </a:p>
           <a:p>
             <a:pPr lvl="1"/>
@@ -3968,7 +4349,6 @@
               <a:rPr lang="zh-CN" altLang="en-US" smtClean="0"/>
               <a:t>第二级</a:t>
             </a:r>
-            <a:endParaRPr lang="zh-CN" altLang="en-US" smtClean="0"/>
           </a:p>
           <a:p>
             <a:pPr lvl="2"/>
@@ -3976,7 +4356,6 @@
               <a:rPr lang="zh-CN" altLang="en-US" smtClean="0"/>
               <a:t>第三级</a:t>
             </a:r>
-            <a:endParaRPr lang="zh-CN" altLang="en-US" smtClean="0"/>
           </a:p>
           <a:p>
             <a:pPr lvl="3"/>
@@ -3984,7 +4363,6 @@
               <a:rPr lang="zh-CN" altLang="en-US" smtClean="0"/>
               <a:t>第四级</a:t>
             </a:r>
-            <a:endParaRPr lang="zh-CN" altLang="en-US" smtClean="0"/>
           </a:p>
           <a:p>
             <a:pPr lvl="4"/>
@@ -4021,7 +4399,6 @@
               <a:rPr lang="zh-CN" altLang="en-US" smtClean="0"/>
               <a:t>单击此处编辑母版文本样式</a:t>
             </a:r>
-            <a:endParaRPr lang="zh-CN" altLang="en-US" smtClean="0"/>
           </a:p>
           <a:p>
             <a:pPr lvl="1"/>
@@ -4029,7 +4406,6 @@
               <a:rPr lang="zh-CN" altLang="en-US" smtClean="0"/>
               <a:t>第二级</a:t>
             </a:r>
-            <a:endParaRPr lang="zh-CN" altLang="en-US" smtClean="0"/>
           </a:p>
           <a:p>
             <a:pPr lvl="2"/>
@@ -4037,7 +4413,6 @@
               <a:rPr lang="zh-CN" altLang="en-US" smtClean="0"/>
               <a:t>第三级</a:t>
             </a:r>
-            <a:endParaRPr lang="zh-CN" altLang="en-US" smtClean="0"/>
           </a:p>
           <a:p>
             <a:pPr lvl="3"/>
@@ -4045,7 +4420,6 @@
               <a:rPr lang="zh-CN" altLang="en-US" smtClean="0"/>
               <a:t>第四级</a:t>
             </a:r>
-            <a:endParaRPr lang="zh-CN" altLang="en-US" smtClean="0"/>
           </a:p>
           <a:p>
             <a:pPr lvl="4"/>
@@ -4175,7 +4549,6 @@
               <a:rPr lang="zh-CN" altLang="en-US" smtClean="0"/>
               <a:t>单击此处编辑母版文本样式</a:t>
             </a:r>
-            <a:endParaRPr lang="zh-CN" altLang="en-US" smtClean="0"/>
           </a:p>
         </p:txBody>
       </p:sp>
@@ -4232,7 +4605,6 @@
               <a:rPr lang="zh-CN" altLang="en-US" smtClean="0"/>
               <a:t>单击此处编辑母版文本样式</a:t>
             </a:r>
-            <a:endParaRPr lang="zh-CN" altLang="en-US" smtClean="0"/>
           </a:p>
           <a:p>
             <a:pPr lvl="1"/>
@@ -4240,7 +4612,6 @@
               <a:rPr lang="zh-CN" altLang="en-US" smtClean="0"/>
               <a:t>第二级</a:t>
             </a:r>
-            <a:endParaRPr lang="zh-CN" altLang="en-US" smtClean="0"/>
           </a:p>
           <a:p>
             <a:pPr lvl="2"/>
@@ -4248,7 +4619,6 @@
               <a:rPr lang="zh-CN" altLang="en-US" smtClean="0"/>
               <a:t>第三级</a:t>
             </a:r>
-            <a:endParaRPr lang="zh-CN" altLang="en-US" smtClean="0"/>
           </a:p>
           <a:p>
             <a:pPr lvl="3"/>
@@ -4256,7 +4626,6 @@
               <a:rPr lang="zh-CN" altLang="en-US" smtClean="0"/>
               <a:t>第四级</a:t>
             </a:r>
-            <a:endParaRPr lang="zh-CN" altLang="en-US" smtClean="0"/>
           </a:p>
           <a:p>
             <a:pPr lvl="4"/>
@@ -4334,7 +4703,6 @@
               <a:rPr lang="zh-CN" altLang="en-US" smtClean="0"/>
               <a:t>单击此处编辑母版文本样式</a:t>
             </a:r>
-            <a:endParaRPr lang="zh-CN" altLang="en-US" smtClean="0"/>
           </a:p>
         </p:txBody>
       </p:sp>
@@ -4391,7 +4759,6 @@
               <a:rPr lang="zh-CN" altLang="en-US" smtClean="0"/>
               <a:t>单击此处编辑母版文本样式</a:t>
             </a:r>
-            <a:endParaRPr lang="zh-CN" altLang="en-US" smtClean="0"/>
           </a:p>
           <a:p>
             <a:pPr lvl="1"/>
@@ -4399,7 +4766,6 @@
               <a:rPr lang="zh-CN" altLang="en-US" smtClean="0"/>
               <a:t>第二级</a:t>
             </a:r>
-            <a:endParaRPr lang="zh-CN" altLang="en-US" smtClean="0"/>
           </a:p>
           <a:p>
             <a:pPr lvl="2"/>
@@ -4407,7 +4773,6 @@
               <a:rPr lang="zh-CN" altLang="en-US" smtClean="0"/>
               <a:t>第三级</a:t>
             </a:r>
-            <a:endParaRPr lang="zh-CN" altLang="en-US" smtClean="0"/>
           </a:p>
           <a:p>
             <a:pPr lvl="3"/>
@@ -4415,7 +4780,6 @@
               <a:rPr lang="zh-CN" altLang="en-US" smtClean="0"/>
               <a:t>第四级</a:t>
             </a:r>
-            <a:endParaRPr lang="zh-CN" altLang="en-US" smtClean="0"/>
           </a:p>
           <a:p>
             <a:pPr lvl="4"/>
@@ -4444,6 +4808,7 @@
           <a:p>
             <a:fld id="{C6255890-9A61-4A62-90F2-6D5F594D636A}" type="datetimeFigureOut">
               <a:rPr lang="zh-CN" altLang="en-US" smtClean="0"/>
+              <a:t>2017/11/6</a:t>
             </a:fld>
             <a:endParaRPr lang="zh-CN" altLang="en-US"/>
           </a:p>
@@ -4485,6 +4850,7 @@
           <a:p>
             <a:fld id="{12BCDAA0-A26E-4A27-B432-689082EEB92A}" type="slidenum">
               <a:rPr lang="zh-CN" altLang="en-US" smtClean="0"/>
+              <a:t>‹#›</a:t>
             </a:fld>
             <a:endParaRPr lang="zh-CN" altLang="en-US"/>
           </a:p>
@@ -4555,6 +4921,7 @@
           <a:p>
             <a:fld id="{C6255890-9A61-4A62-90F2-6D5F594D636A}" type="datetimeFigureOut">
               <a:rPr lang="zh-CN" altLang="en-US" smtClean="0"/>
+              <a:t>2017/11/6</a:t>
             </a:fld>
             <a:endParaRPr lang="zh-CN" altLang="en-US"/>
           </a:p>
@@ -4596,6 +4963,7 @@
           <a:p>
             <a:fld id="{12BCDAA0-A26E-4A27-B432-689082EEB92A}" type="slidenum">
               <a:rPr lang="zh-CN" altLang="en-US" smtClean="0"/>
+              <a:t>‹#›</a:t>
             </a:fld>
             <a:endParaRPr lang="zh-CN" altLang="en-US"/>
           </a:p>
@@ -4643,6 +5011,7 @@
           <a:p>
             <a:fld id="{C6255890-9A61-4A62-90F2-6D5F594D636A}" type="datetimeFigureOut">
               <a:rPr lang="zh-CN" altLang="en-US" smtClean="0"/>
+              <a:t>2017/11/6</a:t>
             </a:fld>
             <a:endParaRPr lang="zh-CN" altLang="en-US"/>
           </a:p>
@@ -4684,6 +5053,7 @@
           <a:p>
             <a:fld id="{12BCDAA0-A26E-4A27-B432-689082EEB92A}" type="slidenum">
               <a:rPr lang="zh-CN" altLang="en-US" smtClean="0"/>
+              <a:t>‹#›</a:t>
             </a:fld>
             <a:endParaRPr lang="zh-CN" altLang="en-US"/>
           </a:p>
@@ -4698,7 +5068,7 @@
 </file>
 
 <file path=ppt/slideLayouts/slideLayout8.xml><?xml version="1.0" encoding="utf-8"?>
-<p:sldLayout xmlns:a="http://schemas.openxmlformats.org/drawingml/2006/main" xmlns:r="http://schemas.openxmlformats.org/officeDocument/2006/relationships" xmlns:p="http://schemas.openxmlformats.org/presentationml/2006/main" type="objTx" preserve="1" showMasterSp="0">
+<p:sldLayout xmlns:a="http://schemas.openxmlformats.org/drawingml/2006/main" xmlns:r="http://schemas.openxmlformats.org/officeDocument/2006/relationships" xmlns:p="http://schemas.openxmlformats.org/presentationml/2006/main" showMasterSp="0" type="objTx" preserve="1">
   <p:cSld name="内容与标题">
     <p:spTree>
       <p:nvGrpSpPr>
@@ -7292,6 +7662,7 @@
           <a:p>
             <a:fld id="{C6255890-9A61-4A62-90F2-6D5F594D636A}" type="datetimeFigureOut">
               <a:rPr lang="zh-CN" altLang="en-US" smtClean="0"/>
+              <a:t>2017/11/6</a:t>
             </a:fld>
             <a:endParaRPr lang="zh-CN" altLang="en-US"/>
           </a:p>
@@ -7314,6 +7685,7 @@
           <a:p>
             <a:fld id="{12BCDAA0-A26E-4A27-B432-689082EEB92A}" type="slidenum">
               <a:rPr lang="zh-CN" altLang="en-US" smtClean="0"/>
+              <a:t>‹#›</a:t>
             </a:fld>
             <a:endParaRPr lang="zh-CN" altLang="en-US"/>
           </a:p>
@@ -7420,7 +7792,6 @@
               <a:rPr lang="zh-CN" altLang="en-US" smtClean="0"/>
               <a:t>单击此处编辑母版文本样式</a:t>
             </a:r>
-            <a:endParaRPr lang="zh-CN" altLang="en-US" smtClean="0"/>
           </a:p>
           <a:p>
             <a:pPr lvl="1"/>
@@ -7428,7 +7799,6 @@
               <a:rPr lang="zh-CN" altLang="en-US" smtClean="0"/>
               <a:t>第二级</a:t>
             </a:r>
-            <a:endParaRPr lang="zh-CN" altLang="en-US" smtClean="0"/>
           </a:p>
           <a:p>
             <a:pPr lvl="2"/>
@@ -7436,7 +7806,6 @@
               <a:rPr lang="zh-CN" altLang="en-US" smtClean="0"/>
               <a:t>第三级</a:t>
             </a:r>
-            <a:endParaRPr lang="zh-CN" altLang="en-US" smtClean="0"/>
           </a:p>
           <a:p>
             <a:pPr lvl="3"/>
@@ -7444,7 +7813,6 @@
               <a:rPr lang="zh-CN" altLang="en-US" smtClean="0"/>
               <a:t>第四级</a:t>
             </a:r>
-            <a:endParaRPr lang="zh-CN" altLang="en-US" smtClean="0"/>
           </a:p>
           <a:p>
             <a:pPr lvl="4"/>
@@ -7630,7 +7998,6 @@
               <a:rPr lang="zh-CN" altLang="en-US" smtClean="0"/>
               <a:t>单击此处编辑母版文本样式</a:t>
             </a:r>
-            <a:endParaRPr lang="zh-CN" altLang="en-US" smtClean="0"/>
           </a:p>
         </p:txBody>
       </p:sp>
@@ -7643,7 +8010,7 @@
 </file>
 
 <file path=ppt/slideLayouts/slideLayout9.xml><?xml version="1.0" encoding="utf-8"?>
-<p:sldLayout xmlns:a="http://schemas.openxmlformats.org/drawingml/2006/main" xmlns:r="http://schemas.openxmlformats.org/officeDocument/2006/relationships" xmlns:p="http://schemas.openxmlformats.org/presentationml/2006/main" type="picTx" preserve="1" showMasterSp="0">
+<p:sldLayout xmlns:a="http://schemas.openxmlformats.org/drawingml/2006/main" xmlns:r="http://schemas.openxmlformats.org/officeDocument/2006/relationships" xmlns:p="http://schemas.openxmlformats.org/presentationml/2006/main" showMasterSp="0" type="picTx" preserve="1">
   <p:cSld name="图片与标题">
     <p:spTree>
       <p:nvGrpSpPr>
@@ -10487,7 +10854,6 @@
               <a:rPr lang="zh-CN" altLang="en-US" smtClean="0"/>
               <a:t>单击此处编辑母版文本样式</a:t>
             </a:r>
-            <a:endParaRPr lang="zh-CN" altLang="en-US" smtClean="0"/>
           </a:p>
         </p:txBody>
       </p:sp>
@@ -10508,6 +10874,7 @@
           <a:p>
             <a:fld id="{C6255890-9A61-4A62-90F2-6D5F594D636A}" type="datetimeFigureOut">
               <a:rPr lang="zh-CN" altLang="en-US" smtClean="0"/>
+              <a:t>2017/11/6</a:t>
             </a:fld>
             <a:endParaRPr lang="zh-CN" altLang="en-US"/>
           </a:p>
@@ -10556,6 +10923,7 @@
           <a:p>
             <a:fld id="{12BCDAA0-A26E-4A27-B432-689082EEB92A}" type="slidenum">
               <a:rPr lang="zh-CN" altLang="en-US" smtClean="0"/>
+              <a:t>‹#›</a:t>
             </a:fld>
             <a:endParaRPr lang="zh-CN" altLang="en-US"/>
           </a:p>
@@ -13263,7 +13631,6 @@
               <a:rPr lang="zh-CN" altLang="en-US" smtClean="0"/>
               <a:t>单击此处编辑母版文本样式</a:t>
             </a:r>
-            <a:endParaRPr lang="zh-CN" altLang="en-US" smtClean="0"/>
           </a:p>
           <a:p>
             <a:pPr lvl="1"/>
@@ -13271,7 +13638,6 @@
               <a:rPr lang="zh-CN" altLang="en-US" smtClean="0"/>
               <a:t>第二级</a:t>
             </a:r>
-            <a:endParaRPr lang="zh-CN" altLang="en-US" smtClean="0"/>
           </a:p>
           <a:p>
             <a:pPr lvl="2"/>
@@ -13279,7 +13645,6 @@
               <a:rPr lang="zh-CN" altLang="en-US" smtClean="0"/>
               <a:t>第三级</a:t>
             </a:r>
-            <a:endParaRPr lang="zh-CN" altLang="en-US" smtClean="0"/>
           </a:p>
           <a:p>
             <a:pPr lvl="3"/>
@@ -13287,7 +13652,6 @@
               <a:rPr lang="zh-CN" altLang="en-US" smtClean="0"/>
               <a:t>第四级</a:t>
             </a:r>
-            <a:endParaRPr lang="zh-CN" altLang="en-US" smtClean="0"/>
           </a:p>
           <a:p>
             <a:pPr lvl="4"/>
@@ -13332,6 +13696,7 @@
           <a:p>
             <a:fld id="{C6255890-9A61-4A62-90F2-6D5F594D636A}" type="datetimeFigureOut">
               <a:rPr lang="zh-CN" altLang="en-US" smtClean="0"/>
+              <a:t>2017/11/6</a:t>
             </a:fld>
             <a:endParaRPr lang="zh-CN" altLang="en-US"/>
           </a:p>
@@ -13405,6 +13770,7 @@
           <a:p>
             <a:fld id="{12BCDAA0-A26E-4A27-B432-689082EEB92A}" type="slidenum">
               <a:rPr lang="zh-CN" altLang="en-US" smtClean="0"/>
+              <a:t>‹#›</a:t>
             </a:fld>
             <a:endParaRPr lang="zh-CN" altLang="en-US"/>
           </a:p>
@@ -13813,6 +14179,10 @@
               <a:rPr lang="zh-CN" altLang="en-US" dirty="0" smtClean="0"/>
               <a:t>学习之路</a:t>
             </a:r>
+            <a:r>
+              <a:rPr lang="en-US" altLang="zh-CN" dirty="0" smtClean="0"/>
+              <a:t/>
+            </a:r>
             <a:br>
               <a:rPr lang="en-US" altLang="zh-CN" dirty="0" smtClean="0"/>
             </a:br>
@@ -13833,7 +14203,7 @@
         <p:spPr/>
         <p:txBody>
           <a:bodyPr>
-            <a:normAutofit lnSpcReduction="20000"/>
+            <a:normAutofit lnSpcReduction="10000"/>
           </a:bodyPr>
           <a:lstStyle/>
           <a:p>
@@ -13934,16 +14304,30 @@
         </p:nvSpPr>
         <p:spPr/>
         <p:txBody>
-          <a:bodyPr/>
+          <a:bodyPr>
+            <a:normAutofit/>
+          </a:bodyPr>
           <a:lstStyle/>
           <a:p>
             <a:r>
+              <a:rPr lang="zh-CN" altLang="en-US" dirty="0" smtClean="0"/>
+              <a:t>左</a:t>
+            </a:r>
+            <a:r>
               <a:rPr lang="en-US" altLang="zh-CN" dirty="0" smtClean="0"/>
-              <a:t>Lambda</a:t>
+              <a:t>/</a:t>
             </a:r>
             <a:r>
               <a:rPr lang="zh-CN" altLang="en-US" dirty="0" smtClean="0"/>
-              <a:t>表达式</a:t>
+              <a:t>右值、左</a:t>
+            </a:r>
+            <a:r>
+              <a:rPr lang="en-US" altLang="zh-CN" dirty="0" smtClean="0"/>
+              <a:t>/</a:t>
+            </a:r>
+            <a:r>
+              <a:rPr lang="zh-CN" altLang="en-US" dirty="0" smtClean="0"/>
+              <a:t>右值引用</a:t>
             </a:r>
             <a:endParaRPr lang="zh-CN" altLang="en-US" dirty="0"/>
           </a:p>
@@ -13965,146 +14349,98 @@
           <a:lstStyle/>
           <a:p>
             <a:r>
-              <a:rPr lang="en-US" altLang="zh-CN" dirty="0"/>
-              <a:t>[</a:t>
-            </a:r>
+              <a:rPr lang="zh-CN" altLang="en-US" dirty="0" smtClean="0"/>
+              <a:t>左值：能取地址，有名字</a:t>
+            </a:r>
+            <a:endParaRPr lang="en-US" altLang="zh-CN" dirty="0" smtClean="0"/>
+          </a:p>
+          <a:p>
             <a:r>
               <a:rPr lang="zh-CN" altLang="en-US" dirty="0"/>
-              <a:t>捕获列表</a:t>
-            </a:r>
-            <a:r>
-              <a:rPr lang="en-US" altLang="zh-CN" dirty="0"/>
-              <a:t>](</a:t>
-            </a:r>
+              <a:t>右</a:t>
+            </a:r>
+            <a:r>
+              <a:rPr lang="zh-CN" altLang="en-US" dirty="0" smtClean="0"/>
+              <a:t>值：纯右值</a:t>
+            </a:r>
+            <a:r>
+              <a:rPr lang="en-US" altLang="zh-CN" dirty="0" smtClean="0"/>
+              <a:t>(</a:t>
+            </a:r>
+            <a:r>
+              <a:rPr lang="en-US" altLang="zh-CN" dirty="0" err="1" smtClean="0"/>
+              <a:t>prvalue</a:t>
+            </a:r>
+            <a:r>
+              <a:rPr lang="en-US" altLang="zh-CN" dirty="0" smtClean="0"/>
+              <a:t>)</a:t>
+            </a:r>
+            <a:r>
+              <a:rPr lang="zh-CN" altLang="en-US" dirty="0" smtClean="0"/>
+              <a:t>、将亡值</a:t>
+            </a:r>
+            <a:r>
+              <a:rPr lang="en-US" altLang="zh-CN" dirty="0" smtClean="0"/>
+              <a:t>(</a:t>
+            </a:r>
+            <a:r>
+              <a:rPr lang="en-US" altLang="zh-CN" dirty="0" err="1" smtClean="0"/>
+              <a:t>xvalue</a:t>
+            </a:r>
+            <a:r>
+              <a:rPr lang="en-US" altLang="zh-CN" dirty="0" smtClean="0"/>
+              <a:t>)</a:t>
+            </a:r>
+          </a:p>
+          <a:p>
+            <a:r>
+              <a:rPr lang="zh-CN" altLang="en-US" dirty="0" smtClean="0"/>
+              <a:t>左值引用：</a:t>
+            </a:r>
+            <a:r>
+              <a:rPr lang="en-US" altLang="zh-CN" dirty="0" smtClean="0"/>
+              <a:t>T&amp;</a:t>
+            </a:r>
+          </a:p>
+          <a:p>
             <a:r>
               <a:rPr lang="zh-CN" altLang="en-US" dirty="0"/>
-              <a:t>参数列表</a:t>
-            </a:r>
-            <a:r>
-              <a:rPr lang="en-US" altLang="zh-CN" dirty="0"/>
-              <a:t>) mutable(</a:t>
-            </a:r>
+              <a:t>右</a:t>
+            </a:r>
+            <a:r>
+              <a:rPr lang="zh-CN" altLang="en-US" dirty="0" smtClean="0"/>
+              <a:t>值引用：</a:t>
+            </a:r>
+            <a:r>
+              <a:rPr lang="en-US" altLang="zh-CN" dirty="0" smtClean="0"/>
+              <a:t>T&amp;&amp;</a:t>
+            </a:r>
+            <a:endParaRPr lang="en-US" altLang="zh-CN" dirty="0"/>
+          </a:p>
+          <a:p>
+            <a:r>
+              <a:rPr lang="zh-CN" altLang="en-US" dirty="0" smtClean="0"/>
+              <a:t>左值常量引用：</a:t>
+            </a:r>
+            <a:r>
+              <a:rPr lang="en-US" altLang="zh-CN" dirty="0" err="1" smtClean="0"/>
+              <a:t>const</a:t>
+            </a:r>
+            <a:r>
+              <a:rPr lang="en-US" altLang="zh-CN" dirty="0" smtClean="0"/>
+              <a:t> T&amp;</a:t>
+            </a:r>
+          </a:p>
+          <a:p>
             <a:r>
               <a:rPr lang="zh-CN" altLang="en-US" dirty="0"/>
-              <a:t>可选</a:t>
-            </a:r>
-            <a:r>
-              <a:rPr lang="en-US" altLang="zh-CN" dirty="0"/>
-              <a:t>) </a:t>
-            </a:r>
-            <a:r>
-              <a:rPr lang="zh-CN" altLang="en-US" dirty="0"/>
-              <a:t>异常属性 </a:t>
-            </a:r>
-            <a:r>
-              <a:rPr lang="en-US" altLang="zh-CN" dirty="0"/>
-              <a:t>-&gt; </a:t>
-            </a:r>
-            <a:r>
-              <a:rPr lang="zh-CN" altLang="en-US" dirty="0"/>
-              <a:t>返回类型 </a:t>
-            </a:r>
-            <a:r>
-              <a:rPr lang="en-US" altLang="zh-CN" dirty="0"/>
-              <a:t>{ // </a:t>
-            </a:r>
-            <a:r>
-              <a:rPr lang="zh-CN" altLang="en-US" dirty="0"/>
-              <a:t>函数体 </a:t>
-            </a:r>
-            <a:r>
-              <a:rPr lang="en-US" altLang="zh-CN" dirty="0"/>
-              <a:t>}</a:t>
-            </a:r>
-            <a:endParaRPr lang="en-US" altLang="zh-CN" b="1" dirty="0" smtClean="0"/>
-          </a:p>
-          <a:p>
-            <a:endParaRPr lang="en-US" altLang="zh-CN" b="1" dirty="0"/>
-          </a:p>
-          <a:p>
-            <a:r>
-              <a:rPr lang="en-US" altLang="zh-CN" b="1" dirty="0" smtClean="0"/>
-              <a:t>auto</a:t>
-            </a:r>
-            <a:r>
-              <a:rPr lang="en-US" altLang="zh-CN" dirty="0" smtClean="0"/>
-              <a:t> </a:t>
-            </a:r>
-            <a:r>
-              <a:rPr lang="en-US" altLang="zh-CN" dirty="0" err="1"/>
-              <a:t>fadd</a:t>
-            </a:r>
-            <a:r>
-              <a:rPr lang="en-US" altLang="zh-CN" dirty="0"/>
-              <a:t> = [](</a:t>
-            </a:r>
-            <a:r>
-              <a:rPr lang="en-US" altLang="zh-CN" b="1" dirty="0" err="1"/>
-              <a:t>int</a:t>
-            </a:r>
-            <a:r>
-              <a:rPr lang="en-US" altLang="zh-CN" dirty="0"/>
-              <a:t> a, </a:t>
-            </a:r>
-            <a:r>
-              <a:rPr lang="en-US" altLang="zh-CN" b="1" dirty="0" err="1"/>
-              <a:t>int</a:t>
-            </a:r>
-            <a:r>
-              <a:rPr lang="en-US" altLang="zh-CN" dirty="0"/>
-              <a:t> b)-&gt;</a:t>
-            </a:r>
-            <a:r>
-              <a:rPr lang="en-US" altLang="zh-CN" b="1" dirty="0" err="1"/>
-              <a:t>int</a:t>
-            </a:r>
-            <a:r>
-              <a:rPr lang="en-US" altLang="zh-CN" dirty="0"/>
-              <a:t> </a:t>
+              <a:t>右</a:t>
+            </a:r>
+            <a:r>
+              <a:rPr lang="zh-CN" altLang="en-US" dirty="0" smtClean="0"/>
+              <a:t>值常量引用：？？</a:t>
             </a:r>
             <a:endParaRPr lang="en-US" altLang="zh-CN" dirty="0" smtClean="0"/>
-          </a:p>
-          <a:p>
-            <a:r>
-              <a:rPr lang="en-US" altLang="zh-CN" dirty="0" smtClean="0"/>
-              <a:t>{</a:t>
-            </a:r>
-            <a:endParaRPr lang="en-US" altLang="zh-CN" dirty="0" smtClean="0"/>
-          </a:p>
-          <a:p>
-            <a:pPr marL="365760" lvl="1" indent="0">
-              <a:buNone/>
-            </a:pPr>
-            <a:r>
-              <a:rPr lang="en-US" altLang="zh-CN" dirty="0"/>
-              <a:t>	</a:t>
-            </a:r>
-            <a:r>
-              <a:rPr lang="en-US" altLang="zh-CN" dirty="0" smtClean="0"/>
-              <a:t> </a:t>
-            </a:r>
-            <a:r>
-              <a:rPr lang="en-US" altLang="zh-CN" b="1" dirty="0"/>
-              <a:t>return</a:t>
-            </a:r>
-            <a:r>
-              <a:rPr lang="en-US" altLang="zh-CN" dirty="0"/>
-              <a:t> a + b; </a:t>
-            </a:r>
-            <a:endParaRPr lang="en-US" altLang="zh-CN" dirty="0" smtClean="0"/>
-          </a:p>
-          <a:p>
-            <a:r>
-              <a:rPr lang="en-US" altLang="zh-CN" dirty="0" smtClean="0"/>
-              <a:t>};</a:t>
-            </a:r>
-            <a:endParaRPr lang="en-US" altLang="zh-CN" dirty="0" smtClean="0"/>
-          </a:p>
-          <a:p>
-            <a:endParaRPr lang="en-US" altLang="zh-CN" dirty="0" smtClean="0"/>
-          </a:p>
-          <a:p>
-            <a:endParaRPr lang="en-US" altLang="zh-CN" dirty="0"/>
           </a:p>
           <a:p>
             <a:endParaRPr lang="zh-CN" altLang="en-US" dirty="0"/>
@@ -14160,11 +14496,7 @@
           <a:p>
             <a:r>
               <a:rPr lang="en-US" altLang="zh-CN" dirty="0" smtClean="0"/>
-              <a:t>Lambda</a:t>
-            </a:r>
-            <a:r>
-              <a:rPr lang="zh-CN" altLang="en-US" dirty="0" smtClean="0"/>
-              <a:t>表达式变量捕获</a:t>
+              <a:t>std::move</a:t>
             </a:r>
             <a:endParaRPr lang="zh-CN" altLang="en-US" dirty="0"/>
           </a:p>
@@ -14182,145 +14514,98 @@
         </p:nvSpPr>
         <p:spPr/>
         <p:txBody>
-          <a:bodyPr>
-            <a:normAutofit fontScale="92500" lnSpcReduction="20000"/>
-          </a:bodyPr>
+          <a:bodyPr/>
           <a:lstStyle/>
           <a:p>
             <a:r>
-              <a:rPr lang="en-US" altLang="zh-CN" dirty="0"/>
-              <a:t>[] </a:t>
-            </a:r>
-            <a:r>
-              <a:rPr lang="zh-CN" altLang="en-US" dirty="0" smtClean="0"/>
-              <a:t>不捕获任何</a:t>
-            </a:r>
-            <a:r>
-              <a:rPr lang="zh-CN" altLang="en-US" dirty="0"/>
-              <a:t>变量</a:t>
-            </a:r>
-            <a:endParaRPr lang="zh-CN" altLang="en-US" dirty="0"/>
-          </a:p>
-          <a:p>
-            <a:r>
-              <a:rPr lang="en-US" altLang="zh-CN" dirty="0"/>
-              <a:t>[&amp;} </a:t>
-            </a:r>
-            <a:r>
-              <a:rPr lang="zh-CN" altLang="en-US" dirty="0" smtClean="0"/>
-              <a:t>捕获外部</a:t>
-            </a:r>
-            <a:r>
-              <a:rPr lang="zh-CN" altLang="en-US" dirty="0"/>
-              <a:t>作用域中所有变量，并作为引用在函数体中使用</a:t>
-            </a:r>
-            <a:endParaRPr lang="zh-CN" altLang="en-US" dirty="0"/>
-          </a:p>
-          <a:p>
-            <a:r>
-              <a:rPr lang="en-US" altLang="zh-CN" dirty="0"/>
-              <a:t>[=] </a:t>
-            </a:r>
-            <a:r>
-              <a:rPr lang="zh-CN" altLang="en-US" dirty="0" smtClean="0"/>
-              <a:t>捕获外部</a:t>
-            </a:r>
-            <a:r>
-              <a:rPr lang="zh-CN" altLang="en-US" dirty="0"/>
-              <a:t>作用域中所有变量，并拷贝一份在函数体中使用</a:t>
-            </a:r>
-            <a:endParaRPr lang="zh-CN" altLang="en-US" dirty="0"/>
-          </a:p>
-          <a:p>
-            <a:r>
-              <a:rPr lang="en-US" altLang="zh-CN" dirty="0"/>
-              <a:t>[=, &amp;foo] </a:t>
-            </a:r>
-            <a:r>
-              <a:rPr lang="zh-CN" altLang="en-US" dirty="0" smtClean="0"/>
-              <a:t>捕获外部</a:t>
-            </a:r>
-            <a:r>
-              <a:rPr lang="zh-CN" altLang="en-US" dirty="0"/>
-              <a:t>作用域中所有变量，并拷贝一份在函数体中使用，但是对</a:t>
-            </a:r>
-            <a:r>
-              <a:rPr lang="en-US" altLang="zh-CN" dirty="0"/>
-              <a:t>foo</a:t>
-            </a:r>
-            <a:r>
-              <a:rPr lang="zh-CN" altLang="en-US" dirty="0"/>
-              <a:t>变量使用引用</a:t>
-            </a:r>
-            <a:endParaRPr lang="zh-CN" altLang="en-US" dirty="0"/>
-          </a:p>
-          <a:p>
-            <a:r>
-              <a:rPr lang="en-US" altLang="zh-CN" dirty="0"/>
-              <a:t>[bar] </a:t>
-            </a:r>
-            <a:r>
-              <a:rPr lang="zh-CN" altLang="en-US" dirty="0" smtClean="0"/>
-              <a:t>捕获</a:t>
-            </a:r>
-            <a:r>
               <a:rPr lang="en-US" altLang="zh-CN" dirty="0" smtClean="0"/>
-              <a:t>bar</a:t>
-            </a:r>
-            <a:r>
-              <a:rPr lang="zh-CN" altLang="en-US" dirty="0"/>
-              <a:t>变量并且拷贝一份在函数体重使用，同时</a:t>
-            </a:r>
-            <a:r>
-              <a:rPr lang="zh-CN" altLang="en-US" dirty="0" smtClean="0"/>
-              <a:t>不捕获其他</a:t>
-            </a:r>
-            <a:r>
-              <a:rPr lang="zh-CN" altLang="en-US" dirty="0"/>
-              <a:t>变量</a:t>
-            </a:r>
-            <a:endParaRPr lang="zh-CN" altLang="en-US" dirty="0"/>
-          </a:p>
-          <a:p>
-            <a:r>
-              <a:rPr lang="en-US" altLang="zh-CN" dirty="0"/>
-              <a:t>[this] </a:t>
-            </a:r>
-            <a:r>
-              <a:rPr lang="zh-CN" altLang="en-US" dirty="0" smtClean="0"/>
-              <a:t>捕获当前</a:t>
-            </a:r>
-            <a:r>
-              <a:rPr lang="zh-CN" altLang="en-US" dirty="0"/>
-              <a:t>类中的</a:t>
-            </a:r>
-            <a:r>
-              <a:rPr lang="en-US" altLang="zh-CN" dirty="0"/>
-              <a:t>this</a:t>
-            </a:r>
-            <a:r>
-              <a:rPr lang="zh-CN" altLang="en-US" dirty="0"/>
-              <a:t>指针。如果已经使用了</a:t>
-            </a:r>
-            <a:r>
-              <a:rPr lang="en-US" altLang="zh-CN" dirty="0"/>
-              <a:t>&amp;</a:t>
-            </a:r>
-            <a:r>
-              <a:rPr lang="zh-CN" altLang="en-US" dirty="0"/>
-              <a:t>或者</a:t>
-            </a:r>
-            <a:r>
-              <a:rPr lang="en-US" altLang="zh-CN" dirty="0"/>
-              <a:t>=</a:t>
-            </a:r>
-            <a:r>
-              <a:rPr lang="zh-CN" altLang="en-US" dirty="0"/>
-              <a:t>就默认添加此选项。</a:t>
-            </a:r>
-            <a:endParaRPr lang="zh-CN" altLang="en-US" dirty="0"/>
-          </a:p>
-          <a:p>
+              <a:t>template &lt;class T&gt;</a:t>
+            </a:r>
+          </a:p>
+          <a:p>
+            <a:r>
+              <a:rPr lang="en-US" altLang="zh-CN" dirty="0" smtClean="0"/>
+              <a:t>void swap(T&amp; a, T&amp; b)</a:t>
+            </a:r>
+          </a:p>
+          <a:p>
+            <a:r>
+              <a:rPr lang="en-US" altLang="zh-CN" dirty="0" smtClean="0"/>
+              <a:t>{</a:t>
+            </a:r>
+          </a:p>
+          <a:p>
+            <a:pPr marL="685800" lvl="2" indent="0">
+              <a:buNone/>
+            </a:pPr>
+            <a:r>
+              <a:rPr lang="en-US" altLang="zh-CN" dirty="0" smtClean="0"/>
+              <a:t>T </a:t>
+            </a:r>
+            <a:r>
+              <a:rPr lang="en-US" altLang="zh-CN" dirty="0" err="1" smtClean="0"/>
+              <a:t>tmp</a:t>
+            </a:r>
+            <a:r>
+              <a:rPr lang="en-US" altLang="zh-CN" dirty="0" smtClean="0"/>
+              <a:t>(</a:t>
+            </a:r>
+            <a:r>
+              <a:rPr lang="en-US" altLang="zh-CN" dirty="0" err="1" smtClean="0"/>
+              <a:t>std</a:t>
+            </a:r>
+            <a:r>
+              <a:rPr lang="en-US" altLang="zh-CN" dirty="0" smtClean="0"/>
+              <a:t>::move(a));</a:t>
+            </a:r>
+          </a:p>
+          <a:p>
+            <a:pPr marL="685800" lvl="2" indent="0">
+              <a:buNone/>
+            </a:pPr>
+            <a:r>
+              <a:rPr lang="en-US" altLang="zh-CN" dirty="0" smtClean="0"/>
+              <a:t>a = </a:t>
+            </a:r>
+            <a:r>
+              <a:rPr lang="en-US" altLang="zh-CN" dirty="0" err="1" smtClean="0"/>
+              <a:t>std</a:t>
+            </a:r>
+            <a:r>
+              <a:rPr lang="en-US" altLang="zh-CN" dirty="0" smtClean="0"/>
+              <a:t>::move(b);</a:t>
+            </a:r>
+          </a:p>
+          <a:p>
+            <a:pPr marL="685800" lvl="2" indent="0">
+              <a:buNone/>
+            </a:pPr>
+            <a:r>
+              <a:rPr lang="en-US" altLang="zh-CN" dirty="0" smtClean="0"/>
+              <a:t>b= </a:t>
+            </a:r>
+            <a:r>
+              <a:rPr lang="en-US" altLang="zh-CN" dirty="0" err="1" smtClean="0"/>
+              <a:t>std</a:t>
+            </a:r>
+            <a:r>
+              <a:rPr lang="en-US" altLang="zh-CN" dirty="0" smtClean="0"/>
+              <a:t>::move(</a:t>
+            </a:r>
+            <a:r>
+              <a:rPr lang="en-US" altLang="zh-CN" dirty="0" err="1" smtClean="0"/>
+              <a:t>tmp</a:t>
+            </a:r>
+            <a:r>
+              <a:rPr lang="en-US" altLang="zh-CN" dirty="0" smtClean="0"/>
+              <a:t>);</a:t>
+            </a:r>
+          </a:p>
+          <a:p>
+            <a:r>
+              <a:rPr lang="en-US" altLang="zh-CN" dirty="0" smtClean="0"/>
+              <a:t>}</a:t>
+            </a:r>
             <a:endParaRPr lang="zh-CN" altLang="en-US" dirty="0"/>
           </a:p>
         </p:txBody>
@@ -14372,11 +14657,7 @@
           <a:bodyPr/>
           <a:lstStyle/>
           <a:p>
-            <a:r>
-              <a:rPr lang="zh-CN" altLang="en-US" dirty="0" smtClean="0"/>
-              <a:t>智能指针</a:t>
-            </a:r>
-            <a:endParaRPr lang="zh-CN" altLang="en-US" dirty="0"/>
+            <a:endParaRPr lang="zh-CN" altLang="en-US"/>
           </a:p>
         </p:txBody>
       </p:sp>
@@ -14395,36 +14676,70 @@
           <a:bodyPr/>
           <a:lstStyle/>
           <a:p>
-            <a:r>
-              <a:rPr lang="en-US" altLang="zh-CN" dirty="0" err="1" smtClean="0"/>
-              <a:t>auto_ptr</a:t>
-            </a:r>
-            <a:endParaRPr lang="en-US" altLang="zh-CN" dirty="0" smtClean="0"/>
-          </a:p>
-          <a:p>
-            <a:r>
-              <a:rPr lang="en-US" altLang="zh-CN" b="1" dirty="0" err="1" smtClean="0"/>
-              <a:t>shared_ptr</a:t>
-            </a:r>
-            <a:endParaRPr lang="en-US" altLang="zh-CN" b="1" dirty="0" smtClean="0"/>
-          </a:p>
-          <a:p>
-            <a:r>
-              <a:rPr lang="en-US" altLang="zh-CN" b="1" dirty="0" err="1" smtClean="0"/>
-              <a:t>unique_ptr</a:t>
-            </a:r>
-            <a:endParaRPr lang="en-US" altLang="zh-CN" b="1" dirty="0" smtClean="0"/>
-          </a:p>
-          <a:p>
-            <a:r>
-              <a:rPr lang="en-US" altLang="zh-CN" dirty="0" err="1" smtClean="0"/>
-              <a:t>weak_ptr</a:t>
-            </a:r>
-            <a:endParaRPr lang="en-US" altLang="zh-CN" dirty="0" smtClean="0"/>
+            <a:endParaRPr lang="zh-CN" altLang="en-US"/>
           </a:p>
         </p:txBody>
       </p:sp>
+      <p:pic>
+        <p:nvPicPr>
+          <p:cNvPr id="4098" name="Picture 2"/>
+          <p:cNvPicPr>
+            <a:picLocks noChangeAspect="1" noChangeArrowheads="1"/>
+          </p:cNvPicPr>
+          <p:nvPr/>
+        </p:nvPicPr>
+        <p:blipFill>
+          <a:blip r:embed="rId2">
+            <a:extLst>
+              <a:ext uri="{28A0092B-C50C-407E-A947-70E740481C1C}">
+                <a14:useLocalDpi xmlns:a14="http://schemas.microsoft.com/office/drawing/2010/main" val="0"/>
+              </a:ext>
+            </a:extLst>
+          </a:blip>
+          <a:srcRect/>
+          <a:stretch>
+            <a:fillRect/>
+          </a:stretch>
+        </p:blipFill>
+        <p:spPr bwMode="auto">
+          <a:xfrm>
+            <a:off x="-108520" y="0"/>
+            <a:ext cx="9582665" cy="6858000"/>
+          </a:xfrm>
+          <a:prstGeom prst="rect">
+            <a:avLst/>
+          </a:prstGeom>
+          <a:noFill/>
+          <a:ln>
+            <a:noFill/>
+          </a:ln>
+          <a:extLst>
+            <a:ext uri="{909E8E84-426E-40DD-AFC4-6F175D3DCCD1}">
+              <a14:hiddenFill xmlns:a14="http://schemas.microsoft.com/office/drawing/2010/main">
+                <a:solidFill>
+                  <a:schemeClr val="accent1"/>
+                </a:solidFill>
+              </a14:hiddenFill>
+            </a:ext>
+            <a:ext uri="{91240B29-F687-4F45-9708-019B960494DF}">
+              <a14:hiddenLine xmlns:a14="http://schemas.microsoft.com/office/drawing/2010/main" w="9525">
+                <a:solidFill>
+                  <a:schemeClr val="tx1"/>
+                </a:solidFill>
+                <a:miter lim="800000"/>
+                <a:headEnd/>
+                <a:tailEnd/>
+              </a14:hiddenLine>
+            </a:ext>
+          </a:extLst>
+        </p:spPr>
+      </p:pic>
     </p:spTree>
+    <p:extLst>
+      <p:ext uri="{BB962C8B-B14F-4D97-AF65-F5344CB8AC3E}">
+        <p14:creationId xmlns:p14="http://schemas.microsoft.com/office/powerpoint/2010/main" val="3273304413"/>
+      </p:ext>
+    </p:extLst>
   </p:cSld>
   <p:clrMapOvr>
     <a:masterClrMapping/>
@@ -14471,91 +14786,180 @@
           <a:bodyPr/>
           <a:lstStyle/>
           <a:p>
-            <a:r>
-              <a:rPr lang="zh-CN" altLang="en-US" dirty="0" smtClean="0"/>
-              <a:t>新的关键字</a:t>
-            </a:r>
             <a:endParaRPr lang="zh-CN" altLang="en-US" dirty="0"/>
           </a:p>
         </p:txBody>
       </p:sp>
-      <p:sp>
-        <p:nvSpPr>
-          <p:cNvPr id="3" name="内容占位符 2"/>
-          <p:cNvSpPr>
-            <a:spLocks noGrp="1"/>
-          </p:cNvSpPr>
+      <p:pic>
+        <p:nvPicPr>
+          <p:cNvPr id="1026" name="Picture 2"/>
+          <p:cNvPicPr>
+            <a:picLocks noChangeAspect="1" noChangeArrowheads="1"/>
+          </p:cNvPicPr>
+          <p:nvPr/>
+        </p:nvPicPr>
+        <p:blipFill>
+          <a:blip r:embed="rId2">
+            <a:extLst>
+              <a:ext uri="{28A0092B-C50C-407E-A947-70E740481C1C}">
+                <a14:useLocalDpi xmlns:a14="http://schemas.microsoft.com/office/drawing/2010/main" val="0"/>
+              </a:ext>
+            </a:extLst>
+          </a:blip>
+          <a:srcRect/>
+          <a:stretch>
+            <a:fillRect/>
+          </a:stretch>
+        </p:blipFill>
+        <p:spPr bwMode="auto">
+          <a:xfrm>
+            <a:off x="1550715" y="730771"/>
+            <a:ext cx="5248275" cy="1762125"/>
+          </a:xfrm>
+          <a:prstGeom prst="rect">
+            <a:avLst/>
+          </a:prstGeom>
+          <a:noFill/>
+          <a:ln>
+            <a:noFill/>
+          </a:ln>
+          <a:extLst>
+            <a:ext uri="{909E8E84-426E-40DD-AFC4-6F175D3DCCD1}">
+              <a14:hiddenFill xmlns:a14="http://schemas.microsoft.com/office/drawing/2010/main">
+                <a:solidFill>
+                  <a:schemeClr val="accent1"/>
+                </a:solidFill>
+              </a14:hiddenFill>
+            </a:ext>
+            <a:ext uri="{91240B29-F687-4F45-9708-019B960494DF}">
+              <a14:hiddenLine xmlns:a14="http://schemas.microsoft.com/office/drawing/2010/main" w="9525">
+                <a:solidFill>
+                  <a:schemeClr val="tx1"/>
+                </a:solidFill>
+                <a:miter lim="800000"/>
+                <a:headEnd/>
+                <a:tailEnd/>
+              </a14:hiddenLine>
+            </a:ext>
+          </a:extLst>
+        </p:spPr>
+      </p:pic>
+      <p:pic>
+        <p:nvPicPr>
+          <p:cNvPr id="1027" name="Picture 3"/>
+          <p:cNvPicPr>
+            <a:picLocks noGrp="1" noChangeAspect="1" noChangeArrowheads="1"/>
+          </p:cNvPicPr>
           <p:nvPr>
             <p:ph idx="1"/>
           </p:nvPr>
-        </p:nvSpPr>
-        <p:spPr/>
-        <p:txBody>
-          <a:bodyPr/>
-          <a:lstStyle/>
-          <a:p>
-            <a:r>
-              <a:rPr lang="en-US" altLang="zh-CN" dirty="0"/>
-              <a:t>a</a:t>
-            </a:r>
-            <a:r>
-              <a:rPr lang="en-US" altLang="zh-CN" dirty="0" smtClean="0"/>
-              <a:t>uto</a:t>
-            </a:r>
-            <a:endParaRPr lang="en-US" altLang="zh-CN" dirty="0" smtClean="0"/>
-          </a:p>
-          <a:p>
-            <a:r>
-              <a:rPr lang="en-US" altLang="zh-CN" b="1" dirty="0" err="1" smtClean="0"/>
-              <a:t>nullptr</a:t>
-            </a:r>
-            <a:endParaRPr lang="en-US" altLang="zh-CN" b="1" dirty="0" smtClean="0"/>
-          </a:p>
-          <a:p>
-            <a:r>
-              <a:rPr lang="en-US" altLang="zh-CN" b="1" dirty="0" err="1"/>
-              <a:t>c</a:t>
-            </a:r>
-            <a:r>
-              <a:rPr lang="en-US" altLang="zh-CN" b="1" dirty="0" err="1" smtClean="0"/>
-              <a:t>onstexpr</a:t>
-            </a:r>
-            <a:endParaRPr lang="en-US" altLang="zh-CN" b="1" dirty="0" smtClean="0"/>
-          </a:p>
-          <a:p>
-            <a:r>
-              <a:rPr lang="en-US" altLang="zh-CN" dirty="0" err="1" smtClean="0"/>
-              <a:t>static_assert</a:t>
-            </a:r>
-            <a:endParaRPr lang="en-US" altLang="zh-CN" dirty="0" smtClean="0"/>
-          </a:p>
-          <a:p>
-            <a:r>
-              <a:rPr lang="en-US" altLang="zh-CN" b="1" dirty="0" err="1"/>
-              <a:t>n</a:t>
-            </a:r>
-            <a:r>
-              <a:rPr lang="en-US" altLang="zh-CN" b="1" dirty="0" err="1" smtClean="0"/>
-              <a:t>oexcept</a:t>
-            </a:r>
-            <a:endParaRPr lang="en-US" altLang="zh-CN" b="1" dirty="0" err="1" smtClean="0"/>
-          </a:p>
-          <a:p>
-            <a:r>
-              <a:rPr lang="en-US" altLang="zh-CN" dirty="0" err="1" smtClean="0"/>
-              <a:t>final/override</a:t>
-            </a:r>
-            <a:endParaRPr lang="en-US" altLang="zh-CN" dirty="0" err="1" smtClean="0"/>
-          </a:p>
-          <a:p>
-            <a:pPr marL="68580" indent="0">
-              <a:buNone/>
-            </a:pPr>
-            <a:endParaRPr lang="zh-CN" altLang="en-US" dirty="0"/>
-          </a:p>
-        </p:txBody>
-      </p:sp>
+        </p:nvPicPr>
+        <p:blipFill>
+          <a:blip r:embed="rId3">
+            <a:extLst>
+              <a:ext uri="{28A0092B-C50C-407E-A947-70E740481C1C}">
+                <a14:useLocalDpi xmlns:a14="http://schemas.microsoft.com/office/drawing/2010/main" val="0"/>
+              </a:ext>
+            </a:extLst>
+          </a:blip>
+          <a:srcRect/>
+          <a:stretch>
+            <a:fillRect/>
+          </a:stretch>
+        </p:blipFill>
+        <p:spPr bwMode="auto">
+          <a:xfrm>
+            <a:off x="1550715" y="2996952"/>
+            <a:ext cx="5371429" cy="1685714"/>
+          </a:xfrm>
+          <a:prstGeom prst="rect">
+            <a:avLst/>
+          </a:prstGeom>
+          <a:noFill/>
+          <a:ln>
+            <a:noFill/>
+          </a:ln>
+          <a:extLst>
+            <a:ext uri="{909E8E84-426E-40DD-AFC4-6F175D3DCCD1}">
+              <a14:hiddenFill xmlns:a14="http://schemas.microsoft.com/office/drawing/2010/main">
+                <a:solidFill>
+                  <a:schemeClr val="accent1"/>
+                </a:solidFill>
+              </a14:hiddenFill>
+            </a:ext>
+            <a:ext uri="{91240B29-F687-4F45-9708-019B960494DF}">
+              <a14:hiddenLine xmlns:a14="http://schemas.microsoft.com/office/drawing/2010/main" w="9525">
+                <a:solidFill>
+                  <a:schemeClr val="tx1"/>
+                </a:solidFill>
+                <a:miter lim="800000"/>
+                <a:headEnd/>
+                <a:tailEnd/>
+              </a14:hiddenLine>
+            </a:ext>
+          </a:extLst>
+        </p:spPr>
+      </p:pic>
+      <p:pic>
+        <p:nvPicPr>
+          <p:cNvPr id="1028" name="Picture 4"/>
+          <p:cNvPicPr>
+            <a:picLocks noChangeAspect="1" noChangeArrowheads="1"/>
+          </p:cNvPicPr>
+          <p:nvPr/>
+        </p:nvPicPr>
+        <p:blipFill>
+          <a:blip r:embed="rId4">
+            <a:extLst>
+              <a:ext uri="{28A0092B-C50C-407E-A947-70E740481C1C}">
+                <a14:useLocalDpi xmlns:a14="http://schemas.microsoft.com/office/drawing/2010/main" val="0"/>
+              </a:ext>
+            </a:extLst>
+          </a:blip>
+          <a:srcRect/>
+          <a:stretch>
+            <a:fillRect/>
+          </a:stretch>
+        </p:blipFill>
+        <p:spPr bwMode="auto">
+          <a:xfrm>
+            <a:off x="1550715" y="5301208"/>
+            <a:ext cx="5372100" cy="561975"/>
+          </a:xfrm>
+          <a:prstGeom prst="rect">
+            <a:avLst/>
+          </a:prstGeom>
+          <a:noFill/>
+          <a:ln>
+            <a:noFill/>
+          </a:ln>
+          <a:extLst>
+            <a:ext uri="{909E8E84-426E-40DD-AFC4-6F175D3DCCD1}">
+              <a14:hiddenFill xmlns:a14="http://schemas.microsoft.com/office/drawing/2010/main">
+                <a:solidFill>
+                  <a:schemeClr val="accent1"/>
+                </a:solidFill>
+              </a14:hiddenFill>
+            </a:ext>
+            <a:ext uri="{91240B29-F687-4F45-9708-019B960494DF}">
+              <a14:hiddenLine xmlns:a14="http://schemas.microsoft.com/office/drawing/2010/main" w="9525">
+                <a:solidFill>
+                  <a:schemeClr val="tx1"/>
+                </a:solidFill>
+                <a:miter lim="800000"/>
+                <a:headEnd/>
+                <a:tailEnd/>
+              </a14:hiddenLine>
+            </a:ext>
+          </a:extLst>
+        </p:spPr>
+      </p:pic>
     </p:spTree>
+    <p:extLst>
+      <p:ext uri="{BB962C8B-B14F-4D97-AF65-F5344CB8AC3E}">
+        <p14:creationId xmlns:p14="http://schemas.microsoft.com/office/powerpoint/2010/main" val="2009352651"/>
+      </p:ext>
+    </p:extLst>
   </p:cSld>
   <p:clrMapOvr>
     <a:masterClrMapping/>
@@ -14604,7 +15008,7 @@
           <a:p>
             <a:r>
               <a:rPr lang="zh-CN" altLang="en-US" dirty="0" smtClean="0"/>
-              <a:t>线程与并发编程</a:t>
+              <a:t>类的默认成员函数</a:t>
             </a:r>
             <a:endParaRPr lang="zh-CN" altLang="en-US" dirty="0"/>
           </a:p>
@@ -14622,45 +15026,149 @@
         </p:nvSpPr>
         <p:spPr/>
         <p:txBody>
-          <a:bodyPr/>
+          <a:bodyPr>
+            <a:normAutofit lnSpcReduction="10000"/>
+          </a:bodyPr>
           <a:lstStyle/>
           <a:p>
             <a:r>
+              <a:rPr lang="zh-CN" altLang="en-US" dirty="0"/>
+              <a:t>缺省</a:t>
+            </a:r>
+            <a:r>
+              <a:rPr lang="zh-CN" altLang="en-US" dirty="0" smtClean="0"/>
+              <a:t>构造函数 </a:t>
+            </a:r>
+            <a:r>
+              <a:rPr lang="en-US" altLang="zh-CN" dirty="0" smtClean="0"/>
+              <a:t>A();</a:t>
+            </a:r>
+          </a:p>
+          <a:p>
+            <a:r>
+              <a:rPr lang="zh-CN" altLang="en-US" dirty="0" smtClean="0"/>
+              <a:t>析构函数  </a:t>
+            </a:r>
+            <a:r>
+              <a:rPr lang="en-US" altLang="zh-CN" dirty="0" smtClean="0"/>
+              <a:t>~A();</a:t>
+            </a:r>
+          </a:p>
+          <a:p>
+            <a:r>
+              <a:rPr lang="zh-CN" altLang="en-US" dirty="0" smtClean="0"/>
+              <a:t>拷贝构造函数 </a:t>
+            </a:r>
+            <a:r>
+              <a:rPr lang="en-US" altLang="zh-CN" dirty="0" smtClean="0"/>
+              <a:t>A( </a:t>
+            </a:r>
+            <a:r>
+              <a:rPr lang="en-US" altLang="zh-CN" dirty="0" err="1"/>
+              <a:t>const</a:t>
+            </a:r>
+            <a:r>
               <a:rPr lang="en-US" altLang="zh-CN" dirty="0"/>
-              <a:t>t</a:t>
+              <a:t> </a:t>
             </a:r>
             <a:r>
               <a:rPr lang="en-US" altLang="zh-CN" dirty="0" smtClean="0"/>
-              <a:t>hread</a:t>
+              <a:t>A&amp; );</a:t>
+            </a:r>
+          </a:p>
+          <a:p>
+            <a:r>
+              <a:rPr lang="zh-CN" altLang="en-US" dirty="0" smtClean="0"/>
+              <a:t>赋值运算符重载 </a:t>
+            </a:r>
+            <a:r>
+              <a:rPr lang="en-US" altLang="zh-CN" dirty="0" smtClean="0"/>
+              <a:t>A&amp; </a:t>
+            </a:r>
+            <a:r>
+              <a:rPr lang="en-US" altLang="zh-CN" dirty="0"/>
+              <a:t>operator=( </a:t>
+            </a:r>
+            <a:r>
+              <a:rPr lang="en-US" altLang="zh-CN" dirty="0" smtClean="0"/>
+              <a:t>A&amp; </a:t>
+            </a:r>
+            <a:r>
+              <a:rPr lang="en-US" altLang="zh-CN" dirty="0"/>
+              <a:t>);</a:t>
             </a:r>
             <a:endParaRPr lang="en-US" altLang="zh-CN" dirty="0" smtClean="0"/>
           </a:p>
           <a:p>
             <a:r>
+              <a:rPr lang="zh-CN" altLang="en-US" dirty="0"/>
+              <a:t>取</a:t>
+            </a:r>
+            <a:r>
+              <a:rPr lang="zh-CN" altLang="en-US" dirty="0" smtClean="0"/>
+              <a:t>地址运算符 </a:t>
+            </a:r>
+            <a:r>
+              <a:rPr lang="en-US" altLang="zh-CN" dirty="0" smtClean="0"/>
+              <a:t>A* </a:t>
+            </a:r>
+            <a:r>
+              <a:rPr lang="en-US" altLang="zh-CN" dirty="0"/>
+              <a:t>operator&amp;();</a:t>
+            </a:r>
+            <a:endParaRPr lang="en-US" altLang="zh-CN" dirty="0" smtClean="0"/>
+          </a:p>
+          <a:p>
+            <a:r>
+              <a:rPr lang="zh-CN" altLang="en-US" dirty="0"/>
+              <a:t>取地址</a:t>
+            </a:r>
+            <a:r>
+              <a:rPr lang="zh-CN" altLang="en-US" dirty="0" smtClean="0"/>
+              <a:t>运算符 </a:t>
+            </a:r>
+            <a:r>
+              <a:rPr lang="en-US" altLang="zh-CN" dirty="0" err="1" smtClean="0"/>
+              <a:t>const</a:t>
+            </a:r>
+            <a:r>
+              <a:rPr lang="en-US" altLang="zh-CN" dirty="0" smtClean="0"/>
+              <a:t> A* </a:t>
+            </a:r>
+            <a:r>
+              <a:rPr lang="en-US" altLang="zh-CN" dirty="0"/>
+              <a:t>operator&amp;() </a:t>
+            </a:r>
+            <a:r>
+              <a:rPr lang="en-US" altLang="zh-CN" dirty="0" err="1"/>
+              <a:t>const</a:t>
+            </a:r>
+            <a:r>
+              <a:rPr lang="en-US" altLang="zh-CN" dirty="0"/>
+              <a:t>;</a:t>
+            </a:r>
+          </a:p>
+          <a:p>
+            <a:r>
+              <a:rPr lang="zh-CN" altLang="en-US" b="1" dirty="0" smtClean="0"/>
+              <a:t>移动构造函数 </a:t>
+            </a:r>
+            <a:r>
               <a:rPr lang="en-US" altLang="zh-CN" b="1" dirty="0" smtClean="0"/>
-              <a:t>atomic</a:t>
-            </a:r>
-            <a:endParaRPr lang="en-US" altLang="zh-CN" b="1" dirty="0" smtClean="0"/>
-          </a:p>
-          <a:p>
-            <a:r>
-              <a:rPr lang="en-US" altLang="zh-CN" dirty="0" err="1" smtClean="0"/>
-              <a:t>mutex</a:t>
-            </a:r>
-            <a:endParaRPr lang="en-US" altLang="zh-CN" dirty="0" smtClean="0"/>
-          </a:p>
-          <a:p>
-            <a:r>
-              <a:rPr lang="en-US" altLang="zh-CN" dirty="0" err="1" smtClean="0"/>
-              <a:t>lock_guard</a:t>
-            </a:r>
-            <a:endParaRPr lang="en-US" altLang="zh-CN" dirty="0" smtClean="0"/>
-          </a:p>
-          <a:p>
-            <a:r>
-              <a:rPr lang="zh-CN" altLang="en-US" dirty="0" smtClean="0"/>
-              <a:t>线程安全的单例</a:t>
-            </a:r>
+              <a:t>A (A&amp;&amp;)</a:t>
+            </a:r>
+          </a:p>
+          <a:p>
+            <a:r>
+              <a:rPr lang="zh-CN" altLang="en-US" b="1" dirty="0" smtClean="0"/>
+              <a:t>移动赋值运算符重载 </a:t>
+            </a:r>
+            <a:r>
+              <a:rPr lang="en-US" altLang="zh-CN" b="1" dirty="0" smtClean="0"/>
+              <a:t>A&amp; operator=(A&amp;&amp;)</a:t>
+            </a:r>
+          </a:p>
+          <a:p>
             <a:endParaRPr lang="zh-CN" altLang="en-US" dirty="0"/>
           </a:p>
         </p:txBody>
@@ -14670,6 +15178,13 @@
   <p:clrMapOvr>
     <a:masterClrMapping/>
   </p:clrMapOvr>
+  <p:timing>
+    <p:tnLst>
+      <p:par>
+        <p:cTn id="1" dur="indefinite" restart="never" nodeType="tmRoot"/>
+      </p:par>
+    </p:tnLst>
+  </p:timing>
 </p:sld>
 </file>
 
@@ -14705,11 +15220,7 @@
           <a:bodyPr/>
           <a:lstStyle/>
           <a:p>
-            <a:r>
-              <a:rPr lang="en-US" altLang="zh-CN" dirty="0" smtClean="0"/>
-              <a:t>C++17/20</a:t>
-            </a:r>
-            <a:endParaRPr lang="zh-CN" altLang="en-US" dirty="0"/>
+            <a:endParaRPr lang="zh-CN" altLang="en-US"/>
           </a:p>
         </p:txBody>
       </p:sp>
@@ -14725,114 +15236,54 @@
         </p:nvSpPr>
         <p:spPr/>
         <p:txBody>
-          <a:bodyPr>
-            <a:normAutofit/>
-          </a:bodyPr>
+          <a:bodyPr/>
           <a:lstStyle/>
           <a:p>
-            <a:r>
-              <a:rPr lang="en-US" altLang="zh-CN" b="1" dirty="0"/>
-              <a:t>v</a:t>
-            </a:r>
-            <a:r>
-              <a:rPr lang="en-US" altLang="zh-CN" b="1" dirty="0" smtClean="0"/>
-              <a:t>ariant(C++17)</a:t>
-            </a:r>
-            <a:endParaRPr lang="en-US" altLang="zh-CN" b="1" dirty="0" smtClean="0"/>
-          </a:p>
-          <a:p>
-            <a:r>
-              <a:rPr lang="en-US" altLang="zh-CN" dirty="0"/>
-              <a:t>m</a:t>
-            </a:r>
-            <a:r>
-              <a:rPr lang="en-US" altLang="zh-CN" dirty="0" smtClean="0"/>
-              <a:t>odule(</a:t>
-            </a:r>
-            <a:r>
-              <a:rPr lang="en-US" altLang="zh-CN" dirty="0" err="1" smtClean="0"/>
-              <a:t>TBD</a:t>
-            </a:r>
-            <a:r>
-              <a:rPr lang="zh-CN" altLang="en-US" dirty="0" smtClean="0"/>
-              <a:t>）</a:t>
-            </a:r>
-            <a:endParaRPr lang="en-US" altLang="zh-CN" dirty="0" smtClean="0"/>
-          </a:p>
-          <a:p>
-            <a:r>
-              <a:rPr lang="en-US" altLang="zh-CN" dirty="0" err="1"/>
-              <a:t>coroutine</a:t>
-            </a:r>
-            <a:r>
-              <a:rPr lang="en-US" altLang="zh-CN" dirty="0"/>
-              <a:t>(</a:t>
-            </a:r>
-            <a:r>
-              <a:rPr lang="en-US" altLang="zh-CN" dirty="0" err="1" smtClean="0">
-                <a:sym typeface="+mn-ea"/>
-              </a:rPr>
-              <a:t>TBD</a:t>
-            </a:r>
-            <a:r>
-              <a:rPr lang="zh-CN" altLang="en-US" dirty="0" smtClean="0"/>
-              <a:t>）</a:t>
-            </a:r>
-            <a:endParaRPr lang="en-US" altLang="zh-CN" dirty="0" smtClean="0"/>
-          </a:p>
-          <a:p>
-            <a:r>
-              <a:rPr lang="en-US" altLang="zh-CN" dirty="0"/>
-              <a:t>ranges(</a:t>
-            </a:r>
-            <a:r>
-              <a:rPr lang="en-US" altLang="zh-CN" dirty="0" err="1" smtClean="0">
-                <a:sym typeface="+mn-ea"/>
-              </a:rPr>
-              <a:t>TBD</a:t>
-            </a:r>
-            <a:r>
-              <a:rPr lang="zh-CN" altLang="en-US" dirty="0" smtClean="0"/>
-              <a:t>）</a:t>
-            </a:r>
-            <a:endParaRPr lang="en-US" altLang="zh-CN" dirty="0" smtClean="0"/>
-          </a:p>
-          <a:p>
-            <a:r>
-              <a:rPr lang="en-US" altLang="zh-CN" b="1" dirty="0"/>
-              <a:t>concepts(</a:t>
-            </a:r>
-            <a:r>
-              <a:rPr lang="en-US" altLang="zh-CN" dirty="0" err="1" smtClean="0">
-                <a:sym typeface="+mn-ea"/>
-              </a:rPr>
-              <a:t>TBD</a:t>
-            </a:r>
-            <a:r>
-              <a:rPr lang="zh-CN" altLang="en-US" b="1" dirty="0" smtClean="0"/>
-              <a:t>）</a:t>
-            </a:r>
-            <a:endParaRPr lang="en-US" altLang="zh-CN" b="1" dirty="0" smtClean="0"/>
-          </a:p>
-          <a:p>
-            <a:r>
-              <a:rPr lang="en-US" altLang="zh-CN" dirty="0"/>
-              <a:t>Invoke(</a:t>
-            </a:r>
-            <a:r>
-              <a:rPr lang="en-US" altLang="zh-CN" dirty="0" err="1" smtClean="0">
-                <a:sym typeface="+mn-ea"/>
-              </a:rPr>
-              <a:t>TBD</a:t>
-            </a:r>
-            <a:r>
-              <a:rPr lang="zh-CN" altLang="en-US" dirty="0" smtClean="0"/>
-              <a:t>）</a:t>
-            </a:r>
-            <a:endParaRPr lang="en-US" altLang="zh-CN" dirty="0" smtClean="0"/>
+            <a:endParaRPr lang="zh-CN" altLang="en-US" dirty="0"/>
           </a:p>
         </p:txBody>
       </p:sp>
+      <p:pic>
+        <p:nvPicPr>
+          <p:cNvPr id="4" name="Picture 2" descr="http://img.blog.csdn.net/20131220192020890"/>
+          <p:cNvPicPr>
+            <a:picLocks noChangeAspect="1" noChangeArrowheads="1"/>
+          </p:cNvPicPr>
+          <p:nvPr/>
+        </p:nvPicPr>
+        <p:blipFill>
+          <a:blip r:embed="rId2">
+            <a:extLst>
+              <a:ext uri="{28A0092B-C50C-407E-A947-70E740481C1C}">
+                <a14:useLocalDpi xmlns:a14="http://schemas.microsoft.com/office/drawing/2010/main" val="0"/>
+              </a:ext>
+            </a:extLst>
+          </a:blip>
+          <a:srcRect/>
+          <a:stretch>
+            <a:fillRect/>
+          </a:stretch>
+        </p:blipFill>
+        <p:spPr bwMode="auto">
+          <a:xfrm>
+            <a:off x="782245" y="621323"/>
+            <a:ext cx="7579423" cy="5616624"/>
+          </a:xfrm>
+          <a:prstGeom prst="rect">
+            <a:avLst/>
+          </a:prstGeom>
+          <a:noFill/>
+          <a:extLst>
+            <a:ext uri="{909E8E84-426E-40DD-AFC4-6F175D3DCCD1}">
+              <a14:hiddenFill xmlns:a14="http://schemas.microsoft.com/office/drawing/2010/main">
+                <a:solidFill>
+                  <a:srgbClr val="FFFFFF"/>
+                </a:solidFill>
+              </a14:hiddenFill>
+            </a:ext>
+          </a:extLst>
+        </p:spPr>
+      </p:pic>
     </p:spTree>
   </p:cSld>
   <p:clrMapOvr>
@@ -14880,11 +15331,7 @@
           <a:bodyPr/>
           <a:lstStyle/>
           <a:p>
-            <a:r>
-              <a:rPr lang="zh-CN" altLang="en-US" dirty="0"/>
-              <a:t>参考书</a:t>
-            </a:r>
-            <a:endParaRPr lang="zh-CN" altLang="en-US" dirty="0"/>
+            <a:endParaRPr lang="zh-CN" altLang="en-US"/>
           </a:p>
         </p:txBody>
       </p:sp>
@@ -14903,98 +15350,166 @@
           <a:bodyPr/>
           <a:lstStyle/>
           <a:p>
-            <a:r>
-              <a:rPr lang="en-US" altLang="zh-CN" dirty="0" smtClean="0"/>
-              <a:t>《C++11/14</a:t>
-            </a:r>
+            <a:endParaRPr lang="zh-CN" altLang="en-US" dirty="0"/>
+          </a:p>
+        </p:txBody>
+      </p:sp>
+      <p:pic>
+        <p:nvPicPr>
+          <p:cNvPr id="6146" name="Picture 2"/>
+          <p:cNvPicPr>
+            <a:picLocks noChangeAspect="1" noChangeArrowheads="1"/>
+          </p:cNvPicPr>
+          <p:nvPr/>
+        </p:nvPicPr>
+        <p:blipFill>
+          <a:blip r:embed="rId2">
+            <a:extLst>
+              <a:ext uri="{28A0092B-C50C-407E-A947-70E740481C1C}">
+                <a14:useLocalDpi xmlns:a14="http://schemas.microsoft.com/office/drawing/2010/main" val="0"/>
+              </a:ext>
+            </a:extLst>
+          </a:blip>
+          <a:srcRect/>
+          <a:stretch>
+            <a:fillRect/>
+          </a:stretch>
+        </p:blipFill>
+        <p:spPr bwMode="auto">
+          <a:xfrm>
+            <a:off x="395536" y="260648"/>
+            <a:ext cx="5603544" cy="6274271"/>
+          </a:xfrm>
+          <a:prstGeom prst="rect">
+            <a:avLst/>
+          </a:prstGeom>
+          <a:noFill/>
+          <a:ln>
+            <a:noFill/>
+          </a:ln>
+          <a:extLst>
+            <a:ext uri="{909E8E84-426E-40DD-AFC4-6F175D3DCCD1}">
+              <a14:hiddenFill xmlns:a14="http://schemas.microsoft.com/office/drawing/2010/main">
+                <a:solidFill>
+                  <a:schemeClr val="accent1"/>
+                </a:solidFill>
+              </a14:hiddenFill>
+            </a:ext>
+            <a:ext uri="{91240B29-F687-4F45-9708-019B960494DF}">
+              <a14:hiddenLine xmlns:a14="http://schemas.microsoft.com/office/drawing/2010/main" w="9525">
+                <a:solidFill>
+                  <a:schemeClr val="tx1"/>
+                </a:solidFill>
+                <a:miter lim="800000"/>
+                <a:headEnd/>
+                <a:tailEnd/>
+              </a14:hiddenLine>
+            </a:ext>
+          </a:extLst>
+        </p:spPr>
+      </p:pic>
+      <p:pic>
+        <p:nvPicPr>
+          <p:cNvPr id="5" name="Picture 2"/>
+          <p:cNvPicPr>
+            <a:picLocks noChangeAspect="1" noChangeArrowheads="1"/>
+          </p:cNvPicPr>
+          <p:nvPr/>
+        </p:nvPicPr>
+        <p:blipFill>
+          <a:blip r:embed="rId3">
+            <a:extLst>
+              <a:ext uri="{28A0092B-C50C-407E-A947-70E740481C1C}">
+                <a14:useLocalDpi xmlns:a14="http://schemas.microsoft.com/office/drawing/2010/main" val="0"/>
+              </a:ext>
+            </a:extLst>
+          </a:blip>
+          <a:srcRect/>
+          <a:stretch>
+            <a:fillRect/>
+          </a:stretch>
+        </p:blipFill>
+        <p:spPr bwMode="auto">
+          <a:xfrm>
+            <a:off x="6156176" y="2631020"/>
+            <a:ext cx="2381250" cy="1533525"/>
+          </a:xfrm>
+          <a:prstGeom prst="rect">
+            <a:avLst/>
+          </a:prstGeom>
+          <a:noFill/>
+          <a:ln>
+            <a:noFill/>
+          </a:ln>
+          <a:extLst>
+            <a:ext uri="{909E8E84-426E-40DD-AFC4-6F175D3DCCD1}">
+              <a14:hiddenFill xmlns:a14="http://schemas.microsoft.com/office/drawing/2010/main">
+                <a:solidFill>
+                  <a:schemeClr val="accent1"/>
+                </a:solidFill>
+              </a14:hiddenFill>
+            </a:ext>
+            <a:ext uri="{91240B29-F687-4F45-9708-019B960494DF}">
+              <a14:hiddenLine xmlns:a14="http://schemas.microsoft.com/office/drawing/2010/main" w="9525">
+                <a:solidFill>
+                  <a:schemeClr val="tx1"/>
+                </a:solidFill>
+                <a:miter lim="800000"/>
+                <a:headEnd/>
+                <a:tailEnd/>
+              </a14:hiddenLine>
+            </a:ext>
+          </a:extLst>
+        </p:spPr>
+      </p:pic>
+    </p:spTree>
+    <p:extLst>
+      <p:ext uri="{BB962C8B-B14F-4D97-AF65-F5344CB8AC3E}">
+        <p14:creationId xmlns:p14="http://schemas.microsoft.com/office/powerpoint/2010/main" val="3973859623"/>
+      </p:ext>
+    </p:extLst>
+  </p:cSld>
+  <p:clrMapOvr>
+    <a:masterClrMapping/>
+  </p:clrMapOvr>
+</p:sld>
+</file>
+
+<file path=ppt/slides/slide17.xml><?xml version="1.0" encoding="utf-8"?>
+<p:sld xmlns:a="http://schemas.openxmlformats.org/drawingml/2006/main" xmlns:r="http://schemas.openxmlformats.org/officeDocument/2006/relationships" xmlns:p="http://schemas.openxmlformats.org/presentationml/2006/main">
+  <p:cSld>
+    <p:spTree>
+      <p:nvGrpSpPr>
+        <p:cNvPr id="1" name=""/>
+        <p:cNvGrpSpPr/>
+        <p:nvPr/>
+      </p:nvGrpSpPr>
+      <p:grpSpPr>
+        <a:xfrm>
+          <a:off x="0" y="0"/>
+          <a:ext cx="0" cy="0"/>
+          <a:chOff x="0" y="0"/>
+          <a:chExt cx="0" cy="0"/>
+        </a:xfrm>
+      </p:grpSpPr>
+      <p:sp>
+        <p:nvSpPr>
+          <p:cNvPr id="2" name="标题 1"/>
+          <p:cNvSpPr>
+            <a:spLocks noGrp="1"/>
+          </p:cNvSpPr>
+          <p:nvPr>
+            <p:ph type="title"/>
+          </p:nvPr>
+        </p:nvSpPr>
+        <p:spPr/>
+        <p:txBody>
+          <a:bodyPr/>
+          <a:lstStyle/>
+          <a:p>
             <a:r>
               <a:rPr lang="zh-CN" altLang="en-US" dirty="0" smtClean="0"/>
-              <a:t>高级编程</a:t>
-            </a:r>
-            <a:r>
-              <a:rPr lang="zh-CN" altLang="en-US" dirty="0"/>
-              <a:t>：</a:t>
-            </a:r>
-            <a:r>
-              <a:rPr lang="en-US" altLang="zh-CN" dirty="0" smtClean="0"/>
-              <a:t>Boost</a:t>
-            </a:r>
-            <a:r>
-              <a:rPr lang="zh-CN" altLang="en-US" dirty="0" smtClean="0"/>
-              <a:t>程序库探秘</a:t>
-            </a:r>
-            <a:r>
-              <a:rPr lang="en-US" altLang="zh-CN" dirty="0" smtClean="0"/>
-              <a:t>》</a:t>
-            </a:r>
-            <a:endParaRPr lang="en-US" altLang="zh-CN" dirty="0" smtClean="0"/>
-          </a:p>
-          <a:p>
-            <a:r>
-              <a:rPr lang="en-US" altLang="zh-CN" dirty="0" smtClean="0"/>
-              <a:t>《Effective Modern C++ 》</a:t>
-            </a:r>
-            <a:endParaRPr lang="en-US" altLang="zh-CN" dirty="0" smtClean="0"/>
-          </a:p>
-          <a:p>
-            <a:r>
-              <a:rPr lang="en-US" altLang="zh-CN" dirty="0" smtClean="0"/>
-              <a:t>《</a:t>
-            </a:r>
-            <a:r>
-              <a:rPr lang="zh-CN" altLang="en-US" dirty="0" smtClean="0"/>
-              <a:t>深入理解</a:t>
-            </a:r>
-            <a:r>
-              <a:rPr lang="en-US" altLang="zh-CN" dirty="0" smtClean="0"/>
-              <a:t>C++11》</a:t>
-            </a:r>
-            <a:endParaRPr lang="en-US" altLang="zh-CN" dirty="0" smtClean="0"/>
-          </a:p>
-          <a:p>
-            <a:r>
-              <a:rPr lang="en-US" altLang="zh-CN" dirty="0" smtClean="0"/>
-              <a:t> cppReference.com</a:t>
-            </a:r>
-            <a:endParaRPr lang="en-US" altLang="zh-CN" dirty="0" smtClean="0"/>
-          </a:p>
-          <a:p>
-            <a:r>
-              <a:rPr lang="en-US" altLang="zh-CN" dirty="0" smtClean="0"/>
-              <a:t> </a:t>
-            </a:r>
-            <a:r>
-              <a:rPr lang="en-US" altLang="zh-CN" dirty="0" smtClean="0">
-                <a:hlinkClick r:id="rId1"/>
-              </a:rPr>
-              <a:t>https</a:t>
-            </a:r>
-            <a:r>
-              <a:rPr lang="en-US" altLang="zh-CN" dirty="0">
-                <a:hlinkClick r:id="rId1"/>
-              </a:rPr>
-              <a:t>://changkun.gitbooks.io/cpp1x-tutorial</a:t>
-            </a:r>
-            <a:r>
-              <a:rPr lang="en-US" altLang="zh-CN" dirty="0" smtClean="0">
-                <a:hlinkClick r:id="rId1"/>
-              </a:rPr>
-              <a:t>/</a:t>
-            </a:r>
-            <a:endParaRPr lang="en-US" altLang="zh-CN" dirty="0" smtClean="0"/>
-          </a:p>
-          <a:p>
-            <a:r>
-              <a:rPr lang="en-US" altLang="zh-CN" dirty="0" smtClean="0"/>
-              <a:t>《C++</a:t>
-            </a:r>
-            <a:r>
-              <a:rPr lang="zh-CN" altLang="en-US" dirty="0" smtClean="0"/>
-              <a:t>并发编程实战</a:t>
-            </a:r>
-            <a:r>
-              <a:rPr lang="en-US" altLang="zh-CN" dirty="0" smtClean="0"/>
-              <a:t>》</a:t>
+              <a:t>智能指针</a:t>
             </a:r>
             <a:endParaRPr lang="zh-CN" altLang="en-US" dirty="0"/>
           </a:p>
@@ -15002,293 +15517,45 @@
       </p:sp>
       <p:sp>
         <p:nvSpPr>
-          <p:cNvPr id="4" name="内容占位符 2"/>
+          <p:cNvPr id="3" name="内容占位符 2"/>
           <p:cNvSpPr>
             <a:spLocks noGrp="1"/>
           </p:cNvSpPr>
-          <p:nvPr/>
+          <p:nvPr>
+            <p:ph idx="1"/>
+          </p:nvPr>
         </p:nvSpPr>
-        <p:spPr>
-          <a:xfrm>
-            <a:off x="1044127" y="2316032"/>
-            <a:ext cx="6777317" cy="3508977"/>
-          </a:xfrm>
-          <a:prstGeom prst="rect">
-            <a:avLst/>
-          </a:prstGeom>
-        </p:spPr>
+        <p:spPr/>
         <p:txBody>
-          <a:bodyPr vert="horz" lIns="91440" tIns="45720" rIns="91440" bIns="45720" rtlCol="0">
-            <a:normAutofit/>
-          </a:bodyPr>
-          <a:lstStyle>
-            <a:lvl1pPr marL="342900" indent="-274320" algn="l" defTabSz="914400" rtl="0" eaLnBrk="1" latinLnBrk="0" hangingPunct="1">
-              <a:spcBef>
-                <a:spcPct val="20000"/>
-              </a:spcBef>
-              <a:buClr>
-                <a:schemeClr val="accent1"/>
-              </a:buClr>
-              <a:buSzPct val="76000"/>
-              <a:buFont typeface="Wingdings 2" pitchFamily="18" charset="2"/>
-              <a:buChar char=""/>
-              <a:defRPr sz="2400" kern="1200">
-                <a:solidFill>
-                  <a:schemeClr val="tx2"/>
-                </a:solidFill>
-                <a:latin typeface="+mn-lt"/>
-                <a:ea typeface="+mn-ea"/>
-                <a:cs typeface="+mn-cs"/>
-              </a:defRPr>
-            </a:lvl1pPr>
-            <a:lvl2pPr marL="640080" indent="-274320" algn="l" defTabSz="914400" rtl="0" eaLnBrk="1" latinLnBrk="0" hangingPunct="1">
-              <a:spcBef>
-                <a:spcPct val="20000"/>
-              </a:spcBef>
-              <a:buClr>
-                <a:schemeClr val="accent1"/>
-              </a:buClr>
-              <a:buSzPct val="76000"/>
-              <a:buFont typeface="Wingdings 2" pitchFamily="18" charset="2"/>
-              <a:buChar char=""/>
-              <a:defRPr sz="2200" kern="1200">
-                <a:solidFill>
-                  <a:schemeClr val="tx2"/>
-                </a:solidFill>
-                <a:latin typeface="+mn-lt"/>
-                <a:ea typeface="+mn-ea"/>
-                <a:cs typeface="+mn-cs"/>
-              </a:defRPr>
-            </a:lvl2pPr>
-            <a:lvl3pPr marL="914400" indent="-228600" algn="l" defTabSz="914400" rtl="0" eaLnBrk="1" latinLnBrk="0" hangingPunct="1">
-              <a:spcBef>
-                <a:spcPct val="20000"/>
-              </a:spcBef>
-              <a:buClr>
-                <a:schemeClr val="accent1"/>
-              </a:buClr>
-              <a:buSzPct val="76000"/>
-              <a:buFont typeface="Wingdings 2" pitchFamily="18" charset="2"/>
-              <a:buChar char=""/>
-              <a:defRPr sz="2000" kern="1200">
-                <a:solidFill>
-                  <a:schemeClr val="tx2"/>
-                </a:solidFill>
-                <a:latin typeface="+mn-lt"/>
-                <a:ea typeface="+mn-ea"/>
-                <a:cs typeface="+mn-cs"/>
-              </a:defRPr>
-            </a:lvl3pPr>
-            <a:lvl4pPr marL="1124585" indent="-228600" algn="l" defTabSz="914400" rtl="0" eaLnBrk="1" latinLnBrk="0" hangingPunct="1">
-              <a:spcBef>
-                <a:spcPct val="20000"/>
-              </a:spcBef>
-              <a:buClr>
-                <a:schemeClr val="accent1"/>
-              </a:buClr>
-              <a:buSzPct val="76000"/>
-              <a:buFont typeface="Wingdings 2" pitchFamily="18" charset="2"/>
-              <a:buChar char=""/>
-              <a:defRPr sz="1800" kern="1200">
-                <a:solidFill>
-                  <a:schemeClr val="tx2"/>
-                </a:solidFill>
-                <a:latin typeface="+mn-lt"/>
-                <a:ea typeface="+mn-ea"/>
-                <a:cs typeface="+mn-cs"/>
-              </a:defRPr>
-            </a:lvl4pPr>
-            <a:lvl5pPr marL="1325880" indent="-228600" algn="l" defTabSz="914400" rtl="0" eaLnBrk="1" latinLnBrk="0" hangingPunct="1">
-              <a:spcBef>
-                <a:spcPct val="20000"/>
-              </a:spcBef>
-              <a:buClr>
-                <a:schemeClr val="accent1"/>
-              </a:buClr>
-              <a:buSzPct val="76000"/>
-              <a:buFont typeface="Wingdings 2" pitchFamily="18" charset="2"/>
-              <a:buChar char=""/>
-              <a:defRPr sz="1600" kern="1200" baseline="0">
-                <a:solidFill>
-                  <a:schemeClr val="tx2"/>
-                </a:solidFill>
-                <a:latin typeface="+mn-lt"/>
-                <a:ea typeface="+mn-ea"/>
-                <a:cs typeface="+mn-cs"/>
-              </a:defRPr>
-            </a:lvl5pPr>
-            <a:lvl6pPr marL="1517650" indent="-228600" algn="l" defTabSz="914400" rtl="0" eaLnBrk="1" latinLnBrk="0" hangingPunct="1">
-              <a:spcBef>
-                <a:spcPct val="20000"/>
-              </a:spcBef>
-              <a:buClr>
-                <a:schemeClr val="accent1"/>
-              </a:buClr>
-              <a:buSzPct val="76000"/>
-              <a:buFont typeface="Wingdings 2" pitchFamily="18" charset="2"/>
-              <a:buChar char=""/>
-              <a:defRPr sz="1400" kern="1200">
-                <a:solidFill>
-                  <a:schemeClr val="tx2"/>
-                </a:solidFill>
-                <a:latin typeface="+mn-lt"/>
-                <a:ea typeface="+mn-ea"/>
-                <a:cs typeface="+mn-cs"/>
-              </a:defRPr>
-            </a:lvl6pPr>
-            <a:lvl7pPr marL="1718945" indent="-228600" algn="l" defTabSz="914400" rtl="0" eaLnBrk="1" latinLnBrk="0" hangingPunct="1">
-              <a:spcBef>
-                <a:spcPct val="20000"/>
-              </a:spcBef>
-              <a:buClr>
-                <a:schemeClr val="accent1"/>
-              </a:buClr>
-              <a:buSzPct val="76000"/>
-              <a:buFont typeface="Wingdings 2" pitchFamily="18" charset="2"/>
-              <a:buChar char=""/>
-              <a:defRPr sz="1400" kern="1200">
-                <a:solidFill>
-                  <a:schemeClr val="tx2"/>
-                </a:solidFill>
-                <a:latin typeface="+mn-lt"/>
-                <a:ea typeface="+mn-ea"/>
-                <a:cs typeface="+mn-cs"/>
-              </a:defRPr>
-            </a:lvl7pPr>
-            <a:lvl8pPr marL="1920240" indent="-228600" algn="l" defTabSz="914400" rtl="0" eaLnBrk="1" latinLnBrk="0" hangingPunct="1">
-              <a:spcBef>
-                <a:spcPct val="20000"/>
-              </a:spcBef>
-              <a:buClr>
-                <a:schemeClr val="accent1"/>
-              </a:buClr>
-              <a:buSzPct val="76000"/>
-              <a:buFont typeface="Wingdings 2" pitchFamily="18" charset="2"/>
-              <a:buChar char=""/>
-              <a:defRPr sz="1400" kern="1200">
-                <a:solidFill>
-                  <a:schemeClr val="tx2"/>
-                </a:solidFill>
-                <a:latin typeface="+mn-lt"/>
-                <a:ea typeface="+mn-ea"/>
-                <a:cs typeface="+mn-cs"/>
-              </a:defRPr>
-            </a:lvl8pPr>
-            <a:lvl9pPr marL="2121535" indent="-228600" algn="l" defTabSz="914400" rtl="0" eaLnBrk="1" latinLnBrk="0" hangingPunct="1">
-              <a:spcBef>
-                <a:spcPct val="20000"/>
-              </a:spcBef>
-              <a:buClr>
-                <a:schemeClr val="accent1"/>
-              </a:buClr>
-              <a:buSzPct val="76000"/>
-              <a:buFont typeface="Wingdings 2" pitchFamily="18" charset="2"/>
-              <a:buChar char=""/>
-              <a:defRPr sz="1400" kern="1200">
-                <a:solidFill>
-                  <a:schemeClr val="tx2"/>
-                </a:solidFill>
-                <a:latin typeface="+mn-lt"/>
-                <a:ea typeface="+mn-ea"/>
-                <a:cs typeface="+mn-cs"/>
-              </a:defRPr>
-            </a:lvl9pPr>
-          </a:lstStyle>
-          <a:p>
-            <a:r>
-              <a:rPr lang="en-US" altLang="zh-CN" dirty="0" smtClean="0"/>
-              <a:t>《C++11/14</a:t>
-            </a:r>
-            <a:r>
-              <a:rPr lang="zh-CN" altLang="en-US" dirty="0" smtClean="0"/>
-              <a:t>高级编程</a:t>
-            </a:r>
-            <a:r>
-              <a:rPr lang="zh-CN" altLang="en-US" dirty="0"/>
-              <a:t>：</a:t>
-            </a:r>
-            <a:r>
-              <a:rPr lang="en-US" altLang="zh-CN" dirty="0" smtClean="0"/>
-              <a:t>Boost</a:t>
-            </a:r>
-            <a:r>
-              <a:rPr lang="zh-CN" altLang="en-US" dirty="0" smtClean="0"/>
-              <a:t>程序库探秘</a:t>
-            </a:r>
-            <a:r>
-              <a:rPr lang="en-US" altLang="zh-CN" dirty="0" smtClean="0"/>
-              <a:t>》</a:t>
+          <a:bodyPr/>
+          <a:lstStyle/>
+          <a:p>
+            <a:r>
+              <a:rPr lang="en-US" altLang="zh-CN" dirty="0" err="1" smtClean="0"/>
+              <a:t>auto_ptr</a:t>
             </a:r>
             <a:endParaRPr lang="en-US" altLang="zh-CN" dirty="0" smtClean="0"/>
           </a:p>
           <a:p>
             <a:r>
-              <a:rPr lang="en-US" altLang="zh-CN" dirty="0" smtClean="0"/>
-              <a:t>《Effective Modern C++ 》</a:t>
+              <a:rPr lang="en-US" altLang="zh-CN" b="1" dirty="0" err="1" smtClean="0"/>
+              <a:t>shared_ptr</a:t>
+            </a:r>
+            <a:endParaRPr lang="en-US" altLang="zh-CN" b="1" dirty="0" smtClean="0"/>
+          </a:p>
+          <a:p>
+            <a:r>
+              <a:rPr lang="en-US" altLang="zh-CN" b="1" dirty="0" err="1" smtClean="0"/>
+              <a:t>unique_ptr</a:t>
+            </a:r>
+            <a:endParaRPr lang="en-US" altLang="zh-CN" b="1" dirty="0" smtClean="0"/>
+          </a:p>
+          <a:p>
+            <a:r>
+              <a:rPr lang="en-US" altLang="zh-CN" dirty="0" err="1" smtClean="0"/>
+              <a:t>weak_ptr</a:t>
             </a:r>
             <a:endParaRPr lang="en-US" altLang="zh-CN" dirty="0" smtClean="0"/>
-          </a:p>
-          <a:p>
-            <a:r>
-              <a:rPr lang="en-US" altLang="zh-CN" dirty="0" smtClean="0"/>
-              <a:t>《</a:t>
-            </a:r>
-            <a:r>
-              <a:rPr lang="zh-CN" altLang="en-US" dirty="0" smtClean="0"/>
-              <a:t>深入理解</a:t>
-            </a:r>
-            <a:r>
-              <a:rPr lang="en-US" altLang="zh-CN" dirty="0" smtClean="0"/>
-              <a:t>C++11》</a:t>
-            </a:r>
-            <a:endParaRPr lang="en-US" altLang="zh-CN" dirty="0" smtClean="0"/>
-          </a:p>
-          <a:p>
-            <a:r>
-              <a:rPr lang="en-US" altLang="zh-CN" dirty="0" smtClean="0"/>
-              <a:t> cppReference.com</a:t>
-            </a:r>
-            <a:endParaRPr lang="en-US" altLang="zh-CN" dirty="0" smtClean="0"/>
-          </a:p>
-          <a:p>
-            <a:r>
-              <a:rPr lang="en-US" altLang="zh-CN" dirty="0" smtClean="0"/>
-              <a:t> </a:t>
-            </a:r>
-            <a:r>
-              <a:rPr lang="en-US" altLang="zh-CN" dirty="0" smtClean="0">
-                <a:hlinkClick r:id="rId1"/>
-              </a:rPr>
-              <a:t>https</a:t>
-            </a:r>
-            <a:r>
-              <a:rPr lang="en-US" altLang="zh-CN" dirty="0">
-                <a:hlinkClick r:id="rId1"/>
-              </a:rPr>
-              <a:t>://changkun.gitbooks.io/cpp1x-tutorial</a:t>
-            </a:r>
-            <a:r>
-              <a:rPr lang="en-US" altLang="zh-CN" dirty="0" smtClean="0">
-                <a:hlinkClick r:id="rId1"/>
-              </a:rPr>
-              <a:t>/</a:t>
-            </a:r>
-            <a:endParaRPr lang="en-US" altLang="zh-CN" dirty="0" smtClean="0"/>
-          </a:p>
-          <a:p>
-            <a:r>
-              <a:rPr lang="en-US" altLang="zh-CN" dirty="0" smtClean="0"/>
-              <a:t>《C++</a:t>
-            </a:r>
-            <a:r>
-              <a:rPr lang="zh-CN" altLang="en-US" dirty="0" smtClean="0"/>
-              <a:t>并发编程实战</a:t>
-            </a:r>
-            <a:r>
-              <a:rPr lang="en-US" altLang="zh-CN" dirty="0" smtClean="0"/>
-              <a:t>》</a:t>
-            </a:r>
-            <a:endParaRPr lang="zh-CN" altLang="en-US" dirty="0"/>
           </a:p>
         </p:txBody>
       </p:sp>
@@ -15307,7 +15574,7 @@
 </p:sld>
 </file>
 
-<file path=ppt/slides/slide17.xml><?xml version="1.0" encoding="utf-8"?>
+<file path=ppt/slides/slide18.xml><?xml version="1.0" encoding="utf-8"?>
 <p:sld xmlns:a="http://schemas.openxmlformats.org/drawingml/2006/main" xmlns:r="http://schemas.openxmlformats.org/officeDocument/2006/relationships" xmlns:p="http://schemas.openxmlformats.org/presentationml/2006/main">
   <p:cSld>
     <p:spTree>
@@ -15316,7 +15583,106 @@
         <p:cNvGrpSpPr/>
         <p:nvPr/>
       </p:nvGrpSpPr>
-      <p:grpSpPr/>
+      <p:grpSpPr>
+        <a:xfrm>
+          <a:off x="0" y="0"/>
+          <a:ext cx="0" cy="0"/>
+          <a:chOff x="0" y="0"/>
+          <a:chExt cx="0" cy="0"/>
+        </a:xfrm>
+      </p:grpSpPr>
+      <p:sp>
+        <p:nvSpPr>
+          <p:cNvPr id="2" name="Title 1"/>
+          <p:cNvSpPr>
+            <a:spLocks noGrp="1"/>
+          </p:cNvSpPr>
+          <p:nvPr>
+            <p:ph type="title"/>
+          </p:nvPr>
+        </p:nvSpPr>
+        <p:spPr/>
+        <p:txBody>
+          <a:bodyPr/>
+          <a:lstStyle/>
+          <a:p>
+            <a:endParaRPr lang="en-US"/>
+          </a:p>
+        </p:txBody>
+      </p:sp>
+      <p:sp>
+        <p:nvSpPr>
+          <p:cNvPr id="3" name="Content Placeholder 2"/>
+          <p:cNvSpPr>
+            <a:spLocks noGrp="1"/>
+          </p:cNvSpPr>
+          <p:nvPr>
+            <p:ph idx="1"/>
+          </p:nvPr>
+        </p:nvSpPr>
+        <p:spPr/>
+        <p:txBody>
+          <a:bodyPr/>
+          <a:lstStyle/>
+          <a:p>
+            <a:endParaRPr lang="en-US"/>
+          </a:p>
+        </p:txBody>
+      </p:sp>
+      <p:pic>
+        <p:nvPicPr>
+          <p:cNvPr id="4" name="Picture 3"/>
+          <p:cNvPicPr>
+            <a:picLocks noChangeAspect="1"/>
+          </p:cNvPicPr>
+          <p:nvPr/>
+        </p:nvPicPr>
+        <p:blipFill>
+          <a:blip r:embed="rId2"/>
+          <a:stretch>
+            <a:fillRect/>
+          </a:stretch>
+        </p:blipFill>
+        <p:spPr>
+          <a:xfrm>
+            <a:off x="238942" y="0"/>
+            <a:ext cx="8666115" cy="6858000"/>
+          </a:xfrm>
+          <a:prstGeom prst="rect">
+            <a:avLst/>
+          </a:prstGeom>
+        </p:spPr>
+      </p:pic>
+    </p:spTree>
+    <p:extLst>
+      <p:ext uri="{BB962C8B-B14F-4D97-AF65-F5344CB8AC3E}">
+        <p14:creationId xmlns:p14="http://schemas.microsoft.com/office/powerpoint/2010/main" val="1375746536"/>
+      </p:ext>
+    </p:extLst>
+  </p:cSld>
+  <p:clrMapOvr>
+    <a:masterClrMapping/>
+  </p:clrMapOvr>
+</p:sld>
+</file>
+
+<file path=ppt/slides/slide19.xml><?xml version="1.0" encoding="utf-8"?>
+<p:sld xmlns:a="http://schemas.openxmlformats.org/drawingml/2006/main" xmlns:r="http://schemas.openxmlformats.org/officeDocument/2006/relationships" xmlns:p="http://schemas.openxmlformats.org/presentationml/2006/main">
+  <p:cSld>
+    <p:spTree>
+      <p:nvGrpSpPr>
+        <p:cNvPr id="1" name=""/>
+        <p:cNvGrpSpPr/>
+        <p:nvPr/>
+      </p:nvGrpSpPr>
+      <p:grpSpPr>
+        <a:xfrm>
+          <a:off x="0" y="0"/>
+          <a:ext cx="0" cy="0"/>
+          <a:chOff x="0" y="0"/>
+          <a:chExt cx="0" cy="0"/>
+        </a:xfrm>
+      </p:grpSpPr>
       <p:sp>
         <p:nvSpPr>
           <p:cNvPr id="2" name="标题 1"/>
@@ -15330,47 +15696,101 @@
         <p:spPr/>
         <p:txBody>
           <a:bodyPr/>
-          <a:p>
-            <a:pPr algn="ctr"/>
-            <a:r>
-              <a:rPr lang="zh-CN" altLang="en-US"/>
-              <a:t>谢谢大家</a:t>
-            </a:r>
-            <a:endParaRPr lang="zh-CN" altLang="en-US"/>
+          <a:lstStyle/>
+          <a:p>
+            <a:r>
+              <a:rPr lang="zh-CN" altLang="en-US" dirty="0" smtClean="0"/>
+              <a:t>新的关键字</a:t>
+            </a:r>
+            <a:endParaRPr lang="zh-CN" altLang="en-US" dirty="0"/>
           </a:p>
         </p:txBody>
       </p:sp>
-      <p:pic>
-        <p:nvPicPr>
-          <p:cNvPr id="4" name="内容占位符 3"/>
-          <p:cNvPicPr>
-            <a:picLocks noChangeAspect="1"/>
-          </p:cNvPicPr>
+      <p:sp>
+        <p:nvSpPr>
+          <p:cNvPr id="3" name="内容占位符 2"/>
+          <p:cNvSpPr>
+            <a:spLocks noGrp="1"/>
+          </p:cNvSpPr>
           <p:nvPr>
             <p:ph idx="1"/>
           </p:nvPr>
-        </p:nvPicPr>
-        <p:blipFill>
-          <a:blip r:embed="rId1"/>
-          <a:stretch>
-            <a:fillRect/>
-          </a:stretch>
-        </p:blipFill>
-        <p:spPr>
-          <a:xfrm>
-            <a:off x="3241675" y="2346960"/>
-            <a:ext cx="2628265" cy="3509010"/>
-          </a:xfrm>
-          <a:prstGeom prst="rect">
-            <a:avLst/>
-          </a:prstGeom>
-        </p:spPr>
-      </p:pic>
+        </p:nvSpPr>
+        <p:spPr/>
+        <p:txBody>
+          <a:bodyPr/>
+          <a:lstStyle/>
+          <a:p>
+            <a:r>
+              <a:rPr lang="en-US" altLang="zh-CN" b="1" dirty="0"/>
+              <a:t>a</a:t>
+            </a:r>
+            <a:r>
+              <a:rPr lang="en-US" altLang="zh-CN" b="1" dirty="0" smtClean="0"/>
+              <a:t>uto</a:t>
+            </a:r>
+          </a:p>
+          <a:p>
+            <a:r>
+              <a:rPr lang="en-US" altLang="zh-CN" b="1" dirty="0" err="1" smtClean="0"/>
+              <a:t>nullptr</a:t>
+            </a:r>
+            <a:endParaRPr lang="en-US" altLang="zh-CN" b="1" dirty="0" smtClean="0"/>
+          </a:p>
+          <a:p>
+            <a:r>
+              <a:rPr lang="en-US" altLang="zh-CN" dirty="0" err="1"/>
+              <a:t>c</a:t>
+            </a:r>
+            <a:r>
+              <a:rPr lang="en-US" altLang="zh-CN" dirty="0" err="1" smtClean="0"/>
+              <a:t>onstexpr</a:t>
+            </a:r>
+            <a:endParaRPr lang="en-US" altLang="zh-CN" dirty="0" smtClean="0"/>
+          </a:p>
+          <a:p>
+            <a:r>
+              <a:rPr lang="en-US" altLang="zh-CN" dirty="0" err="1" smtClean="0"/>
+              <a:t>static_assert</a:t>
+            </a:r>
+            <a:endParaRPr lang="en-US" altLang="zh-CN" dirty="0" smtClean="0"/>
+          </a:p>
+          <a:p>
+            <a:r>
+              <a:rPr lang="en-US" altLang="zh-CN" b="1" dirty="0" err="1"/>
+              <a:t>n</a:t>
+            </a:r>
+            <a:r>
+              <a:rPr lang="en-US" altLang="zh-CN" b="1" dirty="0" err="1" smtClean="0"/>
+              <a:t>oexcept</a:t>
+            </a:r>
+          </a:p>
+          <a:p>
+            <a:r>
+              <a:rPr lang="en-US" altLang="zh-CN" dirty="0" err="1" smtClean="0"/>
+              <a:t>final/override</a:t>
+            </a:r>
+          </a:p>
+          <a:p>
+            <a:pPr marL="68580" indent="0">
+              <a:buNone/>
+            </a:pPr>
+            <a:endParaRPr lang="zh-CN" altLang="en-US" dirty="0"/>
+          </a:p>
+        </p:txBody>
+      </p:sp>
     </p:spTree>
   </p:cSld>
   <p:clrMapOvr>
     <a:masterClrMapping/>
   </p:clrMapOvr>
+  <p:timing>
+    <p:tnLst>
+      <p:par>
+        <p:cTn id="1" dur="indefinite" restart="never" nodeType="tmRoot"/>
+      </p:par>
+    </p:tnLst>
+  </p:timing>
 </p:sld>
 </file>
 
@@ -15441,35 +15861,30 @@
               <a:rPr lang="en-US" altLang="zh-CN" dirty="0" smtClean="0"/>
               <a:t>C89/99/11</a:t>
             </a:r>
-            <a:endParaRPr lang="en-US" altLang="zh-CN" dirty="0" smtClean="0"/>
           </a:p>
           <a:p>
             <a:r>
               <a:rPr lang="en-US" altLang="zh-CN" dirty="0" smtClean="0"/>
               <a:t>C++98/03</a:t>
             </a:r>
-            <a:endParaRPr lang="en-US" altLang="zh-CN" dirty="0" smtClean="0"/>
           </a:p>
           <a:p>
             <a:r>
               <a:rPr lang="en-US" altLang="zh-CN" dirty="0" smtClean="0"/>
               <a:t>C++0x/11</a:t>
             </a:r>
-            <a:endParaRPr lang="en-US" altLang="zh-CN" dirty="0" smtClean="0"/>
           </a:p>
           <a:p>
             <a:r>
               <a:rPr lang="en-US" altLang="zh-CN" dirty="0" smtClean="0"/>
               <a:t>C++20</a:t>
             </a:r>
-            <a:endParaRPr lang="en-US" altLang="zh-CN" dirty="0" smtClean="0"/>
           </a:p>
           <a:p>
             <a:r>
               <a:rPr lang="en-US" altLang="zh-CN" dirty="0" smtClean="0"/>
               <a:t>…</a:t>
             </a:r>
-            <a:endParaRPr lang="en-US" altLang="zh-CN" dirty="0" smtClean="0"/>
           </a:p>
         </p:txBody>
       </p:sp>
@@ -15482,7 +15897,7 @@
           <p:nvPr/>
         </p:nvPicPr>
         <p:blipFill>
-          <a:blip r:embed="rId1" cstate="print">
+          <a:blip r:embed="rId2" cstate="print">
             <a:extLst>
               <a:ext uri="{28A0092B-C50C-407E-A947-70E740481C1C}">
                 <a14:useLocalDpi xmlns:a14="http://schemas.microsoft.com/office/drawing/2010/main" val="0"/>
@@ -15536,7 +15951,7 @@
           <p:nvPr/>
         </p:nvPicPr>
         <p:blipFill>
-          <a:blip r:embed="rId2">
+          <a:blip r:embed="rId3">
             <a:extLst>
               <a:ext uri="{28A0092B-C50C-407E-A947-70E740481C1C}">
                 <a14:useLocalDpi xmlns:a14="http://schemas.microsoft.com/office/drawing/2010/main" val="0"/>
@@ -16156,6 +16571,877 @@
 </p:sld>
 </file>
 
+<file path=ppt/slides/slide20.xml><?xml version="1.0" encoding="utf-8"?>
+<p:sld xmlns:a="http://schemas.openxmlformats.org/drawingml/2006/main" xmlns:r="http://schemas.openxmlformats.org/officeDocument/2006/relationships" xmlns:p="http://schemas.openxmlformats.org/presentationml/2006/main">
+  <p:cSld>
+    <p:spTree>
+      <p:nvGrpSpPr>
+        <p:cNvPr id="1" name=""/>
+        <p:cNvGrpSpPr/>
+        <p:nvPr/>
+      </p:nvGrpSpPr>
+      <p:grpSpPr>
+        <a:xfrm>
+          <a:off x="0" y="0"/>
+          <a:ext cx="0" cy="0"/>
+          <a:chOff x="0" y="0"/>
+          <a:chExt cx="0" cy="0"/>
+        </a:xfrm>
+      </p:grpSpPr>
+      <p:sp>
+        <p:nvSpPr>
+          <p:cNvPr id="2" name="标题 1"/>
+          <p:cNvSpPr>
+            <a:spLocks noGrp="1"/>
+          </p:cNvSpPr>
+          <p:nvPr>
+            <p:ph type="title"/>
+          </p:nvPr>
+        </p:nvSpPr>
+        <p:spPr/>
+        <p:txBody>
+          <a:bodyPr/>
+          <a:lstStyle/>
+          <a:p>
+            <a:r>
+              <a:rPr lang="zh-CN" altLang="en-US" dirty="0" smtClean="0"/>
+              <a:t>线程与并发编程</a:t>
+            </a:r>
+            <a:endParaRPr lang="zh-CN" altLang="en-US" dirty="0"/>
+          </a:p>
+        </p:txBody>
+      </p:sp>
+      <p:sp>
+        <p:nvSpPr>
+          <p:cNvPr id="3" name="内容占位符 2"/>
+          <p:cNvSpPr>
+            <a:spLocks noGrp="1"/>
+          </p:cNvSpPr>
+          <p:nvPr>
+            <p:ph idx="1"/>
+          </p:nvPr>
+        </p:nvSpPr>
+        <p:spPr/>
+        <p:txBody>
+          <a:bodyPr/>
+          <a:lstStyle/>
+          <a:p>
+            <a:r>
+              <a:rPr lang="en-US" altLang="zh-CN" dirty="0"/>
+              <a:t>t</a:t>
+            </a:r>
+            <a:r>
+              <a:rPr lang="en-US" altLang="zh-CN" dirty="0" smtClean="0"/>
+              <a:t>hread</a:t>
+            </a:r>
+          </a:p>
+          <a:p>
+            <a:r>
+              <a:rPr lang="en-US" altLang="zh-CN" b="1" dirty="0" smtClean="0"/>
+              <a:t>atomic</a:t>
+            </a:r>
+          </a:p>
+          <a:p>
+            <a:r>
+              <a:rPr lang="en-US" altLang="zh-CN" dirty="0" err="1" smtClean="0"/>
+              <a:t>mutex</a:t>
+            </a:r>
+            <a:endParaRPr lang="en-US" altLang="zh-CN" dirty="0" smtClean="0"/>
+          </a:p>
+          <a:p>
+            <a:r>
+              <a:rPr lang="en-US" altLang="zh-CN" dirty="0" err="1" smtClean="0"/>
+              <a:t>lock_guard</a:t>
+            </a:r>
+            <a:endParaRPr lang="en-US" altLang="zh-CN" dirty="0" smtClean="0"/>
+          </a:p>
+          <a:p>
+            <a:r>
+              <a:rPr lang="zh-CN" altLang="en-US" dirty="0" smtClean="0"/>
+              <a:t>线程安全的单例</a:t>
+            </a:r>
+            <a:endParaRPr lang="zh-CN" altLang="en-US" dirty="0"/>
+          </a:p>
+        </p:txBody>
+      </p:sp>
+    </p:spTree>
+  </p:cSld>
+  <p:clrMapOvr>
+    <a:masterClrMapping/>
+  </p:clrMapOvr>
+</p:sld>
+</file>
+
+<file path=ppt/slides/slide21.xml><?xml version="1.0" encoding="utf-8"?>
+<p:sld xmlns:a="http://schemas.openxmlformats.org/drawingml/2006/main" xmlns:r="http://schemas.openxmlformats.org/officeDocument/2006/relationships" xmlns:p="http://schemas.openxmlformats.org/presentationml/2006/main">
+  <p:cSld>
+    <p:spTree>
+      <p:nvGrpSpPr>
+        <p:cNvPr id="1" name=""/>
+        <p:cNvGrpSpPr/>
+        <p:nvPr/>
+      </p:nvGrpSpPr>
+      <p:grpSpPr>
+        <a:xfrm>
+          <a:off x="0" y="0"/>
+          <a:ext cx="0" cy="0"/>
+          <a:chOff x="0" y="0"/>
+          <a:chExt cx="0" cy="0"/>
+        </a:xfrm>
+      </p:grpSpPr>
+      <p:sp>
+        <p:nvSpPr>
+          <p:cNvPr id="2" name="Title 1"/>
+          <p:cNvSpPr>
+            <a:spLocks noGrp="1"/>
+          </p:cNvSpPr>
+          <p:nvPr>
+            <p:ph type="title"/>
+          </p:nvPr>
+        </p:nvSpPr>
+        <p:spPr/>
+        <p:txBody>
+          <a:bodyPr/>
+          <a:lstStyle/>
+          <a:p>
+            <a:endParaRPr lang="en-US"/>
+          </a:p>
+        </p:txBody>
+      </p:sp>
+      <p:sp>
+        <p:nvSpPr>
+          <p:cNvPr id="3" name="Content Placeholder 2"/>
+          <p:cNvSpPr>
+            <a:spLocks noGrp="1"/>
+          </p:cNvSpPr>
+          <p:nvPr>
+            <p:ph idx="1"/>
+          </p:nvPr>
+        </p:nvSpPr>
+        <p:spPr/>
+        <p:txBody>
+          <a:bodyPr/>
+          <a:lstStyle/>
+          <a:p>
+            <a:endParaRPr lang="en-US"/>
+          </a:p>
+        </p:txBody>
+      </p:sp>
+      <p:pic>
+        <p:nvPicPr>
+          <p:cNvPr id="4" name="Picture 3"/>
+          <p:cNvPicPr>
+            <a:picLocks noChangeAspect="1"/>
+          </p:cNvPicPr>
+          <p:nvPr/>
+        </p:nvPicPr>
+        <p:blipFill>
+          <a:blip r:embed="rId2"/>
+          <a:stretch>
+            <a:fillRect/>
+          </a:stretch>
+        </p:blipFill>
+        <p:spPr>
+          <a:xfrm>
+            <a:off x="179512" y="1124744"/>
+            <a:ext cx="8682413" cy="4410966"/>
+          </a:xfrm>
+          <a:prstGeom prst="rect">
+            <a:avLst/>
+          </a:prstGeom>
+        </p:spPr>
+      </p:pic>
+    </p:spTree>
+    <p:extLst>
+      <p:ext uri="{BB962C8B-B14F-4D97-AF65-F5344CB8AC3E}">
+        <p14:creationId xmlns:p14="http://schemas.microsoft.com/office/powerpoint/2010/main" val="215603303"/>
+      </p:ext>
+    </p:extLst>
+  </p:cSld>
+  <p:clrMapOvr>
+    <a:masterClrMapping/>
+  </p:clrMapOvr>
+</p:sld>
+</file>
+
+<file path=ppt/slides/slide22.xml><?xml version="1.0" encoding="utf-8"?>
+<p:sld xmlns:a="http://schemas.openxmlformats.org/drawingml/2006/main" xmlns:r="http://schemas.openxmlformats.org/officeDocument/2006/relationships" xmlns:p="http://schemas.openxmlformats.org/presentationml/2006/main">
+  <p:cSld>
+    <p:spTree>
+      <p:nvGrpSpPr>
+        <p:cNvPr id="1" name=""/>
+        <p:cNvGrpSpPr/>
+        <p:nvPr/>
+      </p:nvGrpSpPr>
+      <p:grpSpPr>
+        <a:xfrm>
+          <a:off x="0" y="0"/>
+          <a:ext cx="0" cy="0"/>
+          <a:chOff x="0" y="0"/>
+          <a:chExt cx="0" cy="0"/>
+        </a:xfrm>
+      </p:grpSpPr>
+      <p:sp>
+        <p:nvSpPr>
+          <p:cNvPr id="2" name="标题 1"/>
+          <p:cNvSpPr>
+            <a:spLocks noGrp="1"/>
+          </p:cNvSpPr>
+          <p:nvPr>
+            <p:ph type="title"/>
+          </p:nvPr>
+        </p:nvSpPr>
+        <p:spPr/>
+        <p:txBody>
+          <a:bodyPr/>
+          <a:lstStyle/>
+          <a:p>
+            <a:endParaRPr lang="zh-CN" altLang="en-US"/>
+          </a:p>
+        </p:txBody>
+      </p:sp>
+      <p:sp>
+        <p:nvSpPr>
+          <p:cNvPr id="3" name="内容占位符 2"/>
+          <p:cNvSpPr>
+            <a:spLocks noGrp="1"/>
+          </p:cNvSpPr>
+          <p:nvPr>
+            <p:ph idx="1"/>
+          </p:nvPr>
+        </p:nvSpPr>
+        <p:spPr/>
+        <p:txBody>
+          <a:bodyPr/>
+          <a:lstStyle/>
+          <a:p>
+            <a:endParaRPr lang="zh-CN" altLang="en-US"/>
+          </a:p>
+        </p:txBody>
+      </p:sp>
+      <p:pic>
+        <p:nvPicPr>
+          <p:cNvPr id="4" name="Picture 3"/>
+          <p:cNvPicPr>
+            <a:picLocks noChangeAspect="1"/>
+          </p:cNvPicPr>
+          <p:nvPr/>
+        </p:nvPicPr>
+        <p:blipFill>
+          <a:blip r:embed="rId2"/>
+          <a:stretch>
+            <a:fillRect/>
+          </a:stretch>
+        </p:blipFill>
+        <p:spPr>
+          <a:xfrm>
+            <a:off x="760658" y="0"/>
+            <a:ext cx="7622683" cy="6858000"/>
+          </a:xfrm>
+          <a:prstGeom prst="rect">
+            <a:avLst/>
+          </a:prstGeom>
+        </p:spPr>
+      </p:pic>
+    </p:spTree>
+    <p:extLst>
+      <p:ext uri="{BB962C8B-B14F-4D97-AF65-F5344CB8AC3E}">
+        <p14:creationId xmlns:p14="http://schemas.microsoft.com/office/powerpoint/2010/main" val="3951126492"/>
+      </p:ext>
+    </p:extLst>
+  </p:cSld>
+  <p:clrMapOvr>
+    <a:masterClrMapping/>
+  </p:clrMapOvr>
+</p:sld>
+</file>
+
+<file path=ppt/slides/slide23.xml><?xml version="1.0" encoding="utf-8"?>
+<p:sld xmlns:a="http://schemas.openxmlformats.org/drawingml/2006/main" xmlns:r="http://schemas.openxmlformats.org/officeDocument/2006/relationships" xmlns:p="http://schemas.openxmlformats.org/presentationml/2006/main">
+  <p:cSld>
+    <p:spTree>
+      <p:nvGrpSpPr>
+        <p:cNvPr id="1" name=""/>
+        <p:cNvGrpSpPr/>
+        <p:nvPr/>
+      </p:nvGrpSpPr>
+      <p:grpSpPr>
+        <a:xfrm>
+          <a:off x="0" y="0"/>
+          <a:ext cx="0" cy="0"/>
+          <a:chOff x="0" y="0"/>
+          <a:chExt cx="0" cy="0"/>
+        </a:xfrm>
+      </p:grpSpPr>
+      <p:sp>
+        <p:nvSpPr>
+          <p:cNvPr id="2" name="标题 1"/>
+          <p:cNvSpPr>
+            <a:spLocks noGrp="1"/>
+          </p:cNvSpPr>
+          <p:nvPr>
+            <p:ph type="title"/>
+          </p:nvPr>
+        </p:nvSpPr>
+        <p:spPr/>
+        <p:txBody>
+          <a:bodyPr/>
+          <a:lstStyle/>
+          <a:p>
+            <a:r>
+              <a:rPr lang="en-US" altLang="zh-CN" dirty="0" smtClean="0"/>
+              <a:t>C++17/20</a:t>
+            </a:r>
+            <a:endParaRPr lang="zh-CN" altLang="en-US" dirty="0"/>
+          </a:p>
+        </p:txBody>
+      </p:sp>
+      <p:sp>
+        <p:nvSpPr>
+          <p:cNvPr id="3" name="内容占位符 2"/>
+          <p:cNvSpPr>
+            <a:spLocks noGrp="1"/>
+          </p:cNvSpPr>
+          <p:nvPr>
+            <p:ph idx="1"/>
+          </p:nvPr>
+        </p:nvSpPr>
+        <p:spPr/>
+        <p:txBody>
+          <a:bodyPr>
+            <a:normAutofit/>
+          </a:bodyPr>
+          <a:lstStyle/>
+          <a:p>
+            <a:r>
+              <a:rPr lang="en-US" altLang="zh-CN" b="1" dirty="0"/>
+              <a:t>v</a:t>
+            </a:r>
+            <a:r>
+              <a:rPr lang="en-US" altLang="zh-CN" b="1" dirty="0" smtClean="0"/>
+              <a:t>ariant(C++17)</a:t>
+            </a:r>
+          </a:p>
+          <a:p>
+            <a:r>
+              <a:rPr lang="en-US" altLang="zh-CN" dirty="0"/>
+              <a:t>m</a:t>
+            </a:r>
+            <a:r>
+              <a:rPr lang="en-US" altLang="zh-CN" dirty="0" smtClean="0"/>
+              <a:t>odule(</a:t>
+            </a:r>
+            <a:r>
+              <a:rPr lang="en-US" altLang="zh-CN" dirty="0" err="1" smtClean="0"/>
+              <a:t>TBD</a:t>
+            </a:r>
+            <a:r>
+              <a:rPr lang="zh-CN" altLang="en-US" dirty="0" smtClean="0"/>
+              <a:t>）</a:t>
+            </a:r>
+            <a:endParaRPr lang="en-US" altLang="zh-CN" dirty="0" smtClean="0"/>
+          </a:p>
+          <a:p>
+            <a:r>
+              <a:rPr lang="en-US" altLang="zh-CN" dirty="0" err="1"/>
+              <a:t>coroutine</a:t>
+            </a:r>
+            <a:r>
+              <a:rPr lang="en-US" altLang="zh-CN" dirty="0"/>
+              <a:t>(</a:t>
+            </a:r>
+            <a:r>
+              <a:rPr lang="en-US" altLang="zh-CN" dirty="0" err="1" smtClean="0">
+                <a:sym typeface="+mn-ea"/>
+              </a:rPr>
+              <a:t>TBD</a:t>
+            </a:r>
+            <a:r>
+              <a:rPr lang="zh-CN" altLang="en-US" dirty="0" smtClean="0"/>
+              <a:t>）</a:t>
+            </a:r>
+            <a:endParaRPr lang="en-US" altLang="zh-CN" dirty="0" smtClean="0"/>
+          </a:p>
+          <a:p>
+            <a:r>
+              <a:rPr lang="en-US" altLang="zh-CN" dirty="0"/>
+              <a:t>ranges(</a:t>
+            </a:r>
+            <a:r>
+              <a:rPr lang="en-US" altLang="zh-CN" dirty="0" err="1" smtClean="0">
+                <a:sym typeface="+mn-ea"/>
+              </a:rPr>
+              <a:t>TBD</a:t>
+            </a:r>
+            <a:r>
+              <a:rPr lang="zh-CN" altLang="en-US" dirty="0" smtClean="0"/>
+              <a:t>）</a:t>
+            </a:r>
+            <a:endParaRPr lang="en-US" altLang="zh-CN" dirty="0" smtClean="0"/>
+          </a:p>
+          <a:p>
+            <a:r>
+              <a:rPr lang="en-US" altLang="zh-CN" b="1" dirty="0"/>
+              <a:t>concepts(</a:t>
+            </a:r>
+            <a:r>
+              <a:rPr lang="en-US" altLang="zh-CN" dirty="0" err="1" smtClean="0">
+                <a:sym typeface="+mn-ea"/>
+              </a:rPr>
+              <a:t>TBD</a:t>
+            </a:r>
+            <a:r>
+              <a:rPr lang="zh-CN" altLang="en-US" b="1" dirty="0" smtClean="0"/>
+              <a:t>）</a:t>
+            </a:r>
+            <a:endParaRPr lang="en-US" altLang="zh-CN" b="1" dirty="0" smtClean="0"/>
+          </a:p>
+          <a:p>
+            <a:r>
+              <a:rPr lang="en-US" altLang="zh-CN" dirty="0"/>
+              <a:t>Invoke(</a:t>
+            </a:r>
+            <a:r>
+              <a:rPr lang="en-US" altLang="zh-CN" dirty="0" err="1" smtClean="0">
+                <a:sym typeface="+mn-ea"/>
+              </a:rPr>
+              <a:t>TBD</a:t>
+            </a:r>
+            <a:r>
+              <a:rPr lang="zh-CN" altLang="en-US" dirty="0" smtClean="0"/>
+              <a:t>）</a:t>
+            </a:r>
+            <a:endParaRPr lang="en-US" altLang="zh-CN" dirty="0" smtClean="0"/>
+          </a:p>
+        </p:txBody>
+      </p:sp>
+    </p:spTree>
+  </p:cSld>
+  <p:clrMapOvr>
+    <a:masterClrMapping/>
+  </p:clrMapOvr>
+  <p:timing>
+    <p:tnLst>
+      <p:par>
+        <p:cTn id="1" dur="indefinite" restart="never" nodeType="tmRoot"/>
+      </p:par>
+    </p:tnLst>
+  </p:timing>
+</p:sld>
+</file>
+
+<file path=ppt/slides/slide24.xml><?xml version="1.0" encoding="utf-8"?>
+<p:sld xmlns:a="http://schemas.openxmlformats.org/drawingml/2006/main" xmlns:r="http://schemas.openxmlformats.org/officeDocument/2006/relationships" xmlns:p="http://schemas.openxmlformats.org/presentationml/2006/main">
+  <p:cSld>
+    <p:spTree>
+      <p:nvGrpSpPr>
+        <p:cNvPr id="1" name=""/>
+        <p:cNvGrpSpPr/>
+        <p:nvPr/>
+      </p:nvGrpSpPr>
+      <p:grpSpPr>
+        <a:xfrm>
+          <a:off x="0" y="0"/>
+          <a:ext cx="0" cy="0"/>
+          <a:chOff x="0" y="0"/>
+          <a:chExt cx="0" cy="0"/>
+        </a:xfrm>
+      </p:grpSpPr>
+      <p:sp>
+        <p:nvSpPr>
+          <p:cNvPr id="2" name="标题 1"/>
+          <p:cNvSpPr>
+            <a:spLocks noGrp="1"/>
+          </p:cNvSpPr>
+          <p:nvPr>
+            <p:ph type="title"/>
+          </p:nvPr>
+        </p:nvSpPr>
+        <p:spPr/>
+        <p:txBody>
+          <a:bodyPr/>
+          <a:lstStyle/>
+          <a:p>
+            <a:r>
+              <a:rPr lang="zh-CN" altLang="en-US" dirty="0"/>
+              <a:t>参考书</a:t>
+            </a:r>
+          </a:p>
+        </p:txBody>
+      </p:sp>
+      <p:sp>
+        <p:nvSpPr>
+          <p:cNvPr id="4" name="内容占位符 2"/>
+          <p:cNvSpPr>
+            <a:spLocks noGrp="1"/>
+          </p:cNvSpPr>
+          <p:nvPr/>
+        </p:nvSpPr>
+        <p:spPr>
+          <a:xfrm>
+            <a:off x="1044127" y="2316032"/>
+            <a:ext cx="6777317" cy="3508977"/>
+          </a:xfrm>
+          <a:prstGeom prst="rect">
+            <a:avLst/>
+          </a:prstGeom>
+        </p:spPr>
+        <p:txBody>
+          <a:bodyPr vert="horz" lIns="91440" tIns="45720" rIns="91440" bIns="45720" rtlCol="0">
+            <a:normAutofit/>
+          </a:bodyPr>
+          <a:lstStyle>
+            <a:lvl1pPr marL="342900" indent="-274320" algn="l" defTabSz="914400" rtl="0" eaLnBrk="1" latinLnBrk="0" hangingPunct="1">
+              <a:spcBef>
+                <a:spcPct val="20000"/>
+              </a:spcBef>
+              <a:buClr>
+                <a:schemeClr val="accent1"/>
+              </a:buClr>
+              <a:buSzPct val="76000"/>
+              <a:buFont typeface="Wingdings 2" pitchFamily="18" charset="2"/>
+              <a:buChar char=""/>
+              <a:defRPr sz="2400" kern="1200">
+                <a:solidFill>
+                  <a:schemeClr val="tx2"/>
+                </a:solidFill>
+                <a:latin typeface="+mn-lt"/>
+                <a:ea typeface="+mn-ea"/>
+                <a:cs typeface="+mn-cs"/>
+              </a:defRPr>
+            </a:lvl1pPr>
+            <a:lvl2pPr marL="640080" indent="-274320" algn="l" defTabSz="914400" rtl="0" eaLnBrk="1" latinLnBrk="0" hangingPunct="1">
+              <a:spcBef>
+                <a:spcPct val="20000"/>
+              </a:spcBef>
+              <a:buClr>
+                <a:schemeClr val="accent1"/>
+              </a:buClr>
+              <a:buSzPct val="76000"/>
+              <a:buFont typeface="Wingdings 2" pitchFamily="18" charset="2"/>
+              <a:buChar char=""/>
+              <a:defRPr sz="2200" kern="1200">
+                <a:solidFill>
+                  <a:schemeClr val="tx2"/>
+                </a:solidFill>
+                <a:latin typeface="+mn-lt"/>
+                <a:ea typeface="+mn-ea"/>
+                <a:cs typeface="+mn-cs"/>
+              </a:defRPr>
+            </a:lvl2pPr>
+            <a:lvl3pPr marL="914400" indent="-228600" algn="l" defTabSz="914400" rtl="0" eaLnBrk="1" latinLnBrk="0" hangingPunct="1">
+              <a:spcBef>
+                <a:spcPct val="20000"/>
+              </a:spcBef>
+              <a:buClr>
+                <a:schemeClr val="accent1"/>
+              </a:buClr>
+              <a:buSzPct val="76000"/>
+              <a:buFont typeface="Wingdings 2" pitchFamily="18" charset="2"/>
+              <a:buChar char=""/>
+              <a:defRPr sz="2000" kern="1200">
+                <a:solidFill>
+                  <a:schemeClr val="tx2"/>
+                </a:solidFill>
+                <a:latin typeface="+mn-lt"/>
+                <a:ea typeface="+mn-ea"/>
+                <a:cs typeface="+mn-cs"/>
+              </a:defRPr>
+            </a:lvl3pPr>
+            <a:lvl4pPr marL="1124585" indent="-228600" algn="l" defTabSz="914400" rtl="0" eaLnBrk="1" latinLnBrk="0" hangingPunct="1">
+              <a:spcBef>
+                <a:spcPct val="20000"/>
+              </a:spcBef>
+              <a:buClr>
+                <a:schemeClr val="accent1"/>
+              </a:buClr>
+              <a:buSzPct val="76000"/>
+              <a:buFont typeface="Wingdings 2" pitchFamily="18" charset="2"/>
+              <a:buChar char=""/>
+              <a:defRPr sz="1800" kern="1200">
+                <a:solidFill>
+                  <a:schemeClr val="tx2"/>
+                </a:solidFill>
+                <a:latin typeface="+mn-lt"/>
+                <a:ea typeface="+mn-ea"/>
+                <a:cs typeface="+mn-cs"/>
+              </a:defRPr>
+            </a:lvl4pPr>
+            <a:lvl5pPr marL="1325880" indent="-228600" algn="l" defTabSz="914400" rtl="0" eaLnBrk="1" latinLnBrk="0" hangingPunct="1">
+              <a:spcBef>
+                <a:spcPct val="20000"/>
+              </a:spcBef>
+              <a:buClr>
+                <a:schemeClr val="accent1"/>
+              </a:buClr>
+              <a:buSzPct val="76000"/>
+              <a:buFont typeface="Wingdings 2" pitchFamily="18" charset="2"/>
+              <a:buChar char=""/>
+              <a:defRPr sz="1600" kern="1200" baseline="0">
+                <a:solidFill>
+                  <a:schemeClr val="tx2"/>
+                </a:solidFill>
+                <a:latin typeface="+mn-lt"/>
+                <a:ea typeface="+mn-ea"/>
+                <a:cs typeface="+mn-cs"/>
+              </a:defRPr>
+            </a:lvl5pPr>
+            <a:lvl6pPr marL="1517650" indent="-228600" algn="l" defTabSz="914400" rtl="0" eaLnBrk="1" latinLnBrk="0" hangingPunct="1">
+              <a:spcBef>
+                <a:spcPct val="20000"/>
+              </a:spcBef>
+              <a:buClr>
+                <a:schemeClr val="accent1"/>
+              </a:buClr>
+              <a:buSzPct val="76000"/>
+              <a:buFont typeface="Wingdings 2" pitchFamily="18" charset="2"/>
+              <a:buChar char=""/>
+              <a:defRPr sz="1400" kern="1200">
+                <a:solidFill>
+                  <a:schemeClr val="tx2"/>
+                </a:solidFill>
+                <a:latin typeface="+mn-lt"/>
+                <a:ea typeface="+mn-ea"/>
+                <a:cs typeface="+mn-cs"/>
+              </a:defRPr>
+            </a:lvl6pPr>
+            <a:lvl7pPr marL="1718945" indent="-228600" algn="l" defTabSz="914400" rtl="0" eaLnBrk="1" latinLnBrk="0" hangingPunct="1">
+              <a:spcBef>
+                <a:spcPct val="20000"/>
+              </a:spcBef>
+              <a:buClr>
+                <a:schemeClr val="accent1"/>
+              </a:buClr>
+              <a:buSzPct val="76000"/>
+              <a:buFont typeface="Wingdings 2" pitchFamily="18" charset="2"/>
+              <a:buChar char=""/>
+              <a:defRPr sz="1400" kern="1200">
+                <a:solidFill>
+                  <a:schemeClr val="tx2"/>
+                </a:solidFill>
+                <a:latin typeface="+mn-lt"/>
+                <a:ea typeface="+mn-ea"/>
+                <a:cs typeface="+mn-cs"/>
+              </a:defRPr>
+            </a:lvl7pPr>
+            <a:lvl8pPr marL="1920240" indent="-228600" algn="l" defTabSz="914400" rtl="0" eaLnBrk="1" latinLnBrk="0" hangingPunct="1">
+              <a:spcBef>
+                <a:spcPct val="20000"/>
+              </a:spcBef>
+              <a:buClr>
+                <a:schemeClr val="accent1"/>
+              </a:buClr>
+              <a:buSzPct val="76000"/>
+              <a:buFont typeface="Wingdings 2" pitchFamily="18" charset="2"/>
+              <a:buChar char=""/>
+              <a:defRPr sz="1400" kern="1200">
+                <a:solidFill>
+                  <a:schemeClr val="tx2"/>
+                </a:solidFill>
+                <a:latin typeface="+mn-lt"/>
+                <a:ea typeface="+mn-ea"/>
+                <a:cs typeface="+mn-cs"/>
+              </a:defRPr>
+            </a:lvl8pPr>
+            <a:lvl9pPr marL="2121535" indent="-228600" algn="l" defTabSz="914400" rtl="0" eaLnBrk="1" latinLnBrk="0" hangingPunct="1">
+              <a:spcBef>
+                <a:spcPct val="20000"/>
+              </a:spcBef>
+              <a:buClr>
+                <a:schemeClr val="accent1"/>
+              </a:buClr>
+              <a:buSzPct val="76000"/>
+              <a:buFont typeface="Wingdings 2" pitchFamily="18" charset="2"/>
+              <a:buChar char=""/>
+              <a:defRPr sz="1400" kern="1200">
+                <a:solidFill>
+                  <a:schemeClr val="tx2"/>
+                </a:solidFill>
+                <a:latin typeface="+mn-lt"/>
+                <a:ea typeface="+mn-ea"/>
+                <a:cs typeface="+mn-cs"/>
+              </a:defRPr>
+            </a:lvl9pPr>
+          </a:lstStyle>
+          <a:p>
+            <a:r>
+              <a:rPr lang="en-US" altLang="zh-CN" dirty="0" smtClean="0"/>
+              <a:t>《Effective Modern C++ 》</a:t>
+            </a:r>
+          </a:p>
+          <a:p>
+            <a:r>
+              <a:rPr lang="en-US" altLang="zh-CN" dirty="0" smtClean="0"/>
+              <a:t>《</a:t>
+            </a:r>
+            <a:r>
+              <a:rPr lang="zh-CN" altLang="en-US" dirty="0" smtClean="0"/>
+              <a:t>深入理解</a:t>
+            </a:r>
+            <a:r>
+              <a:rPr lang="en-US" altLang="zh-CN" dirty="0" smtClean="0"/>
+              <a:t>C++11》</a:t>
+            </a:r>
+          </a:p>
+          <a:p>
+            <a:r>
+              <a:rPr lang="en-US" altLang="zh-CN" dirty="0" smtClean="0"/>
+              <a:t> cppReference.com</a:t>
+            </a:r>
+          </a:p>
+          <a:p>
+            <a:r>
+              <a:rPr lang="en-US" altLang="zh-CN" dirty="0" smtClean="0"/>
+              <a:t> </a:t>
+            </a:r>
+            <a:r>
+              <a:rPr lang="en-US" altLang="zh-CN" dirty="0" smtClean="0">
+                <a:hlinkClick r:id="rId2"/>
+              </a:rPr>
+              <a:t>https</a:t>
+            </a:r>
+            <a:r>
+              <a:rPr lang="en-US" altLang="zh-CN" dirty="0">
+                <a:hlinkClick r:id="rId2"/>
+              </a:rPr>
+              <a:t>://changkun.gitbooks.io/cpp1x-tutorial</a:t>
+            </a:r>
+            <a:r>
+              <a:rPr lang="en-US" altLang="zh-CN" dirty="0" smtClean="0">
+                <a:hlinkClick r:id="rId2"/>
+              </a:rPr>
+              <a:t>/</a:t>
+            </a:r>
+            <a:endParaRPr lang="en-US" altLang="zh-CN" dirty="0" smtClean="0"/>
+          </a:p>
+          <a:p>
+            <a:r>
+              <a:rPr lang="en-US" altLang="zh-CN" dirty="0" smtClean="0"/>
+              <a:t>《C++</a:t>
+            </a:r>
+            <a:r>
+              <a:rPr lang="zh-CN" altLang="en-US" dirty="0" smtClean="0"/>
+              <a:t>并发编程实战</a:t>
+            </a:r>
+            <a:r>
+              <a:rPr lang="en-US" altLang="zh-CN" dirty="0" smtClean="0"/>
+              <a:t>》</a:t>
+            </a:r>
+          </a:p>
+          <a:p>
+            <a:r>
+              <a:rPr lang="en-US" altLang="zh-CN" dirty="0"/>
+              <a:t>《C++11/14</a:t>
+            </a:r>
+            <a:r>
+              <a:rPr lang="zh-CN" altLang="en-US" dirty="0"/>
+              <a:t>高级编程：</a:t>
+            </a:r>
+            <a:r>
+              <a:rPr lang="en-US" altLang="zh-CN" dirty="0"/>
+              <a:t>Boost</a:t>
+            </a:r>
+            <a:r>
+              <a:rPr lang="zh-CN" altLang="en-US" dirty="0"/>
+              <a:t>程序库探秘</a:t>
+            </a:r>
+            <a:r>
+              <a:rPr lang="en-US" altLang="zh-CN" dirty="0" smtClean="0"/>
+              <a:t>》</a:t>
+            </a:r>
+            <a:endParaRPr lang="en-US" altLang="zh-CN" dirty="0"/>
+          </a:p>
+        </p:txBody>
+      </p:sp>
+    </p:spTree>
+  </p:cSld>
+  <p:clrMapOvr>
+    <a:masterClrMapping/>
+  </p:clrMapOvr>
+  <p:timing>
+    <p:tnLst>
+      <p:par>
+        <p:cTn id="1" dur="indefinite" restart="never" nodeType="tmRoot"/>
+      </p:par>
+    </p:tnLst>
+  </p:timing>
+</p:sld>
+</file>
+
+<file path=ppt/slides/slide25.xml><?xml version="1.0" encoding="utf-8"?>
+<p:sld xmlns:a="http://schemas.openxmlformats.org/drawingml/2006/main" xmlns:r="http://schemas.openxmlformats.org/officeDocument/2006/relationships" xmlns:p="http://schemas.openxmlformats.org/presentationml/2006/main">
+  <p:cSld>
+    <p:spTree>
+      <p:nvGrpSpPr>
+        <p:cNvPr id="1" name=""/>
+        <p:cNvGrpSpPr/>
+        <p:nvPr/>
+      </p:nvGrpSpPr>
+      <p:grpSpPr>
+        <a:xfrm>
+          <a:off x="0" y="0"/>
+          <a:ext cx="0" cy="0"/>
+          <a:chOff x="0" y="0"/>
+          <a:chExt cx="0" cy="0"/>
+        </a:xfrm>
+      </p:grpSpPr>
+      <p:sp>
+        <p:nvSpPr>
+          <p:cNvPr id="2" name="标题 1"/>
+          <p:cNvSpPr>
+            <a:spLocks noGrp="1"/>
+          </p:cNvSpPr>
+          <p:nvPr>
+            <p:ph type="title"/>
+          </p:nvPr>
+        </p:nvSpPr>
+        <p:spPr/>
+        <p:txBody>
+          <a:bodyPr/>
+          <a:lstStyle/>
+          <a:p>
+            <a:pPr algn="ctr"/>
+            <a:r>
+              <a:rPr lang="zh-CN" altLang="en-US"/>
+              <a:t>谢谢大家</a:t>
+            </a:r>
+          </a:p>
+        </p:txBody>
+      </p:sp>
+      <p:pic>
+        <p:nvPicPr>
+          <p:cNvPr id="4" name="内容占位符 3"/>
+          <p:cNvPicPr>
+            <a:picLocks noGrp="1" noChangeAspect="1"/>
+          </p:cNvPicPr>
+          <p:nvPr>
+            <p:ph idx="1"/>
+          </p:nvPr>
+        </p:nvPicPr>
+        <p:blipFill>
+          <a:blip r:embed="rId2"/>
+          <a:stretch>
+            <a:fillRect/>
+          </a:stretch>
+        </p:blipFill>
+        <p:spPr>
+          <a:xfrm>
+            <a:off x="3241675" y="2346960"/>
+            <a:ext cx="2628265" cy="3509010"/>
+          </a:xfrm>
+          <a:prstGeom prst="rect">
+            <a:avLst/>
+          </a:prstGeom>
+        </p:spPr>
+      </p:pic>
+    </p:spTree>
+  </p:cSld>
+  <p:clrMapOvr>
+    <a:masterClrMapping/>
+  </p:clrMapOvr>
+</p:sld>
+</file>
+
 <file path=ppt/slides/slide3.xml><?xml version="1.0" encoding="utf-8"?>
 <p:sld xmlns:a="http://schemas.openxmlformats.org/drawingml/2006/main" xmlns:r="http://schemas.openxmlformats.org/officeDocument/2006/relationships" xmlns:p="http://schemas.openxmlformats.org/presentationml/2006/main">
   <p:cSld>
@@ -16216,19 +17502,29 @@
           <a:lstStyle/>
           <a:p>
             <a:r>
-              <a:rPr lang="en-US" altLang="zh-CN" b="1" u="sng" dirty="0" smtClean="0"/>
-              <a:t>auto</a:t>
-            </a:r>
-            <a:endParaRPr lang="en-US" altLang="zh-CN" b="1" u="sng" dirty="0" smtClean="0"/>
+              <a:rPr lang="en-US" altLang="zh-CN" dirty="0"/>
+              <a:t>a</a:t>
+            </a:r>
+            <a:r>
+              <a:rPr lang="en-US" altLang="zh-CN" dirty="0" smtClean="0"/>
+              <a:t>uto</a:t>
+            </a:r>
+          </a:p>
+          <a:p>
+            <a:r>
+              <a:rPr lang="en-US" altLang="zh-CN" dirty="0"/>
+              <a:t>Lambda</a:t>
+            </a:r>
+            <a:r>
+              <a:rPr lang="zh-CN" altLang="en-US" dirty="0" smtClean="0"/>
+              <a:t>表达式</a:t>
+            </a:r>
+            <a:endParaRPr lang="en-US" altLang="zh-CN" dirty="0" smtClean="0"/>
           </a:p>
           <a:p>
             <a:r>
               <a:rPr lang="zh-CN" altLang="en-US" b="1" u="sng" dirty="0" smtClean="0"/>
-              <a:t>右值引</a:t>
-            </a:r>
-            <a:r>
-              <a:rPr lang="zh-CN" altLang="en-US" b="1" u="sng" dirty="0" smtClean="0"/>
-              <a:t>用、</a:t>
+              <a:t>右值引用、</a:t>
             </a:r>
             <a:r>
               <a:rPr lang="en-US" altLang="zh-CN" b="1" u="sng" dirty="0"/>
@@ -16243,26 +17539,18 @@
               <a:t>、</a:t>
             </a:r>
             <a:r>
-              <a:rPr lang="en-US" altLang="zh-CN" b="1" u="sng" smtClean="0"/>
+              <a:rPr lang="en-US" altLang="zh-CN" b="1" u="sng" dirty="0" smtClean="0"/>
               <a:t>forward</a:t>
             </a:r>
-            <a:endParaRPr lang="en-US" altLang="zh-CN" b="1" u="sng" dirty="0" smtClean="0"/>
-          </a:p>
-          <a:p>
-            <a:r>
-              <a:rPr lang="en-US" altLang="zh-CN" b="1" u="sng" dirty="0" smtClean="0"/>
-              <a:t>Lambda</a:t>
-            </a:r>
-            <a:r>
-              <a:rPr lang="zh-CN" altLang="en-US" b="1" u="sng" dirty="0" smtClean="0"/>
-              <a:t>表达式</a:t>
-            </a:r>
-            <a:endParaRPr lang="en-US" altLang="zh-CN" b="1" u="sng" dirty="0" smtClean="0"/>
           </a:p>
           <a:p>
             <a:r>
               <a:rPr lang="zh-CN" altLang="en-US" dirty="0" smtClean="0"/>
-              <a:t>智能指针</a:t>
+              <a:t>智能</a:t>
+            </a:r>
+            <a:r>
+              <a:rPr lang="zh-CN" altLang="en-US" dirty="0" smtClean="0"/>
+              <a:t>指针</a:t>
             </a:r>
             <a:endParaRPr lang="en-US" altLang="zh-CN" dirty="0" smtClean="0"/>
           </a:p>
@@ -16337,7 +17625,6 @@
               <a:rPr lang="zh-CN" altLang="en-US" dirty="0" smtClean="0"/>
               <a:t>的好处</a:t>
             </a:r>
-            <a:endParaRPr lang="zh-CN" altLang="en-US" dirty="0" smtClean="0"/>
           </a:p>
         </p:txBody>
       </p:sp>
@@ -16354,7 +17641,7 @@
         <p:spPr/>
         <p:txBody>
           <a:bodyPr>
-            <a:normAutofit lnSpcReduction="10000"/>
+            <a:normAutofit fontScale="92500" lnSpcReduction="10000"/>
           </a:bodyPr>
           <a:lstStyle/>
           <a:p>
@@ -16384,7 +17671,40 @@
               <a:rPr lang="en-US" altLang="zh-CN" sz="2400" dirty="0" smtClean="0">
                 <a:sym typeface="+mn-ea"/>
               </a:rPr>
-              <a:t>auto i; 			//error</a:t>
+              <a:t>auto i; 			// error</a:t>
+            </a:r>
+          </a:p>
+          <a:p>
+            <a:pPr lvl="1"/>
+            <a:r>
+              <a:rPr lang="en-US" altLang="zh-CN" sz="2400" dirty="0">
+                <a:sym typeface="+mn-ea"/>
+              </a:rPr>
+              <a:t>a</a:t>
+            </a:r>
+            <a:r>
+              <a:rPr lang="en-US" altLang="zh-CN" sz="2400" dirty="0" smtClean="0">
+                <a:sym typeface="+mn-ea"/>
+              </a:rPr>
+              <a:t>uto </a:t>
+            </a:r>
+            <a:r>
+              <a:rPr lang="en-US" altLang="zh-CN" sz="2400" dirty="0" err="1" smtClean="0">
+                <a:sym typeface="+mn-ea"/>
+              </a:rPr>
+              <a:t>i</a:t>
+            </a:r>
+            <a:r>
+              <a:rPr lang="en-US" altLang="zh-CN" sz="2400" dirty="0" smtClean="0">
+                <a:sym typeface="+mn-ea"/>
+              </a:rPr>
+              <a:t> = 1;		// </a:t>
+            </a:r>
+            <a:r>
+              <a:rPr lang="zh-CN" altLang="en-US" sz="2400" dirty="0" smtClean="0">
+                <a:sym typeface="+mn-ea"/>
+              </a:rPr>
+              <a:t>类型推导</a:t>
             </a:r>
             <a:endParaRPr lang="en-US" altLang="zh-CN" sz="2400" dirty="0" smtClean="0"/>
           </a:p>
@@ -16395,9 +17715,6 @@
               </a:rPr>
               <a:t>节省代码量</a:t>
             </a:r>
-            <a:endParaRPr lang="zh-CN" altLang="en-US" sz="2400" dirty="0" smtClean="0">
-              <a:sym typeface="+mn-ea"/>
-            </a:endParaRPr>
           </a:p>
           <a:p>
             <a:pPr lvl="1"/>
@@ -16543,9 +17860,6 @@
               </a:rPr>
               <a:t>代码重构</a:t>
             </a:r>
-            <a:endParaRPr lang="zh-CN" altLang="en-US" dirty="0" smtClean="0">
-              <a:sym typeface="+mn-ea"/>
-            </a:endParaRPr>
           </a:p>
           <a:p>
             <a:pPr lvl="1"/>
@@ -16606,20 +17920,10 @@
         </p:nvSpPr>
         <p:spPr/>
         <p:txBody>
-          <a:bodyPr>
-            <a:normAutofit/>
-          </a:bodyPr>
+          <a:bodyPr/>
           <a:lstStyle/>
           <a:p>
-            <a:r>
-              <a:rPr lang="en-US" altLang="zh-CN" dirty="0" smtClean="0"/>
-              <a:t>auto</a:t>
-            </a:r>
-            <a:r>
-              <a:rPr lang="zh-CN" altLang="en-US" dirty="0" smtClean="0"/>
-              <a:t>的疑问</a:t>
-            </a:r>
-            <a:endParaRPr lang="zh-CN" altLang="en-US" dirty="0" smtClean="0"/>
+            <a:endParaRPr lang="zh-CN" altLang="en-US"/>
           </a:p>
         </p:txBody>
       </p:sp>
@@ -16638,15 +17942,281 @@
           <a:bodyPr/>
           <a:lstStyle/>
           <a:p>
+            <a:endParaRPr lang="zh-CN" altLang="en-US" dirty="0"/>
+          </a:p>
+        </p:txBody>
+      </p:sp>
+      <p:pic>
+        <p:nvPicPr>
+          <p:cNvPr id="2050" name="Picture 2"/>
+          <p:cNvPicPr>
+            <a:picLocks noChangeAspect="1" noChangeArrowheads="1"/>
+          </p:cNvPicPr>
+          <p:nvPr/>
+        </p:nvPicPr>
+        <p:blipFill>
+          <a:blip r:embed="rId2">
+            <a:extLst>
+              <a:ext uri="{28A0092B-C50C-407E-A947-70E740481C1C}">
+                <a14:useLocalDpi xmlns:a14="http://schemas.microsoft.com/office/drawing/2010/main" val="0"/>
+              </a:ext>
+            </a:extLst>
+          </a:blip>
+          <a:srcRect/>
+          <a:stretch>
+            <a:fillRect/>
+          </a:stretch>
+        </p:blipFill>
+        <p:spPr bwMode="auto">
+          <a:xfrm>
+            <a:off x="755576" y="332656"/>
+            <a:ext cx="7704856" cy="6176679"/>
+          </a:xfrm>
+          <a:prstGeom prst="rect">
+            <a:avLst/>
+          </a:prstGeom>
+          <a:noFill/>
+          <a:ln>
+            <a:noFill/>
+          </a:ln>
+          <a:extLst>
+            <a:ext uri="{909E8E84-426E-40DD-AFC4-6F175D3DCCD1}">
+              <a14:hiddenFill xmlns:a14="http://schemas.microsoft.com/office/drawing/2010/main">
+                <a:solidFill>
+                  <a:schemeClr val="accent1"/>
+                </a:solidFill>
+              </a14:hiddenFill>
+            </a:ext>
+            <a:ext uri="{91240B29-F687-4F45-9708-019B960494DF}">
+              <a14:hiddenLine xmlns:a14="http://schemas.microsoft.com/office/drawing/2010/main" w="9525">
+                <a:solidFill>
+                  <a:schemeClr val="tx1"/>
+                </a:solidFill>
+                <a:miter lim="800000"/>
+                <a:headEnd/>
+                <a:tailEnd/>
+              </a14:hiddenLine>
+            </a:ext>
+          </a:extLst>
+        </p:spPr>
+      </p:pic>
+    </p:spTree>
+    <p:extLst>
+      <p:ext uri="{BB962C8B-B14F-4D97-AF65-F5344CB8AC3E}">
+        <p14:creationId xmlns:p14="http://schemas.microsoft.com/office/powerpoint/2010/main" val="2680567755"/>
+      </p:ext>
+    </p:extLst>
+  </p:cSld>
+  <p:clrMapOvr>
+    <a:masterClrMapping/>
+  </p:clrMapOvr>
+  <p:timing>
+    <p:tnLst>
+      <p:par>
+        <p:cTn id="1" dur="indefinite" restart="never" nodeType="tmRoot"/>
+      </p:par>
+    </p:tnLst>
+  </p:timing>
+</p:sld>
+</file>
+
+<file path=ppt/slides/slide6.xml><?xml version="1.0" encoding="utf-8"?>
+<p:sld xmlns:a="http://schemas.openxmlformats.org/drawingml/2006/main" xmlns:r="http://schemas.openxmlformats.org/officeDocument/2006/relationships" xmlns:p="http://schemas.openxmlformats.org/presentationml/2006/main">
+  <p:cSld>
+    <p:spTree>
+      <p:nvGrpSpPr>
+        <p:cNvPr id="1" name=""/>
+        <p:cNvGrpSpPr/>
+        <p:nvPr/>
+      </p:nvGrpSpPr>
+      <p:grpSpPr>
+        <a:xfrm>
+          <a:off x="0" y="0"/>
+          <a:ext cx="0" cy="0"/>
+          <a:chOff x="0" y="0"/>
+          <a:chExt cx="0" cy="0"/>
+        </a:xfrm>
+      </p:grpSpPr>
+      <p:sp>
+        <p:nvSpPr>
+          <p:cNvPr id="2" name="标题 1"/>
+          <p:cNvSpPr>
+            <a:spLocks noGrp="1"/>
+          </p:cNvSpPr>
+          <p:nvPr>
+            <p:ph type="title"/>
+          </p:nvPr>
+        </p:nvSpPr>
+        <p:spPr/>
+        <p:txBody>
+          <a:bodyPr/>
+          <a:lstStyle/>
+          <a:p>
+            <a:endParaRPr lang="zh-CN" altLang="en-US"/>
+          </a:p>
+        </p:txBody>
+      </p:sp>
+      <p:sp>
+        <p:nvSpPr>
+          <p:cNvPr id="3" name="内容占位符 2"/>
+          <p:cNvSpPr>
+            <a:spLocks noGrp="1"/>
+          </p:cNvSpPr>
+          <p:nvPr>
+            <p:ph idx="1"/>
+          </p:nvPr>
+        </p:nvSpPr>
+        <p:spPr/>
+        <p:txBody>
+          <a:bodyPr/>
+          <a:lstStyle/>
+          <a:p>
+            <a:endParaRPr lang="zh-CN" altLang="en-US" dirty="0"/>
+          </a:p>
+        </p:txBody>
+      </p:sp>
+      <p:pic>
+        <p:nvPicPr>
+          <p:cNvPr id="3074" name="Picture 2"/>
+          <p:cNvPicPr>
+            <a:picLocks noChangeAspect="1" noChangeArrowheads="1"/>
+          </p:cNvPicPr>
+          <p:nvPr/>
+        </p:nvPicPr>
+        <p:blipFill>
+          <a:blip r:embed="rId2">
+            <a:extLst>
+              <a:ext uri="{28A0092B-C50C-407E-A947-70E740481C1C}">
+                <a14:useLocalDpi xmlns:a14="http://schemas.microsoft.com/office/drawing/2010/main" val="0"/>
+              </a:ext>
+            </a:extLst>
+          </a:blip>
+          <a:srcRect/>
+          <a:stretch>
+            <a:fillRect/>
+          </a:stretch>
+        </p:blipFill>
+        <p:spPr bwMode="auto">
+          <a:xfrm>
+            <a:off x="1619672" y="404664"/>
+            <a:ext cx="5905339" cy="6048673"/>
+          </a:xfrm>
+          <a:prstGeom prst="rect">
+            <a:avLst/>
+          </a:prstGeom>
+          <a:noFill/>
+          <a:ln>
+            <a:noFill/>
+          </a:ln>
+          <a:extLst>
+            <a:ext uri="{909E8E84-426E-40DD-AFC4-6F175D3DCCD1}">
+              <a14:hiddenFill xmlns:a14="http://schemas.microsoft.com/office/drawing/2010/main">
+                <a:solidFill>
+                  <a:schemeClr val="accent1"/>
+                </a:solidFill>
+              </a14:hiddenFill>
+            </a:ext>
+            <a:ext uri="{91240B29-F687-4F45-9708-019B960494DF}">
+              <a14:hiddenLine xmlns:a14="http://schemas.microsoft.com/office/drawing/2010/main" w="9525">
+                <a:solidFill>
+                  <a:schemeClr val="tx1"/>
+                </a:solidFill>
+                <a:miter lim="800000"/>
+                <a:headEnd/>
+                <a:tailEnd/>
+              </a14:hiddenLine>
+            </a:ext>
+          </a:extLst>
+        </p:spPr>
+      </p:pic>
+    </p:spTree>
+    <p:extLst>
+      <p:ext uri="{BB962C8B-B14F-4D97-AF65-F5344CB8AC3E}">
+        <p14:creationId xmlns:p14="http://schemas.microsoft.com/office/powerpoint/2010/main" val="3542160085"/>
+      </p:ext>
+    </p:extLst>
+  </p:cSld>
+  <p:clrMapOvr>
+    <a:masterClrMapping/>
+  </p:clrMapOvr>
+  <p:timing>
+    <p:tnLst>
+      <p:par>
+        <p:cTn id="1" dur="indefinite" restart="never" nodeType="tmRoot"/>
+      </p:par>
+    </p:tnLst>
+  </p:timing>
+</p:sld>
+</file>
+
+<file path=ppt/slides/slide7.xml><?xml version="1.0" encoding="utf-8"?>
+<p:sld xmlns:a="http://schemas.openxmlformats.org/drawingml/2006/main" xmlns:r="http://schemas.openxmlformats.org/officeDocument/2006/relationships" xmlns:p="http://schemas.openxmlformats.org/presentationml/2006/main">
+  <p:cSld>
+    <p:spTree>
+      <p:nvGrpSpPr>
+        <p:cNvPr id="1" name=""/>
+        <p:cNvGrpSpPr/>
+        <p:nvPr/>
+      </p:nvGrpSpPr>
+      <p:grpSpPr>
+        <a:xfrm>
+          <a:off x="0" y="0"/>
+          <a:ext cx="0" cy="0"/>
+          <a:chOff x="0" y="0"/>
+          <a:chExt cx="0" cy="0"/>
+        </a:xfrm>
+      </p:grpSpPr>
+      <p:sp>
+        <p:nvSpPr>
+          <p:cNvPr id="2" name="标题 1"/>
+          <p:cNvSpPr>
+            <a:spLocks noGrp="1"/>
+          </p:cNvSpPr>
+          <p:nvPr>
+            <p:ph type="title"/>
+          </p:nvPr>
+        </p:nvSpPr>
+        <p:spPr/>
+        <p:txBody>
+          <a:bodyPr>
+            <a:normAutofit/>
+          </a:bodyPr>
+          <a:lstStyle/>
+          <a:p>
+            <a:r>
+              <a:rPr lang="en-US" altLang="zh-CN" dirty="0" smtClean="0"/>
+              <a:t>auto</a:t>
+            </a:r>
             <a:r>
               <a:rPr lang="zh-CN" altLang="en-US" dirty="0" smtClean="0"/>
-              <a:t>大量</a:t>
-            </a:r>
+              <a:t>的疑问</a:t>
+            </a:r>
+          </a:p>
+        </p:txBody>
+      </p:sp>
+      <p:sp>
+        <p:nvSpPr>
+          <p:cNvPr id="3" name="内容占位符 2"/>
+          <p:cNvSpPr>
+            <a:spLocks noGrp="1"/>
+          </p:cNvSpPr>
+          <p:nvPr>
+            <p:ph idx="1"/>
+          </p:nvPr>
+        </p:nvSpPr>
+        <p:spPr/>
+        <p:txBody>
+          <a:bodyPr/>
+          <a:lstStyle/>
+          <a:p>
             <a:r>
               <a:rPr lang="zh-CN" altLang="en-US" dirty="0" smtClean="0"/>
-              <a:t>会影响编译速度吗？</a:t>
-            </a:r>
-            <a:endParaRPr lang="zh-CN" altLang="en-US" dirty="0" smtClean="0"/>
+              <a:t>会影响编译</a:t>
+            </a:r>
+            <a:r>
+              <a:rPr lang="zh-CN" altLang="en-US" dirty="0" smtClean="0"/>
+              <a:t>速度吗？</a:t>
+            </a:r>
           </a:p>
           <a:p>
             <a:endParaRPr lang="zh-CN" altLang="en-US" dirty="0" smtClean="0"/>
@@ -16656,7 +18226,6 @@
               <a:rPr lang="zh-CN" altLang="en-US" dirty="0" smtClean="0"/>
               <a:t>滥用后会降低代码可读性？</a:t>
             </a:r>
-            <a:endParaRPr lang="zh-CN" altLang="en-US" dirty="0" smtClean="0"/>
           </a:p>
           <a:p>
             <a:endParaRPr lang="zh-CN" altLang="en-US" dirty="0" smtClean="0"/>
@@ -16670,7 +18239,6 @@
               <a:rPr lang="zh-CN" altLang="en-US" dirty="0" smtClean="0"/>
               <a:t>代码提示？</a:t>
             </a:r>
-            <a:endParaRPr lang="zh-CN" altLang="en-US" dirty="0" smtClean="0"/>
           </a:p>
           <a:p>
             <a:endParaRPr lang="zh-CN" altLang="en-US" dirty="0" smtClean="0"/>
@@ -16689,7 +18257,7 @@
           <p:nvPr/>
         </p:nvPicPr>
         <p:blipFill>
-          <a:blip r:embed="rId1"/>
+          <a:blip r:embed="rId2"/>
           <a:stretch>
             <a:fillRect/>
           </a:stretch>
@@ -16713,7 +18281,7 @@
           <p:nvPr/>
         </p:nvPicPr>
         <p:blipFill>
-          <a:blip r:embed="rId2"/>
+          <a:blip r:embed="rId3"/>
           <a:stretch>
             <a:fillRect/>
           </a:stretch>
@@ -16737,7 +18305,7 @@
           <p:nvPr/>
         </p:nvPicPr>
         <p:blipFill>
-          <a:blip r:embed="rId3"/>
+          <a:blip r:embed="rId4"/>
           <a:stretch>
             <a:fillRect/>
           </a:stretch>
@@ -16750,6 +18318,60 @@
           <a:prstGeom prst="rect">
             <a:avLst/>
           </a:prstGeom>
+        </p:spPr>
+      </p:pic>
+      <p:pic>
+        <p:nvPicPr>
+          <p:cNvPr id="1027" name="Picture 3"/>
+          <p:cNvPicPr>
+            <a:picLocks noChangeAspect="1" noChangeArrowheads="1"/>
+          </p:cNvPicPr>
+          <p:nvPr/>
+        </p:nvPicPr>
+        <p:blipFill>
+          <a:blip r:embed="rId5">
+            <a:extLst>
+              <a:ext uri="{28A0092B-C50C-407E-A947-70E740481C1C}">
+                <a14:useLocalDpi xmlns:a14="http://schemas.microsoft.com/office/drawing/2010/main" val="0"/>
+              </a:ext>
+            </a:extLst>
+          </a:blip>
+          <a:srcRect/>
+          <a:stretch>
+            <a:fillRect/>
+          </a:stretch>
+        </p:blipFill>
+        <p:spPr bwMode="auto">
+          <a:xfrm>
+            <a:off x="5148064" y="460787"/>
+            <a:ext cx="3392195" cy="2850887"/>
+          </a:xfrm>
+          <a:prstGeom prst="rect">
+            <a:avLst/>
+          </a:prstGeom>
+          <a:noFill/>
+          <a:ln>
+            <a:noFill/>
+          </a:ln>
+          <a:extLst>
+            <a:ext uri="{909E8E84-426E-40DD-AFC4-6F175D3DCCD1}">
+              <a14:hiddenFill xmlns:a14="http://schemas.microsoft.com/office/drawing/2010/main">
+                <a:solidFill>
+                  <a:schemeClr val="accent1"/>
+                </a:solidFill>
+              </a14:hiddenFill>
+            </a:ext>
+            <a:ext uri="{91240B29-F687-4F45-9708-019B960494DF}">
+              <a14:hiddenLine xmlns:a14="http://schemas.microsoft.com/office/drawing/2010/main" w="9525">
+                <a:solidFill>
+                  <a:schemeClr val="tx1"/>
+                </a:solidFill>
+                <a:miter lim="800000"/>
+                <a:headEnd/>
+                <a:tailEnd/>
+              </a14:hiddenLine>
+            </a:ext>
+          </a:extLst>
         </p:spPr>
       </p:pic>
     </p:spTree>
@@ -16973,365 +18595,6 @@
 </p:sld>
 </file>
 
-<file path=ppt/slides/slide6.xml><?xml version="1.0" encoding="utf-8"?>
-<p:sld xmlns:a="http://schemas.openxmlformats.org/drawingml/2006/main" xmlns:r="http://schemas.openxmlformats.org/officeDocument/2006/relationships" xmlns:p="http://schemas.openxmlformats.org/presentationml/2006/main">
-  <p:cSld>
-    <p:spTree>
-      <p:nvGrpSpPr>
-        <p:cNvPr id="1" name=""/>
-        <p:cNvGrpSpPr/>
-        <p:nvPr/>
-      </p:nvGrpSpPr>
-      <p:grpSpPr>
-        <a:xfrm>
-          <a:off x="0" y="0"/>
-          <a:ext cx="0" cy="0"/>
-          <a:chOff x="0" y="0"/>
-          <a:chExt cx="0" cy="0"/>
-        </a:xfrm>
-      </p:grpSpPr>
-      <p:sp>
-        <p:nvSpPr>
-          <p:cNvPr id="2" name="标题 1"/>
-          <p:cNvSpPr>
-            <a:spLocks noGrp="1"/>
-          </p:cNvSpPr>
-          <p:nvPr>
-            <p:ph type="title"/>
-          </p:nvPr>
-        </p:nvSpPr>
-        <p:spPr/>
-        <p:txBody>
-          <a:bodyPr>
-            <a:normAutofit/>
-          </a:bodyPr>
-          <a:lstStyle/>
-          <a:p>
-            <a:r>
-              <a:rPr lang="zh-CN" altLang="en-US" dirty="0" smtClean="0"/>
-              <a:t>左</a:t>
-            </a:r>
-            <a:r>
-              <a:rPr lang="en-US" altLang="zh-CN" dirty="0" smtClean="0"/>
-              <a:t>/</a:t>
-            </a:r>
-            <a:r>
-              <a:rPr lang="zh-CN" altLang="en-US" dirty="0" smtClean="0"/>
-              <a:t>右值、左</a:t>
-            </a:r>
-            <a:r>
-              <a:rPr lang="en-US" altLang="zh-CN" dirty="0" smtClean="0"/>
-              <a:t>/</a:t>
-            </a:r>
-            <a:r>
-              <a:rPr lang="zh-CN" altLang="en-US" dirty="0" smtClean="0"/>
-              <a:t>右值引用</a:t>
-            </a:r>
-            <a:endParaRPr lang="zh-CN" altLang="en-US" dirty="0"/>
-          </a:p>
-        </p:txBody>
-      </p:sp>
-      <p:sp>
-        <p:nvSpPr>
-          <p:cNvPr id="3" name="内容占位符 2"/>
-          <p:cNvSpPr>
-            <a:spLocks noGrp="1"/>
-          </p:cNvSpPr>
-          <p:nvPr>
-            <p:ph idx="1"/>
-          </p:nvPr>
-        </p:nvSpPr>
-        <p:spPr/>
-        <p:txBody>
-          <a:bodyPr/>
-          <a:lstStyle/>
-          <a:p>
-            <a:r>
-              <a:rPr lang="zh-CN" altLang="en-US" dirty="0" smtClean="0"/>
-              <a:t>左值：能取地址，有名字</a:t>
-            </a:r>
-            <a:endParaRPr lang="en-US" altLang="zh-CN" dirty="0" smtClean="0"/>
-          </a:p>
-          <a:p>
-            <a:r>
-              <a:rPr lang="zh-CN" altLang="en-US" dirty="0"/>
-              <a:t>右</a:t>
-            </a:r>
-            <a:r>
-              <a:rPr lang="zh-CN" altLang="en-US" dirty="0" smtClean="0"/>
-              <a:t>值：纯右值</a:t>
-            </a:r>
-            <a:r>
-              <a:rPr lang="en-US" altLang="zh-CN" dirty="0" smtClean="0"/>
-              <a:t>(</a:t>
-            </a:r>
-            <a:r>
-              <a:rPr lang="en-US" altLang="zh-CN" dirty="0" err="1" smtClean="0"/>
-              <a:t>prvalue</a:t>
-            </a:r>
-            <a:r>
-              <a:rPr lang="en-US" altLang="zh-CN" dirty="0" smtClean="0"/>
-              <a:t>)</a:t>
-            </a:r>
-            <a:r>
-              <a:rPr lang="zh-CN" altLang="en-US" dirty="0" smtClean="0"/>
-              <a:t>、将亡值</a:t>
-            </a:r>
-            <a:r>
-              <a:rPr lang="en-US" altLang="zh-CN" dirty="0" smtClean="0"/>
-              <a:t>(</a:t>
-            </a:r>
-            <a:r>
-              <a:rPr lang="en-US" altLang="zh-CN" dirty="0" err="1" smtClean="0"/>
-              <a:t>xvalue</a:t>
-            </a:r>
-            <a:r>
-              <a:rPr lang="en-US" altLang="zh-CN" dirty="0" smtClean="0"/>
-              <a:t>)</a:t>
-            </a:r>
-            <a:endParaRPr lang="en-US" altLang="zh-CN" dirty="0" smtClean="0"/>
-          </a:p>
-          <a:p>
-            <a:r>
-              <a:rPr lang="zh-CN" altLang="en-US" dirty="0" smtClean="0"/>
-              <a:t>左值引用：</a:t>
-            </a:r>
-            <a:r>
-              <a:rPr lang="en-US" altLang="zh-CN" dirty="0" smtClean="0"/>
-              <a:t>T&amp;</a:t>
-            </a:r>
-            <a:endParaRPr lang="en-US" altLang="zh-CN" dirty="0" smtClean="0"/>
-          </a:p>
-          <a:p>
-            <a:r>
-              <a:rPr lang="zh-CN" altLang="en-US" dirty="0"/>
-              <a:t>右</a:t>
-            </a:r>
-            <a:r>
-              <a:rPr lang="zh-CN" altLang="en-US" dirty="0" smtClean="0"/>
-              <a:t>值引用：</a:t>
-            </a:r>
-            <a:r>
-              <a:rPr lang="en-US" altLang="zh-CN" dirty="0" smtClean="0"/>
-              <a:t>T&amp;&amp;</a:t>
-            </a:r>
-            <a:endParaRPr lang="en-US" altLang="zh-CN" dirty="0"/>
-          </a:p>
-          <a:p>
-            <a:r>
-              <a:rPr lang="zh-CN" altLang="en-US" dirty="0" smtClean="0"/>
-              <a:t>左值常量引用：</a:t>
-            </a:r>
-            <a:r>
-              <a:rPr lang="en-US" altLang="zh-CN" dirty="0" err="1" smtClean="0"/>
-              <a:t>const</a:t>
-            </a:r>
-            <a:r>
-              <a:rPr lang="en-US" altLang="zh-CN" dirty="0" smtClean="0"/>
-              <a:t> T&amp;</a:t>
-            </a:r>
-            <a:endParaRPr lang="en-US" altLang="zh-CN" dirty="0" smtClean="0"/>
-          </a:p>
-          <a:p>
-            <a:r>
-              <a:rPr lang="zh-CN" altLang="en-US" dirty="0"/>
-              <a:t>右</a:t>
-            </a:r>
-            <a:r>
-              <a:rPr lang="zh-CN" altLang="en-US" dirty="0" smtClean="0"/>
-              <a:t>值常量引用：？？</a:t>
-            </a:r>
-            <a:endParaRPr lang="en-US" altLang="zh-CN" dirty="0" smtClean="0"/>
-          </a:p>
-          <a:p>
-            <a:endParaRPr lang="zh-CN" altLang="en-US" dirty="0"/>
-          </a:p>
-        </p:txBody>
-      </p:sp>
-    </p:spTree>
-  </p:cSld>
-  <p:clrMapOvr>
-    <a:masterClrMapping/>
-  </p:clrMapOvr>
-  <p:timing>
-    <p:tnLst>
-      <p:par>
-        <p:cTn id="1" dur="indefinite" restart="never" nodeType="tmRoot"/>
-      </p:par>
-    </p:tnLst>
-  </p:timing>
-</p:sld>
-</file>
-
-<file path=ppt/slides/slide7.xml><?xml version="1.0" encoding="utf-8"?>
-<p:sld xmlns:a="http://schemas.openxmlformats.org/drawingml/2006/main" xmlns:r="http://schemas.openxmlformats.org/officeDocument/2006/relationships" xmlns:p="http://schemas.openxmlformats.org/presentationml/2006/main">
-  <p:cSld>
-    <p:spTree>
-      <p:nvGrpSpPr>
-        <p:cNvPr id="1" name=""/>
-        <p:cNvGrpSpPr/>
-        <p:nvPr/>
-      </p:nvGrpSpPr>
-      <p:grpSpPr>
-        <a:xfrm>
-          <a:off x="0" y="0"/>
-          <a:ext cx="0" cy="0"/>
-          <a:chOff x="0" y="0"/>
-          <a:chExt cx="0" cy="0"/>
-        </a:xfrm>
-      </p:grpSpPr>
-      <p:sp>
-        <p:nvSpPr>
-          <p:cNvPr id="2" name="标题 1"/>
-          <p:cNvSpPr>
-            <a:spLocks noGrp="1"/>
-          </p:cNvSpPr>
-          <p:nvPr>
-            <p:ph type="title"/>
-          </p:nvPr>
-        </p:nvSpPr>
-        <p:spPr/>
-        <p:txBody>
-          <a:bodyPr/>
-          <a:lstStyle/>
-          <a:p>
-            <a:r>
-              <a:rPr lang="en-US" altLang="zh-CN" dirty="0" smtClean="0"/>
-              <a:t>std::move</a:t>
-            </a:r>
-            <a:endParaRPr lang="zh-CN" altLang="en-US" dirty="0"/>
-          </a:p>
-        </p:txBody>
-      </p:sp>
-      <p:sp>
-        <p:nvSpPr>
-          <p:cNvPr id="3" name="内容占位符 2"/>
-          <p:cNvSpPr>
-            <a:spLocks noGrp="1"/>
-          </p:cNvSpPr>
-          <p:nvPr>
-            <p:ph idx="1"/>
-          </p:nvPr>
-        </p:nvSpPr>
-        <p:spPr/>
-        <p:txBody>
-          <a:bodyPr/>
-          <a:lstStyle/>
-          <a:p>
-            <a:r>
-              <a:rPr lang="en-US" altLang="zh-CN" dirty="0" smtClean="0"/>
-              <a:t>template &lt;class T&gt;</a:t>
-            </a:r>
-            <a:endParaRPr lang="en-US" altLang="zh-CN" dirty="0" smtClean="0"/>
-          </a:p>
-          <a:p>
-            <a:r>
-              <a:rPr lang="en-US" altLang="zh-CN" dirty="0" smtClean="0"/>
-              <a:t>void swap(T&amp; a, T&amp; b)</a:t>
-            </a:r>
-            <a:endParaRPr lang="en-US" altLang="zh-CN" dirty="0" smtClean="0"/>
-          </a:p>
-          <a:p>
-            <a:r>
-              <a:rPr lang="en-US" altLang="zh-CN" dirty="0" smtClean="0"/>
-              <a:t>{</a:t>
-            </a:r>
-            <a:endParaRPr lang="en-US" altLang="zh-CN" dirty="0" smtClean="0"/>
-          </a:p>
-          <a:p>
-            <a:pPr marL="685800" lvl="2" indent="0">
-              <a:buNone/>
-            </a:pPr>
-            <a:r>
-              <a:rPr lang="en-US" altLang="zh-CN" dirty="0" smtClean="0"/>
-              <a:t>T </a:t>
-            </a:r>
-            <a:r>
-              <a:rPr lang="en-US" altLang="zh-CN" dirty="0" err="1" smtClean="0"/>
-              <a:t>tmp</a:t>
-            </a:r>
-            <a:r>
-              <a:rPr lang="en-US" altLang="zh-CN" dirty="0" smtClean="0"/>
-              <a:t>(</a:t>
-            </a:r>
-            <a:r>
-              <a:rPr lang="en-US" altLang="zh-CN" dirty="0" err="1" smtClean="0"/>
-              <a:t>std</a:t>
-            </a:r>
-            <a:r>
-              <a:rPr lang="en-US" altLang="zh-CN" dirty="0" smtClean="0"/>
-              <a:t>::move(a));</a:t>
-            </a:r>
-            <a:endParaRPr lang="en-US" altLang="zh-CN" dirty="0" smtClean="0"/>
-          </a:p>
-          <a:p>
-            <a:pPr marL="685800" lvl="2" indent="0">
-              <a:buNone/>
-            </a:pPr>
-            <a:r>
-              <a:rPr lang="en-US" altLang="zh-CN" dirty="0" smtClean="0"/>
-              <a:t>a = </a:t>
-            </a:r>
-            <a:r>
-              <a:rPr lang="en-US" altLang="zh-CN" dirty="0" err="1" smtClean="0"/>
-              <a:t>std</a:t>
-            </a:r>
-            <a:r>
-              <a:rPr lang="en-US" altLang="zh-CN" dirty="0" smtClean="0"/>
-              <a:t>::move(b);</a:t>
-            </a:r>
-            <a:endParaRPr lang="en-US" altLang="zh-CN" dirty="0" smtClean="0"/>
-          </a:p>
-          <a:p>
-            <a:pPr marL="685800" lvl="2" indent="0">
-              <a:buNone/>
-            </a:pPr>
-            <a:r>
-              <a:rPr lang="en-US" altLang="zh-CN" dirty="0" smtClean="0"/>
-              <a:t>b= </a:t>
-            </a:r>
-            <a:r>
-              <a:rPr lang="en-US" altLang="zh-CN" dirty="0" err="1" smtClean="0"/>
-              <a:t>std</a:t>
-            </a:r>
-            <a:r>
-              <a:rPr lang="en-US" altLang="zh-CN" dirty="0" smtClean="0"/>
-              <a:t>::move(</a:t>
-            </a:r>
-            <a:r>
-              <a:rPr lang="en-US" altLang="zh-CN" dirty="0" err="1" smtClean="0"/>
-              <a:t>tmp</a:t>
-            </a:r>
-            <a:r>
-              <a:rPr lang="en-US" altLang="zh-CN" dirty="0" smtClean="0"/>
-              <a:t>);</a:t>
-            </a:r>
-            <a:endParaRPr lang="en-US" altLang="zh-CN" dirty="0" smtClean="0"/>
-          </a:p>
-          <a:p>
-            <a:r>
-              <a:rPr lang="en-US" altLang="zh-CN" dirty="0" smtClean="0"/>
-              <a:t>}</a:t>
-            </a:r>
-            <a:endParaRPr lang="zh-CN" altLang="en-US" dirty="0"/>
-          </a:p>
-        </p:txBody>
-      </p:sp>
-    </p:spTree>
-  </p:cSld>
-  <p:clrMapOvr>
-    <a:masterClrMapping/>
-  </p:clrMapOvr>
-  <p:timing>
-    <p:tnLst>
-      <p:par>
-        <p:cTn id="1" dur="indefinite" restart="never" nodeType="tmRoot"/>
-      </p:par>
-    </p:tnLst>
-  </p:timing>
-</p:sld>
-</file>
-
 <file path=ppt/slides/slide8.xml><?xml version="1.0" encoding="utf-8"?>
 <p:sld xmlns:a="http://schemas.openxmlformats.org/drawingml/2006/main" xmlns:r="http://schemas.openxmlformats.org/officeDocument/2006/relationships" xmlns:p="http://schemas.openxmlformats.org/presentationml/2006/main">
   <p:cSld>
@@ -17365,8 +18628,12 @@
           <a:lstStyle/>
           <a:p>
             <a:r>
+              <a:rPr lang="en-US" altLang="zh-CN" dirty="0" smtClean="0"/>
+              <a:t>Lambda</a:t>
+            </a:r>
+            <a:r>
               <a:rPr lang="zh-CN" altLang="en-US" dirty="0" smtClean="0"/>
-              <a:t>类的默认成员函数</a:t>
+              <a:t>表达式</a:t>
             </a:r>
             <a:endParaRPr lang="zh-CN" altLang="en-US" dirty="0"/>
           </a:p>
@@ -17384,153 +18651,148 @@
         </p:nvSpPr>
         <p:spPr/>
         <p:txBody>
-          <a:bodyPr>
-            <a:normAutofit lnSpcReduction="10000"/>
-          </a:bodyPr>
+          <a:bodyPr/>
           <a:lstStyle/>
           <a:p>
             <a:r>
+              <a:rPr lang="en-US" altLang="zh-CN" dirty="0"/>
+              <a:t>[</a:t>
+            </a:r>
+            <a:r>
               <a:rPr lang="zh-CN" altLang="en-US" dirty="0"/>
-              <a:t>缺省</a:t>
-            </a:r>
-            <a:r>
-              <a:rPr lang="zh-CN" altLang="en-US" dirty="0" smtClean="0"/>
-              <a:t>构造函数 </a:t>
+              <a:t>捕获列表</a:t>
+            </a:r>
+            <a:r>
+              <a:rPr lang="en-US" altLang="zh-CN" dirty="0"/>
+              <a:t>](</a:t>
+            </a:r>
+            <a:r>
+              <a:rPr lang="zh-CN" altLang="en-US" dirty="0"/>
+              <a:t>参数列表</a:t>
+            </a:r>
+            <a:r>
+              <a:rPr lang="en-US" altLang="zh-CN" dirty="0"/>
+              <a:t>) mutable(</a:t>
+            </a:r>
+            <a:r>
+              <a:rPr lang="zh-CN" altLang="en-US" dirty="0"/>
+              <a:t>可选</a:t>
+            </a:r>
+            <a:r>
+              <a:rPr lang="en-US" altLang="zh-CN" dirty="0"/>
+              <a:t>) </a:t>
+            </a:r>
+            <a:r>
+              <a:rPr lang="zh-CN" altLang="en-US" dirty="0"/>
+              <a:t>异常属性 </a:t>
+            </a:r>
+            <a:r>
+              <a:rPr lang="en-US" altLang="zh-CN" dirty="0"/>
+              <a:t>-&gt; </a:t>
+            </a:r>
+            <a:r>
+              <a:rPr lang="zh-CN" altLang="en-US" dirty="0"/>
+              <a:t>返回类型 </a:t>
+            </a:r>
+            <a:r>
+              <a:rPr lang="en-US" altLang="zh-CN" dirty="0"/>
+              <a:t>{ // </a:t>
+            </a:r>
+            <a:r>
+              <a:rPr lang="zh-CN" altLang="en-US" dirty="0"/>
+              <a:t>函数体 </a:t>
+            </a:r>
+            <a:r>
+              <a:rPr lang="en-US" altLang="zh-CN" dirty="0"/>
+              <a:t>}</a:t>
+            </a:r>
+            <a:endParaRPr lang="en-US" altLang="zh-CN" b="1" dirty="0" smtClean="0"/>
+          </a:p>
+          <a:p>
+            <a:endParaRPr lang="en-US" altLang="zh-CN" b="1" dirty="0"/>
+          </a:p>
+          <a:p>
+            <a:r>
+              <a:rPr lang="en-US" altLang="zh-CN" b="1" dirty="0" smtClean="0"/>
+              <a:t>auto</a:t>
             </a:r>
             <a:r>
               <a:rPr lang="en-US" altLang="zh-CN" dirty="0" smtClean="0"/>
-              <a:t>A();</a:t>
-            </a:r>
-            <a:endParaRPr lang="en-US" altLang="zh-CN" dirty="0" smtClean="0"/>
-          </a:p>
-          <a:p>
-            <a:r>
-              <a:rPr lang="zh-CN" altLang="en-US" dirty="0" smtClean="0"/>
-              <a:t>析构函数  </a:t>
-            </a:r>
-            <a:r>
-              <a:rPr lang="en-US" altLang="zh-CN" dirty="0" smtClean="0"/>
-              <a:t>~A();</a:t>
-            </a:r>
-            <a:endParaRPr lang="en-US" altLang="zh-CN" dirty="0" smtClean="0"/>
-          </a:p>
-          <a:p>
-            <a:r>
-              <a:rPr lang="zh-CN" altLang="en-US" dirty="0" smtClean="0"/>
-              <a:t>拷贝构造函数 </a:t>
-            </a:r>
-            <a:r>
-              <a:rPr lang="en-US" altLang="zh-CN" dirty="0" smtClean="0"/>
-              <a:t>A( </a:t>
+              <a:t> </a:t>
             </a:r>
             <a:r>
               <a:rPr lang="en-US" altLang="zh-CN" dirty="0" err="1"/>
-              <a:t>const</a:t>
+              <a:t>fadd</a:t>
+            </a:r>
+            <a:r>
+              <a:rPr lang="en-US" altLang="zh-CN" dirty="0"/>
+              <a:t> = [](</a:t>
+            </a:r>
+            <a:r>
+              <a:rPr lang="en-US" altLang="zh-CN" b="1" dirty="0" err="1"/>
+              <a:t>int</a:t>
+            </a:r>
+            <a:r>
+              <a:rPr lang="en-US" altLang="zh-CN" dirty="0"/>
+              <a:t> a, </a:t>
+            </a:r>
+            <a:r>
+              <a:rPr lang="en-US" altLang="zh-CN" b="1" dirty="0" err="1"/>
+              <a:t>int</a:t>
+            </a:r>
+            <a:r>
+              <a:rPr lang="en-US" altLang="zh-CN" dirty="0"/>
+              <a:t> b)-&gt;</a:t>
+            </a:r>
+            <a:r>
+              <a:rPr lang="en-US" altLang="zh-CN" b="1" dirty="0" err="1"/>
+              <a:t>int</a:t>
             </a:r>
             <a:r>
               <a:rPr lang="en-US" altLang="zh-CN" dirty="0"/>
               <a:t> </a:t>
             </a:r>
+            <a:endParaRPr lang="en-US" altLang="zh-CN" dirty="0" smtClean="0"/>
+          </a:p>
+          <a:p>
             <a:r>
               <a:rPr lang="en-US" altLang="zh-CN" dirty="0" smtClean="0"/>
-              <a:t>A&amp; );</a:t>
+              <a:t>{</a:t>
+            </a:r>
+          </a:p>
+          <a:p>
+            <a:pPr marL="365760" lvl="1" indent="0">
+              <a:buNone/>
+            </a:pPr>
+            <a:r>
+              <a:rPr lang="en-US" altLang="zh-CN" dirty="0"/>
+              <a:t>	</a:t>
+            </a:r>
+            <a:r>
+              <a:rPr lang="en-US" altLang="zh-CN" dirty="0" smtClean="0"/>
+              <a:t> </a:t>
+            </a:r>
+            <a:r>
+              <a:rPr lang="en-US" altLang="zh-CN" b="1" dirty="0"/>
+              <a:t>return</a:t>
+            </a:r>
+            <a:r>
+              <a:rPr lang="en-US" altLang="zh-CN" dirty="0"/>
+              <a:t> a + b; </a:t>
             </a:r>
             <a:endParaRPr lang="en-US" altLang="zh-CN" dirty="0" smtClean="0"/>
           </a:p>
           <a:p>
             <a:r>
-              <a:rPr lang="zh-CN" altLang="en-US" dirty="0" smtClean="0"/>
-              <a:t>赋值运算符重载 </a:t>
-            </a:r>
-            <a:r>
               <a:rPr lang="en-US" altLang="zh-CN" dirty="0" smtClean="0"/>
-              <a:t>A&amp; </a:t>
-            </a:r>
-            <a:r>
-              <a:rPr lang="en-US" altLang="zh-CN" dirty="0"/>
-              <a:t>operator=( </a:t>
-            </a:r>
-            <a:r>
-              <a:rPr lang="en-US" altLang="zh-CN" dirty="0" smtClean="0"/>
-              <a:t>A&amp; </a:t>
-            </a:r>
-            <a:r>
-              <a:rPr lang="en-US" altLang="zh-CN" dirty="0"/>
-              <a:t>);</a:t>
-            </a:r>
+              <a:t>};</a:t>
+            </a:r>
+          </a:p>
+          <a:p>
             <a:endParaRPr lang="en-US" altLang="zh-CN" dirty="0" smtClean="0"/>
           </a:p>
           <a:p>
-            <a:r>
-              <a:rPr lang="zh-CN" altLang="en-US" dirty="0"/>
-              <a:t>取</a:t>
-            </a:r>
-            <a:r>
-              <a:rPr lang="zh-CN" altLang="en-US" dirty="0" smtClean="0"/>
-              <a:t>地址运算符 </a:t>
-            </a:r>
-            <a:r>
-              <a:rPr lang="en-US" altLang="zh-CN" dirty="0" smtClean="0"/>
-              <a:t>A* </a:t>
-            </a:r>
-            <a:r>
-              <a:rPr lang="en-US" altLang="zh-CN" dirty="0"/>
-              <a:t>operator&amp;();</a:t>
-            </a:r>
-            <a:endParaRPr lang="en-US" altLang="zh-CN" dirty="0" smtClean="0"/>
-          </a:p>
-          <a:p>
-            <a:r>
-              <a:rPr lang="zh-CN" altLang="en-US" dirty="0"/>
-              <a:t>取地址</a:t>
-            </a:r>
-            <a:r>
-              <a:rPr lang="zh-CN" altLang="en-US" dirty="0" smtClean="0"/>
-              <a:t>运算符 </a:t>
-            </a:r>
-            <a:r>
-              <a:rPr lang="en-US" altLang="zh-CN" dirty="0" err="1" smtClean="0"/>
-              <a:t>const</a:t>
-            </a:r>
-            <a:r>
-              <a:rPr lang="en-US" altLang="zh-CN" dirty="0" smtClean="0"/>
-              <a:t> A* </a:t>
-            </a:r>
-            <a:r>
-              <a:rPr lang="en-US" altLang="zh-CN" dirty="0"/>
-              <a:t>operator&amp;() </a:t>
-            </a:r>
-            <a:r>
-              <a:rPr lang="en-US" altLang="zh-CN" dirty="0" err="1"/>
-              <a:t>const</a:t>
-            </a:r>
-            <a:r>
-              <a:rPr lang="en-US" altLang="zh-CN" dirty="0"/>
-              <a:t>;</a:t>
-            </a:r>
             <a:endParaRPr lang="en-US" altLang="zh-CN" dirty="0"/>
-          </a:p>
-          <a:p>
-            <a:r>
-              <a:rPr lang="zh-CN" altLang="en-US" b="1" dirty="0" smtClean="0"/>
-              <a:t>移动构造函数 </a:t>
-            </a:r>
-            <a:r>
-              <a:rPr lang="en-US" altLang="zh-CN" b="1" dirty="0" smtClean="0"/>
-              <a:t>A (A&amp;&amp;)</a:t>
-            </a:r>
-            <a:endParaRPr lang="en-US" altLang="zh-CN" b="1" dirty="0" smtClean="0"/>
-          </a:p>
-          <a:p>
-            <a:r>
-              <a:rPr lang="zh-CN" altLang="en-US" b="1" dirty="0" smtClean="0"/>
-              <a:t>移动赋值运算符重载 </a:t>
-            </a:r>
-            <a:r>
-              <a:rPr lang="en-US" altLang="zh-CN" b="1" dirty="0" smtClean="0"/>
-              <a:t>A&amp; operator=(A&amp;&amp;)</a:t>
-            </a:r>
-            <a:endParaRPr lang="en-US" altLang="zh-CN" b="1" dirty="0" smtClean="0"/>
           </a:p>
           <a:p>
             <a:endParaRPr lang="zh-CN" altLang="en-US" dirty="0"/>
@@ -17538,6 +18800,11 @@
         </p:txBody>
       </p:sp>
     </p:spTree>
+    <p:extLst>
+      <p:ext uri="{BB962C8B-B14F-4D97-AF65-F5344CB8AC3E}">
+        <p14:creationId xmlns:p14="http://schemas.microsoft.com/office/powerpoint/2010/main" val="1765529662"/>
+      </p:ext>
+    </p:extLst>
   </p:cSld>
   <p:clrMapOvr>
     <a:masterClrMapping/>
@@ -17584,7 +18851,15 @@
           <a:bodyPr/>
           <a:lstStyle/>
           <a:p>
-            <a:endParaRPr lang="zh-CN" altLang="en-US"/>
+            <a:r>
+              <a:rPr lang="en-US" altLang="zh-CN" dirty="0" smtClean="0"/>
+              <a:t>Lambda</a:t>
+            </a:r>
+            <a:r>
+              <a:rPr lang="zh-CN" altLang="en-US" dirty="0" smtClean="0"/>
+              <a:t>表达式变量捕获</a:t>
+            </a:r>
+            <a:endParaRPr lang="zh-CN" altLang="en-US" dirty="0"/>
           </a:p>
         </p:txBody>
       </p:sp>
@@ -17600,55 +18875,149 @@
         </p:nvSpPr>
         <p:spPr/>
         <p:txBody>
-          <a:bodyPr/>
+          <a:bodyPr>
+            <a:normAutofit fontScale="92500" lnSpcReduction="20000"/>
+          </a:bodyPr>
           <a:lstStyle/>
+          <a:p>
+            <a:r>
+              <a:rPr lang="en-US" altLang="zh-CN" dirty="0"/>
+              <a:t>[] </a:t>
+            </a:r>
+            <a:r>
+              <a:rPr lang="zh-CN" altLang="en-US" dirty="0" smtClean="0"/>
+              <a:t>不捕获任何</a:t>
+            </a:r>
+            <a:r>
+              <a:rPr lang="zh-CN" altLang="en-US" dirty="0"/>
+              <a:t>变量</a:t>
+            </a:r>
+          </a:p>
+          <a:p>
+            <a:r>
+              <a:rPr lang="en-US" altLang="zh-CN" dirty="0"/>
+              <a:t>[&amp;} </a:t>
+            </a:r>
+            <a:r>
+              <a:rPr lang="zh-CN" altLang="en-US" dirty="0" smtClean="0"/>
+              <a:t>捕获外部</a:t>
+            </a:r>
+            <a:r>
+              <a:rPr lang="zh-CN" altLang="en-US" dirty="0"/>
+              <a:t>作用域中所有变量，并作为引用在函数体中使用</a:t>
+            </a:r>
+          </a:p>
+          <a:p>
+            <a:r>
+              <a:rPr lang="en-US" altLang="zh-CN" dirty="0"/>
+              <a:t>[=] </a:t>
+            </a:r>
+            <a:r>
+              <a:rPr lang="zh-CN" altLang="en-US" dirty="0" smtClean="0"/>
+              <a:t>捕获外部</a:t>
+            </a:r>
+            <a:r>
+              <a:rPr lang="zh-CN" altLang="en-US" dirty="0"/>
+              <a:t>作用域中所有变量，并拷贝一份在函数体中使用</a:t>
+            </a:r>
+          </a:p>
+          <a:p>
+            <a:r>
+              <a:rPr lang="en-US" altLang="zh-CN" dirty="0"/>
+              <a:t>[=, &amp;foo] </a:t>
+            </a:r>
+            <a:r>
+              <a:rPr lang="zh-CN" altLang="en-US" dirty="0" smtClean="0"/>
+              <a:t>捕获外部</a:t>
+            </a:r>
+            <a:r>
+              <a:rPr lang="zh-CN" altLang="en-US" dirty="0"/>
+              <a:t>作用域中所有变量，并拷贝一份在函数体中使用，但是对</a:t>
+            </a:r>
+            <a:r>
+              <a:rPr lang="en-US" altLang="zh-CN" dirty="0"/>
+              <a:t>foo</a:t>
+            </a:r>
+            <a:r>
+              <a:rPr lang="zh-CN" altLang="en-US" dirty="0"/>
+              <a:t>变量使用引用</a:t>
+            </a:r>
+          </a:p>
+          <a:p>
+            <a:r>
+              <a:rPr lang="en-US" altLang="zh-CN" dirty="0"/>
+              <a:t>[bar] </a:t>
+            </a:r>
+            <a:r>
+              <a:rPr lang="zh-CN" altLang="en-US" dirty="0" smtClean="0"/>
+              <a:t>捕获</a:t>
+            </a:r>
+            <a:r>
+              <a:rPr lang="en-US" altLang="zh-CN" dirty="0" smtClean="0"/>
+              <a:t>bar</a:t>
+            </a:r>
+            <a:r>
+              <a:rPr lang="zh-CN" altLang="en-US" dirty="0"/>
+              <a:t>变量并且拷贝一份在函数体重使用，同时</a:t>
+            </a:r>
+            <a:r>
+              <a:rPr lang="zh-CN" altLang="en-US" dirty="0" smtClean="0"/>
+              <a:t>不捕获其他</a:t>
+            </a:r>
+            <a:r>
+              <a:rPr lang="zh-CN" altLang="en-US" dirty="0"/>
+              <a:t>变量</a:t>
+            </a:r>
+          </a:p>
+          <a:p>
+            <a:r>
+              <a:rPr lang="en-US" altLang="zh-CN" dirty="0"/>
+              <a:t>[this] </a:t>
+            </a:r>
+            <a:r>
+              <a:rPr lang="zh-CN" altLang="en-US" dirty="0" smtClean="0"/>
+              <a:t>捕获当前</a:t>
+            </a:r>
+            <a:r>
+              <a:rPr lang="zh-CN" altLang="en-US" dirty="0"/>
+              <a:t>类中的</a:t>
+            </a:r>
+            <a:r>
+              <a:rPr lang="en-US" altLang="zh-CN" dirty="0"/>
+              <a:t>this</a:t>
+            </a:r>
+            <a:r>
+              <a:rPr lang="zh-CN" altLang="en-US" dirty="0"/>
+              <a:t>指针。如果已经使用了</a:t>
+            </a:r>
+            <a:r>
+              <a:rPr lang="en-US" altLang="zh-CN" dirty="0"/>
+              <a:t>&amp;</a:t>
+            </a:r>
+            <a:r>
+              <a:rPr lang="zh-CN" altLang="en-US" dirty="0"/>
+              <a:t>或者</a:t>
+            </a:r>
+            <a:r>
+              <a:rPr lang="en-US" altLang="zh-CN" dirty="0"/>
+              <a:t>=</a:t>
+            </a:r>
+            <a:r>
+              <a:rPr lang="zh-CN" altLang="en-US" dirty="0"/>
+              <a:t>就默认添加此选项。</a:t>
+            </a:r>
+          </a:p>
           <a:p>
             <a:endParaRPr lang="zh-CN" altLang="en-US" dirty="0"/>
           </a:p>
         </p:txBody>
       </p:sp>
-      <p:pic>
-        <p:nvPicPr>
-          <p:cNvPr id="4" name="Picture 2" descr="http://img.blog.csdn.net/20131220192020890"/>
-          <p:cNvPicPr>
-            <a:picLocks noChangeAspect="1" noChangeArrowheads="1"/>
-          </p:cNvPicPr>
-          <p:nvPr/>
-        </p:nvPicPr>
-        <p:blipFill>
-          <a:blip r:embed="rId1">
-            <a:extLst>
-              <a:ext uri="{28A0092B-C50C-407E-A947-70E740481C1C}">
-                <a14:useLocalDpi xmlns:a14="http://schemas.microsoft.com/office/drawing/2010/main" val="0"/>
-              </a:ext>
-            </a:extLst>
-          </a:blip>
-          <a:srcRect/>
-          <a:stretch>
-            <a:fillRect/>
-          </a:stretch>
-        </p:blipFill>
-        <p:spPr bwMode="auto">
-          <a:xfrm>
-            <a:off x="782245" y="621323"/>
-            <a:ext cx="7579423" cy="5616624"/>
-          </a:xfrm>
-          <a:prstGeom prst="rect">
-            <a:avLst/>
-          </a:prstGeom>
-          <a:noFill/>
-          <a:extLst>
-            <a:ext uri="{909E8E84-426E-40DD-AFC4-6F175D3DCCD1}">
-              <a14:hiddenFill xmlns:a14="http://schemas.microsoft.com/office/drawing/2010/main">
-                <a:solidFill>
-                  <a:srgbClr val="FFFFFF"/>
-                </a:solidFill>
-              </a14:hiddenFill>
-            </a:ext>
-          </a:extLst>
-        </p:spPr>
-      </p:pic>
     </p:spTree>
+    <p:extLst>
+      <p:ext uri="{BB962C8B-B14F-4D97-AF65-F5344CB8AC3E}">
+        <p14:creationId xmlns:p14="http://schemas.microsoft.com/office/powerpoint/2010/main" val="1475478635"/>
+      </p:ext>
+    </p:extLst>
   </p:cSld>
   <p:clrMapOvr>
     <a:masterClrMapping/>
@@ -17944,6 +19313,269 @@
       </a:bgFillStyleLst>
     </a:fmtScheme>
   </a:themeElements>
+  <a:objectDefaults/>
+  <a:extraClrSchemeLst/>
+  <a:extLst>
+    <a:ext uri="{05A4C25C-085E-4340-85A3-A5531E510DB2}">
+      <thm15:themeFamily xmlns:thm15="http://schemas.microsoft.com/office/thememl/2012/main" name="Office Theme" id="{62F939B6-93AF-4DB8-9C6B-D6C7DFDC589F}" vid="{4A3C46E8-61CC-4603-A589-7422A47A8E4A}"/>
+    </a:ext>
+  </a:extLst>
+</a:theme>
+</file>
+
+<file path=ppt/theme/theme2.xml><?xml version="1.0" encoding="utf-8"?>
+<a:theme xmlns:a="http://schemas.openxmlformats.org/drawingml/2006/main" name="Office Theme">
+  <a:themeElements>
+    <a:clrScheme name="Office">
+      <a:dk1>
+        <a:sysClr val="windowText" lastClr="000000"/>
+      </a:dk1>
+      <a:lt1>
+        <a:sysClr val="window" lastClr="FFFFFF"/>
+      </a:lt1>
+      <a:dk2>
+        <a:srgbClr val="44546A"/>
+      </a:dk2>
+      <a:lt2>
+        <a:srgbClr val="E7E6E6"/>
+      </a:lt2>
+      <a:accent1>
+        <a:srgbClr val="4472C4"/>
+      </a:accent1>
+      <a:accent2>
+        <a:srgbClr val="ED7D31"/>
+      </a:accent2>
+      <a:accent3>
+        <a:srgbClr val="A5A5A5"/>
+      </a:accent3>
+      <a:accent4>
+        <a:srgbClr val="FFC000"/>
+      </a:accent4>
+      <a:accent5>
+        <a:srgbClr val="5B9BD5"/>
+      </a:accent5>
+      <a:accent6>
+        <a:srgbClr val="70AD47"/>
+      </a:accent6>
+      <a:hlink>
+        <a:srgbClr val="0563C1"/>
+      </a:hlink>
+      <a:folHlink>
+        <a:srgbClr val="954F72"/>
+      </a:folHlink>
+    </a:clrScheme>
+    <a:fontScheme name="Office">
+      <a:majorFont>
+        <a:latin typeface="Calibri Light" panose="020F0302020204030204"/>
+        <a:ea typeface=""/>
+        <a:cs typeface=""/>
+        <a:font script="Jpan" typeface="Yu Gothic Light"/>
+        <a:font script="Hang" typeface="맑은 고딕"/>
+        <a:font script="Hans" typeface="DengXian Light"/>
+        <a:font script="Hant" typeface="新細明體"/>
+        <a:font script="Arab" typeface="Times New Roman"/>
+        <a:font script="Hebr" typeface="Times New Roman"/>
+        <a:font script="Thai" typeface="Angsana New"/>
+        <a:font script="Ethi" typeface="Nyala"/>
+        <a:font script="Beng" typeface="Vrinda"/>
+        <a:font script="Gujr" typeface="Shruti"/>
+        <a:font script="Khmr" typeface="MoolBoran"/>
+        <a:font script="Knda" typeface="Tunga"/>
+        <a:font script="Guru" typeface="Raavi"/>
+        <a:font script="Cans" typeface="Euphemia"/>
+        <a:font script="Cher" typeface="Plantagenet Cherokee"/>
+        <a:font script="Yiii" typeface="Microsoft Yi Baiti"/>
+        <a:font script="Tibt" typeface="Microsoft Himalaya"/>
+        <a:font script="Thaa" typeface="MV Boli"/>
+        <a:font script="Deva" typeface="Mangal"/>
+        <a:font script="Telu" typeface="Gautami"/>
+        <a:font script="Taml" typeface="Latha"/>
+        <a:font script="Syrc" typeface="Estrangelo Edessa"/>
+        <a:font script="Orya" typeface="Kalinga"/>
+        <a:font script="Mlym" typeface="Kartika"/>
+        <a:font script="Laoo" typeface="DokChampa"/>
+        <a:font script="Sinh" typeface="Iskoola Pota"/>
+        <a:font script="Mong" typeface="Mongolian Baiti"/>
+        <a:font script="Viet" typeface="Times New Roman"/>
+        <a:font script="Uigh" typeface="Microsoft Uighur"/>
+        <a:font script="Geor" typeface="Sylfaen"/>
+      </a:majorFont>
+      <a:minorFont>
+        <a:latin typeface="Calibri" panose="020F0502020204030204"/>
+        <a:ea typeface=""/>
+        <a:cs typeface=""/>
+        <a:font script="Jpan" typeface="Yu Gothic"/>
+        <a:font script="Hang" typeface="맑은 고딕"/>
+        <a:font script="Hans" typeface="DengXian"/>
+        <a:font script="Hant" typeface="新細明體"/>
+        <a:font script="Arab" typeface="Arial"/>
+        <a:font script="Hebr" typeface="Arial"/>
+        <a:font script="Thai" typeface="Cordia New"/>
+        <a:font script="Ethi" typeface="Nyala"/>
+        <a:font script="Beng" typeface="Vrinda"/>
+        <a:font script="Gujr" typeface="Shruti"/>
+        <a:font script="Khmr" typeface="DaunPenh"/>
+        <a:font script="Knda" typeface="Tunga"/>
+        <a:font script="Guru" typeface="Raavi"/>
+        <a:font script="Cans" typeface="Euphemia"/>
+        <a:font script="Cher" typeface="Plantagenet Cherokee"/>
+        <a:font script="Yiii" typeface="Microsoft Yi Baiti"/>
+        <a:font script="Tibt" typeface="Microsoft Himalaya"/>
+        <a:font script="Thaa" typeface="MV Boli"/>
+        <a:font script="Deva" typeface="Mangal"/>
+        <a:font script="Telu" typeface="Gautami"/>
+        <a:font script="Taml" typeface="Latha"/>
+        <a:font script="Syrc" typeface="Estrangelo Edessa"/>
+        <a:font script="Orya" typeface="Kalinga"/>
+        <a:font script="Mlym" typeface="Kartika"/>
+        <a:font script="Laoo" typeface="DokChampa"/>
+        <a:font script="Sinh" typeface="Iskoola Pota"/>
+        <a:font script="Mong" typeface="Mongolian Baiti"/>
+        <a:font script="Viet" typeface="Arial"/>
+        <a:font script="Uigh" typeface="Microsoft Uighur"/>
+        <a:font script="Geor" typeface="Sylfaen"/>
+      </a:minorFont>
+    </a:fontScheme>
+    <a:fmtScheme name="Office">
+      <a:fillStyleLst>
+        <a:solidFill>
+          <a:schemeClr val="phClr"/>
+        </a:solidFill>
+        <a:gradFill rotWithShape="1">
+          <a:gsLst>
+            <a:gs pos="0">
+              <a:schemeClr val="phClr">
+                <a:lumMod val="110000"/>
+                <a:satMod val="105000"/>
+                <a:tint val="67000"/>
+              </a:schemeClr>
+            </a:gs>
+            <a:gs pos="50000">
+              <a:schemeClr val="phClr">
+                <a:lumMod val="105000"/>
+                <a:satMod val="103000"/>
+                <a:tint val="73000"/>
+              </a:schemeClr>
+            </a:gs>
+            <a:gs pos="100000">
+              <a:schemeClr val="phClr">
+                <a:lumMod val="105000"/>
+                <a:satMod val="109000"/>
+                <a:tint val="81000"/>
+              </a:schemeClr>
+            </a:gs>
+          </a:gsLst>
+          <a:lin ang="5400000" scaled="0"/>
+        </a:gradFill>
+        <a:gradFill rotWithShape="1">
+          <a:gsLst>
+            <a:gs pos="0">
+              <a:schemeClr val="phClr">
+                <a:satMod val="103000"/>
+                <a:lumMod val="102000"/>
+                <a:tint val="94000"/>
+              </a:schemeClr>
+            </a:gs>
+            <a:gs pos="50000">
+              <a:schemeClr val="phClr">
+                <a:satMod val="110000"/>
+                <a:lumMod val="100000"/>
+                <a:shade val="100000"/>
+              </a:schemeClr>
+            </a:gs>
+            <a:gs pos="100000">
+              <a:schemeClr val="phClr">
+                <a:lumMod val="99000"/>
+                <a:satMod val="120000"/>
+                <a:shade val="78000"/>
+              </a:schemeClr>
+            </a:gs>
+          </a:gsLst>
+          <a:lin ang="5400000" scaled="0"/>
+        </a:gradFill>
+      </a:fillStyleLst>
+      <a:lnStyleLst>
+        <a:ln w="6350" cap="flat" cmpd="sng" algn="ctr">
+          <a:solidFill>
+            <a:schemeClr val="phClr"/>
+          </a:solidFill>
+          <a:prstDash val="solid"/>
+          <a:miter lim="800000"/>
+        </a:ln>
+        <a:ln w="12700" cap="flat" cmpd="sng" algn="ctr">
+          <a:solidFill>
+            <a:schemeClr val="phClr"/>
+          </a:solidFill>
+          <a:prstDash val="solid"/>
+          <a:miter lim="800000"/>
+        </a:ln>
+        <a:ln w="19050" cap="flat" cmpd="sng" algn="ctr">
+          <a:solidFill>
+            <a:schemeClr val="phClr"/>
+          </a:solidFill>
+          <a:prstDash val="solid"/>
+          <a:miter lim="800000"/>
+        </a:ln>
+      </a:lnStyleLst>
+      <a:effectStyleLst>
+        <a:effectStyle>
+          <a:effectLst/>
+        </a:effectStyle>
+        <a:effectStyle>
+          <a:effectLst/>
+        </a:effectStyle>
+        <a:effectStyle>
+          <a:effectLst>
+            <a:outerShdw blurRad="57150" dist="19050" dir="5400000" algn="ctr" rotWithShape="0">
+              <a:srgbClr val="000000">
+                <a:alpha val="63000"/>
+              </a:srgbClr>
+            </a:outerShdw>
+          </a:effectLst>
+        </a:effectStyle>
+      </a:effectStyleLst>
+      <a:bgFillStyleLst>
+        <a:solidFill>
+          <a:schemeClr val="phClr"/>
+        </a:solidFill>
+        <a:solidFill>
+          <a:schemeClr val="phClr">
+            <a:tint val="95000"/>
+            <a:satMod val="170000"/>
+          </a:schemeClr>
+        </a:solidFill>
+        <a:gradFill rotWithShape="1">
+          <a:gsLst>
+            <a:gs pos="0">
+              <a:schemeClr val="phClr">
+                <a:tint val="93000"/>
+                <a:satMod val="150000"/>
+                <a:shade val="98000"/>
+                <a:lumMod val="102000"/>
+              </a:schemeClr>
+            </a:gs>
+            <a:gs pos="50000">
+              <a:schemeClr val="phClr">
+                <a:tint val="98000"/>
+                <a:satMod val="130000"/>
+                <a:shade val="90000"/>
+                <a:lumMod val="103000"/>
+              </a:schemeClr>
+            </a:gs>
+            <a:gs pos="100000">
+              <a:schemeClr val="phClr">
+                <a:shade val="63000"/>
+                <a:satMod val="120000"/>
+              </a:schemeClr>
+            </a:gs>
+          </a:gsLst>
+          <a:lin ang="5400000" scaled="0"/>
+        </a:gradFill>
+      </a:bgFillStyleLst>
+    </a:fmtScheme>
+  </a:themeElements>
+  <a:objectDefaults/>
+  <a:extraClrSchemeLst/>
   <a:extLst>
     <a:ext uri="{05A4C25C-085E-4340-85A3-A5531E510DB2}">
       <thm15:themeFamily xmlns:thm15="http://schemas.microsoft.com/office/thememl/2012/main" name="Office Theme" id="{62F939B6-93AF-4DB8-9C6B-D6C7DFDC589F}" vid="{4A3C46E8-61CC-4603-A589-7422A47A8E4A}"/>

--- a/doc/c++11learning.pptx
+++ b/doc/c++11learning.pptx
@@ -5,7 +5,7 @@
     <p:sldMasterId id="2147483648" r:id="rId1"/>
   </p:sldMasterIdLst>
   <p:notesMasterIdLst>
-    <p:notesMasterId r:id="rId27"/>
+    <p:notesMasterId r:id="rId26"/>
   </p:notesMasterIdLst>
   <p:sldIdLst>
     <p:sldId id="256" r:id="rId2"/>
@@ -13,26 +13,25 @@
     <p:sldId id="258" r:id="rId4"/>
     <p:sldId id="268" r:id="rId5"/>
     <p:sldId id="283" r:id="rId6"/>
-    <p:sldId id="284" r:id="rId7"/>
-    <p:sldId id="260" r:id="rId8"/>
-    <p:sldId id="290" r:id="rId9"/>
-    <p:sldId id="291" r:id="rId10"/>
-    <p:sldId id="270" r:id="rId11"/>
-    <p:sldId id="261" r:id="rId12"/>
-    <p:sldId id="285" r:id="rId13"/>
-    <p:sldId id="289" r:id="rId14"/>
-    <p:sldId id="271" r:id="rId15"/>
-    <p:sldId id="272" r:id="rId16"/>
-    <p:sldId id="287" r:id="rId17"/>
-    <p:sldId id="264" r:id="rId18"/>
-    <p:sldId id="292" r:id="rId19"/>
-    <p:sldId id="265" r:id="rId20"/>
-    <p:sldId id="269" r:id="rId21"/>
-    <p:sldId id="293" r:id="rId22"/>
-    <p:sldId id="288" r:id="rId23"/>
-    <p:sldId id="267" r:id="rId24"/>
-    <p:sldId id="266" r:id="rId25"/>
-    <p:sldId id="282" r:id="rId26"/>
+    <p:sldId id="260" r:id="rId7"/>
+    <p:sldId id="290" r:id="rId8"/>
+    <p:sldId id="291" r:id="rId9"/>
+    <p:sldId id="270" r:id="rId10"/>
+    <p:sldId id="271" r:id="rId11"/>
+    <p:sldId id="272" r:id="rId12"/>
+    <p:sldId id="287" r:id="rId13"/>
+    <p:sldId id="261" r:id="rId14"/>
+    <p:sldId id="285" r:id="rId15"/>
+    <p:sldId id="289" r:id="rId16"/>
+    <p:sldId id="264" r:id="rId17"/>
+    <p:sldId id="292" r:id="rId18"/>
+    <p:sldId id="265" r:id="rId19"/>
+    <p:sldId id="269" r:id="rId20"/>
+    <p:sldId id="293" r:id="rId21"/>
+    <p:sldId id="288" r:id="rId22"/>
+    <p:sldId id="267" r:id="rId23"/>
+    <p:sldId id="266" r:id="rId24"/>
+    <p:sldId id="282" r:id="rId25"/>
   </p:sldIdLst>
   <p:sldSz cx="9144000" cy="6858000" type="screen4x3"/>
   <p:notesSz cx="6858000" cy="9144000"/>
@@ -141,17 +140,16 @@
             <p14:sldId id="258"/>
             <p14:sldId id="268"/>
             <p14:sldId id="283"/>
-            <p14:sldId id="284"/>
             <p14:sldId id="260"/>
             <p14:sldId id="290"/>
             <p14:sldId id="291"/>
             <p14:sldId id="270"/>
+            <p14:sldId id="271"/>
+            <p14:sldId id="272"/>
+            <p14:sldId id="287"/>
             <p14:sldId id="261"/>
             <p14:sldId id="285"/>
             <p14:sldId id="289"/>
-            <p14:sldId id="271"/>
-            <p14:sldId id="272"/>
-            <p14:sldId id="287"/>
             <p14:sldId id="264"/>
             <p14:sldId id="292"/>
             <p14:sldId id="265"/>
@@ -14173,11 +14171,15 @@
           <a:p>
             <a:r>
               <a:rPr lang="en-US" altLang="zh-CN" dirty="0" smtClean="0"/>
-              <a:t>C++11</a:t>
+              <a:t>C++</a:t>
+            </a:r>
+            <a:r>
+              <a:rPr lang="en-US" altLang="zh-CN" dirty="0" smtClean="0"/>
+              <a:t>11</a:t>
             </a:r>
             <a:r>
               <a:rPr lang="zh-CN" altLang="en-US" dirty="0" smtClean="0"/>
-              <a:t>学习之路</a:t>
+              <a:t>新特性及应用介绍</a:t>
             </a:r>
             <a:r>
               <a:rPr lang="en-US" altLang="zh-CN" dirty="0" smtClean="0"/>
@@ -14304,705 +14306,6 @@
         </p:nvSpPr>
         <p:spPr/>
         <p:txBody>
-          <a:bodyPr>
-            <a:normAutofit/>
-          </a:bodyPr>
-          <a:lstStyle/>
-          <a:p>
-            <a:r>
-              <a:rPr lang="zh-CN" altLang="en-US" dirty="0" smtClean="0"/>
-              <a:t>左</a:t>
-            </a:r>
-            <a:r>
-              <a:rPr lang="en-US" altLang="zh-CN" dirty="0" smtClean="0"/>
-              <a:t>/</a:t>
-            </a:r>
-            <a:r>
-              <a:rPr lang="zh-CN" altLang="en-US" dirty="0" smtClean="0"/>
-              <a:t>右值、左</a:t>
-            </a:r>
-            <a:r>
-              <a:rPr lang="en-US" altLang="zh-CN" dirty="0" smtClean="0"/>
-              <a:t>/</a:t>
-            </a:r>
-            <a:r>
-              <a:rPr lang="zh-CN" altLang="en-US" dirty="0" smtClean="0"/>
-              <a:t>右值引用</a:t>
-            </a:r>
-            <a:endParaRPr lang="zh-CN" altLang="en-US" dirty="0"/>
-          </a:p>
-        </p:txBody>
-      </p:sp>
-      <p:sp>
-        <p:nvSpPr>
-          <p:cNvPr id="3" name="内容占位符 2"/>
-          <p:cNvSpPr>
-            <a:spLocks noGrp="1"/>
-          </p:cNvSpPr>
-          <p:nvPr>
-            <p:ph idx="1"/>
-          </p:nvPr>
-        </p:nvSpPr>
-        <p:spPr/>
-        <p:txBody>
-          <a:bodyPr/>
-          <a:lstStyle/>
-          <a:p>
-            <a:r>
-              <a:rPr lang="zh-CN" altLang="en-US" dirty="0" smtClean="0"/>
-              <a:t>左值：能取地址，有名字</a:t>
-            </a:r>
-            <a:endParaRPr lang="en-US" altLang="zh-CN" dirty="0" smtClean="0"/>
-          </a:p>
-          <a:p>
-            <a:r>
-              <a:rPr lang="zh-CN" altLang="en-US" dirty="0"/>
-              <a:t>右</a:t>
-            </a:r>
-            <a:r>
-              <a:rPr lang="zh-CN" altLang="en-US" dirty="0" smtClean="0"/>
-              <a:t>值：纯右值</a:t>
-            </a:r>
-            <a:r>
-              <a:rPr lang="en-US" altLang="zh-CN" dirty="0" smtClean="0"/>
-              <a:t>(</a:t>
-            </a:r>
-            <a:r>
-              <a:rPr lang="en-US" altLang="zh-CN" dirty="0" err="1" smtClean="0"/>
-              <a:t>prvalue</a:t>
-            </a:r>
-            <a:r>
-              <a:rPr lang="en-US" altLang="zh-CN" dirty="0" smtClean="0"/>
-              <a:t>)</a:t>
-            </a:r>
-            <a:r>
-              <a:rPr lang="zh-CN" altLang="en-US" dirty="0" smtClean="0"/>
-              <a:t>、将亡值</a:t>
-            </a:r>
-            <a:r>
-              <a:rPr lang="en-US" altLang="zh-CN" dirty="0" smtClean="0"/>
-              <a:t>(</a:t>
-            </a:r>
-            <a:r>
-              <a:rPr lang="en-US" altLang="zh-CN" dirty="0" err="1" smtClean="0"/>
-              <a:t>xvalue</a:t>
-            </a:r>
-            <a:r>
-              <a:rPr lang="en-US" altLang="zh-CN" dirty="0" smtClean="0"/>
-              <a:t>)</a:t>
-            </a:r>
-          </a:p>
-          <a:p>
-            <a:r>
-              <a:rPr lang="zh-CN" altLang="en-US" dirty="0" smtClean="0"/>
-              <a:t>左值引用：</a:t>
-            </a:r>
-            <a:r>
-              <a:rPr lang="en-US" altLang="zh-CN" dirty="0" smtClean="0"/>
-              <a:t>T&amp;</a:t>
-            </a:r>
-          </a:p>
-          <a:p>
-            <a:r>
-              <a:rPr lang="zh-CN" altLang="en-US" dirty="0"/>
-              <a:t>右</a:t>
-            </a:r>
-            <a:r>
-              <a:rPr lang="zh-CN" altLang="en-US" dirty="0" smtClean="0"/>
-              <a:t>值引用：</a:t>
-            </a:r>
-            <a:r>
-              <a:rPr lang="en-US" altLang="zh-CN" dirty="0" smtClean="0"/>
-              <a:t>T&amp;&amp;</a:t>
-            </a:r>
-            <a:endParaRPr lang="en-US" altLang="zh-CN" dirty="0"/>
-          </a:p>
-          <a:p>
-            <a:r>
-              <a:rPr lang="zh-CN" altLang="en-US" dirty="0" smtClean="0"/>
-              <a:t>左值常量引用：</a:t>
-            </a:r>
-            <a:r>
-              <a:rPr lang="en-US" altLang="zh-CN" dirty="0" err="1" smtClean="0"/>
-              <a:t>const</a:t>
-            </a:r>
-            <a:r>
-              <a:rPr lang="en-US" altLang="zh-CN" dirty="0" smtClean="0"/>
-              <a:t> T&amp;</a:t>
-            </a:r>
-          </a:p>
-          <a:p>
-            <a:r>
-              <a:rPr lang="zh-CN" altLang="en-US" dirty="0"/>
-              <a:t>右</a:t>
-            </a:r>
-            <a:r>
-              <a:rPr lang="zh-CN" altLang="en-US" dirty="0" smtClean="0"/>
-              <a:t>值常量引用：？？</a:t>
-            </a:r>
-            <a:endParaRPr lang="en-US" altLang="zh-CN" dirty="0" smtClean="0"/>
-          </a:p>
-          <a:p>
-            <a:endParaRPr lang="zh-CN" altLang="en-US" dirty="0"/>
-          </a:p>
-        </p:txBody>
-      </p:sp>
-    </p:spTree>
-  </p:cSld>
-  <p:clrMapOvr>
-    <a:masterClrMapping/>
-  </p:clrMapOvr>
-  <p:timing>
-    <p:tnLst>
-      <p:par>
-        <p:cTn id="1" dur="indefinite" restart="never" nodeType="tmRoot"/>
-      </p:par>
-    </p:tnLst>
-  </p:timing>
-</p:sld>
-</file>
-
-<file path=ppt/slides/slide11.xml><?xml version="1.0" encoding="utf-8"?>
-<p:sld xmlns:a="http://schemas.openxmlformats.org/drawingml/2006/main" xmlns:r="http://schemas.openxmlformats.org/officeDocument/2006/relationships" xmlns:p="http://schemas.openxmlformats.org/presentationml/2006/main">
-  <p:cSld>
-    <p:spTree>
-      <p:nvGrpSpPr>
-        <p:cNvPr id="1" name=""/>
-        <p:cNvGrpSpPr/>
-        <p:nvPr/>
-      </p:nvGrpSpPr>
-      <p:grpSpPr>
-        <a:xfrm>
-          <a:off x="0" y="0"/>
-          <a:ext cx="0" cy="0"/>
-          <a:chOff x="0" y="0"/>
-          <a:chExt cx="0" cy="0"/>
-        </a:xfrm>
-      </p:grpSpPr>
-      <p:sp>
-        <p:nvSpPr>
-          <p:cNvPr id="2" name="标题 1"/>
-          <p:cNvSpPr>
-            <a:spLocks noGrp="1"/>
-          </p:cNvSpPr>
-          <p:nvPr>
-            <p:ph type="title"/>
-          </p:nvPr>
-        </p:nvSpPr>
-        <p:spPr/>
-        <p:txBody>
-          <a:bodyPr/>
-          <a:lstStyle/>
-          <a:p>
-            <a:r>
-              <a:rPr lang="en-US" altLang="zh-CN" dirty="0" smtClean="0"/>
-              <a:t>std::move</a:t>
-            </a:r>
-            <a:endParaRPr lang="zh-CN" altLang="en-US" dirty="0"/>
-          </a:p>
-        </p:txBody>
-      </p:sp>
-      <p:sp>
-        <p:nvSpPr>
-          <p:cNvPr id="3" name="内容占位符 2"/>
-          <p:cNvSpPr>
-            <a:spLocks noGrp="1"/>
-          </p:cNvSpPr>
-          <p:nvPr>
-            <p:ph idx="1"/>
-          </p:nvPr>
-        </p:nvSpPr>
-        <p:spPr/>
-        <p:txBody>
-          <a:bodyPr/>
-          <a:lstStyle/>
-          <a:p>
-            <a:r>
-              <a:rPr lang="en-US" altLang="zh-CN" dirty="0" smtClean="0"/>
-              <a:t>template &lt;class T&gt;</a:t>
-            </a:r>
-          </a:p>
-          <a:p>
-            <a:r>
-              <a:rPr lang="en-US" altLang="zh-CN" dirty="0" smtClean="0"/>
-              <a:t>void swap(T&amp; a, T&amp; b)</a:t>
-            </a:r>
-          </a:p>
-          <a:p>
-            <a:r>
-              <a:rPr lang="en-US" altLang="zh-CN" dirty="0" smtClean="0"/>
-              <a:t>{</a:t>
-            </a:r>
-          </a:p>
-          <a:p>
-            <a:pPr marL="685800" lvl="2" indent="0">
-              <a:buNone/>
-            </a:pPr>
-            <a:r>
-              <a:rPr lang="en-US" altLang="zh-CN" dirty="0" smtClean="0"/>
-              <a:t>T </a:t>
-            </a:r>
-            <a:r>
-              <a:rPr lang="en-US" altLang="zh-CN" dirty="0" err="1" smtClean="0"/>
-              <a:t>tmp</a:t>
-            </a:r>
-            <a:r>
-              <a:rPr lang="en-US" altLang="zh-CN" dirty="0" smtClean="0"/>
-              <a:t>(</a:t>
-            </a:r>
-            <a:r>
-              <a:rPr lang="en-US" altLang="zh-CN" dirty="0" err="1" smtClean="0"/>
-              <a:t>std</a:t>
-            </a:r>
-            <a:r>
-              <a:rPr lang="en-US" altLang="zh-CN" dirty="0" smtClean="0"/>
-              <a:t>::move(a));</a:t>
-            </a:r>
-          </a:p>
-          <a:p>
-            <a:pPr marL="685800" lvl="2" indent="0">
-              <a:buNone/>
-            </a:pPr>
-            <a:r>
-              <a:rPr lang="en-US" altLang="zh-CN" dirty="0" smtClean="0"/>
-              <a:t>a = </a:t>
-            </a:r>
-            <a:r>
-              <a:rPr lang="en-US" altLang="zh-CN" dirty="0" err="1" smtClean="0"/>
-              <a:t>std</a:t>
-            </a:r>
-            <a:r>
-              <a:rPr lang="en-US" altLang="zh-CN" dirty="0" smtClean="0"/>
-              <a:t>::move(b);</a:t>
-            </a:r>
-          </a:p>
-          <a:p>
-            <a:pPr marL="685800" lvl="2" indent="0">
-              <a:buNone/>
-            </a:pPr>
-            <a:r>
-              <a:rPr lang="en-US" altLang="zh-CN" dirty="0" smtClean="0"/>
-              <a:t>b= </a:t>
-            </a:r>
-            <a:r>
-              <a:rPr lang="en-US" altLang="zh-CN" dirty="0" err="1" smtClean="0"/>
-              <a:t>std</a:t>
-            </a:r>
-            <a:r>
-              <a:rPr lang="en-US" altLang="zh-CN" dirty="0" smtClean="0"/>
-              <a:t>::move(</a:t>
-            </a:r>
-            <a:r>
-              <a:rPr lang="en-US" altLang="zh-CN" dirty="0" err="1" smtClean="0"/>
-              <a:t>tmp</a:t>
-            </a:r>
-            <a:r>
-              <a:rPr lang="en-US" altLang="zh-CN" dirty="0" smtClean="0"/>
-              <a:t>);</a:t>
-            </a:r>
-          </a:p>
-          <a:p>
-            <a:r>
-              <a:rPr lang="en-US" altLang="zh-CN" dirty="0" smtClean="0"/>
-              <a:t>}</a:t>
-            </a:r>
-            <a:endParaRPr lang="zh-CN" altLang="en-US" dirty="0"/>
-          </a:p>
-        </p:txBody>
-      </p:sp>
-    </p:spTree>
-  </p:cSld>
-  <p:clrMapOvr>
-    <a:masterClrMapping/>
-  </p:clrMapOvr>
-  <p:timing>
-    <p:tnLst>
-      <p:par>
-        <p:cTn id="1" dur="indefinite" restart="never" nodeType="tmRoot"/>
-      </p:par>
-    </p:tnLst>
-  </p:timing>
-</p:sld>
-</file>
-
-<file path=ppt/slides/slide12.xml><?xml version="1.0" encoding="utf-8"?>
-<p:sld xmlns:a="http://schemas.openxmlformats.org/drawingml/2006/main" xmlns:r="http://schemas.openxmlformats.org/officeDocument/2006/relationships" xmlns:p="http://schemas.openxmlformats.org/presentationml/2006/main">
-  <p:cSld>
-    <p:spTree>
-      <p:nvGrpSpPr>
-        <p:cNvPr id="1" name=""/>
-        <p:cNvGrpSpPr/>
-        <p:nvPr/>
-      </p:nvGrpSpPr>
-      <p:grpSpPr>
-        <a:xfrm>
-          <a:off x="0" y="0"/>
-          <a:ext cx="0" cy="0"/>
-          <a:chOff x="0" y="0"/>
-          <a:chExt cx="0" cy="0"/>
-        </a:xfrm>
-      </p:grpSpPr>
-      <p:sp>
-        <p:nvSpPr>
-          <p:cNvPr id="2" name="标题 1"/>
-          <p:cNvSpPr>
-            <a:spLocks noGrp="1"/>
-          </p:cNvSpPr>
-          <p:nvPr>
-            <p:ph type="title"/>
-          </p:nvPr>
-        </p:nvSpPr>
-        <p:spPr/>
-        <p:txBody>
-          <a:bodyPr/>
-          <a:lstStyle/>
-          <a:p>
-            <a:endParaRPr lang="zh-CN" altLang="en-US"/>
-          </a:p>
-        </p:txBody>
-      </p:sp>
-      <p:sp>
-        <p:nvSpPr>
-          <p:cNvPr id="3" name="内容占位符 2"/>
-          <p:cNvSpPr>
-            <a:spLocks noGrp="1"/>
-          </p:cNvSpPr>
-          <p:nvPr>
-            <p:ph idx="1"/>
-          </p:nvPr>
-        </p:nvSpPr>
-        <p:spPr/>
-        <p:txBody>
-          <a:bodyPr/>
-          <a:lstStyle/>
-          <a:p>
-            <a:endParaRPr lang="zh-CN" altLang="en-US"/>
-          </a:p>
-        </p:txBody>
-      </p:sp>
-      <p:pic>
-        <p:nvPicPr>
-          <p:cNvPr id="4098" name="Picture 2"/>
-          <p:cNvPicPr>
-            <a:picLocks noChangeAspect="1" noChangeArrowheads="1"/>
-          </p:cNvPicPr>
-          <p:nvPr/>
-        </p:nvPicPr>
-        <p:blipFill>
-          <a:blip r:embed="rId2">
-            <a:extLst>
-              <a:ext uri="{28A0092B-C50C-407E-A947-70E740481C1C}">
-                <a14:useLocalDpi xmlns:a14="http://schemas.microsoft.com/office/drawing/2010/main" val="0"/>
-              </a:ext>
-            </a:extLst>
-          </a:blip>
-          <a:srcRect/>
-          <a:stretch>
-            <a:fillRect/>
-          </a:stretch>
-        </p:blipFill>
-        <p:spPr bwMode="auto">
-          <a:xfrm>
-            <a:off x="-108520" y="0"/>
-            <a:ext cx="9582665" cy="6858000"/>
-          </a:xfrm>
-          <a:prstGeom prst="rect">
-            <a:avLst/>
-          </a:prstGeom>
-          <a:noFill/>
-          <a:ln>
-            <a:noFill/>
-          </a:ln>
-          <a:extLst>
-            <a:ext uri="{909E8E84-426E-40DD-AFC4-6F175D3DCCD1}">
-              <a14:hiddenFill xmlns:a14="http://schemas.microsoft.com/office/drawing/2010/main">
-                <a:solidFill>
-                  <a:schemeClr val="accent1"/>
-                </a:solidFill>
-              </a14:hiddenFill>
-            </a:ext>
-            <a:ext uri="{91240B29-F687-4F45-9708-019B960494DF}">
-              <a14:hiddenLine xmlns:a14="http://schemas.microsoft.com/office/drawing/2010/main" w="9525">
-                <a:solidFill>
-                  <a:schemeClr val="tx1"/>
-                </a:solidFill>
-                <a:miter lim="800000"/>
-                <a:headEnd/>
-                <a:tailEnd/>
-              </a14:hiddenLine>
-            </a:ext>
-          </a:extLst>
-        </p:spPr>
-      </p:pic>
-    </p:spTree>
-    <p:extLst>
-      <p:ext uri="{BB962C8B-B14F-4D97-AF65-F5344CB8AC3E}">
-        <p14:creationId xmlns:p14="http://schemas.microsoft.com/office/powerpoint/2010/main" val="3273304413"/>
-      </p:ext>
-    </p:extLst>
-  </p:cSld>
-  <p:clrMapOvr>
-    <a:masterClrMapping/>
-  </p:clrMapOvr>
-  <p:timing>
-    <p:tnLst>
-      <p:par>
-        <p:cTn id="1" dur="indefinite" restart="never" nodeType="tmRoot"/>
-      </p:par>
-    </p:tnLst>
-  </p:timing>
-</p:sld>
-</file>
-
-<file path=ppt/slides/slide13.xml><?xml version="1.0" encoding="utf-8"?>
-<p:sld xmlns:a="http://schemas.openxmlformats.org/drawingml/2006/main" xmlns:r="http://schemas.openxmlformats.org/officeDocument/2006/relationships" xmlns:p="http://schemas.openxmlformats.org/presentationml/2006/main">
-  <p:cSld>
-    <p:spTree>
-      <p:nvGrpSpPr>
-        <p:cNvPr id="1" name=""/>
-        <p:cNvGrpSpPr/>
-        <p:nvPr/>
-      </p:nvGrpSpPr>
-      <p:grpSpPr>
-        <a:xfrm>
-          <a:off x="0" y="0"/>
-          <a:ext cx="0" cy="0"/>
-          <a:chOff x="0" y="0"/>
-          <a:chExt cx="0" cy="0"/>
-        </a:xfrm>
-      </p:grpSpPr>
-      <p:sp>
-        <p:nvSpPr>
-          <p:cNvPr id="2" name="标题 1"/>
-          <p:cNvSpPr>
-            <a:spLocks noGrp="1"/>
-          </p:cNvSpPr>
-          <p:nvPr>
-            <p:ph type="title"/>
-          </p:nvPr>
-        </p:nvSpPr>
-        <p:spPr/>
-        <p:txBody>
-          <a:bodyPr/>
-          <a:lstStyle/>
-          <a:p>
-            <a:endParaRPr lang="zh-CN" altLang="en-US" dirty="0"/>
-          </a:p>
-        </p:txBody>
-      </p:sp>
-      <p:pic>
-        <p:nvPicPr>
-          <p:cNvPr id="1026" name="Picture 2"/>
-          <p:cNvPicPr>
-            <a:picLocks noChangeAspect="1" noChangeArrowheads="1"/>
-          </p:cNvPicPr>
-          <p:nvPr/>
-        </p:nvPicPr>
-        <p:blipFill>
-          <a:blip r:embed="rId2">
-            <a:extLst>
-              <a:ext uri="{28A0092B-C50C-407E-A947-70E740481C1C}">
-                <a14:useLocalDpi xmlns:a14="http://schemas.microsoft.com/office/drawing/2010/main" val="0"/>
-              </a:ext>
-            </a:extLst>
-          </a:blip>
-          <a:srcRect/>
-          <a:stretch>
-            <a:fillRect/>
-          </a:stretch>
-        </p:blipFill>
-        <p:spPr bwMode="auto">
-          <a:xfrm>
-            <a:off x="1550715" y="730771"/>
-            <a:ext cx="5248275" cy="1762125"/>
-          </a:xfrm>
-          <a:prstGeom prst="rect">
-            <a:avLst/>
-          </a:prstGeom>
-          <a:noFill/>
-          <a:ln>
-            <a:noFill/>
-          </a:ln>
-          <a:extLst>
-            <a:ext uri="{909E8E84-426E-40DD-AFC4-6F175D3DCCD1}">
-              <a14:hiddenFill xmlns:a14="http://schemas.microsoft.com/office/drawing/2010/main">
-                <a:solidFill>
-                  <a:schemeClr val="accent1"/>
-                </a:solidFill>
-              </a14:hiddenFill>
-            </a:ext>
-            <a:ext uri="{91240B29-F687-4F45-9708-019B960494DF}">
-              <a14:hiddenLine xmlns:a14="http://schemas.microsoft.com/office/drawing/2010/main" w="9525">
-                <a:solidFill>
-                  <a:schemeClr val="tx1"/>
-                </a:solidFill>
-                <a:miter lim="800000"/>
-                <a:headEnd/>
-                <a:tailEnd/>
-              </a14:hiddenLine>
-            </a:ext>
-          </a:extLst>
-        </p:spPr>
-      </p:pic>
-      <p:pic>
-        <p:nvPicPr>
-          <p:cNvPr id="1027" name="Picture 3"/>
-          <p:cNvPicPr>
-            <a:picLocks noGrp="1" noChangeAspect="1" noChangeArrowheads="1"/>
-          </p:cNvPicPr>
-          <p:nvPr>
-            <p:ph idx="1"/>
-          </p:nvPr>
-        </p:nvPicPr>
-        <p:blipFill>
-          <a:blip r:embed="rId3">
-            <a:extLst>
-              <a:ext uri="{28A0092B-C50C-407E-A947-70E740481C1C}">
-                <a14:useLocalDpi xmlns:a14="http://schemas.microsoft.com/office/drawing/2010/main" val="0"/>
-              </a:ext>
-            </a:extLst>
-          </a:blip>
-          <a:srcRect/>
-          <a:stretch>
-            <a:fillRect/>
-          </a:stretch>
-        </p:blipFill>
-        <p:spPr bwMode="auto">
-          <a:xfrm>
-            <a:off x="1550715" y="2996952"/>
-            <a:ext cx="5371429" cy="1685714"/>
-          </a:xfrm>
-          <a:prstGeom prst="rect">
-            <a:avLst/>
-          </a:prstGeom>
-          <a:noFill/>
-          <a:ln>
-            <a:noFill/>
-          </a:ln>
-          <a:extLst>
-            <a:ext uri="{909E8E84-426E-40DD-AFC4-6F175D3DCCD1}">
-              <a14:hiddenFill xmlns:a14="http://schemas.microsoft.com/office/drawing/2010/main">
-                <a:solidFill>
-                  <a:schemeClr val="accent1"/>
-                </a:solidFill>
-              </a14:hiddenFill>
-            </a:ext>
-            <a:ext uri="{91240B29-F687-4F45-9708-019B960494DF}">
-              <a14:hiddenLine xmlns:a14="http://schemas.microsoft.com/office/drawing/2010/main" w="9525">
-                <a:solidFill>
-                  <a:schemeClr val="tx1"/>
-                </a:solidFill>
-                <a:miter lim="800000"/>
-                <a:headEnd/>
-                <a:tailEnd/>
-              </a14:hiddenLine>
-            </a:ext>
-          </a:extLst>
-        </p:spPr>
-      </p:pic>
-      <p:pic>
-        <p:nvPicPr>
-          <p:cNvPr id="1028" name="Picture 4"/>
-          <p:cNvPicPr>
-            <a:picLocks noChangeAspect="1" noChangeArrowheads="1"/>
-          </p:cNvPicPr>
-          <p:nvPr/>
-        </p:nvPicPr>
-        <p:blipFill>
-          <a:blip r:embed="rId4">
-            <a:extLst>
-              <a:ext uri="{28A0092B-C50C-407E-A947-70E740481C1C}">
-                <a14:useLocalDpi xmlns:a14="http://schemas.microsoft.com/office/drawing/2010/main" val="0"/>
-              </a:ext>
-            </a:extLst>
-          </a:blip>
-          <a:srcRect/>
-          <a:stretch>
-            <a:fillRect/>
-          </a:stretch>
-        </p:blipFill>
-        <p:spPr bwMode="auto">
-          <a:xfrm>
-            <a:off x="1550715" y="5301208"/>
-            <a:ext cx="5372100" cy="561975"/>
-          </a:xfrm>
-          <a:prstGeom prst="rect">
-            <a:avLst/>
-          </a:prstGeom>
-          <a:noFill/>
-          <a:ln>
-            <a:noFill/>
-          </a:ln>
-          <a:extLst>
-            <a:ext uri="{909E8E84-426E-40DD-AFC4-6F175D3DCCD1}">
-              <a14:hiddenFill xmlns:a14="http://schemas.microsoft.com/office/drawing/2010/main">
-                <a:solidFill>
-                  <a:schemeClr val="accent1"/>
-                </a:solidFill>
-              </a14:hiddenFill>
-            </a:ext>
-            <a:ext uri="{91240B29-F687-4F45-9708-019B960494DF}">
-              <a14:hiddenLine xmlns:a14="http://schemas.microsoft.com/office/drawing/2010/main" w="9525">
-                <a:solidFill>
-                  <a:schemeClr val="tx1"/>
-                </a:solidFill>
-                <a:miter lim="800000"/>
-                <a:headEnd/>
-                <a:tailEnd/>
-              </a14:hiddenLine>
-            </a:ext>
-          </a:extLst>
-        </p:spPr>
-      </p:pic>
-    </p:spTree>
-    <p:extLst>
-      <p:ext uri="{BB962C8B-B14F-4D97-AF65-F5344CB8AC3E}">
-        <p14:creationId xmlns:p14="http://schemas.microsoft.com/office/powerpoint/2010/main" val="2009352651"/>
-      </p:ext>
-    </p:extLst>
-  </p:cSld>
-  <p:clrMapOvr>
-    <a:masterClrMapping/>
-  </p:clrMapOvr>
-  <p:timing>
-    <p:tnLst>
-      <p:par>
-        <p:cTn id="1" dur="indefinite" restart="never" nodeType="tmRoot"/>
-      </p:par>
-    </p:tnLst>
-  </p:timing>
-</p:sld>
-</file>
-
-<file path=ppt/slides/slide14.xml><?xml version="1.0" encoding="utf-8"?>
-<p:sld xmlns:a="http://schemas.openxmlformats.org/drawingml/2006/main" xmlns:r="http://schemas.openxmlformats.org/officeDocument/2006/relationships" xmlns:p="http://schemas.openxmlformats.org/presentationml/2006/main">
-  <p:cSld>
-    <p:spTree>
-      <p:nvGrpSpPr>
-        <p:cNvPr id="1" name=""/>
-        <p:cNvGrpSpPr/>
-        <p:nvPr/>
-      </p:nvGrpSpPr>
-      <p:grpSpPr>
-        <a:xfrm>
-          <a:off x="0" y="0"/>
-          <a:ext cx="0" cy="0"/>
-          <a:chOff x="0" y="0"/>
-          <a:chExt cx="0" cy="0"/>
-        </a:xfrm>
-      </p:grpSpPr>
-      <p:sp>
-        <p:nvSpPr>
-          <p:cNvPr id="2" name="标题 1"/>
-          <p:cNvSpPr>
-            <a:spLocks noGrp="1"/>
-          </p:cNvSpPr>
-          <p:nvPr>
-            <p:ph type="title"/>
-          </p:nvPr>
-        </p:nvSpPr>
-        <p:spPr/>
-        <p:txBody>
           <a:bodyPr/>
           <a:lstStyle/>
           <a:p>
@@ -15181,14 +14484,225 @@
   <p:timing>
     <p:tnLst>
       <p:par>
-        <p:cTn id="1" dur="indefinite" restart="never" nodeType="tmRoot"/>
+        <p:cTn id="1" dur="indefinite" restart="never" nodeType="tmRoot">
+          <p:childTnLst>
+            <p:seq concurrent="1" nextAc="seek">
+              <p:cTn id="2" dur="indefinite" nodeType="mainSeq">
+                <p:childTnLst>
+                  <p:par>
+                    <p:cTn id="3" fill="hold">
+                      <p:stCondLst>
+                        <p:cond delay="indefinite"/>
+                      </p:stCondLst>
+                      <p:childTnLst>
+                        <p:par>
+                          <p:cTn id="4" fill="hold">
+                            <p:stCondLst>
+                              <p:cond delay="0"/>
+                            </p:stCondLst>
+                            <p:childTnLst>
+                              <p:par>
+                                <p:cTn id="5" presetID="2" presetClass="entr" presetSubtype="4" fill="hold" nodeType="clickEffect">
+                                  <p:stCondLst>
+                                    <p:cond delay="0"/>
+                                  </p:stCondLst>
+                                  <p:childTnLst>
+                                    <p:set>
+                                      <p:cBhvr>
+                                        <p:cTn id="6" dur="1" fill="hold">
+                                          <p:stCondLst>
+                                            <p:cond delay="0"/>
+                                          </p:stCondLst>
+                                        </p:cTn>
+                                        <p:tgtEl>
+                                          <p:spTgt spid="3">
+                                            <p:txEl>
+                                              <p:pRg st="6" end="6"/>
+                                            </p:txEl>
+                                          </p:spTgt>
+                                        </p:tgtEl>
+                                        <p:attrNameLst>
+                                          <p:attrName>style.visibility</p:attrName>
+                                        </p:attrNameLst>
+                                      </p:cBhvr>
+                                      <p:to>
+                                        <p:strVal val="visible"/>
+                                      </p:to>
+                                    </p:set>
+                                    <p:anim calcmode="lin" valueType="num">
+                                      <p:cBhvr additive="base">
+                                        <p:cTn id="7" dur="500" fill="hold"/>
+                                        <p:tgtEl>
+                                          <p:spTgt spid="3">
+                                            <p:txEl>
+                                              <p:pRg st="6" end="6"/>
+                                            </p:txEl>
+                                          </p:spTgt>
+                                        </p:tgtEl>
+                                        <p:attrNameLst>
+                                          <p:attrName>ppt_x</p:attrName>
+                                        </p:attrNameLst>
+                                      </p:cBhvr>
+                                      <p:tavLst>
+                                        <p:tav tm="0">
+                                          <p:val>
+                                            <p:strVal val="#ppt_x"/>
+                                          </p:val>
+                                        </p:tav>
+                                        <p:tav tm="100000">
+                                          <p:val>
+                                            <p:strVal val="#ppt_x"/>
+                                          </p:val>
+                                        </p:tav>
+                                      </p:tavLst>
+                                    </p:anim>
+                                    <p:anim calcmode="lin" valueType="num">
+                                      <p:cBhvr additive="base">
+                                        <p:cTn id="8" dur="500" fill="hold"/>
+                                        <p:tgtEl>
+                                          <p:spTgt spid="3">
+                                            <p:txEl>
+                                              <p:pRg st="6" end="6"/>
+                                            </p:txEl>
+                                          </p:spTgt>
+                                        </p:tgtEl>
+                                        <p:attrNameLst>
+                                          <p:attrName>ppt_y</p:attrName>
+                                        </p:attrNameLst>
+                                      </p:cBhvr>
+                                      <p:tavLst>
+                                        <p:tav tm="0">
+                                          <p:val>
+                                            <p:strVal val="1+#ppt_h/2"/>
+                                          </p:val>
+                                        </p:tav>
+                                        <p:tav tm="100000">
+                                          <p:val>
+                                            <p:strVal val="#ppt_y"/>
+                                          </p:val>
+                                        </p:tav>
+                                      </p:tavLst>
+                                    </p:anim>
+                                  </p:childTnLst>
+                                </p:cTn>
+                              </p:par>
+                              <p:par>
+                                <p:cTn id="9" presetID="2" presetClass="entr" presetSubtype="4" fill="hold" nodeType="withEffect">
+                                  <p:stCondLst>
+                                    <p:cond delay="0"/>
+                                  </p:stCondLst>
+                                  <p:childTnLst>
+                                    <p:set>
+                                      <p:cBhvr>
+                                        <p:cTn id="10" dur="1" fill="hold">
+                                          <p:stCondLst>
+                                            <p:cond delay="0"/>
+                                          </p:stCondLst>
+                                        </p:cTn>
+                                        <p:tgtEl>
+                                          <p:spTgt spid="3">
+                                            <p:txEl>
+                                              <p:pRg st="7" end="7"/>
+                                            </p:txEl>
+                                          </p:spTgt>
+                                        </p:tgtEl>
+                                        <p:attrNameLst>
+                                          <p:attrName>style.visibility</p:attrName>
+                                        </p:attrNameLst>
+                                      </p:cBhvr>
+                                      <p:to>
+                                        <p:strVal val="visible"/>
+                                      </p:to>
+                                    </p:set>
+                                    <p:anim calcmode="lin" valueType="num">
+                                      <p:cBhvr additive="base">
+                                        <p:cTn id="11" dur="500" fill="hold"/>
+                                        <p:tgtEl>
+                                          <p:spTgt spid="3">
+                                            <p:txEl>
+                                              <p:pRg st="7" end="7"/>
+                                            </p:txEl>
+                                          </p:spTgt>
+                                        </p:tgtEl>
+                                        <p:attrNameLst>
+                                          <p:attrName>ppt_x</p:attrName>
+                                        </p:attrNameLst>
+                                      </p:cBhvr>
+                                      <p:tavLst>
+                                        <p:tav tm="0">
+                                          <p:val>
+                                            <p:strVal val="#ppt_x"/>
+                                          </p:val>
+                                        </p:tav>
+                                        <p:tav tm="100000">
+                                          <p:val>
+                                            <p:strVal val="#ppt_x"/>
+                                          </p:val>
+                                        </p:tav>
+                                      </p:tavLst>
+                                    </p:anim>
+                                    <p:anim calcmode="lin" valueType="num">
+                                      <p:cBhvr additive="base">
+                                        <p:cTn id="12" dur="500" fill="hold"/>
+                                        <p:tgtEl>
+                                          <p:spTgt spid="3">
+                                            <p:txEl>
+                                              <p:pRg st="7" end="7"/>
+                                            </p:txEl>
+                                          </p:spTgt>
+                                        </p:tgtEl>
+                                        <p:attrNameLst>
+                                          <p:attrName>ppt_y</p:attrName>
+                                        </p:attrNameLst>
+                                      </p:cBhvr>
+                                      <p:tavLst>
+                                        <p:tav tm="0">
+                                          <p:val>
+                                            <p:strVal val="1+#ppt_h/2"/>
+                                          </p:val>
+                                        </p:tav>
+                                        <p:tav tm="100000">
+                                          <p:val>
+                                            <p:strVal val="#ppt_y"/>
+                                          </p:val>
+                                        </p:tav>
+                                      </p:tavLst>
+                                    </p:anim>
+                                  </p:childTnLst>
+                                </p:cTn>
+                              </p:par>
+                            </p:childTnLst>
+                          </p:cTn>
+                        </p:par>
+                      </p:childTnLst>
+                    </p:cTn>
+                  </p:par>
+                </p:childTnLst>
+              </p:cTn>
+              <p:prevCondLst>
+                <p:cond evt="onPrev" delay="0">
+                  <p:tgtEl>
+                    <p:sldTgt/>
+                  </p:tgtEl>
+                </p:cond>
+              </p:prevCondLst>
+              <p:nextCondLst>
+                <p:cond evt="onNext" delay="0">
+                  <p:tgtEl>
+                    <p:sldTgt/>
+                  </p:tgtEl>
+                </p:cond>
+              </p:nextCondLst>
+            </p:seq>
+          </p:childTnLst>
+        </p:cTn>
       </p:par>
     </p:tnLst>
   </p:timing>
 </p:sld>
 </file>
 
-<file path=ppt/slides/slide15.xml><?xml version="1.0" encoding="utf-8"?>
+<file path=ppt/slides/slide11.xml><?xml version="1.0" encoding="utf-8"?>
 <p:sld xmlns:a="http://schemas.openxmlformats.org/drawingml/2006/main" xmlns:r="http://schemas.openxmlformats.org/officeDocument/2006/relationships" xmlns:p="http://schemas.openxmlformats.org/presentationml/2006/main">
   <p:cSld>
     <p:spTree>
@@ -15299,7 +14813,7 @@
 </p:sld>
 </file>
 
-<file path=ppt/slides/slide16.xml><?xml version="1.0" encoding="utf-8"?>
+<file path=ppt/slides/slide12.xml><?xml version="1.0" encoding="utf-8"?>
 <p:sld xmlns:a="http://schemas.openxmlformats.org/drawingml/2006/main" xmlns:r="http://schemas.openxmlformats.org/officeDocument/2006/relationships" xmlns:p="http://schemas.openxmlformats.org/presentationml/2006/main">
   <p:cSld>
     <p:spTree>
@@ -15472,10 +14986,17 @@
   <p:clrMapOvr>
     <a:masterClrMapping/>
   </p:clrMapOvr>
+  <p:timing>
+    <p:tnLst>
+      <p:par>
+        <p:cTn id="1" dur="indefinite" restart="never" nodeType="tmRoot"/>
+      </p:par>
+    </p:tnLst>
+  </p:timing>
 </p:sld>
 </file>
 
-<file path=ppt/slides/slide17.xml><?xml version="1.0" encoding="utf-8"?>
+<file path=ppt/slides/slide13.xml><?xml version="1.0" encoding="utf-8"?>
 <p:sld xmlns:a="http://schemas.openxmlformats.org/drawingml/2006/main" xmlns:r="http://schemas.openxmlformats.org/officeDocument/2006/relationships" xmlns:p="http://schemas.openxmlformats.org/presentationml/2006/main">
   <p:cSld>
     <p:spTree>
@@ -15508,8 +15029,8 @@
           <a:lstStyle/>
           <a:p>
             <a:r>
-              <a:rPr lang="zh-CN" altLang="en-US" dirty="0" smtClean="0"/>
-              <a:t>智能指针</a:t>
+              <a:rPr lang="en-US" altLang="zh-CN" dirty="0" smtClean="0"/>
+              <a:t>std::move</a:t>
             </a:r>
             <a:endParaRPr lang="zh-CN" altLang="en-US" dirty="0"/>
           </a:p>
@@ -15531,35 +15052,675 @@
           <a:lstStyle/>
           <a:p>
             <a:r>
+              <a:rPr lang="en-US" altLang="zh-CN" dirty="0" smtClean="0"/>
+              <a:t>template &lt;class T&gt;</a:t>
+            </a:r>
+          </a:p>
+          <a:p>
+            <a:r>
+              <a:rPr lang="en-US" altLang="zh-CN" dirty="0" smtClean="0"/>
+              <a:t>void swap(T&amp; a, T&amp; b)</a:t>
+            </a:r>
+          </a:p>
+          <a:p>
+            <a:r>
+              <a:rPr lang="en-US" altLang="zh-CN" dirty="0" smtClean="0"/>
+              <a:t>{</a:t>
+            </a:r>
+          </a:p>
+          <a:p>
+            <a:pPr marL="685800" lvl="2" indent="0">
+              <a:buNone/>
+            </a:pPr>
+            <a:r>
+              <a:rPr lang="en-US" altLang="zh-CN" dirty="0" smtClean="0"/>
+              <a:t>T </a:t>
+            </a:r>
+            <a:r>
               <a:rPr lang="en-US" altLang="zh-CN" dirty="0" err="1" smtClean="0"/>
-              <a:t>auto_ptr</a:t>
-            </a:r>
-            <a:endParaRPr lang="en-US" altLang="zh-CN" dirty="0" smtClean="0"/>
-          </a:p>
-          <a:p>
-            <a:r>
-              <a:rPr lang="en-US" altLang="zh-CN" b="1" dirty="0" err="1" smtClean="0"/>
-              <a:t>shared_ptr</a:t>
-            </a:r>
-            <a:endParaRPr lang="en-US" altLang="zh-CN" b="1" dirty="0" smtClean="0"/>
-          </a:p>
-          <a:p>
-            <a:r>
-              <a:rPr lang="en-US" altLang="zh-CN" b="1" dirty="0" err="1" smtClean="0"/>
-              <a:t>unique_ptr</a:t>
-            </a:r>
-            <a:endParaRPr lang="en-US" altLang="zh-CN" b="1" dirty="0" smtClean="0"/>
-          </a:p>
-          <a:p>
+              <a:t>tmp</a:t>
+            </a:r>
+            <a:r>
+              <a:rPr lang="en-US" altLang="zh-CN" dirty="0" smtClean="0"/>
+              <a:t>(</a:t>
+            </a:r>
             <a:r>
               <a:rPr lang="en-US" altLang="zh-CN" dirty="0" err="1" smtClean="0"/>
-              <a:t>weak_ptr</a:t>
-            </a:r>
-            <a:endParaRPr lang="en-US" altLang="zh-CN" dirty="0" smtClean="0"/>
+              <a:t>std</a:t>
+            </a:r>
+            <a:r>
+              <a:rPr lang="en-US" altLang="zh-CN" dirty="0" smtClean="0"/>
+              <a:t>::move(a));</a:t>
+            </a:r>
+          </a:p>
+          <a:p>
+            <a:pPr marL="685800" lvl="2" indent="0">
+              <a:buNone/>
+            </a:pPr>
+            <a:r>
+              <a:rPr lang="en-US" altLang="zh-CN" dirty="0" smtClean="0"/>
+              <a:t>a = </a:t>
+            </a:r>
+            <a:r>
+              <a:rPr lang="en-US" altLang="zh-CN" dirty="0" err="1" smtClean="0"/>
+              <a:t>std</a:t>
+            </a:r>
+            <a:r>
+              <a:rPr lang="en-US" altLang="zh-CN" dirty="0" smtClean="0"/>
+              <a:t>::move(b);</a:t>
+            </a:r>
+          </a:p>
+          <a:p>
+            <a:pPr marL="685800" lvl="2" indent="0">
+              <a:buNone/>
+            </a:pPr>
+            <a:r>
+              <a:rPr lang="en-US" altLang="zh-CN" dirty="0" smtClean="0"/>
+              <a:t>b= </a:t>
+            </a:r>
+            <a:r>
+              <a:rPr lang="en-US" altLang="zh-CN" dirty="0" err="1" smtClean="0"/>
+              <a:t>std</a:t>
+            </a:r>
+            <a:r>
+              <a:rPr lang="en-US" altLang="zh-CN" dirty="0" smtClean="0"/>
+              <a:t>::move(</a:t>
+            </a:r>
+            <a:r>
+              <a:rPr lang="en-US" altLang="zh-CN" dirty="0" err="1" smtClean="0"/>
+              <a:t>tmp</a:t>
+            </a:r>
+            <a:r>
+              <a:rPr lang="en-US" altLang="zh-CN" dirty="0" smtClean="0"/>
+              <a:t>);</a:t>
+            </a:r>
+          </a:p>
+          <a:p>
+            <a:r>
+              <a:rPr lang="en-US" altLang="zh-CN" dirty="0" smtClean="0"/>
+              <a:t>}</a:t>
+            </a:r>
+            <a:endParaRPr lang="zh-CN" altLang="en-US" dirty="0"/>
           </a:p>
         </p:txBody>
       </p:sp>
     </p:spTree>
+  </p:cSld>
+  <p:clrMapOvr>
+    <a:masterClrMapping/>
+  </p:clrMapOvr>
+  <p:timing>
+    <p:tnLst>
+      <p:par>
+        <p:cTn id="1" dur="indefinite" restart="never" nodeType="tmRoot"/>
+      </p:par>
+    </p:tnLst>
+  </p:timing>
+</p:sld>
+</file>
+
+<file path=ppt/slides/slide14.xml><?xml version="1.0" encoding="utf-8"?>
+<p:sld xmlns:a="http://schemas.openxmlformats.org/drawingml/2006/main" xmlns:r="http://schemas.openxmlformats.org/officeDocument/2006/relationships" xmlns:p="http://schemas.openxmlformats.org/presentationml/2006/main">
+  <p:cSld>
+    <p:spTree>
+      <p:nvGrpSpPr>
+        <p:cNvPr id="1" name=""/>
+        <p:cNvGrpSpPr/>
+        <p:nvPr/>
+      </p:nvGrpSpPr>
+      <p:grpSpPr>
+        <a:xfrm>
+          <a:off x="0" y="0"/>
+          <a:ext cx="0" cy="0"/>
+          <a:chOff x="0" y="0"/>
+          <a:chExt cx="0" cy="0"/>
+        </a:xfrm>
+      </p:grpSpPr>
+      <p:sp>
+        <p:nvSpPr>
+          <p:cNvPr id="2" name="标题 1"/>
+          <p:cNvSpPr>
+            <a:spLocks noGrp="1"/>
+          </p:cNvSpPr>
+          <p:nvPr>
+            <p:ph type="title"/>
+          </p:nvPr>
+        </p:nvSpPr>
+        <p:spPr/>
+        <p:txBody>
+          <a:bodyPr/>
+          <a:lstStyle/>
+          <a:p>
+            <a:endParaRPr lang="zh-CN" altLang="en-US"/>
+          </a:p>
+        </p:txBody>
+      </p:sp>
+      <p:sp>
+        <p:nvSpPr>
+          <p:cNvPr id="3" name="内容占位符 2"/>
+          <p:cNvSpPr>
+            <a:spLocks noGrp="1"/>
+          </p:cNvSpPr>
+          <p:nvPr>
+            <p:ph idx="1"/>
+          </p:nvPr>
+        </p:nvSpPr>
+        <p:spPr/>
+        <p:txBody>
+          <a:bodyPr/>
+          <a:lstStyle/>
+          <a:p>
+            <a:endParaRPr lang="zh-CN" altLang="en-US"/>
+          </a:p>
+        </p:txBody>
+      </p:sp>
+      <p:pic>
+        <p:nvPicPr>
+          <p:cNvPr id="4098" name="Picture 2"/>
+          <p:cNvPicPr>
+            <a:picLocks noChangeAspect="1" noChangeArrowheads="1"/>
+          </p:cNvPicPr>
+          <p:nvPr/>
+        </p:nvPicPr>
+        <p:blipFill>
+          <a:blip r:embed="rId2">
+            <a:extLst>
+              <a:ext uri="{28A0092B-C50C-407E-A947-70E740481C1C}">
+                <a14:useLocalDpi xmlns:a14="http://schemas.microsoft.com/office/drawing/2010/main" val="0"/>
+              </a:ext>
+            </a:extLst>
+          </a:blip>
+          <a:srcRect/>
+          <a:stretch>
+            <a:fillRect/>
+          </a:stretch>
+        </p:blipFill>
+        <p:spPr bwMode="auto">
+          <a:xfrm>
+            <a:off x="-108520" y="0"/>
+            <a:ext cx="9582665" cy="6858000"/>
+          </a:xfrm>
+          <a:prstGeom prst="rect">
+            <a:avLst/>
+          </a:prstGeom>
+          <a:noFill/>
+          <a:ln>
+            <a:noFill/>
+          </a:ln>
+          <a:extLst>
+            <a:ext uri="{909E8E84-426E-40DD-AFC4-6F175D3DCCD1}">
+              <a14:hiddenFill xmlns:a14="http://schemas.microsoft.com/office/drawing/2010/main">
+                <a:solidFill>
+                  <a:schemeClr val="accent1"/>
+                </a:solidFill>
+              </a14:hiddenFill>
+            </a:ext>
+            <a:ext uri="{91240B29-F687-4F45-9708-019B960494DF}">
+              <a14:hiddenLine xmlns:a14="http://schemas.microsoft.com/office/drawing/2010/main" w="9525">
+                <a:solidFill>
+                  <a:schemeClr val="tx1"/>
+                </a:solidFill>
+                <a:miter lim="800000"/>
+                <a:headEnd/>
+                <a:tailEnd/>
+              </a14:hiddenLine>
+            </a:ext>
+          </a:extLst>
+        </p:spPr>
+      </p:pic>
+    </p:spTree>
+    <p:extLst>
+      <p:ext uri="{BB962C8B-B14F-4D97-AF65-F5344CB8AC3E}">
+        <p14:creationId xmlns:p14="http://schemas.microsoft.com/office/powerpoint/2010/main" val="3273304413"/>
+      </p:ext>
+    </p:extLst>
+  </p:cSld>
+  <p:clrMapOvr>
+    <a:masterClrMapping/>
+  </p:clrMapOvr>
+  <p:timing>
+    <p:tnLst>
+      <p:par>
+        <p:cTn id="1" dur="indefinite" restart="never" nodeType="tmRoot"/>
+      </p:par>
+    </p:tnLst>
+  </p:timing>
+</p:sld>
+</file>
+
+<file path=ppt/slides/slide15.xml><?xml version="1.0" encoding="utf-8"?>
+<p:sld xmlns:a="http://schemas.openxmlformats.org/drawingml/2006/main" xmlns:r="http://schemas.openxmlformats.org/officeDocument/2006/relationships" xmlns:p="http://schemas.openxmlformats.org/presentationml/2006/main">
+  <p:cSld>
+    <p:spTree>
+      <p:nvGrpSpPr>
+        <p:cNvPr id="1" name=""/>
+        <p:cNvGrpSpPr/>
+        <p:nvPr/>
+      </p:nvGrpSpPr>
+      <p:grpSpPr>
+        <a:xfrm>
+          <a:off x="0" y="0"/>
+          <a:ext cx="0" cy="0"/>
+          <a:chOff x="0" y="0"/>
+          <a:chExt cx="0" cy="0"/>
+        </a:xfrm>
+      </p:grpSpPr>
+      <p:sp>
+        <p:nvSpPr>
+          <p:cNvPr id="2" name="标题 1"/>
+          <p:cNvSpPr>
+            <a:spLocks noGrp="1"/>
+          </p:cNvSpPr>
+          <p:nvPr>
+            <p:ph type="title"/>
+          </p:nvPr>
+        </p:nvSpPr>
+        <p:spPr>
+          <a:xfrm>
+            <a:off x="1043490" y="1027664"/>
+            <a:ext cx="6912886" cy="817160"/>
+          </a:xfrm>
+        </p:spPr>
+        <p:txBody>
+          <a:bodyPr/>
+          <a:lstStyle/>
+          <a:p>
+            <a:r>
+              <a:rPr lang="en-US" altLang="zh-CN" dirty="0" err="1" smtClean="0"/>
+              <a:t>c++</a:t>
+            </a:r>
+            <a:r>
+              <a:rPr lang="en-US" altLang="zh-CN" dirty="0" smtClean="0"/>
+              <a:t>11</a:t>
+            </a:r>
+            <a:r>
+              <a:rPr lang="zh-CN" altLang="en-US" dirty="0" smtClean="0"/>
+              <a:t>中的</a:t>
+            </a:r>
+            <a:r>
+              <a:rPr lang="en-US" altLang="zh-CN" dirty="0" err="1" smtClean="0"/>
+              <a:t>s</a:t>
+            </a:r>
+            <a:r>
+              <a:rPr lang="en-US" altLang="zh-CN" dirty="0" err="1" smtClean="0"/>
+              <a:t>td</a:t>
+            </a:r>
+            <a:r>
+              <a:rPr lang="en-US" altLang="zh-CN" dirty="0" smtClean="0"/>
+              <a:t>::swap</a:t>
+            </a:r>
+            <a:endParaRPr lang="zh-CN" altLang="en-US" dirty="0"/>
+          </a:p>
+        </p:txBody>
+      </p:sp>
+      <p:pic>
+        <p:nvPicPr>
+          <p:cNvPr id="1026" name="Picture 2"/>
+          <p:cNvPicPr>
+            <a:picLocks noChangeAspect="1" noChangeArrowheads="1"/>
+          </p:cNvPicPr>
+          <p:nvPr/>
+        </p:nvPicPr>
+        <p:blipFill>
+          <a:blip r:embed="rId2">
+            <a:extLst>
+              <a:ext uri="{28A0092B-C50C-407E-A947-70E740481C1C}">
+                <a14:useLocalDpi xmlns:a14="http://schemas.microsoft.com/office/drawing/2010/main" val="0"/>
+              </a:ext>
+            </a:extLst>
+          </a:blip>
+          <a:srcRect/>
+          <a:stretch>
+            <a:fillRect/>
+          </a:stretch>
+        </p:blipFill>
+        <p:spPr bwMode="auto">
+          <a:xfrm>
+            <a:off x="1258516" y="2185696"/>
+            <a:ext cx="5248275" cy="1762125"/>
+          </a:xfrm>
+          <a:prstGeom prst="rect">
+            <a:avLst/>
+          </a:prstGeom>
+          <a:noFill/>
+          <a:ln>
+            <a:noFill/>
+          </a:ln>
+          <a:extLst>
+            <a:ext uri="{909E8E84-426E-40DD-AFC4-6F175D3DCCD1}">
+              <a14:hiddenFill xmlns:a14="http://schemas.microsoft.com/office/drawing/2010/main">
+                <a:solidFill>
+                  <a:schemeClr val="accent1"/>
+                </a:solidFill>
+              </a14:hiddenFill>
+            </a:ext>
+            <a:ext uri="{91240B29-F687-4F45-9708-019B960494DF}">
+              <a14:hiddenLine xmlns:a14="http://schemas.microsoft.com/office/drawing/2010/main" w="9525">
+                <a:solidFill>
+                  <a:schemeClr val="tx1"/>
+                </a:solidFill>
+                <a:miter lim="800000"/>
+                <a:headEnd/>
+                <a:tailEnd/>
+              </a14:hiddenLine>
+            </a:ext>
+          </a:extLst>
+        </p:spPr>
+      </p:pic>
+      <p:pic>
+        <p:nvPicPr>
+          <p:cNvPr id="1027" name="Picture 3"/>
+          <p:cNvPicPr>
+            <a:picLocks noGrp="1" noChangeAspect="1" noChangeArrowheads="1"/>
+          </p:cNvPicPr>
+          <p:nvPr>
+            <p:ph idx="1"/>
+          </p:nvPr>
+        </p:nvPicPr>
+        <p:blipFill>
+          <a:blip r:embed="rId3">
+            <a:extLst>
+              <a:ext uri="{28A0092B-C50C-407E-A947-70E740481C1C}">
+                <a14:useLocalDpi xmlns:a14="http://schemas.microsoft.com/office/drawing/2010/main" val="0"/>
+              </a:ext>
+            </a:extLst>
+          </a:blip>
+          <a:srcRect/>
+          <a:stretch>
+            <a:fillRect/>
+          </a:stretch>
+        </p:blipFill>
+        <p:spPr bwMode="auto">
+          <a:xfrm>
+            <a:off x="1258516" y="4005064"/>
+            <a:ext cx="5371429" cy="1685714"/>
+          </a:xfrm>
+          <a:prstGeom prst="rect">
+            <a:avLst/>
+          </a:prstGeom>
+          <a:noFill/>
+          <a:ln>
+            <a:noFill/>
+          </a:ln>
+          <a:extLst>
+            <a:ext uri="{909E8E84-426E-40DD-AFC4-6F175D3DCCD1}">
+              <a14:hiddenFill xmlns:a14="http://schemas.microsoft.com/office/drawing/2010/main">
+                <a:solidFill>
+                  <a:schemeClr val="accent1"/>
+                </a:solidFill>
+              </a14:hiddenFill>
+            </a:ext>
+            <a:ext uri="{91240B29-F687-4F45-9708-019B960494DF}">
+              <a14:hiddenLine xmlns:a14="http://schemas.microsoft.com/office/drawing/2010/main" w="9525">
+                <a:solidFill>
+                  <a:schemeClr val="tx1"/>
+                </a:solidFill>
+                <a:miter lim="800000"/>
+                <a:headEnd/>
+                <a:tailEnd/>
+              </a14:hiddenLine>
+            </a:ext>
+          </a:extLst>
+        </p:spPr>
+      </p:pic>
+      <p:pic>
+        <p:nvPicPr>
+          <p:cNvPr id="1028" name="Picture 4"/>
+          <p:cNvPicPr>
+            <a:picLocks noChangeAspect="1" noChangeArrowheads="1"/>
+          </p:cNvPicPr>
+          <p:nvPr/>
+        </p:nvPicPr>
+        <p:blipFill>
+          <a:blip r:embed="rId4">
+            <a:extLst>
+              <a:ext uri="{28A0092B-C50C-407E-A947-70E740481C1C}">
+                <a14:useLocalDpi xmlns:a14="http://schemas.microsoft.com/office/drawing/2010/main" val="0"/>
+              </a:ext>
+            </a:extLst>
+          </a:blip>
+          <a:srcRect/>
+          <a:stretch>
+            <a:fillRect/>
+          </a:stretch>
+        </p:blipFill>
+        <p:spPr bwMode="auto">
+          <a:xfrm>
+            <a:off x="1258516" y="5805264"/>
+            <a:ext cx="5372100" cy="561975"/>
+          </a:xfrm>
+          <a:prstGeom prst="rect">
+            <a:avLst/>
+          </a:prstGeom>
+          <a:noFill/>
+          <a:ln>
+            <a:noFill/>
+          </a:ln>
+          <a:extLst>
+            <a:ext uri="{909E8E84-426E-40DD-AFC4-6F175D3DCCD1}">
+              <a14:hiddenFill xmlns:a14="http://schemas.microsoft.com/office/drawing/2010/main">
+                <a:solidFill>
+                  <a:schemeClr val="accent1"/>
+                </a:solidFill>
+              </a14:hiddenFill>
+            </a:ext>
+            <a:ext uri="{91240B29-F687-4F45-9708-019B960494DF}">
+              <a14:hiddenLine xmlns:a14="http://schemas.microsoft.com/office/drawing/2010/main" w="9525">
+                <a:solidFill>
+                  <a:schemeClr val="tx1"/>
+                </a:solidFill>
+                <a:miter lim="800000"/>
+                <a:headEnd/>
+                <a:tailEnd/>
+              </a14:hiddenLine>
+            </a:ext>
+          </a:extLst>
+        </p:spPr>
+      </p:pic>
+    </p:spTree>
+    <p:extLst>
+      <p:ext uri="{BB962C8B-B14F-4D97-AF65-F5344CB8AC3E}">
+        <p14:creationId xmlns:p14="http://schemas.microsoft.com/office/powerpoint/2010/main" val="2009352651"/>
+      </p:ext>
+    </p:extLst>
+  </p:cSld>
+  <p:clrMapOvr>
+    <a:masterClrMapping/>
+  </p:clrMapOvr>
+  <p:timing>
+    <p:tnLst>
+      <p:par>
+        <p:cTn id="1" dur="indefinite" restart="never" nodeType="tmRoot"/>
+      </p:par>
+    </p:tnLst>
+  </p:timing>
+</p:sld>
+</file>
+
+<file path=ppt/slides/slide16.xml><?xml version="1.0" encoding="utf-8"?>
+<p:sld xmlns:a="http://schemas.openxmlformats.org/drawingml/2006/main" xmlns:r="http://schemas.openxmlformats.org/officeDocument/2006/relationships" xmlns:p="http://schemas.openxmlformats.org/presentationml/2006/main">
+  <p:cSld>
+    <p:spTree>
+      <p:nvGrpSpPr>
+        <p:cNvPr id="1" name=""/>
+        <p:cNvGrpSpPr/>
+        <p:nvPr/>
+      </p:nvGrpSpPr>
+      <p:grpSpPr>
+        <a:xfrm>
+          <a:off x="0" y="0"/>
+          <a:ext cx="0" cy="0"/>
+          <a:chOff x="0" y="0"/>
+          <a:chExt cx="0" cy="0"/>
+        </a:xfrm>
+      </p:grpSpPr>
+      <p:sp>
+        <p:nvSpPr>
+          <p:cNvPr id="2" name="标题 1"/>
+          <p:cNvSpPr>
+            <a:spLocks noGrp="1"/>
+          </p:cNvSpPr>
+          <p:nvPr>
+            <p:ph type="title"/>
+          </p:nvPr>
+        </p:nvSpPr>
+        <p:spPr/>
+        <p:txBody>
+          <a:bodyPr/>
+          <a:lstStyle/>
+          <a:p>
+            <a:r>
+              <a:rPr lang="zh-CN" altLang="en-US" dirty="0" smtClean="0"/>
+              <a:t>智能指针</a:t>
+            </a:r>
+            <a:endParaRPr lang="zh-CN" altLang="en-US" dirty="0"/>
+          </a:p>
+        </p:txBody>
+      </p:sp>
+      <p:sp>
+        <p:nvSpPr>
+          <p:cNvPr id="3" name="内容占位符 2"/>
+          <p:cNvSpPr>
+            <a:spLocks noGrp="1"/>
+          </p:cNvSpPr>
+          <p:nvPr>
+            <p:ph idx="1"/>
+          </p:nvPr>
+        </p:nvSpPr>
+        <p:spPr/>
+        <p:txBody>
+          <a:bodyPr/>
+          <a:lstStyle/>
+          <a:p>
+            <a:r>
+              <a:rPr lang="en-US" altLang="zh-CN" dirty="0" err="1" smtClean="0"/>
+              <a:t>auto_ptr</a:t>
+            </a:r>
+            <a:endParaRPr lang="en-US" altLang="zh-CN" dirty="0" smtClean="0"/>
+          </a:p>
+          <a:p>
+            <a:r>
+              <a:rPr lang="en-US" altLang="zh-CN" b="1" dirty="0" err="1" smtClean="0"/>
+              <a:t>shared_ptr</a:t>
+            </a:r>
+            <a:endParaRPr lang="en-US" altLang="zh-CN" b="1" dirty="0" smtClean="0"/>
+          </a:p>
+          <a:p>
+            <a:r>
+              <a:rPr lang="en-US" altLang="zh-CN" b="1" dirty="0" err="1" smtClean="0"/>
+              <a:t>unique_ptr</a:t>
+            </a:r>
+            <a:endParaRPr lang="en-US" altLang="zh-CN" b="1" dirty="0" smtClean="0"/>
+          </a:p>
+          <a:p>
+            <a:r>
+              <a:rPr lang="en-US" altLang="zh-CN" dirty="0" err="1" smtClean="0"/>
+              <a:t>weak_ptr</a:t>
+            </a:r>
+            <a:endParaRPr lang="en-US" altLang="zh-CN" dirty="0" smtClean="0"/>
+          </a:p>
+        </p:txBody>
+      </p:sp>
+    </p:spTree>
+  </p:cSld>
+  <p:clrMapOvr>
+    <a:masterClrMapping/>
+  </p:clrMapOvr>
+  <p:timing>
+    <p:tnLst>
+      <p:par>
+        <p:cTn id="1" dur="indefinite" restart="never" nodeType="tmRoot"/>
+      </p:par>
+    </p:tnLst>
+  </p:timing>
+</p:sld>
+</file>
+
+<file path=ppt/slides/slide17.xml><?xml version="1.0" encoding="utf-8"?>
+<p:sld xmlns:a="http://schemas.openxmlformats.org/drawingml/2006/main" xmlns:r="http://schemas.openxmlformats.org/officeDocument/2006/relationships" xmlns:p="http://schemas.openxmlformats.org/presentationml/2006/main">
+  <p:cSld>
+    <p:spTree>
+      <p:nvGrpSpPr>
+        <p:cNvPr id="1" name=""/>
+        <p:cNvGrpSpPr/>
+        <p:nvPr/>
+      </p:nvGrpSpPr>
+      <p:grpSpPr>
+        <a:xfrm>
+          <a:off x="0" y="0"/>
+          <a:ext cx="0" cy="0"/>
+          <a:chOff x="0" y="0"/>
+          <a:chExt cx="0" cy="0"/>
+        </a:xfrm>
+      </p:grpSpPr>
+      <p:sp>
+        <p:nvSpPr>
+          <p:cNvPr id="2" name="Title 1"/>
+          <p:cNvSpPr>
+            <a:spLocks noGrp="1"/>
+          </p:cNvSpPr>
+          <p:nvPr>
+            <p:ph type="title"/>
+          </p:nvPr>
+        </p:nvSpPr>
+        <p:spPr/>
+        <p:txBody>
+          <a:bodyPr/>
+          <a:lstStyle/>
+          <a:p>
+            <a:endParaRPr lang="en-US"/>
+          </a:p>
+        </p:txBody>
+      </p:sp>
+      <p:sp>
+        <p:nvSpPr>
+          <p:cNvPr id="3" name="Content Placeholder 2"/>
+          <p:cNvSpPr>
+            <a:spLocks noGrp="1"/>
+          </p:cNvSpPr>
+          <p:nvPr>
+            <p:ph idx="1"/>
+          </p:nvPr>
+        </p:nvSpPr>
+        <p:spPr/>
+        <p:txBody>
+          <a:bodyPr/>
+          <a:lstStyle/>
+          <a:p>
+            <a:endParaRPr lang="en-US"/>
+          </a:p>
+        </p:txBody>
+      </p:sp>
+      <p:pic>
+        <p:nvPicPr>
+          <p:cNvPr id="4" name="Picture 3"/>
+          <p:cNvPicPr>
+            <a:picLocks noChangeAspect="1"/>
+          </p:cNvPicPr>
+          <p:nvPr/>
+        </p:nvPicPr>
+        <p:blipFill>
+          <a:blip r:embed="rId2"/>
+          <a:stretch>
+            <a:fillRect/>
+          </a:stretch>
+        </p:blipFill>
+        <p:spPr>
+          <a:xfrm>
+            <a:off x="899591" y="674973"/>
+            <a:ext cx="7381137" cy="5841122"/>
+          </a:xfrm>
+          <a:prstGeom prst="rect">
+            <a:avLst/>
+          </a:prstGeom>
+        </p:spPr>
+      </p:pic>
+    </p:spTree>
+    <p:extLst>
+      <p:ext uri="{BB962C8B-B14F-4D97-AF65-F5344CB8AC3E}">
+        <p14:creationId xmlns:p14="http://schemas.microsoft.com/office/powerpoint/2010/main" val="1375746536"/>
+      </p:ext>
+    </p:extLst>
   </p:cSld>
   <p:clrMapOvr>
     <a:masterClrMapping/>
@@ -15593,7 +15754,7 @@
       </p:grpSpPr>
       <p:sp>
         <p:nvSpPr>
-          <p:cNvPr id="2" name="Title 1"/>
+          <p:cNvPr id="2" name="标题 1"/>
           <p:cNvSpPr>
             <a:spLocks noGrp="1"/>
           </p:cNvSpPr>
@@ -15606,13 +15767,17 @@
           <a:bodyPr/>
           <a:lstStyle/>
           <a:p>
-            <a:endParaRPr lang="en-US"/>
+            <a:r>
+              <a:rPr lang="zh-CN" altLang="en-US" dirty="0" smtClean="0"/>
+              <a:t>新的关键字</a:t>
+            </a:r>
+            <a:endParaRPr lang="zh-CN" altLang="en-US" dirty="0"/>
           </a:p>
         </p:txBody>
       </p:sp>
       <p:sp>
         <p:nvSpPr>
-          <p:cNvPr id="3" name="Content Placeholder 2"/>
+          <p:cNvPr id="3" name="内容占位符 2"/>
           <p:cNvSpPr>
             <a:spLocks noGrp="1"/>
           </p:cNvSpPr>
@@ -15625,44 +15790,83 @@
           <a:bodyPr/>
           <a:lstStyle/>
           <a:p>
-            <a:endParaRPr lang="en-US"/>
+            <a:r>
+              <a:rPr lang="en-US" altLang="zh-CN" b="1" dirty="0"/>
+              <a:t>a</a:t>
+            </a:r>
+            <a:r>
+              <a:rPr lang="en-US" altLang="zh-CN" b="1" dirty="0" smtClean="0"/>
+              <a:t>uto</a:t>
+            </a:r>
+          </a:p>
+          <a:p>
+            <a:r>
+              <a:rPr lang="en-US" altLang="zh-CN" dirty="0" err="1" smtClean="0"/>
+              <a:t>decltype</a:t>
+            </a:r>
+            <a:endParaRPr lang="en-US" altLang="zh-CN" dirty="0" smtClean="0"/>
+          </a:p>
+          <a:p>
+            <a:r>
+              <a:rPr lang="en-US" altLang="zh-CN" b="1" dirty="0" err="1" smtClean="0"/>
+              <a:t>nullptr</a:t>
+            </a:r>
+            <a:endParaRPr lang="en-US" altLang="zh-CN" b="1" dirty="0" smtClean="0"/>
+          </a:p>
+          <a:p>
+            <a:r>
+              <a:rPr lang="en-US" altLang="zh-CN" dirty="0" err="1"/>
+              <a:t>c</a:t>
+            </a:r>
+            <a:r>
+              <a:rPr lang="en-US" altLang="zh-CN" dirty="0" err="1" smtClean="0"/>
+              <a:t>onstexpr</a:t>
+            </a:r>
+            <a:endParaRPr lang="en-US" altLang="zh-CN" dirty="0" smtClean="0"/>
+          </a:p>
+          <a:p>
+            <a:r>
+              <a:rPr lang="en-US" altLang="zh-CN" dirty="0" err="1" smtClean="0"/>
+              <a:t>static_assert</a:t>
+            </a:r>
+            <a:endParaRPr lang="en-US" altLang="zh-CN" dirty="0" smtClean="0"/>
+          </a:p>
+          <a:p>
+            <a:r>
+              <a:rPr lang="en-US" altLang="zh-CN" b="1" dirty="0" err="1"/>
+              <a:t>n</a:t>
+            </a:r>
+            <a:r>
+              <a:rPr lang="en-US" altLang="zh-CN" b="1" dirty="0" err="1" smtClean="0"/>
+              <a:t>oexcept</a:t>
+            </a:r>
+          </a:p>
+          <a:p>
+            <a:r>
+              <a:rPr lang="en-US" altLang="zh-CN" dirty="0" err="1" smtClean="0"/>
+              <a:t>final/override</a:t>
+            </a:r>
+          </a:p>
+          <a:p>
+            <a:pPr marL="68580" indent="0">
+              <a:buNone/>
+            </a:pPr>
+            <a:endParaRPr lang="zh-CN" altLang="en-US" dirty="0"/>
           </a:p>
         </p:txBody>
       </p:sp>
-      <p:pic>
-        <p:nvPicPr>
-          <p:cNvPr id="4" name="Picture 3"/>
-          <p:cNvPicPr>
-            <a:picLocks noChangeAspect="1"/>
-          </p:cNvPicPr>
-          <p:nvPr/>
-        </p:nvPicPr>
-        <p:blipFill>
-          <a:blip r:embed="rId2"/>
-          <a:stretch>
-            <a:fillRect/>
-          </a:stretch>
-        </p:blipFill>
-        <p:spPr>
-          <a:xfrm>
-            <a:off x="238942" y="0"/>
-            <a:ext cx="8666115" cy="6858000"/>
-          </a:xfrm>
-          <a:prstGeom prst="rect">
-            <a:avLst/>
-          </a:prstGeom>
-        </p:spPr>
-      </p:pic>
     </p:spTree>
-    <p:extLst>
-      <p:ext uri="{BB962C8B-B14F-4D97-AF65-F5344CB8AC3E}">
-        <p14:creationId xmlns:p14="http://schemas.microsoft.com/office/powerpoint/2010/main" val="1375746536"/>
-      </p:ext>
-    </p:extLst>
   </p:cSld>
   <p:clrMapOvr>
     <a:masterClrMapping/>
   </p:clrMapOvr>
+  <p:timing>
+    <p:tnLst>
+      <p:par>
+        <p:cTn id="1" dur="indefinite" restart="never" nodeType="tmRoot"/>
+      </p:par>
+    </p:tnLst>
+  </p:timing>
 </p:sld>
 </file>
 
@@ -15700,7 +15904,7 @@
           <a:p>
             <a:r>
               <a:rPr lang="zh-CN" altLang="en-US" dirty="0" smtClean="0"/>
-              <a:t>新的关键字</a:t>
+              <a:t>线程与并发编程</a:t>
             </a:r>
             <a:endParaRPr lang="zh-CN" altLang="en-US" dirty="0"/>
           </a:p>
@@ -15722,60 +15926,48 @@
           <a:lstStyle/>
           <a:p>
             <a:r>
-              <a:rPr lang="en-US" altLang="zh-CN" b="1" dirty="0"/>
-              <a:t>a</a:t>
-            </a:r>
-            <a:r>
-              <a:rPr lang="en-US" altLang="zh-CN" b="1" dirty="0" smtClean="0"/>
-              <a:t>uto</a:t>
-            </a:r>
-          </a:p>
-          <a:p>
-            <a:r>
-              <a:rPr lang="en-US" altLang="zh-CN" b="1" dirty="0" err="1" smtClean="0"/>
-              <a:t>nullptr</a:t>
-            </a:r>
-            <a:endParaRPr lang="en-US" altLang="zh-CN" b="1" dirty="0" smtClean="0"/>
-          </a:p>
-          <a:p>
-            <a:r>
-              <a:rPr lang="en-US" altLang="zh-CN" dirty="0" err="1"/>
-              <a:t>c</a:t>
-            </a:r>
+              <a:rPr lang="en-US" altLang="zh-CN" dirty="0"/>
+              <a:t>t</a:t>
+            </a:r>
+            <a:r>
+              <a:rPr lang="en-US" altLang="zh-CN" dirty="0" smtClean="0"/>
+              <a:t>hread</a:t>
+            </a:r>
+          </a:p>
+          <a:p>
+            <a:r>
+              <a:rPr lang="en-US" altLang="zh-CN" dirty="0" smtClean="0"/>
+              <a:t>atomic</a:t>
+            </a:r>
+          </a:p>
+          <a:p>
             <a:r>
               <a:rPr lang="en-US" altLang="zh-CN" dirty="0" err="1" smtClean="0"/>
-              <a:t>onstexpr</a:t>
+              <a:t>mutex</a:t>
             </a:r>
             <a:endParaRPr lang="en-US" altLang="zh-CN" dirty="0" smtClean="0"/>
           </a:p>
           <a:p>
             <a:r>
               <a:rPr lang="en-US" altLang="zh-CN" dirty="0" err="1" smtClean="0"/>
-              <a:t>static_assert</a:t>
+              <a:t>lock_guard</a:t>
             </a:r>
             <a:endParaRPr lang="en-US" altLang="zh-CN" dirty="0" smtClean="0"/>
           </a:p>
           <a:p>
             <a:r>
-              <a:rPr lang="en-US" altLang="zh-CN" b="1" dirty="0" err="1"/>
-              <a:t>n</a:t>
-            </a:r>
-            <a:r>
-              <a:rPr lang="en-US" altLang="zh-CN" b="1" dirty="0" err="1" smtClean="0"/>
-              <a:t>oexcept</a:t>
-            </a:r>
-          </a:p>
-          <a:p>
-            <a:r>
-              <a:rPr lang="en-US" altLang="zh-CN" dirty="0" err="1" smtClean="0"/>
-              <a:t>final/override</a:t>
-            </a:r>
-          </a:p>
-          <a:p>
-            <a:pPr marL="68580" indent="0">
-              <a:buNone/>
-            </a:pPr>
-            <a:endParaRPr lang="zh-CN" altLang="en-US" dirty="0"/>
+              <a:rPr lang="zh-CN" altLang="en-US" b="1" dirty="0" smtClean="0"/>
+              <a:t>线程安全的单</a:t>
+            </a:r>
+            <a:r>
+              <a:rPr lang="zh-CN" altLang="en-US" b="1" dirty="0" smtClean="0"/>
+              <a:t>例</a:t>
+            </a:r>
+            <a:r>
+              <a:rPr lang="zh-CN" altLang="en-US" b="1" dirty="0" smtClean="0"/>
+              <a:t>模式</a:t>
+            </a:r>
+            <a:endParaRPr lang="zh-CN" altLang="en-US" b="1" dirty="0"/>
           </a:p>
         </p:txBody>
       </p:sp>
@@ -16590,107 +16782,6 @@
       </p:grpSpPr>
       <p:sp>
         <p:nvSpPr>
-          <p:cNvPr id="2" name="标题 1"/>
-          <p:cNvSpPr>
-            <a:spLocks noGrp="1"/>
-          </p:cNvSpPr>
-          <p:nvPr>
-            <p:ph type="title"/>
-          </p:nvPr>
-        </p:nvSpPr>
-        <p:spPr/>
-        <p:txBody>
-          <a:bodyPr/>
-          <a:lstStyle/>
-          <a:p>
-            <a:r>
-              <a:rPr lang="zh-CN" altLang="en-US" dirty="0" smtClean="0"/>
-              <a:t>线程与并发编程</a:t>
-            </a:r>
-            <a:endParaRPr lang="zh-CN" altLang="en-US" dirty="0"/>
-          </a:p>
-        </p:txBody>
-      </p:sp>
-      <p:sp>
-        <p:nvSpPr>
-          <p:cNvPr id="3" name="内容占位符 2"/>
-          <p:cNvSpPr>
-            <a:spLocks noGrp="1"/>
-          </p:cNvSpPr>
-          <p:nvPr>
-            <p:ph idx="1"/>
-          </p:nvPr>
-        </p:nvSpPr>
-        <p:spPr/>
-        <p:txBody>
-          <a:bodyPr/>
-          <a:lstStyle/>
-          <a:p>
-            <a:r>
-              <a:rPr lang="en-US" altLang="zh-CN" dirty="0"/>
-              <a:t>t</a:t>
-            </a:r>
-            <a:r>
-              <a:rPr lang="en-US" altLang="zh-CN" dirty="0" smtClean="0"/>
-              <a:t>hread</a:t>
-            </a:r>
-          </a:p>
-          <a:p>
-            <a:r>
-              <a:rPr lang="en-US" altLang="zh-CN" b="1" dirty="0" smtClean="0"/>
-              <a:t>atomic</a:t>
-            </a:r>
-          </a:p>
-          <a:p>
-            <a:r>
-              <a:rPr lang="en-US" altLang="zh-CN" dirty="0" err="1" smtClean="0"/>
-              <a:t>mutex</a:t>
-            </a:r>
-            <a:endParaRPr lang="en-US" altLang="zh-CN" dirty="0" smtClean="0"/>
-          </a:p>
-          <a:p>
-            <a:r>
-              <a:rPr lang="en-US" altLang="zh-CN" dirty="0" err="1" smtClean="0"/>
-              <a:t>lock_guard</a:t>
-            </a:r>
-            <a:endParaRPr lang="en-US" altLang="zh-CN" dirty="0" smtClean="0"/>
-          </a:p>
-          <a:p>
-            <a:r>
-              <a:rPr lang="zh-CN" altLang="en-US" dirty="0" smtClean="0"/>
-              <a:t>线程安全的单例</a:t>
-            </a:r>
-            <a:endParaRPr lang="zh-CN" altLang="en-US" dirty="0"/>
-          </a:p>
-        </p:txBody>
-      </p:sp>
-    </p:spTree>
-  </p:cSld>
-  <p:clrMapOvr>
-    <a:masterClrMapping/>
-  </p:clrMapOvr>
-</p:sld>
-</file>
-
-<file path=ppt/slides/slide21.xml><?xml version="1.0" encoding="utf-8"?>
-<p:sld xmlns:a="http://schemas.openxmlformats.org/drawingml/2006/main" xmlns:r="http://schemas.openxmlformats.org/officeDocument/2006/relationships" xmlns:p="http://schemas.openxmlformats.org/presentationml/2006/main">
-  <p:cSld>
-    <p:spTree>
-      <p:nvGrpSpPr>
-        <p:cNvPr id="1" name=""/>
-        <p:cNvGrpSpPr/>
-        <p:nvPr/>
-      </p:nvGrpSpPr>
-      <p:grpSpPr>
-        <a:xfrm>
-          <a:off x="0" y="0"/>
-          <a:ext cx="0" cy="0"/>
-          <a:chOff x="0" y="0"/>
-          <a:chExt cx="0" cy="0"/>
-        </a:xfrm>
-      </p:grpSpPr>
-      <p:sp>
-        <p:nvSpPr>
           <p:cNvPr id="2" name="Title 1"/>
           <p:cNvSpPr>
             <a:spLocks noGrp="1"/>
@@ -16761,6 +16852,112 @@
   <p:clrMapOvr>
     <a:masterClrMapping/>
   </p:clrMapOvr>
+  <p:timing>
+    <p:tnLst>
+      <p:par>
+        <p:cTn id="1" dur="indefinite" restart="never" nodeType="tmRoot"/>
+      </p:par>
+    </p:tnLst>
+  </p:timing>
+</p:sld>
+</file>
+
+<file path=ppt/slides/slide21.xml><?xml version="1.0" encoding="utf-8"?>
+<p:sld xmlns:a="http://schemas.openxmlformats.org/drawingml/2006/main" xmlns:r="http://schemas.openxmlformats.org/officeDocument/2006/relationships" xmlns:p="http://schemas.openxmlformats.org/presentationml/2006/main">
+  <p:cSld>
+    <p:spTree>
+      <p:nvGrpSpPr>
+        <p:cNvPr id="1" name=""/>
+        <p:cNvGrpSpPr/>
+        <p:nvPr/>
+      </p:nvGrpSpPr>
+      <p:grpSpPr>
+        <a:xfrm>
+          <a:off x="0" y="0"/>
+          <a:ext cx="0" cy="0"/>
+          <a:chOff x="0" y="0"/>
+          <a:chExt cx="0" cy="0"/>
+        </a:xfrm>
+      </p:grpSpPr>
+      <p:sp>
+        <p:nvSpPr>
+          <p:cNvPr id="2" name="标题 1"/>
+          <p:cNvSpPr>
+            <a:spLocks noGrp="1"/>
+          </p:cNvSpPr>
+          <p:nvPr>
+            <p:ph type="title"/>
+          </p:nvPr>
+        </p:nvSpPr>
+        <p:spPr/>
+        <p:txBody>
+          <a:bodyPr/>
+          <a:lstStyle/>
+          <a:p>
+            <a:endParaRPr lang="zh-CN" altLang="en-US"/>
+          </a:p>
+        </p:txBody>
+      </p:sp>
+      <p:sp>
+        <p:nvSpPr>
+          <p:cNvPr id="3" name="内容占位符 2"/>
+          <p:cNvSpPr>
+            <a:spLocks noGrp="1"/>
+          </p:cNvSpPr>
+          <p:nvPr>
+            <p:ph idx="1"/>
+          </p:nvPr>
+        </p:nvSpPr>
+        <p:spPr/>
+        <p:txBody>
+          <a:bodyPr/>
+          <a:lstStyle/>
+          <a:p>
+            <a:endParaRPr lang="zh-CN" altLang="en-US"/>
+          </a:p>
+        </p:txBody>
+      </p:sp>
+      <p:pic>
+        <p:nvPicPr>
+          <p:cNvPr id="4" name="Picture 3"/>
+          <p:cNvPicPr>
+            <a:picLocks noChangeAspect="1"/>
+          </p:cNvPicPr>
+          <p:nvPr/>
+        </p:nvPicPr>
+        <p:blipFill>
+          <a:blip r:embed="rId2"/>
+          <a:stretch>
+            <a:fillRect/>
+          </a:stretch>
+        </p:blipFill>
+        <p:spPr>
+          <a:xfrm>
+            <a:off x="539551" y="116632"/>
+            <a:ext cx="7281257" cy="6550825"/>
+          </a:xfrm>
+          <a:prstGeom prst="rect">
+            <a:avLst/>
+          </a:prstGeom>
+        </p:spPr>
+      </p:pic>
+    </p:spTree>
+    <p:extLst>
+      <p:ext uri="{BB962C8B-B14F-4D97-AF65-F5344CB8AC3E}">
+        <p14:creationId xmlns:p14="http://schemas.microsoft.com/office/powerpoint/2010/main" val="3951126492"/>
+      </p:ext>
+    </p:extLst>
+  </p:cSld>
+  <p:clrMapOvr>
+    <a:masterClrMapping/>
+  </p:clrMapOvr>
+  <p:timing>
+    <p:tnLst>
+      <p:par>
+        <p:cTn id="1" dur="indefinite" restart="never" nodeType="tmRoot"/>
+      </p:par>
+    </p:tnLst>
+  </p:timing>
 </p:sld>
 </file>
 
@@ -16796,98 +16993,6 @@
           <a:bodyPr/>
           <a:lstStyle/>
           <a:p>
-            <a:endParaRPr lang="zh-CN" altLang="en-US"/>
-          </a:p>
-        </p:txBody>
-      </p:sp>
-      <p:sp>
-        <p:nvSpPr>
-          <p:cNvPr id="3" name="内容占位符 2"/>
-          <p:cNvSpPr>
-            <a:spLocks noGrp="1"/>
-          </p:cNvSpPr>
-          <p:nvPr>
-            <p:ph idx="1"/>
-          </p:nvPr>
-        </p:nvSpPr>
-        <p:spPr/>
-        <p:txBody>
-          <a:bodyPr/>
-          <a:lstStyle/>
-          <a:p>
-            <a:endParaRPr lang="zh-CN" altLang="en-US"/>
-          </a:p>
-        </p:txBody>
-      </p:sp>
-      <p:pic>
-        <p:nvPicPr>
-          <p:cNvPr id="4" name="Picture 3"/>
-          <p:cNvPicPr>
-            <a:picLocks noChangeAspect="1"/>
-          </p:cNvPicPr>
-          <p:nvPr/>
-        </p:nvPicPr>
-        <p:blipFill>
-          <a:blip r:embed="rId2"/>
-          <a:stretch>
-            <a:fillRect/>
-          </a:stretch>
-        </p:blipFill>
-        <p:spPr>
-          <a:xfrm>
-            <a:off x="760658" y="0"/>
-            <a:ext cx="7622683" cy="6858000"/>
-          </a:xfrm>
-          <a:prstGeom prst="rect">
-            <a:avLst/>
-          </a:prstGeom>
-        </p:spPr>
-      </p:pic>
-    </p:spTree>
-    <p:extLst>
-      <p:ext uri="{BB962C8B-B14F-4D97-AF65-F5344CB8AC3E}">
-        <p14:creationId xmlns:p14="http://schemas.microsoft.com/office/powerpoint/2010/main" val="3951126492"/>
-      </p:ext>
-    </p:extLst>
-  </p:cSld>
-  <p:clrMapOvr>
-    <a:masterClrMapping/>
-  </p:clrMapOvr>
-</p:sld>
-</file>
-
-<file path=ppt/slides/slide23.xml><?xml version="1.0" encoding="utf-8"?>
-<p:sld xmlns:a="http://schemas.openxmlformats.org/drawingml/2006/main" xmlns:r="http://schemas.openxmlformats.org/officeDocument/2006/relationships" xmlns:p="http://schemas.openxmlformats.org/presentationml/2006/main">
-  <p:cSld>
-    <p:spTree>
-      <p:nvGrpSpPr>
-        <p:cNvPr id="1" name=""/>
-        <p:cNvGrpSpPr/>
-        <p:nvPr/>
-      </p:nvGrpSpPr>
-      <p:grpSpPr>
-        <a:xfrm>
-          <a:off x="0" y="0"/>
-          <a:ext cx="0" cy="0"/>
-          <a:chOff x="0" y="0"/>
-          <a:chExt cx="0" cy="0"/>
-        </a:xfrm>
-      </p:grpSpPr>
-      <p:sp>
-        <p:nvSpPr>
-          <p:cNvPr id="2" name="标题 1"/>
-          <p:cNvSpPr>
-            <a:spLocks noGrp="1"/>
-          </p:cNvSpPr>
-          <p:nvPr>
-            <p:ph type="title"/>
-          </p:nvPr>
-        </p:nvSpPr>
-        <p:spPr/>
-        <p:txBody>
-          <a:bodyPr/>
-          <a:lstStyle/>
-          <a:p>
             <a:r>
               <a:rPr lang="en-US" altLang="zh-CN" dirty="0" smtClean="0"/>
               <a:t>C++17/20</a:t>
@@ -16914,32 +17019,73 @@
           <a:lstStyle/>
           <a:p>
             <a:r>
+              <a:rPr lang="en-US" altLang="zh-CN" dirty="0" smtClean="0"/>
+              <a:t>any(</a:t>
+            </a:r>
+            <a:r>
+              <a:rPr lang="en-US" altLang="zh-CN" dirty="0" err="1" smtClean="0"/>
+              <a:t>c++</a:t>
+            </a:r>
+            <a:r>
+              <a:rPr lang="en-US" altLang="zh-CN" dirty="0" smtClean="0"/>
+              <a:t>17)</a:t>
+            </a:r>
+          </a:p>
+          <a:p>
+            <a:r>
+              <a:rPr lang="en-US" altLang="zh-CN" dirty="0"/>
+              <a:t>f</a:t>
+            </a:r>
+            <a:r>
+              <a:rPr lang="en-US" altLang="zh-CN" dirty="0" smtClean="0"/>
+              <a:t>ilesystem library(</a:t>
+            </a:r>
+            <a:r>
+              <a:rPr lang="en-US" altLang="zh-CN" dirty="0" err="1" smtClean="0"/>
+              <a:t>c++</a:t>
+            </a:r>
+            <a:r>
+              <a:rPr lang="en-US" altLang="zh-CN" dirty="0" smtClean="0"/>
+              <a:t>17)</a:t>
+            </a:r>
+          </a:p>
+          <a:p>
+            <a:r>
+              <a:rPr lang="en-US" altLang="zh-CN" dirty="0"/>
+              <a:t>v</a:t>
+            </a:r>
+            <a:r>
+              <a:rPr lang="en-US" altLang="zh-CN" dirty="0" smtClean="0"/>
+              <a:t>ariant(</a:t>
+            </a:r>
+            <a:r>
+              <a:rPr lang="en-US" altLang="zh-CN" dirty="0" err="1" smtClean="0"/>
+              <a:t>c++</a:t>
+            </a:r>
+            <a:r>
+              <a:rPr lang="en-US" altLang="zh-CN" dirty="0" smtClean="0"/>
+              <a:t>17)</a:t>
+            </a:r>
+            <a:endParaRPr lang="en-US" altLang="zh-CN" dirty="0" smtClean="0"/>
+          </a:p>
+          <a:p>
+            <a:r>
               <a:rPr lang="en-US" altLang="zh-CN" b="1" dirty="0"/>
-              <a:t>v</a:t>
+              <a:t>m</a:t>
             </a:r>
             <a:r>
               <a:rPr lang="en-US" altLang="zh-CN" b="1" dirty="0" smtClean="0"/>
-              <a:t>ariant(C++17)</a:t>
-            </a:r>
-          </a:p>
-          <a:p>
-            <a:r>
-              <a:rPr lang="en-US" altLang="zh-CN" dirty="0"/>
-              <a:t>m</a:t>
-            </a:r>
-            <a:r>
-              <a:rPr lang="en-US" altLang="zh-CN" dirty="0" smtClean="0"/>
               <a:t>odule(</a:t>
             </a:r>
             <a:r>
-              <a:rPr lang="en-US" altLang="zh-CN" dirty="0" err="1" smtClean="0"/>
+              <a:rPr lang="en-US" altLang="zh-CN" b="1" dirty="0" err="1" smtClean="0"/>
               <a:t>TBD</a:t>
             </a:r>
             <a:r>
-              <a:rPr lang="zh-CN" altLang="en-US" dirty="0" smtClean="0"/>
+              <a:rPr lang="zh-CN" altLang="en-US" b="1" dirty="0" smtClean="0"/>
               <a:t>）</a:t>
             </a:r>
-            <a:endParaRPr lang="en-US" altLang="zh-CN" dirty="0" smtClean="0"/>
+            <a:endParaRPr lang="en-US" altLang="zh-CN" b="1" dirty="0" smtClean="0"/>
           </a:p>
           <a:p>
             <a:r>
@@ -16964,54 +17110,43 @@
           </a:p>
           <a:p>
             <a:r>
-              <a:rPr lang="en-US" altLang="zh-CN" dirty="0"/>
-              <a:t>ranges(</a:t>
-            </a:r>
-            <a:r>
-              <a:rPr lang="en-US" altLang="zh-CN" dirty="0" err="1" smtClean="0">
+              <a:rPr lang="en-US" altLang="zh-CN" dirty="0" smtClean="0"/>
+              <a:t>concepts</a:t>
+            </a:r>
+            <a:r>
+              <a:rPr lang="en-US" altLang="zh-CN" dirty="0" smtClean="0"/>
+              <a:t>(</a:t>
+            </a:r>
+            <a:r>
+              <a:rPr lang="en-US" altLang="zh-CN" dirty="0" smtClean="0">
                 <a:sym typeface="+mn-ea"/>
               </a:rPr>
               <a:t>TBD</a:t>
             </a:r>
             <a:r>
-              <a:rPr lang="zh-CN" altLang="en-US" dirty="0" smtClean="0"/>
-              <a:t>）</a:t>
-            </a:r>
-            <a:endParaRPr lang="en-US" altLang="zh-CN" dirty="0" smtClean="0"/>
-          </a:p>
-          <a:p>
-            <a:r>
-              <a:rPr lang="en-US" altLang="zh-CN" b="1" dirty="0"/>
-              <a:t>concepts(</a:t>
-            </a:r>
-            <a:r>
-              <a:rPr lang="en-US" altLang="zh-CN" dirty="0" err="1" smtClean="0">
+              <a:rPr lang="zh-CN" altLang="en-US" b="1" dirty="0" smtClean="0">
                 <a:sym typeface="+mn-ea"/>
               </a:rPr>
-              <a:t>TBD</a:t>
-            </a:r>
-            <a:r>
-              <a:rPr lang="zh-CN" altLang="en-US" b="1" dirty="0" smtClean="0"/>
               <a:t>）</a:t>
             </a:r>
-            <a:endParaRPr lang="en-US" altLang="zh-CN" b="1" dirty="0" smtClean="0"/>
-          </a:p>
-          <a:p>
-            <a:r>
-              <a:rPr lang="en-US" altLang="zh-CN" dirty="0"/>
-              <a:t>Invoke(</a:t>
-            </a:r>
-            <a:r>
-              <a:rPr lang="en-US" altLang="zh-CN" dirty="0" err="1" smtClean="0">
+            <a:endParaRPr lang="en-US" altLang="zh-CN" b="1" dirty="0" smtClean="0">
+              <a:sym typeface="+mn-ea"/>
+            </a:endParaRPr>
+          </a:p>
+          <a:p>
+            <a:r>
+              <a:rPr lang="en-US" altLang="zh-CN" b="1" dirty="0" err="1" smtClean="0">
                 <a:sym typeface="+mn-ea"/>
               </a:rPr>
-              <a:t>TBD</a:t>
-            </a:r>
-            <a:r>
-              <a:rPr lang="zh-CN" altLang="en-US" dirty="0" smtClean="0"/>
-              <a:t>）</a:t>
-            </a:r>
-            <a:endParaRPr lang="en-US" altLang="zh-CN" dirty="0" smtClean="0"/>
+              <a:t>metaclass</a:t>
+            </a:r>
+            <a:r>
+              <a:rPr lang="en-US" altLang="zh-CN" b="1" dirty="0" smtClean="0">
+                <a:sym typeface="+mn-ea"/>
+              </a:rPr>
+              <a:t>(TBD)</a:t>
+            </a:r>
+            <a:endParaRPr lang="en-US" altLang="zh-CN" b="1" dirty="0" smtClean="0"/>
           </a:p>
         </p:txBody>
       </p:sp>
@@ -17030,7 +17165,7 @@
 </p:sld>
 </file>
 
-<file path=ppt/slides/slide24.xml><?xml version="1.0" encoding="utf-8"?>
+<file path=ppt/slides/slide23.xml><?xml version="1.0" encoding="utf-8"?>
 <p:sld xmlns:a="http://schemas.openxmlformats.org/drawingml/2006/main" xmlns:r="http://schemas.openxmlformats.org/officeDocument/2006/relationships" xmlns:p="http://schemas.openxmlformats.org/presentationml/2006/main">
   <p:cSld>
     <p:spTree>
@@ -17368,7 +17503,7 @@
 </p:sld>
 </file>
 
-<file path=ppt/slides/slide25.xml><?xml version="1.0" encoding="utf-8"?>
+<file path=ppt/slides/slide24.xml><?xml version="1.0" encoding="utf-8"?>
 <p:sld xmlns:a="http://schemas.openxmlformats.org/drawingml/2006/main" xmlns:r="http://schemas.openxmlformats.org/officeDocument/2006/relationships" xmlns:p="http://schemas.openxmlformats.org/presentationml/2006/main">
   <p:cSld>
     <p:spTree>
@@ -17439,6 +17574,13 @@
   <p:clrMapOvr>
     <a:masterClrMapping/>
   </p:clrMapOvr>
+  <p:timing>
+    <p:tnLst>
+      <p:par>
+        <p:cTn id="1" dur="indefinite" restart="never" nodeType="tmRoot"/>
+      </p:par>
+    </p:tnLst>
+  </p:timing>
 </p:sld>
 </file>
 
@@ -17534,23 +17676,12 @@
               <a:rPr lang="en-US" altLang="zh-CN" b="1" u="sng" dirty="0" smtClean="0"/>
               <a:t>move</a:t>
             </a:r>
-            <a:r>
-              <a:rPr lang="zh-CN" altLang="en-US" b="1" u="sng" dirty="0" smtClean="0"/>
-              <a:t>、</a:t>
-            </a:r>
-            <a:r>
-              <a:rPr lang="en-US" altLang="zh-CN" b="1" u="sng" dirty="0" smtClean="0"/>
-              <a:t>forward</a:t>
-            </a:r>
+            <a:endParaRPr lang="en-US" altLang="zh-CN" b="1" u="sng" dirty="0" smtClean="0"/>
           </a:p>
           <a:p>
             <a:r>
               <a:rPr lang="zh-CN" altLang="en-US" dirty="0" smtClean="0"/>
-              <a:t>智能</a:t>
-            </a:r>
-            <a:r>
-              <a:rPr lang="zh-CN" altLang="en-US" dirty="0" smtClean="0"/>
-              <a:t>指针</a:t>
+              <a:t>智能指针</a:t>
             </a:r>
             <a:endParaRPr lang="en-US" altLang="zh-CN" dirty="0" smtClean="0"/>
           </a:p>
@@ -17564,7 +17695,7 @@
           <a:p>
             <a:r>
               <a:rPr lang="zh-CN" altLang="en-US" dirty="0" smtClean="0"/>
-              <a:t>线程与并发编程</a:t>
+              <a:t>线程库</a:t>
             </a:r>
             <a:endParaRPr lang="en-US" altLang="zh-CN" dirty="0" smtClean="0"/>
           </a:p>
@@ -18049,10 +18180,19 @@
         </p:nvSpPr>
         <p:spPr/>
         <p:txBody>
-          <a:bodyPr/>
+          <a:bodyPr>
+            <a:normAutofit/>
+          </a:bodyPr>
           <a:lstStyle/>
           <a:p>
-            <a:endParaRPr lang="zh-CN" altLang="en-US"/>
+            <a:r>
+              <a:rPr lang="en-US" altLang="zh-CN" dirty="0" smtClean="0"/>
+              <a:t>auto</a:t>
+            </a:r>
+            <a:r>
+              <a:rPr lang="zh-CN" altLang="en-US" dirty="0" smtClean="0"/>
+              <a:t>的疑问</a:t>
+            </a:r>
           </a:p>
         </p:txBody>
       </p:sp>
@@ -18071,147 +18211,21 @@
           <a:bodyPr/>
           <a:lstStyle/>
           <a:p>
-            <a:endParaRPr lang="zh-CN" altLang="en-US" dirty="0"/>
-          </a:p>
-        </p:txBody>
-      </p:sp>
-      <p:pic>
-        <p:nvPicPr>
-          <p:cNvPr id="3074" name="Picture 2"/>
-          <p:cNvPicPr>
-            <a:picLocks noChangeAspect="1" noChangeArrowheads="1"/>
-          </p:cNvPicPr>
-          <p:nvPr/>
-        </p:nvPicPr>
-        <p:blipFill>
-          <a:blip r:embed="rId2">
-            <a:extLst>
-              <a:ext uri="{28A0092B-C50C-407E-A947-70E740481C1C}">
-                <a14:useLocalDpi xmlns:a14="http://schemas.microsoft.com/office/drawing/2010/main" val="0"/>
-              </a:ext>
-            </a:extLst>
-          </a:blip>
-          <a:srcRect/>
-          <a:stretch>
-            <a:fillRect/>
-          </a:stretch>
-        </p:blipFill>
-        <p:spPr bwMode="auto">
-          <a:xfrm>
-            <a:off x="1619672" y="404664"/>
-            <a:ext cx="5905339" cy="6048673"/>
-          </a:xfrm>
-          <a:prstGeom prst="rect">
-            <a:avLst/>
-          </a:prstGeom>
-          <a:noFill/>
-          <a:ln>
-            <a:noFill/>
-          </a:ln>
-          <a:extLst>
-            <a:ext uri="{909E8E84-426E-40DD-AFC4-6F175D3DCCD1}">
-              <a14:hiddenFill xmlns:a14="http://schemas.microsoft.com/office/drawing/2010/main">
-                <a:solidFill>
-                  <a:schemeClr val="accent1"/>
-                </a:solidFill>
-              </a14:hiddenFill>
-            </a:ext>
-            <a:ext uri="{91240B29-F687-4F45-9708-019B960494DF}">
-              <a14:hiddenLine xmlns:a14="http://schemas.microsoft.com/office/drawing/2010/main" w="9525">
-                <a:solidFill>
-                  <a:schemeClr val="tx1"/>
-                </a:solidFill>
-                <a:miter lim="800000"/>
-                <a:headEnd/>
-                <a:tailEnd/>
-              </a14:hiddenLine>
-            </a:ext>
-          </a:extLst>
-        </p:spPr>
-      </p:pic>
-    </p:spTree>
-    <p:extLst>
-      <p:ext uri="{BB962C8B-B14F-4D97-AF65-F5344CB8AC3E}">
-        <p14:creationId xmlns:p14="http://schemas.microsoft.com/office/powerpoint/2010/main" val="3542160085"/>
-      </p:ext>
-    </p:extLst>
-  </p:cSld>
-  <p:clrMapOvr>
-    <a:masterClrMapping/>
-  </p:clrMapOvr>
-  <p:timing>
-    <p:tnLst>
-      <p:par>
-        <p:cTn id="1" dur="indefinite" restart="never" nodeType="tmRoot"/>
-      </p:par>
-    </p:tnLst>
-  </p:timing>
-</p:sld>
-</file>
-
-<file path=ppt/slides/slide7.xml><?xml version="1.0" encoding="utf-8"?>
-<p:sld xmlns:a="http://schemas.openxmlformats.org/drawingml/2006/main" xmlns:r="http://schemas.openxmlformats.org/officeDocument/2006/relationships" xmlns:p="http://schemas.openxmlformats.org/presentationml/2006/main">
-  <p:cSld>
-    <p:spTree>
-      <p:nvGrpSpPr>
-        <p:cNvPr id="1" name=""/>
-        <p:cNvGrpSpPr/>
-        <p:nvPr/>
-      </p:nvGrpSpPr>
-      <p:grpSpPr>
-        <a:xfrm>
-          <a:off x="0" y="0"/>
-          <a:ext cx="0" cy="0"/>
-          <a:chOff x="0" y="0"/>
-          <a:chExt cx="0" cy="0"/>
-        </a:xfrm>
-      </p:grpSpPr>
-      <p:sp>
-        <p:nvSpPr>
-          <p:cNvPr id="2" name="标题 1"/>
-          <p:cNvSpPr>
-            <a:spLocks noGrp="1"/>
-          </p:cNvSpPr>
-          <p:nvPr>
-            <p:ph type="title"/>
-          </p:nvPr>
-        </p:nvSpPr>
-        <p:spPr/>
-        <p:txBody>
-          <a:bodyPr>
-            <a:normAutofit/>
-          </a:bodyPr>
-          <a:lstStyle/>
-          <a:p>
+            <a:r>
+              <a:rPr lang="zh-CN" altLang="en-US" dirty="0" smtClean="0"/>
+              <a:t>会</a:t>
+            </a:r>
+            <a:r>
+              <a:rPr lang="zh-CN" altLang="en-US" dirty="0" smtClean="0"/>
+              <a:t>影响运行</a:t>
+            </a:r>
             <a:r>
               <a:rPr lang="en-US" altLang="zh-CN" dirty="0" smtClean="0"/>
-              <a:t>auto</a:t>
+              <a:t>/</a:t>
             </a:r>
             <a:r>
               <a:rPr lang="zh-CN" altLang="en-US" dirty="0" smtClean="0"/>
-              <a:t>的疑问</a:t>
-            </a:r>
-          </a:p>
-        </p:txBody>
-      </p:sp>
-      <p:sp>
-        <p:nvSpPr>
-          <p:cNvPr id="3" name="内容占位符 2"/>
-          <p:cNvSpPr>
-            <a:spLocks noGrp="1"/>
-          </p:cNvSpPr>
-          <p:nvPr>
-            <p:ph idx="1"/>
-          </p:nvPr>
-        </p:nvSpPr>
-        <p:spPr/>
-        <p:txBody>
-          <a:bodyPr/>
-          <a:lstStyle/>
-          <a:p>
-            <a:r>
-              <a:rPr lang="zh-CN" altLang="en-US" dirty="0" smtClean="0"/>
-              <a:t>会影响编译</a:t>
+              <a:t>编译</a:t>
             </a:r>
             <a:r>
               <a:rPr lang="zh-CN" altLang="en-US" dirty="0" smtClean="0"/>
@@ -18274,7 +18288,7 @@
       </p:pic>
       <p:pic>
         <p:nvPicPr>
-          <p:cNvPr id="6" name="图片 5" descr="2EN63ZBQ)_818FD3Q%EYR6W"/>
+          <p:cNvPr id="7" name="图片 6" descr="X0A`($Z9R}27H2WIY[ENQVE"/>
           <p:cNvPicPr>
             <a:picLocks noChangeAspect="1"/>
           </p:cNvPicPr>
@@ -18288,31 +18302,7 @@
         </p:blipFill>
         <p:spPr>
           <a:xfrm>
-            <a:off x="5431155" y="4658360"/>
-            <a:ext cx="1309370" cy="614045"/>
-          </a:xfrm>
-          <a:prstGeom prst="rect">
-            <a:avLst/>
-          </a:prstGeom>
-        </p:spPr>
-      </p:pic>
-      <p:pic>
-        <p:nvPicPr>
-          <p:cNvPr id="7" name="图片 6" descr="X0A`($Z9R}27H2WIY[ENQVE"/>
-          <p:cNvPicPr>
-            <a:picLocks noChangeAspect="1"/>
-          </p:cNvPicPr>
-          <p:nvPr/>
-        </p:nvPicPr>
-        <p:blipFill>
-          <a:blip r:embed="rId4"/>
-          <a:stretch>
-            <a:fillRect/>
-          </a:stretch>
-        </p:blipFill>
-        <p:spPr>
-          <a:xfrm>
-            <a:off x="4148455" y="4718050"/>
+            <a:off x="4219089" y="4653136"/>
             <a:ext cx="3601720" cy="1466850"/>
           </a:xfrm>
           <a:prstGeom prst="rect">
@@ -18329,7 +18319,7 @@
           <p:nvPr/>
         </p:nvPicPr>
         <p:blipFill>
-          <a:blip r:embed="rId5">
+          <a:blip r:embed="rId4">
             <a:extLst>
               <a:ext uri="{28A0092B-C50C-407E-A947-70E740481C1C}">
                 <a14:useLocalDpi xmlns:a14="http://schemas.microsoft.com/office/drawing/2010/main" val="0"/>
@@ -18401,7 +18391,7 @@
                             </p:stCondLst>
                             <p:childTnLst>
                               <p:par>
-                                <p:cTn id="5" presetID="2" presetClass="entr" presetSubtype="2" fill="hold" nodeType="clickEffect">
+                                <p:cTn id="5" presetID="2" presetClass="entr" presetSubtype="4" fill="hold" nodeType="clickEffect">
                                   <p:stCondLst>
                                     <p:cond delay="0"/>
                                   </p:stCondLst>
@@ -18414,7 +18404,11 @@
                                           </p:stCondLst>
                                         </p:cTn>
                                         <p:tgtEl>
-                                          <p:spTgt spid="4"/>
+                                          <p:spTgt spid="3">
+                                            <p:txEl>
+                                              <p:pRg st="0" end="0"/>
+                                            </p:txEl>
+                                          </p:spTgt>
                                         </p:tgtEl>
                                         <p:attrNameLst>
                                           <p:attrName>style.visibility</p:attrName>
@@ -18428,7 +18422,11 @@
                                       <p:cBhvr additive="base">
                                         <p:cTn id="7" dur="500" fill="hold"/>
                                         <p:tgtEl>
-                                          <p:spTgt spid="4"/>
+                                          <p:spTgt spid="3">
+                                            <p:txEl>
+                                              <p:pRg st="0" end="0"/>
+                                            </p:txEl>
+                                          </p:spTgt>
                                         </p:tgtEl>
                                         <p:attrNameLst>
                                           <p:attrName>ppt_x</p:attrName>
@@ -18437,7 +18435,7 @@
                                       <p:tavLst>
                                         <p:tav tm="0">
                                           <p:val>
-                                            <p:strVal val="1+#ppt_w/2"/>
+                                            <p:strVal val="#ppt_x"/>
                                           </p:val>
                                         </p:tav>
                                         <p:tav tm="100000">
@@ -18451,7 +18449,11 @@
                                       <p:cBhvr additive="base">
                                         <p:cTn id="8" dur="500" fill="hold"/>
                                         <p:tgtEl>
-                                          <p:spTgt spid="4"/>
+                                          <p:spTgt spid="3">
+                                            <p:txEl>
+                                              <p:pRg st="0" end="0"/>
+                                            </p:txEl>
+                                          </p:spTgt>
                                         </p:tgtEl>
                                         <p:attrNameLst>
                                           <p:attrName>ppt_y</p:attrName>
@@ -18460,7 +18462,7 @@
                                       <p:tavLst>
                                         <p:tav tm="0">
                                           <p:val>
-                                            <p:strVal val="#ppt_y"/>
+                                            <p:strVal val="1+#ppt_h/2"/>
                                           </p:val>
                                         </p:tav>
                                         <p:tav tm="100000">
@@ -18492,7 +18494,7 @@
                             </p:stCondLst>
                             <p:childTnLst>
                               <p:par>
-                                <p:cTn id="11" presetID="2" presetClass="entr" presetSubtype="4" fill="hold" nodeType="clickEffect">
+                                <p:cTn id="11" presetID="3" presetClass="entr" presetSubtype="10" fill="hold" nodeType="clickEffect">
                                   <p:stCondLst>
                                     <p:cond delay="0"/>
                                   </p:stCondLst>
@@ -18500,6 +18502,356 @@
                                     <p:set>
                                       <p:cBhvr>
                                         <p:cTn id="12" dur="1" fill="hold">
+                                          <p:stCondLst>
+                                            <p:cond delay="0"/>
+                                          </p:stCondLst>
+                                        </p:cTn>
+                                        <p:tgtEl>
+                                          <p:spTgt spid="1027"/>
+                                        </p:tgtEl>
+                                        <p:attrNameLst>
+                                          <p:attrName>style.visibility</p:attrName>
+                                        </p:attrNameLst>
+                                      </p:cBhvr>
+                                      <p:to>
+                                        <p:strVal val="visible"/>
+                                      </p:to>
+                                    </p:set>
+                                    <p:animEffect transition="in" filter="blinds(horizontal)">
+                                      <p:cBhvr>
+                                        <p:cTn id="13" dur="500"/>
+                                        <p:tgtEl>
+                                          <p:spTgt spid="1027"/>
+                                        </p:tgtEl>
+                                      </p:cBhvr>
+                                    </p:animEffect>
+                                  </p:childTnLst>
+                                </p:cTn>
+                              </p:par>
+                            </p:childTnLst>
+                          </p:cTn>
+                        </p:par>
+                      </p:childTnLst>
+                    </p:cTn>
+                  </p:par>
+                  <p:par>
+                    <p:cTn id="14" fill="hold">
+                      <p:stCondLst>
+                        <p:cond delay="indefinite"/>
+                      </p:stCondLst>
+                      <p:childTnLst>
+                        <p:par>
+                          <p:cTn id="15" fill="hold">
+                            <p:stCondLst>
+                              <p:cond delay="0"/>
+                            </p:stCondLst>
+                            <p:childTnLst>
+                              <p:par>
+                                <p:cTn id="16" presetID="2" presetClass="entr" presetSubtype="4" fill="hold" nodeType="clickEffect">
+                                  <p:stCondLst>
+                                    <p:cond delay="0"/>
+                                  </p:stCondLst>
+                                  <p:childTnLst>
+                                    <p:set>
+                                      <p:cBhvr>
+                                        <p:cTn id="17" dur="1" fill="hold">
+                                          <p:stCondLst>
+                                            <p:cond delay="0"/>
+                                          </p:stCondLst>
+                                        </p:cTn>
+                                        <p:tgtEl>
+                                          <p:spTgt spid="3">
+                                            <p:txEl>
+                                              <p:pRg st="2" end="2"/>
+                                            </p:txEl>
+                                          </p:spTgt>
+                                        </p:tgtEl>
+                                        <p:attrNameLst>
+                                          <p:attrName>style.visibility</p:attrName>
+                                        </p:attrNameLst>
+                                      </p:cBhvr>
+                                      <p:to>
+                                        <p:strVal val="visible"/>
+                                      </p:to>
+                                    </p:set>
+                                    <p:anim calcmode="lin" valueType="num">
+                                      <p:cBhvr additive="base">
+                                        <p:cTn id="18" dur="500" fill="hold"/>
+                                        <p:tgtEl>
+                                          <p:spTgt spid="3">
+                                            <p:txEl>
+                                              <p:pRg st="2" end="2"/>
+                                            </p:txEl>
+                                          </p:spTgt>
+                                        </p:tgtEl>
+                                        <p:attrNameLst>
+                                          <p:attrName>ppt_x</p:attrName>
+                                        </p:attrNameLst>
+                                      </p:cBhvr>
+                                      <p:tavLst>
+                                        <p:tav tm="0">
+                                          <p:val>
+                                            <p:strVal val="#ppt_x"/>
+                                          </p:val>
+                                        </p:tav>
+                                        <p:tav tm="100000">
+                                          <p:val>
+                                            <p:strVal val="#ppt_x"/>
+                                          </p:val>
+                                        </p:tav>
+                                      </p:tavLst>
+                                    </p:anim>
+                                    <p:anim calcmode="lin" valueType="num">
+                                      <p:cBhvr additive="base">
+                                        <p:cTn id="19" dur="500" fill="hold"/>
+                                        <p:tgtEl>
+                                          <p:spTgt spid="3">
+                                            <p:txEl>
+                                              <p:pRg st="2" end="2"/>
+                                            </p:txEl>
+                                          </p:spTgt>
+                                        </p:tgtEl>
+                                        <p:attrNameLst>
+                                          <p:attrName>ppt_y</p:attrName>
+                                        </p:attrNameLst>
+                                      </p:cBhvr>
+                                      <p:tavLst>
+                                        <p:tav tm="0">
+                                          <p:val>
+                                            <p:strVal val="1+#ppt_h/2"/>
+                                          </p:val>
+                                        </p:tav>
+                                        <p:tav tm="100000">
+                                          <p:val>
+                                            <p:strVal val="#ppt_y"/>
+                                          </p:val>
+                                        </p:tav>
+                                      </p:tavLst>
+                                    </p:anim>
+                                  </p:childTnLst>
+                                </p:cTn>
+                              </p:par>
+                            </p:childTnLst>
+                          </p:cTn>
+                        </p:par>
+                      </p:childTnLst>
+                    </p:cTn>
+                  </p:par>
+                  <p:par>
+                    <p:cTn id="20" fill="hold">
+                      <p:stCondLst>
+                        <p:cond delay="indefinite"/>
+                      </p:stCondLst>
+                      <p:childTnLst>
+                        <p:par>
+                          <p:cTn id="21" fill="hold">
+                            <p:stCondLst>
+                              <p:cond delay="0"/>
+                            </p:stCondLst>
+                            <p:childTnLst>
+                              <p:par>
+                                <p:cTn id="22" presetID="2" presetClass="entr" presetSubtype="2" fill="hold" nodeType="clickEffect">
+                                  <p:stCondLst>
+                                    <p:cond delay="0"/>
+                                  </p:stCondLst>
+                                  <p:childTnLst>
+                                    <p:set>
+                                      <p:cBhvr>
+                                        <p:cTn id="23" dur="1" fill="hold">
+                                          <p:stCondLst>
+                                            <p:cond delay="0"/>
+                                          </p:stCondLst>
+                                        </p:cTn>
+                                        <p:tgtEl>
+                                          <p:spTgt spid="4"/>
+                                        </p:tgtEl>
+                                        <p:attrNameLst>
+                                          <p:attrName>style.visibility</p:attrName>
+                                        </p:attrNameLst>
+                                      </p:cBhvr>
+                                      <p:to>
+                                        <p:strVal val="visible"/>
+                                      </p:to>
+                                    </p:set>
+                                    <p:anim calcmode="lin" valueType="num">
+                                      <p:cBhvr additive="base">
+                                        <p:cTn id="24" dur="500" fill="hold"/>
+                                        <p:tgtEl>
+                                          <p:spTgt spid="4"/>
+                                        </p:tgtEl>
+                                        <p:attrNameLst>
+                                          <p:attrName>ppt_x</p:attrName>
+                                        </p:attrNameLst>
+                                      </p:cBhvr>
+                                      <p:tavLst>
+                                        <p:tav tm="0">
+                                          <p:val>
+                                            <p:strVal val="1+#ppt_w/2"/>
+                                          </p:val>
+                                        </p:tav>
+                                        <p:tav tm="100000">
+                                          <p:val>
+                                            <p:strVal val="#ppt_x"/>
+                                          </p:val>
+                                        </p:tav>
+                                      </p:tavLst>
+                                    </p:anim>
+                                    <p:anim calcmode="lin" valueType="num">
+                                      <p:cBhvr additive="base">
+                                        <p:cTn id="25" dur="500" fill="hold"/>
+                                        <p:tgtEl>
+                                          <p:spTgt spid="4"/>
+                                        </p:tgtEl>
+                                        <p:attrNameLst>
+                                          <p:attrName>ppt_y</p:attrName>
+                                        </p:attrNameLst>
+                                      </p:cBhvr>
+                                      <p:tavLst>
+                                        <p:tav tm="0">
+                                          <p:val>
+                                            <p:strVal val="#ppt_y"/>
+                                          </p:val>
+                                        </p:tav>
+                                        <p:tav tm="100000">
+                                          <p:val>
+                                            <p:strVal val="#ppt_y"/>
+                                          </p:val>
+                                        </p:tav>
+                                      </p:tavLst>
+                                    </p:anim>
+                                  </p:childTnLst>
+                                </p:cTn>
+                              </p:par>
+                            </p:childTnLst>
+                          </p:cTn>
+                        </p:par>
+                      </p:childTnLst>
+                    </p:cTn>
+                  </p:par>
+                  <p:par>
+                    <p:cTn id="26" fill="hold">
+                      <p:stCondLst>
+                        <p:cond delay="indefinite"/>
+                      </p:stCondLst>
+                      <p:childTnLst>
+                        <p:par>
+                          <p:cTn id="27" fill="hold">
+                            <p:stCondLst>
+                              <p:cond delay="0"/>
+                            </p:stCondLst>
+                            <p:childTnLst>
+                              <p:par>
+                                <p:cTn id="28" presetID="2" presetClass="entr" presetSubtype="4" fill="hold" nodeType="clickEffect">
+                                  <p:stCondLst>
+                                    <p:cond delay="0"/>
+                                  </p:stCondLst>
+                                  <p:childTnLst>
+                                    <p:set>
+                                      <p:cBhvr>
+                                        <p:cTn id="29" dur="1" fill="hold">
+                                          <p:stCondLst>
+                                            <p:cond delay="0"/>
+                                          </p:stCondLst>
+                                        </p:cTn>
+                                        <p:tgtEl>
+                                          <p:spTgt spid="3">
+                                            <p:txEl>
+                                              <p:pRg st="4" end="4"/>
+                                            </p:txEl>
+                                          </p:spTgt>
+                                        </p:tgtEl>
+                                        <p:attrNameLst>
+                                          <p:attrName>style.visibility</p:attrName>
+                                        </p:attrNameLst>
+                                      </p:cBhvr>
+                                      <p:to>
+                                        <p:strVal val="visible"/>
+                                      </p:to>
+                                    </p:set>
+                                    <p:anim calcmode="lin" valueType="num">
+                                      <p:cBhvr additive="base">
+                                        <p:cTn id="30" dur="500" fill="hold"/>
+                                        <p:tgtEl>
+                                          <p:spTgt spid="3">
+                                            <p:txEl>
+                                              <p:pRg st="4" end="4"/>
+                                            </p:txEl>
+                                          </p:spTgt>
+                                        </p:tgtEl>
+                                        <p:attrNameLst>
+                                          <p:attrName>ppt_x</p:attrName>
+                                        </p:attrNameLst>
+                                      </p:cBhvr>
+                                      <p:tavLst>
+                                        <p:tav tm="0">
+                                          <p:val>
+                                            <p:strVal val="#ppt_x"/>
+                                          </p:val>
+                                        </p:tav>
+                                        <p:tav tm="100000">
+                                          <p:val>
+                                            <p:strVal val="#ppt_x"/>
+                                          </p:val>
+                                        </p:tav>
+                                      </p:tavLst>
+                                    </p:anim>
+                                    <p:anim calcmode="lin" valueType="num">
+                                      <p:cBhvr additive="base">
+                                        <p:cTn id="31" dur="500" fill="hold"/>
+                                        <p:tgtEl>
+                                          <p:spTgt spid="3">
+                                            <p:txEl>
+                                              <p:pRg st="4" end="4"/>
+                                            </p:txEl>
+                                          </p:spTgt>
+                                        </p:tgtEl>
+                                        <p:attrNameLst>
+                                          <p:attrName>ppt_y</p:attrName>
+                                        </p:attrNameLst>
+                                      </p:cBhvr>
+                                      <p:tavLst>
+                                        <p:tav tm="0">
+                                          <p:val>
+                                            <p:strVal val="1+#ppt_h/2"/>
+                                          </p:val>
+                                        </p:tav>
+                                        <p:tav tm="100000">
+                                          <p:val>
+                                            <p:strVal val="#ppt_y"/>
+                                          </p:val>
+                                        </p:tav>
+                                      </p:tavLst>
+                                    </p:anim>
+                                  </p:childTnLst>
+                                </p:cTn>
+                              </p:par>
+                            </p:childTnLst>
+                          </p:cTn>
+                        </p:par>
+                      </p:childTnLst>
+                    </p:cTn>
+                  </p:par>
+                  <p:par>
+                    <p:cTn id="32" fill="hold">
+                      <p:stCondLst>
+                        <p:cond delay="indefinite"/>
+                      </p:stCondLst>
+                      <p:childTnLst>
+                        <p:par>
+                          <p:cTn id="33" fill="hold">
+                            <p:stCondLst>
+                              <p:cond delay="0"/>
+                            </p:stCondLst>
+                            <p:childTnLst>
+                              <p:par>
+                                <p:cTn id="34" presetID="2" presetClass="entr" presetSubtype="4" fill="hold" nodeType="clickEffect">
+                                  <p:stCondLst>
+                                    <p:cond delay="0"/>
+                                  </p:stCondLst>
+                                  <p:childTnLst>
+                                    <p:set>
+                                      <p:cBhvr>
+                                        <p:cTn id="35" dur="1" fill="hold">
                                           <p:stCondLst>
                                             <p:cond delay="0"/>
                                           </p:stCondLst>
@@ -18517,7 +18869,7 @@
                                     </p:set>
                                     <p:anim calcmode="lin" valueType="num">
                                       <p:cBhvr additive="base">
-                                        <p:cTn id="13" dur="500" fill="hold"/>
+                                        <p:cTn id="36" dur="500" fill="hold"/>
                                         <p:tgtEl>
                                           <p:spTgt spid="7"/>
                                         </p:tgtEl>
@@ -18540,7 +18892,7 @@
                                     </p:anim>
                                     <p:anim calcmode="lin" valueType="num">
                                       <p:cBhvr additive="base">
-                                        <p:cTn id="14" dur="500" fill="hold"/>
+                                        <p:cTn id="37" dur="500" fill="hold"/>
                                         <p:tgtEl>
                                           <p:spTgt spid="7"/>
                                         </p:tgtEl>
@@ -18595,6 +18947,230 @@
 </p:sld>
 </file>
 
+<file path=ppt/slides/slide7.xml><?xml version="1.0" encoding="utf-8"?>
+<p:sld xmlns:a="http://schemas.openxmlformats.org/drawingml/2006/main" xmlns:r="http://schemas.openxmlformats.org/officeDocument/2006/relationships" xmlns:p="http://schemas.openxmlformats.org/presentationml/2006/main">
+  <p:cSld>
+    <p:spTree>
+      <p:nvGrpSpPr>
+        <p:cNvPr id="1" name=""/>
+        <p:cNvGrpSpPr/>
+        <p:nvPr/>
+      </p:nvGrpSpPr>
+      <p:grpSpPr>
+        <a:xfrm>
+          <a:off x="0" y="0"/>
+          <a:ext cx="0" cy="0"/>
+          <a:chOff x="0" y="0"/>
+          <a:chExt cx="0" cy="0"/>
+        </a:xfrm>
+      </p:grpSpPr>
+      <p:sp>
+        <p:nvSpPr>
+          <p:cNvPr id="2" name="标题 1"/>
+          <p:cNvSpPr>
+            <a:spLocks noGrp="1"/>
+          </p:cNvSpPr>
+          <p:nvPr>
+            <p:ph type="title"/>
+          </p:nvPr>
+        </p:nvSpPr>
+        <p:spPr/>
+        <p:txBody>
+          <a:bodyPr/>
+          <a:lstStyle/>
+          <a:p>
+            <a:r>
+              <a:rPr lang="en-US" altLang="zh-CN" dirty="0" smtClean="0"/>
+              <a:t>Lambda</a:t>
+            </a:r>
+            <a:r>
+              <a:rPr lang="zh-CN" altLang="en-US" dirty="0" smtClean="0"/>
+              <a:t>表达式</a:t>
+            </a:r>
+            <a:endParaRPr lang="zh-CN" altLang="en-US" dirty="0"/>
+          </a:p>
+        </p:txBody>
+      </p:sp>
+      <p:sp>
+        <p:nvSpPr>
+          <p:cNvPr id="3" name="内容占位符 2"/>
+          <p:cNvSpPr>
+            <a:spLocks noGrp="1"/>
+          </p:cNvSpPr>
+          <p:nvPr>
+            <p:ph idx="1"/>
+          </p:nvPr>
+        </p:nvSpPr>
+        <p:spPr/>
+        <p:txBody>
+          <a:bodyPr/>
+          <a:lstStyle/>
+          <a:p>
+            <a:r>
+              <a:rPr lang="en-US" altLang="zh-CN" dirty="0"/>
+              <a:t>[</a:t>
+            </a:r>
+            <a:r>
+              <a:rPr lang="zh-CN" altLang="en-US" dirty="0"/>
+              <a:t>捕获列表</a:t>
+            </a:r>
+            <a:r>
+              <a:rPr lang="en-US" altLang="zh-CN" dirty="0"/>
+              <a:t>](</a:t>
+            </a:r>
+            <a:r>
+              <a:rPr lang="zh-CN" altLang="en-US" dirty="0"/>
+              <a:t>参数列表</a:t>
+            </a:r>
+            <a:r>
+              <a:rPr lang="en-US" altLang="zh-CN" dirty="0"/>
+              <a:t>) mutable(</a:t>
+            </a:r>
+            <a:r>
+              <a:rPr lang="zh-CN" altLang="en-US" dirty="0"/>
+              <a:t>可选</a:t>
+            </a:r>
+            <a:r>
+              <a:rPr lang="en-US" altLang="zh-CN" dirty="0"/>
+              <a:t>) </a:t>
+            </a:r>
+            <a:r>
+              <a:rPr lang="zh-CN" altLang="en-US" dirty="0"/>
+              <a:t>异常属性 </a:t>
+            </a:r>
+            <a:r>
+              <a:rPr lang="en-US" altLang="zh-CN" dirty="0"/>
+              <a:t>-&gt; </a:t>
+            </a:r>
+            <a:r>
+              <a:rPr lang="zh-CN" altLang="en-US" dirty="0"/>
+              <a:t>返回类型 </a:t>
+            </a:r>
+            <a:r>
+              <a:rPr lang="en-US" altLang="zh-CN" dirty="0"/>
+              <a:t>{ // </a:t>
+            </a:r>
+            <a:r>
+              <a:rPr lang="zh-CN" altLang="en-US" dirty="0"/>
+              <a:t>函数体 </a:t>
+            </a:r>
+            <a:r>
+              <a:rPr lang="en-US" altLang="zh-CN" dirty="0"/>
+              <a:t>}</a:t>
+            </a:r>
+            <a:endParaRPr lang="en-US" altLang="zh-CN" b="1" dirty="0" smtClean="0"/>
+          </a:p>
+          <a:p>
+            <a:endParaRPr lang="en-US" altLang="zh-CN" b="1" dirty="0"/>
+          </a:p>
+          <a:p>
+            <a:r>
+              <a:rPr lang="en-US" altLang="zh-CN" b="1" dirty="0" smtClean="0"/>
+              <a:t>auto</a:t>
+            </a:r>
+            <a:r>
+              <a:rPr lang="en-US" altLang="zh-CN" dirty="0" smtClean="0"/>
+              <a:t> </a:t>
+            </a:r>
+            <a:r>
+              <a:rPr lang="en-US" altLang="zh-CN" dirty="0" err="1"/>
+              <a:t>fadd</a:t>
+            </a:r>
+            <a:r>
+              <a:rPr lang="en-US" altLang="zh-CN" dirty="0"/>
+              <a:t> = [](</a:t>
+            </a:r>
+            <a:r>
+              <a:rPr lang="en-US" altLang="zh-CN" b="1" dirty="0" err="1"/>
+              <a:t>int</a:t>
+            </a:r>
+            <a:r>
+              <a:rPr lang="en-US" altLang="zh-CN" dirty="0"/>
+              <a:t> a, </a:t>
+            </a:r>
+            <a:r>
+              <a:rPr lang="en-US" altLang="zh-CN" b="1" dirty="0" err="1"/>
+              <a:t>int</a:t>
+            </a:r>
+            <a:r>
+              <a:rPr lang="en-US" altLang="zh-CN" dirty="0"/>
+              <a:t> b)-&gt;</a:t>
+            </a:r>
+            <a:r>
+              <a:rPr lang="en-US" altLang="zh-CN" b="1" dirty="0" err="1"/>
+              <a:t>int</a:t>
+            </a:r>
+            <a:r>
+              <a:rPr lang="en-US" altLang="zh-CN" dirty="0"/>
+              <a:t> </a:t>
+            </a:r>
+            <a:endParaRPr lang="en-US" altLang="zh-CN" dirty="0" smtClean="0"/>
+          </a:p>
+          <a:p>
+            <a:r>
+              <a:rPr lang="en-US" altLang="zh-CN" dirty="0" smtClean="0"/>
+              <a:t>{</a:t>
+            </a:r>
+          </a:p>
+          <a:p>
+            <a:pPr marL="365760" lvl="1" indent="0">
+              <a:buNone/>
+            </a:pPr>
+            <a:r>
+              <a:rPr lang="en-US" altLang="zh-CN" dirty="0"/>
+              <a:t>	</a:t>
+            </a:r>
+            <a:r>
+              <a:rPr lang="en-US" altLang="zh-CN" dirty="0" smtClean="0"/>
+              <a:t> </a:t>
+            </a:r>
+            <a:r>
+              <a:rPr lang="en-US" altLang="zh-CN" b="1" dirty="0"/>
+              <a:t>return</a:t>
+            </a:r>
+            <a:r>
+              <a:rPr lang="en-US" altLang="zh-CN" dirty="0"/>
+              <a:t> a + b; </a:t>
+            </a:r>
+            <a:endParaRPr lang="en-US" altLang="zh-CN" dirty="0" smtClean="0"/>
+          </a:p>
+          <a:p>
+            <a:r>
+              <a:rPr lang="en-US" altLang="zh-CN" dirty="0" smtClean="0"/>
+              <a:t>};</a:t>
+            </a:r>
+          </a:p>
+          <a:p>
+            <a:endParaRPr lang="en-US" altLang="zh-CN" dirty="0" smtClean="0"/>
+          </a:p>
+          <a:p>
+            <a:endParaRPr lang="en-US" altLang="zh-CN" dirty="0"/>
+          </a:p>
+          <a:p>
+            <a:endParaRPr lang="zh-CN" altLang="en-US" dirty="0"/>
+          </a:p>
+        </p:txBody>
+      </p:sp>
+    </p:spTree>
+    <p:extLst>
+      <p:ext uri="{BB962C8B-B14F-4D97-AF65-F5344CB8AC3E}">
+        <p14:creationId xmlns:p14="http://schemas.microsoft.com/office/powerpoint/2010/main" val="1765529662"/>
+      </p:ext>
+    </p:extLst>
+  </p:cSld>
+  <p:clrMapOvr>
+    <a:masterClrMapping/>
+  </p:clrMapOvr>
+  <p:timing>
+    <p:tnLst>
+      <p:par>
+        <p:cTn id="1" dur="indefinite" restart="never" nodeType="tmRoot"/>
+      </p:par>
+    </p:tnLst>
+  </p:timing>
+</p:sld>
+</file>
+
 <file path=ppt/slides/slide8.xml><?xml version="1.0" encoding="utf-8"?>
 <p:sld xmlns:a="http://schemas.openxmlformats.org/drawingml/2006/main" xmlns:r="http://schemas.openxmlformats.org/officeDocument/2006/relationships" xmlns:p="http://schemas.openxmlformats.org/presentationml/2006/main">
   <p:cSld>
@@ -18633,7 +19209,7 @@
             </a:r>
             <a:r>
               <a:rPr lang="zh-CN" altLang="en-US" dirty="0" smtClean="0"/>
-              <a:t>表达式</a:t>
+              <a:t>表达式变量捕获</a:t>
             </a:r>
             <a:endParaRPr lang="zh-CN" altLang="en-US" dirty="0"/>
           </a:p>
@@ -18651,148 +19227,137 @@
         </p:nvSpPr>
         <p:spPr/>
         <p:txBody>
-          <a:bodyPr/>
+          <a:bodyPr>
+            <a:normAutofit fontScale="92500" lnSpcReduction="20000"/>
+          </a:bodyPr>
           <a:lstStyle/>
           <a:p>
             <a:r>
               <a:rPr lang="en-US" altLang="zh-CN" dirty="0"/>
-              <a:t>[</a:t>
+              <a:t>[] </a:t>
+            </a:r>
+            <a:r>
+              <a:rPr lang="zh-CN" altLang="en-US" dirty="0" smtClean="0"/>
+              <a:t>不捕获任何</a:t>
             </a:r>
             <a:r>
               <a:rPr lang="zh-CN" altLang="en-US" dirty="0"/>
-              <a:t>捕获列表</a:t>
-            </a:r>
+              <a:t>变量</a:t>
+            </a:r>
+          </a:p>
+          <a:p>
             <a:r>
               <a:rPr lang="en-US" altLang="zh-CN" dirty="0"/>
-              <a:t>](</a:t>
+              <a:t>[&amp;} </a:t>
+            </a:r>
+            <a:r>
+              <a:rPr lang="zh-CN" altLang="en-US" dirty="0" smtClean="0"/>
+              <a:t>捕获外部</a:t>
             </a:r>
             <a:r>
               <a:rPr lang="zh-CN" altLang="en-US" dirty="0"/>
-              <a:t>参数列表</a:t>
-            </a:r>
+              <a:t>作用域中所有变量，并作为引用在函数体中使用</a:t>
+            </a:r>
+          </a:p>
+          <a:p>
             <a:r>
               <a:rPr lang="en-US" altLang="zh-CN" dirty="0"/>
-              <a:t>) mutable(</a:t>
+              <a:t>[=] </a:t>
+            </a:r>
+            <a:r>
+              <a:rPr lang="zh-CN" altLang="en-US" dirty="0" smtClean="0"/>
+              <a:t>捕获外部</a:t>
             </a:r>
             <a:r>
               <a:rPr lang="zh-CN" altLang="en-US" dirty="0"/>
-              <a:t>可选</a:t>
-            </a:r>
+              <a:t>作用域中所有变量，并拷贝一份在函数体中使用</a:t>
+            </a:r>
+          </a:p>
+          <a:p>
             <a:r>
               <a:rPr lang="en-US" altLang="zh-CN" dirty="0"/>
-              <a:t>) </a:t>
+              <a:t>[=, &amp;foo] </a:t>
+            </a:r>
+            <a:r>
+              <a:rPr lang="zh-CN" altLang="en-US" dirty="0" smtClean="0"/>
+              <a:t>捕获外部</a:t>
             </a:r>
             <a:r>
               <a:rPr lang="zh-CN" altLang="en-US" dirty="0"/>
-              <a:t>异常属性 </a:t>
+              <a:t>作用域中所有变量，并拷贝一份在函数体中使用，但是对</a:t>
             </a:r>
             <a:r>
               <a:rPr lang="en-US" altLang="zh-CN" dirty="0"/>
-              <a:t>-&gt; </a:t>
+              <a:t>foo</a:t>
             </a:r>
             <a:r>
               <a:rPr lang="zh-CN" altLang="en-US" dirty="0"/>
-              <a:t>返回类型 </a:t>
-            </a:r>
+              <a:t>变量使用引用</a:t>
+            </a:r>
+          </a:p>
+          <a:p>
             <a:r>
               <a:rPr lang="en-US" altLang="zh-CN" dirty="0"/>
-              <a:t>{ // </a:t>
+              <a:t>[bar] </a:t>
+            </a:r>
+            <a:r>
+              <a:rPr lang="zh-CN" altLang="en-US" dirty="0" smtClean="0"/>
+              <a:t>捕获</a:t>
+            </a:r>
+            <a:r>
+              <a:rPr lang="en-US" altLang="zh-CN" dirty="0" smtClean="0"/>
+              <a:t>bar</a:t>
             </a:r>
             <a:r>
               <a:rPr lang="zh-CN" altLang="en-US" dirty="0"/>
-              <a:t>函数体 </a:t>
-            </a:r>
+              <a:t>变量并且拷贝一份在函数体重使用，同时</a:t>
+            </a:r>
+            <a:r>
+              <a:rPr lang="zh-CN" altLang="en-US" dirty="0" smtClean="0"/>
+              <a:t>不捕获其他</a:t>
+            </a:r>
+            <a:r>
+              <a:rPr lang="zh-CN" altLang="en-US" dirty="0"/>
+              <a:t>变量</a:t>
+            </a:r>
+          </a:p>
+          <a:p>
             <a:r>
               <a:rPr lang="en-US" altLang="zh-CN" dirty="0"/>
-              <a:t>}</a:t>
-            </a:r>
-            <a:endParaRPr lang="en-US" altLang="zh-CN" b="1" dirty="0" smtClean="0"/>
-          </a:p>
-          <a:p>
-            <a:endParaRPr lang="en-US" altLang="zh-CN" b="1" dirty="0"/>
-          </a:p>
-          <a:p>
-            <a:r>
-              <a:rPr lang="en-US" altLang="zh-CN" b="1" dirty="0" smtClean="0"/>
-              <a:t>auto</a:t>
-            </a:r>
-            <a:r>
-              <a:rPr lang="en-US" altLang="zh-CN" dirty="0" smtClean="0"/>
-              <a:t> </a:t>
-            </a:r>
-            <a:r>
-              <a:rPr lang="en-US" altLang="zh-CN" dirty="0" err="1"/>
-              <a:t>fadd</a:t>
+              <a:t>[this] </a:t>
+            </a:r>
+            <a:r>
+              <a:rPr lang="zh-CN" altLang="en-US" dirty="0" smtClean="0"/>
+              <a:t>捕获当前</a:t>
+            </a:r>
+            <a:r>
+              <a:rPr lang="zh-CN" altLang="en-US" dirty="0"/>
+              <a:t>类中的</a:t>
             </a:r>
             <a:r>
               <a:rPr lang="en-US" altLang="zh-CN" dirty="0"/>
-              <a:t> = [](</a:t>
-            </a:r>
-            <a:r>
-              <a:rPr lang="en-US" altLang="zh-CN" b="1" dirty="0" err="1"/>
-              <a:t>int</a:t>
+              <a:t>this</a:t>
+            </a:r>
+            <a:r>
+              <a:rPr lang="zh-CN" altLang="en-US" dirty="0"/>
+              <a:t>指针。如果已经使用了</a:t>
             </a:r>
             <a:r>
               <a:rPr lang="en-US" altLang="zh-CN" dirty="0"/>
-              <a:t> a, </a:t>
-            </a:r>
-            <a:r>
-              <a:rPr lang="en-US" altLang="zh-CN" b="1" dirty="0" err="1"/>
-              <a:t>int</a:t>
+              <a:t>&amp;</a:t>
+            </a:r>
+            <a:r>
+              <a:rPr lang="zh-CN" altLang="en-US" dirty="0"/>
+              <a:t>或者</a:t>
             </a:r>
             <a:r>
               <a:rPr lang="en-US" altLang="zh-CN" dirty="0"/>
-              <a:t> b)-&gt;</a:t>
-            </a:r>
-            <a:r>
-              <a:rPr lang="en-US" altLang="zh-CN" b="1" dirty="0" err="1"/>
-              <a:t>int</a:t>
-            </a:r>
-            <a:r>
-              <a:rPr lang="en-US" altLang="zh-CN" dirty="0"/>
-              <a:t> </a:t>
-            </a:r>
-            <a:endParaRPr lang="en-US" altLang="zh-CN" dirty="0" smtClean="0"/>
-          </a:p>
-          <a:p>
-            <a:r>
-              <a:rPr lang="en-US" altLang="zh-CN" dirty="0" smtClean="0"/>
-              <a:t>{</a:t>
-            </a:r>
-          </a:p>
-          <a:p>
-            <a:pPr marL="365760" lvl="1" indent="0">
-              <a:buNone/>
-            </a:pPr>
-            <a:r>
-              <a:rPr lang="en-US" altLang="zh-CN" dirty="0"/>
-              <a:t>	</a:t>
-            </a:r>
-            <a:r>
-              <a:rPr lang="en-US" altLang="zh-CN" dirty="0" smtClean="0"/>
-              <a:t> </a:t>
-            </a:r>
-            <a:r>
-              <a:rPr lang="en-US" altLang="zh-CN" b="1" dirty="0"/>
-              <a:t>return</a:t>
-            </a:r>
-            <a:r>
-              <a:rPr lang="en-US" altLang="zh-CN" dirty="0"/>
-              <a:t> a + b; </a:t>
-            </a:r>
-            <a:endParaRPr lang="en-US" altLang="zh-CN" dirty="0" smtClean="0"/>
-          </a:p>
-          <a:p>
-            <a:r>
-              <a:rPr lang="en-US" altLang="zh-CN" dirty="0" smtClean="0"/>
-              <a:t>};</a:t>
-            </a:r>
-          </a:p>
-          <a:p>
-            <a:endParaRPr lang="en-US" altLang="zh-CN" dirty="0" smtClean="0"/>
-          </a:p>
-          <a:p>
-            <a:endParaRPr lang="en-US" altLang="zh-CN" dirty="0"/>
+              <a:t>=</a:t>
+            </a:r>
+            <a:r>
+              <a:rPr lang="zh-CN" altLang="en-US" dirty="0"/>
+              <a:t>就默认添加此选项。</a:t>
+            </a:r>
           </a:p>
           <a:p>
             <a:endParaRPr lang="zh-CN" altLang="en-US" dirty="0"/>
@@ -18802,7 +19367,7 @@
     </p:spTree>
     <p:extLst>
       <p:ext uri="{BB962C8B-B14F-4D97-AF65-F5344CB8AC3E}">
-        <p14:creationId xmlns:p14="http://schemas.microsoft.com/office/powerpoint/2010/main" val="1765529662"/>
+        <p14:creationId xmlns:p14="http://schemas.microsoft.com/office/powerpoint/2010/main" val="1475478635"/>
       </p:ext>
     </p:extLst>
   </p:cSld>
@@ -18848,16 +19413,30 @@
         </p:nvSpPr>
         <p:spPr/>
         <p:txBody>
-          <a:bodyPr/>
+          <a:bodyPr>
+            <a:normAutofit/>
+          </a:bodyPr>
           <a:lstStyle/>
           <a:p>
             <a:r>
+              <a:rPr lang="zh-CN" altLang="en-US" dirty="0" smtClean="0"/>
+              <a:t>左</a:t>
+            </a:r>
+            <a:r>
               <a:rPr lang="en-US" altLang="zh-CN" dirty="0" smtClean="0"/>
-              <a:t>Lambda</a:t>
+              <a:t>/</a:t>
             </a:r>
             <a:r>
               <a:rPr lang="zh-CN" altLang="en-US" dirty="0" smtClean="0"/>
-              <a:t>表达式变量捕获</a:t>
+              <a:t>右值、左</a:t>
+            </a:r>
+            <a:r>
+              <a:rPr lang="en-US" altLang="zh-CN" dirty="0" smtClean="0"/>
+              <a:t>/</a:t>
+            </a:r>
+            <a:r>
+              <a:rPr lang="zh-CN" altLang="en-US" dirty="0" smtClean="0"/>
+              <a:t>右值引用</a:t>
             </a:r>
             <a:endParaRPr lang="zh-CN" altLang="en-US" dirty="0"/>
           </a:p>
@@ -18875,137 +19454,102 @@
         </p:nvSpPr>
         <p:spPr/>
         <p:txBody>
-          <a:bodyPr>
-            <a:normAutofit fontScale="92500" lnSpcReduction="20000"/>
-          </a:bodyPr>
+          <a:bodyPr/>
           <a:lstStyle/>
           <a:p>
             <a:r>
-              <a:rPr lang="en-US" altLang="zh-CN" dirty="0"/>
-              <a:t>[] </a:t>
-            </a:r>
-            <a:r>
               <a:rPr lang="zh-CN" altLang="en-US" dirty="0" smtClean="0"/>
-              <a:t>不捕获任何</a:t>
-            </a:r>
+              <a:t>左值：能取地址，有名字</a:t>
+            </a:r>
+            <a:endParaRPr lang="en-US" altLang="zh-CN" dirty="0" smtClean="0"/>
+          </a:p>
+          <a:p>
             <a:r>
               <a:rPr lang="zh-CN" altLang="en-US" dirty="0"/>
-              <a:t>变量</a:t>
-            </a:r>
-          </a:p>
-          <a:p>
-            <a:r>
-              <a:rPr lang="en-US" altLang="zh-CN" dirty="0"/>
-              <a:t>[&amp;} </a:t>
+              <a:t>右</a:t>
             </a:r>
             <a:r>
               <a:rPr lang="zh-CN" altLang="en-US" dirty="0" smtClean="0"/>
-              <a:t>捕获外部</a:t>
-            </a:r>
+              <a:t>值：纯右值</a:t>
+            </a:r>
+            <a:r>
+              <a:rPr lang="en-US" altLang="zh-CN" dirty="0" smtClean="0"/>
+              <a:t>(</a:t>
+            </a:r>
+            <a:r>
+              <a:rPr lang="en-US" altLang="zh-CN" dirty="0" err="1" smtClean="0"/>
+              <a:t>prvalue</a:t>
+            </a:r>
+            <a:r>
+              <a:rPr lang="en-US" altLang="zh-CN" dirty="0" smtClean="0"/>
+              <a:t>)</a:t>
+            </a:r>
+            <a:r>
+              <a:rPr lang="zh-CN" altLang="en-US" dirty="0" smtClean="0"/>
+              <a:t>、将亡值</a:t>
+            </a:r>
+            <a:r>
+              <a:rPr lang="en-US" altLang="zh-CN" dirty="0" smtClean="0"/>
+              <a:t>(</a:t>
+            </a:r>
+            <a:r>
+              <a:rPr lang="en-US" altLang="zh-CN" dirty="0" err="1" smtClean="0"/>
+              <a:t>xvalue</a:t>
+            </a:r>
+            <a:r>
+              <a:rPr lang="en-US" altLang="zh-CN" dirty="0" smtClean="0"/>
+              <a:t>)</a:t>
+            </a:r>
+          </a:p>
+          <a:p>
+            <a:r>
+              <a:rPr lang="zh-CN" altLang="en-US" dirty="0" smtClean="0"/>
+              <a:t>左值引用：</a:t>
+            </a:r>
+            <a:r>
+              <a:rPr lang="en-US" altLang="zh-CN" dirty="0" smtClean="0"/>
+              <a:t>T&amp;</a:t>
+            </a:r>
+          </a:p>
+          <a:p>
             <a:r>
               <a:rPr lang="zh-CN" altLang="en-US" dirty="0"/>
-              <a:t>作用域中所有变量，并作为引用在函数体中使用</a:t>
-            </a:r>
-          </a:p>
-          <a:p>
-            <a:r>
-              <a:rPr lang="en-US" altLang="zh-CN" dirty="0"/>
-              <a:t>[=] </a:t>
+              <a:t>右</a:t>
             </a:r>
             <a:r>
               <a:rPr lang="zh-CN" altLang="en-US" dirty="0" smtClean="0"/>
-              <a:t>捕获外部</a:t>
-            </a:r>
+              <a:t>值引用：</a:t>
+            </a:r>
+            <a:r>
+              <a:rPr lang="en-US" altLang="zh-CN" dirty="0" smtClean="0"/>
+              <a:t>T&amp;&amp;</a:t>
+            </a:r>
+            <a:endParaRPr lang="en-US" altLang="zh-CN" dirty="0"/>
+          </a:p>
+          <a:p>
+            <a:r>
+              <a:rPr lang="zh-CN" altLang="en-US" dirty="0" smtClean="0"/>
+              <a:t>左值常量引用：</a:t>
+            </a:r>
+            <a:r>
+              <a:rPr lang="en-US" altLang="zh-CN" dirty="0" err="1" smtClean="0"/>
+              <a:t>const</a:t>
+            </a:r>
+            <a:r>
+              <a:rPr lang="en-US" altLang="zh-CN" dirty="0" smtClean="0"/>
+              <a:t> T&amp;</a:t>
+            </a:r>
+          </a:p>
+          <a:p>
             <a:r>
               <a:rPr lang="zh-CN" altLang="en-US" dirty="0"/>
-              <a:t>作用域中所有变量，并拷贝一份在函数体中使用</a:t>
-            </a:r>
-          </a:p>
-          <a:p>
-            <a:r>
-              <a:rPr lang="en-US" altLang="zh-CN" dirty="0"/>
-              <a:t>[=, &amp;foo] </a:t>
+              <a:t>右</a:t>
             </a:r>
             <a:r>
               <a:rPr lang="zh-CN" altLang="en-US" dirty="0" smtClean="0"/>
-              <a:t>捕获外部</a:t>
-            </a:r>
-            <a:r>
-              <a:rPr lang="zh-CN" altLang="en-US" dirty="0"/>
-              <a:t>作用域中所有变量，并拷贝一份在函数体中使用，但是对</a:t>
-            </a:r>
-            <a:r>
-              <a:rPr lang="en-US" altLang="zh-CN" dirty="0"/>
-              <a:t>foo</a:t>
-            </a:r>
-            <a:r>
-              <a:rPr lang="zh-CN" altLang="en-US" dirty="0"/>
-              <a:t>变量使用引用</a:t>
-            </a:r>
-          </a:p>
-          <a:p>
-            <a:r>
-              <a:rPr lang="en-US" altLang="zh-CN" dirty="0"/>
-              <a:t>[bar] </a:t>
-            </a:r>
-            <a:r>
-              <a:rPr lang="zh-CN" altLang="en-US" dirty="0" smtClean="0"/>
-              <a:t>捕获</a:t>
-            </a:r>
-            <a:r>
-              <a:rPr lang="en-US" altLang="zh-CN" dirty="0" smtClean="0"/>
-              <a:t>bar</a:t>
-            </a:r>
-            <a:r>
-              <a:rPr lang="zh-CN" altLang="en-US" dirty="0"/>
-              <a:t>变量并且拷贝一份在函数体重使用，同时</a:t>
-            </a:r>
-            <a:r>
-              <a:rPr lang="zh-CN" altLang="en-US" dirty="0" smtClean="0"/>
-              <a:t>不捕获其他</a:t>
-            </a:r>
-            <a:r>
-              <a:rPr lang="zh-CN" altLang="en-US" dirty="0"/>
-              <a:t>变量</a:t>
-            </a:r>
-          </a:p>
-          <a:p>
-            <a:r>
-              <a:rPr lang="en-US" altLang="zh-CN" dirty="0"/>
-              <a:t>[this] </a:t>
-            </a:r>
-            <a:r>
-              <a:rPr lang="zh-CN" altLang="en-US" dirty="0" smtClean="0"/>
-              <a:t>捕获当前</a:t>
-            </a:r>
-            <a:r>
-              <a:rPr lang="zh-CN" altLang="en-US" dirty="0"/>
-              <a:t>类中的</a:t>
-            </a:r>
-            <a:r>
-              <a:rPr lang="en-US" altLang="zh-CN" dirty="0"/>
-              <a:t>this</a:t>
-            </a:r>
-            <a:r>
-              <a:rPr lang="zh-CN" altLang="en-US" dirty="0"/>
-              <a:t>指针。如果已经使用了</a:t>
-            </a:r>
-            <a:r>
-              <a:rPr lang="en-US" altLang="zh-CN" dirty="0"/>
-              <a:t>&amp;</a:t>
-            </a:r>
-            <a:r>
-              <a:rPr lang="zh-CN" altLang="en-US" dirty="0"/>
-              <a:t>或者</a:t>
-            </a:r>
-            <a:r>
-              <a:rPr lang="en-US" altLang="zh-CN" dirty="0"/>
-              <a:t>=</a:t>
-            </a:r>
-            <a:r>
-              <a:rPr lang="zh-CN" altLang="en-US" dirty="0"/>
-              <a:t>就默认添加此选项。</a:t>
-            </a:r>
+              <a:t>值常量引用：？？</a:t>
+            </a:r>
+            <a:endParaRPr lang="en-US" altLang="zh-CN" dirty="0" smtClean="0"/>
           </a:p>
           <a:p>
             <a:endParaRPr lang="zh-CN" altLang="en-US" dirty="0"/>
@@ -19013,11 +19557,6 @@
         </p:txBody>
       </p:sp>
     </p:spTree>
-    <p:extLst>
-      <p:ext uri="{BB962C8B-B14F-4D97-AF65-F5344CB8AC3E}">
-        <p14:creationId xmlns:p14="http://schemas.microsoft.com/office/powerpoint/2010/main" val="1475478635"/>
-      </p:ext>
-    </p:extLst>
   </p:cSld>
   <p:clrMapOvr>
     <a:masterClrMapping/>

--- a/doc/c++11learning.pptx
+++ b/doc/c++11learning.pptx
@@ -263,7 +263,7 @@
           <a:p>
             <a:fld id="{7AA4A401-4BFB-AD49-BDDA-8244E01004BE}" type="datetimeFigureOut">
               <a:rPr lang="en-US" smtClean="0"/>
-              <a:t>11/6/17</a:t>
+              <a:t>11/7/17</a:t>
             </a:fld>
             <a:endParaRPr lang="en-US"/>
           </a:p>
@@ -529,6 +529,2378 @@
     </a:lvl9pPr>
   </p:notesStyle>
 </p:notesMaster>
+</file>
+
+<file path=ppt/notesSlides/notesSlide1.xml><?xml version="1.0" encoding="utf-8"?>
+<p:notes xmlns:a="http://schemas.openxmlformats.org/drawingml/2006/main" xmlns:r="http://schemas.openxmlformats.org/officeDocument/2006/relationships" xmlns:p="http://schemas.openxmlformats.org/presentationml/2006/main">
+  <p:cSld>
+    <p:spTree>
+      <p:nvGrpSpPr>
+        <p:cNvPr id="1" name=""/>
+        <p:cNvGrpSpPr/>
+        <p:nvPr/>
+      </p:nvGrpSpPr>
+      <p:grpSpPr>
+        <a:xfrm>
+          <a:off x="0" y="0"/>
+          <a:ext cx="0" cy="0"/>
+          <a:chOff x="0" y="0"/>
+          <a:chExt cx="0" cy="0"/>
+        </a:xfrm>
+      </p:grpSpPr>
+      <p:sp>
+        <p:nvSpPr>
+          <p:cNvPr id="2" name="Slide Image Placeholder 1"/>
+          <p:cNvSpPr>
+            <a:spLocks noGrp="1" noRot="1" noChangeAspect="1"/>
+          </p:cNvSpPr>
+          <p:nvPr>
+            <p:ph type="sldImg"/>
+          </p:nvPr>
+        </p:nvSpPr>
+        <p:spPr/>
+      </p:sp>
+      <p:sp>
+        <p:nvSpPr>
+          <p:cNvPr id="3" name="Notes Placeholder 2"/>
+          <p:cNvSpPr>
+            <a:spLocks noGrp="1"/>
+          </p:cNvSpPr>
+          <p:nvPr>
+            <p:ph type="body" idx="1"/>
+          </p:nvPr>
+        </p:nvSpPr>
+        <p:spPr/>
+        <p:txBody>
+          <a:bodyPr/>
+          <a:lstStyle/>
+          <a:p>
+            <a:r>
+              <a:rPr lang="zh-CN" altLang="en-US" dirty="0" smtClean="0"/>
+              <a:t>由于我使用</a:t>
+            </a:r>
+            <a:r>
+              <a:rPr lang="en-US" altLang="zh-CN" dirty="0" err="1" smtClean="0"/>
+              <a:t>c++</a:t>
+            </a:r>
+            <a:r>
+              <a:rPr lang="en-US" altLang="zh-CN" dirty="0" smtClean="0"/>
+              <a:t>11</a:t>
+            </a:r>
+            <a:r>
+              <a:rPr lang="zh-CN" altLang="en-US" dirty="0" smtClean="0"/>
+              <a:t>的时间也不是很长，所以如果有讲的不好的地方，请大家多多交流</a:t>
+            </a:r>
+            <a:endParaRPr lang="en-US" dirty="0"/>
+          </a:p>
+        </p:txBody>
+      </p:sp>
+      <p:sp>
+        <p:nvSpPr>
+          <p:cNvPr id="4" name="Slide Number Placeholder 3"/>
+          <p:cNvSpPr>
+            <a:spLocks noGrp="1"/>
+          </p:cNvSpPr>
+          <p:nvPr>
+            <p:ph type="sldNum" sz="quarter" idx="10"/>
+          </p:nvPr>
+        </p:nvSpPr>
+        <p:spPr/>
+        <p:txBody>
+          <a:bodyPr/>
+          <a:lstStyle/>
+          <a:p>
+            <a:fld id="{BCCEB6C6-B3CD-9045-9992-F4F7C747430C}" type="slidenum">
+              <a:rPr lang="en-US" smtClean="0"/>
+              <a:t>1</a:t>
+            </a:fld>
+            <a:endParaRPr lang="en-US"/>
+          </a:p>
+        </p:txBody>
+      </p:sp>
+    </p:spTree>
+    <p:extLst>
+      <p:ext uri="{BB962C8B-B14F-4D97-AF65-F5344CB8AC3E}">
+        <p14:creationId xmlns:p14="http://schemas.microsoft.com/office/powerpoint/2010/main" val="87857127"/>
+      </p:ext>
+    </p:extLst>
+  </p:cSld>
+  <p:clrMapOvr>
+    <a:masterClrMapping/>
+  </p:clrMapOvr>
+</p:notes>
+</file>
+
+<file path=ppt/notesSlides/notesSlide10.xml><?xml version="1.0" encoding="utf-8"?>
+<p:notes xmlns:a="http://schemas.openxmlformats.org/drawingml/2006/main" xmlns:r="http://schemas.openxmlformats.org/officeDocument/2006/relationships" xmlns:p="http://schemas.openxmlformats.org/presentationml/2006/main">
+  <p:cSld>
+    <p:spTree>
+      <p:nvGrpSpPr>
+        <p:cNvPr id="1" name=""/>
+        <p:cNvGrpSpPr/>
+        <p:nvPr/>
+      </p:nvGrpSpPr>
+      <p:grpSpPr>
+        <a:xfrm>
+          <a:off x="0" y="0"/>
+          <a:ext cx="0" cy="0"/>
+          <a:chOff x="0" y="0"/>
+          <a:chExt cx="0" cy="0"/>
+        </a:xfrm>
+      </p:grpSpPr>
+      <p:sp>
+        <p:nvSpPr>
+          <p:cNvPr id="2" name="Slide Image Placeholder 1"/>
+          <p:cNvSpPr>
+            <a:spLocks noGrp="1" noRot="1" noChangeAspect="1"/>
+          </p:cNvSpPr>
+          <p:nvPr>
+            <p:ph type="sldImg"/>
+          </p:nvPr>
+        </p:nvSpPr>
+        <p:spPr/>
+      </p:sp>
+      <p:sp>
+        <p:nvSpPr>
+          <p:cNvPr id="3" name="Notes Placeholder 2"/>
+          <p:cNvSpPr>
+            <a:spLocks noGrp="1"/>
+          </p:cNvSpPr>
+          <p:nvPr>
+            <p:ph type="body" idx="1"/>
+          </p:nvPr>
+        </p:nvSpPr>
+        <p:spPr/>
+        <p:txBody>
+          <a:bodyPr/>
+          <a:lstStyle/>
+          <a:p>
+            <a:r>
+              <a:rPr lang="zh-CN" altLang="en-US" dirty="0" smtClean="0"/>
+              <a:t>一道面试题</a:t>
+            </a:r>
+          </a:p>
+          <a:p>
+            <a:r>
+              <a:rPr lang="zh-CN" altLang="en-US" dirty="0" smtClean="0"/>
+              <a:t>深拷贝浅拷贝</a:t>
+            </a:r>
+          </a:p>
+          <a:p>
+            <a:endParaRPr lang="en-US" dirty="0"/>
+          </a:p>
+        </p:txBody>
+      </p:sp>
+      <p:sp>
+        <p:nvSpPr>
+          <p:cNvPr id="4" name="Slide Number Placeholder 3"/>
+          <p:cNvSpPr>
+            <a:spLocks noGrp="1"/>
+          </p:cNvSpPr>
+          <p:nvPr>
+            <p:ph type="sldNum" sz="quarter" idx="10"/>
+          </p:nvPr>
+        </p:nvSpPr>
+        <p:spPr/>
+        <p:txBody>
+          <a:bodyPr/>
+          <a:lstStyle/>
+          <a:p>
+            <a:fld id="{BCCEB6C6-B3CD-9045-9992-F4F7C747430C}" type="slidenum">
+              <a:rPr lang="en-US" smtClean="0"/>
+              <a:t>10</a:t>
+            </a:fld>
+            <a:endParaRPr lang="en-US"/>
+          </a:p>
+        </p:txBody>
+      </p:sp>
+    </p:spTree>
+    <p:extLst>
+      <p:ext uri="{BB962C8B-B14F-4D97-AF65-F5344CB8AC3E}">
+        <p14:creationId xmlns:p14="http://schemas.microsoft.com/office/powerpoint/2010/main" val="652175774"/>
+      </p:ext>
+    </p:extLst>
+  </p:cSld>
+  <p:clrMapOvr>
+    <a:masterClrMapping/>
+  </p:clrMapOvr>
+</p:notes>
+</file>
+
+<file path=ppt/notesSlides/notesSlide11.xml><?xml version="1.0" encoding="utf-8"?>
+<p:notes xmlns:a="http://schemas.openxmlformats.org/drawingml/2006/main" xmlns:r="http://schemas.openxmlformats.org/officeDocument/2006/relationships" xmlns:p="http://schemas.openxmlformats.org/presentationml/2006/main">
+  <p:cSld>
+    <p:spTree>
+      <p:nvGrpSpPr>
+        <p:cNvPr id="1" name=""/>
+        <p:cNvGrpSpPr/>
+        <p:nvPr/>
+      </p:nvGrpSpPr>
+      <p:grpSpPr>
+        <a:xfrm>
+          <a:off x="0" y="0"/>
+          <a:ext cx="0" cy="0"/>
+          <a:chOff x="0" y="0"/>
+          <a:chExt cx="0" cy="0"/>
+        </a:xfrm>
+      </p:grpSpPr>
+      <p:sp>
+        <p:nvSpPr>
+          <p:cNvPr id="2" name="Slide Image Placeholder 1"/>
+          <p:cNvSpPr>
+            <a:spLocks noGrp="1" noRot="1" noChangeAspect="1"/>
+          </p:cNvSpPr>
+          <p:nvPr>
+            <p:ph type="sldImg"/>
+          </p:nvPr>
+        </p:nvSpPr>
+        <p:spPr/>
+      </p:sp>
+      <p:sp>
+        <p:nvSpPr>
+          <p:cNvPr id="3" name="Notes Placeholder 2"/>
+          <p:cNvSpPr>
+            <a:spLocks noGrp="1"/>
+          </p:cNvSpPr>
+          <p:nvPr>
+            <p:ph type="body" idx="1"/>
+          </p:nvPr>
+        </p:nvSpPr>
+        <p:spPr/>
+        <p:txBody>
+          <a:bodyPr/>
+          <a:lstStyle/>
+          <a:p>
+            <a:r>
+              <a:rPr lang="zh-CN" altLang="en-US" sz="1200" b="0" i="0" kern="1200" dirty="0" smtClean="0">
+                <a:solidFill>
+                  <a:schemeClr val="tx1"/>
+                </a:solidFill>
+                <a:effectLst/>
+                <a:latin typeface="+mn-lt"/>
+                <a:ea typeface="+mn-ea"/>
+                <a:cs typeface="+mn-cs"/>
+              </a:rPr>
+              <a:t>在传统 </a:t>
+            </a:r>
+            <a:r>
+              <a:rPr lang="en-US" altLang="zh-CN" sz="1200" b="0" i="0" kern="1200" dirty="0" smtClean="0">
+                <a:solidFill>
+                  <a:schemeClr val="tx1"/>
+                </a:solidFill>
+                <a:effectLst/>
+                <a:latin typeface="+mn-lt"/>
+                <a:ea typeface="+mn-ea"/>
+                <a:cs typeface="+mn-cs"/>
+              </a:rPr>
+              <a:t>C++ </a:t>
+            </a:r>
+            <a:r>
+              <a:rPr lang="zh-CN" altLang="en-US" sz="1200" b="0" i="0" kern="1200" dirty="0" smtClean="0">
+                <a:solidFill>
+                  <a:schemeClr val="tx1"/>
+                </a:solidFill>
+                <a:effectLst/>
+                <a:latin typeface="+mn-lt"/>
+                <a:ea typeface="+mn-ea"/>
+                <a:cs typeface="+mn-cs"/>
+              </a:rPr>
+              <a:t>中，</a:t>
+            </a:r>
+            <a:r>
+              <a:rPr lang="en-US" altLang="zh-CN" sz="1200" b="0" i="0" kern="1200" dirty="0" smtClean="0">
+                <a:solidFill>
+                  <a:schemeClr val="tx1"/>
+                </a:solidFill>
+                <a:effectLst/>
+                <a:latin typeface="+mn-lt"/>
+                <a:ea typeface="+mn-ea"/>
+                <a:cs typeface="+mn-cs"/>
+              </a:rPr>
+              <a:t>『</a:t>
+            </a:r>
+            <a:r>
+              <a:rPr lang="zh-CN" altLang="en-US" sz="1200" b="0" i="0" kern="1200" dirty="0" smtClean="0">
+                <a:solidFill>
+                  <a:schemeClr val="tx1"/>
+                </a:solidFill>
+                <a:effectLst/>
+                <a:latin typeface="+mn-lt"/>
+                <a:ea typeface="+mn-ea"/>
+                <a:cs typeface="+mn-cs"/>
+              </a:rPr>
+              <a:t>记得</a:t>
+            </a:r>
+            <a:r>
+              <a:rPr lang="en-US" altLang="zh-CN" sz="1200" b="0" i="0" kern="1200" dirty="0" smtClean="0">
+                <a:solidFill>
+                  <a:schemeClr val="tx1"/>
+                </a:solidFill>
+                <a:effectLst/>
+                <a:latin typeface="+mn-lt"/>
+                <a:ea typeface="+mn-ea"/>
+                <a:cs typeface="+mn-cs"/>
+              </a:rPr>
+              <a:t>』</a:t>
+            </a:r>
+            <a:r>
+              <a:rPr lang="zh-CN" altLang="en-US" sz="1200" b="0" i="0" kern="1200" dirty="0" smtClean="0">
+                <a:solidFill>
+                  <a:schemeClr val="tx1"/>
+                </a:solidFill>
+                <a:effectLst/>
+                <a:latin typeface="+mn-lt"/>
+                <a:ea typeface="+mn-ea"/>
+                <a:cs typeface="+mn-cs"/>
+              </a:rPr>
+              <a:t>手动释放资源，总不是最佳实践。因为我们很有可能就忘记了去释放资源而导致泄露。所以通常的做法是对于一个对象而言，我们在构造函数的时候申请空间，而在析构函数（在离开作用域时调用）的时候释放空间，也就是我们常说的 </a:t>
+            </a:r>
+            <a:r>
+              <a:rPr lang="en-US" altLang="zh-CN" sz="1200" b="0" i="0" kern="1200" dirty="0" smtClean="0">
+                <a:solidFill>
+                  <a:schemeClr val="tx1"/>
+                </a:solidFill>
+                <a:effectLst/>
+                <a:latin typeface="+mn-lt"/>
+                <a:ea typeface="+mn-ea"/>
+                <a:cs typeface="+mn-cs"/>
+              </a:rPr>
+              <a:t>RAII </a:t>
+            </a:r>
+            <a:r>
+              <a:rPr lang="zh-CN" altLang="en-US" sz="1200" b="0" i="0" kern="1200" dirty="0" smtClean="0">
+                <a:solidFill>
+                  <a:schemeClr val="tx1"/>
+                </a:solidFill>
+                <a:effectLst/>
+                <a:latin typeface="+mn-lt"/>
+                <a:ea typeface="+mn-ea"/>
+                <a:cs typeface="+mn-cs"/>
+              </a:rPr>
+              <a:t>资源获取即初始化技术。</a:t>
+            </a:r>
+          </a:p>
+          <a:p>
+            <a:r>
+              <a:rPr lang="zh-CN" altLang="en-US" sz="1200" b="0" i="0" kern="1200" dirty="0" smtClean="0">
+                <a:solidFill>
+                  <a:schemeClr val="tx1"/>
+                </a:solidFill>
+                <a:effectLst/>
+                <a:latin typeface="+mn-lt"/>
+                <a:ea typeface="+mn-ea"/>
+                <a:cs typeface="+mn-cs"/>
+              </a:rPr>
+              <a:t>凡事都有例外，我们总会有需要将对象在自由存储上分配的需求，在传统 </a:t>
+            </a:r>
+            <a:r>
+              <a:rPr lang="en-US" altLang="zh-CN" sz="1200" b="0" i="0" kern="1200" dirty="0" smtClean="0">
+                <a:solidFill>
+                  <a:schemeClr val="tx1"/>
+                </a:solidFill>
+                <a:effectLst/>
+                <a:latin typeface="+mn-lt"/>
+                <a:ea typeface="+mn-ea"/>
+                <a:cs typeface="+mn-cs"/>
+              </a:rPr>
+              <a:t>C++ </a:t>
+            </a:r>
+            <a:r>
+              <a:rPr lang="zh-CN" altLang="en-US" sz="1200" b="0" i="0" kern="1200" dirty="0" smtClean="0">
+                <a:solidFill>
+                  <a:schemeClr val="tx1"/>
+                </a:solidFill>
+                <a:effectLst/>
+                <a:latin typeface="+mn-lt"/>
+                <a:ea typeface="+mn-ea"/>
+                <a:cs typeface="+mn-cs"/>
+              </a:rPr>
+              <a:t>里我们只好使用 </a:t>
+            </a:r>
+            <a:r>
+              <a:rPr lang="en-US" altLang="zh-CN" sz="1200" b="0" i="0" kern="1200" dirty="0" smtClean="0">
+                <a:solidFill>
+                  <a:schemeClr val="tx1"/>
+                </a:solidFill>
+                <a:effectLst/>
+                <a:latin typeface="+mn-lt"/>
+                <a:ea typeface="+mn-ea"/>
+                <a:cs typeface="+mn-cs"/>
+              </a:rPr>
+              <a:t>new </a:t>
+            </a:r>
+            <a:r>
+              <a:rPr lang="zh-CN" altLang="en-US" sz="1200" b="0" i="0" kern="1200" dirty="0" smtClean="0">
+                <a:solidFill>
+                  <a:schemeClr val="tx1"/>
+                </a:solidFill>
+                <a:effectLst/>
+                <a:latin typeface="+mn-lt"/>
+                <a:ea typeface="+mn-ea"/>
+                <a:cs typeface="+mn-cs"/>
+              </a:rPr>
+              <a:t>和 </a:t>
+            </a:r>
+            <a:r>
+              <a:rPr lang="en-US" altLang="zh-CN" sz="1200" b="0" i="0" kern="1200" dirty="0" smtClean="0">
+                <a:solidFill>
+                  <a:schemeClr val="tx1"/>
+                </a:solidFill>
+                <a:effectLst/>
+                <a:latin typeface="+mn-lt"/>
+                <a:ea typeface="+mn-ea"/>
+                <a:cs typeface="+mn-cs"/>
+              </a:rPr>
+              <a:t>delete </a:t>
+            </a:r>
+            <a:r>
+              <a:rPr lang="zh-CN" altLang="en-US" sz="1200" b="0" i="0" kern="1200" dirty="0" smtClean="0">
+                <a:solidFill>
+                  <a:schemeClr val="tx1"/>
+                </a:solidFill>
+                <a:effectLst/>
+                <a:latin typeface="+mn-lt"/>
+                <a:ea typeface="+mn-ea"/>
+                <a:cs typeface="+mn-cs"/>
+              </a:rPr>
+              <a:t>去</a:t>
+            </a:r>
+            <a:r>
+              <a:rPr lang="en-US" altLang="zh-CN" sz="1200" b="0" i="0" kern="1200" dirty="0" smtClean="0">
+                <a:solidFill>
+                  <a:schemeClr val="tx1"/>
+                </a:solidFill>
+                <a:effectLst/>
+                <a:latin typeface="+mn-lt"/>
+                <a:ea typeface="+mn-ea"/>
+                <a:cs typeface="+mn-cs"/>
+              </a:rPr>
+              <a:t>『</a:t>
+            </a:r>
+            <a:r>
+              <a:rPr lang="zh-CN" altLang="en-US" sz="1200" b="0" i="0" kern="1200" dirty="0" smtClean="0">
+                <a:solidFill>
+                  <a:schemeClr val="tx1"/>
+                </a:solidFill>
+                <a:effectLst/>
+                <a:latin typeface="+mn-lt"/>
+                <a:ea typeface="+mn-ea"/>
+                <a:cs typeface="+mn-cs"/>
+              </a:rPr>
+              <a:t>记得</a:t>
+            </a:r>
+            <a:r>
+              <a:rPr lang="en-US" altLang="zh-CN" sz="1200" b="0" i="0" kern="1200" dirty="0" smtClean="0">
+                <a:solidFill>
+                  <a:schemeClr val="tx1"/>
+                </a:solidFill>
+                <a:effectLst/>
+                <a:latin typeface="+mn-lt"/>
+                <a:ea typeface="+mn-ea"/>
+                <a:cs typeface="+mn-cs"/>
+              </a:rPr>
+              <a:t>』</a:t>
+            </a:r>
+            <a:r>
+              <a:rPr lang="zh-CN" altLang="en-US" sz="1200" b="0" i="0" kern="1200" dirty="0" smtClean="0">
+                <a:solidFill>
+                  <a:schemeClr val="tx1"/>
+                </a:solidFill>
+                <a:effectLst/>
+                <a:latin typeface="+mn-lt"/>
+                <a:ea typeface="+mn-ea"/>
+                <a:cs typeface="+mn-cs"/>
+              </a:rPr>
+              <a:t>对资源进行释放。而 </a:t>
+            </a:r>
+            <a:r>
+              <a:rPr lang="en-US" altLang="zh-CN" sz="1200" b="0" i="0" kern="1200" dirty="0" smtClean="0">
+                <a:solidFill>
+                  <a:schemeClr val="tx1"/>
+                </a:solidFill>
+                <a:effectLst/>
+                <a:latin typeface="+mn-lt"/>
+                <a:ea typeface="+mn-ea"/>
+                <a:cs typeface="+mn-cs"/>
+              </a:rPr>
+              <a:t>C++11 </a:t>
+            </a:r>
+            <a:r>
+              <a:rPr lang="zh-CN" altLang="en-US" sz="1200" b="0" i="0" kern="1200" dirty="0" smtClean="0">
+                <a:solidFill>
+                  <a:schemeClr val="tx1"/>
+                </a:solidFill>
+                <a:effectLst/>
+                <a:latin typeface="+mn-lt"/>
+                <a:ea typeface="+mn-ea"/>
+                <a:cs typeface="+mn-cs"/>
+              </a:rPr>
+              <a:t>引入了智能指针的概念，使用了引用计数的想法，让程序员不再需要关心手动释放内存。这些智能指针就包括 </a:t>
+            </a:r>
+            <a:r>
+              <a:rPr lang="en-US" altLang="zh-CN" sz="1200" b="0" i="0" kern="1200" dirty="0" err="1" smtClean="0">
+                <a:solidFill>
+                  <a:schemeClr val="tx1"/>
+                </a:solidFill>
+                <a:effectLst/>
+                <a:latin typeface="+mn-lt"/>
+                <a:ea typeface="+mn-ea"/>
+                <a:cs typeface="+mn-cs"/>
+              </a:rPr>
+              <a:t>std</a:t>
+            </a:r>
+            <a:r>
+              <a:rPr lang="en-US" altLang="zh-CN" sz="1200" b="0" i="0" kern="1200" dirty="0" smtClean="0">
+                <a:solidFill>
+                  <a:schemeClr val="tx1"/>
+                </a:solidFill>
+                <a:effectLst/>
+                <a:latin typeface="+mn-lt"/>
+                <a:ea typeface="+mn-ea"/>
+                <a:cs typeface="+mn-cs"/>
+              </a:rPr>
+              <a:t>::</a:t>
+            </a:r>
+            <a:r>
+              <a:rPr lang="en-US" altLang="zh-CN" sz="1200" b="0" i="0" kern="1200" dirty="0" err="1" smtClean="0">
+                <a:solidFill>
+                  <a:schemeClr val="tx1"/>
+                </a:solidFill>
+                <a:effectLst/>
+                <a:latin typeface="+mn-lt"/>
+                <a:ea typeface="+mn-ea"/>
+                <a:cs typeface="+mn-cs"/>
+              </a:rPr>
+              <a:t>shared_ptr</a:t>
+            </a:r>
+            <a:r>
+              <a:rPr lang="en-US" altLang="zh-CN" sz="1200" b="0" i="0" kern="1200" dirty="0" smtClean="0">
+                <a:solidFill>
+                  <a:schemeClr val="tx1"/>
+                </a:solidFill>
+                <a:effectLst/>
+                <a:latin typeface="+mn-lt"/>
+                <a:ea typeface="+mn-ea"/>
+                <a:cs typeface="+mn-cs"/>
+              </a:rPr>
+              <a:t>/</a:t>
+            </a:r>
+            <a:r>
+              <a:rPr lang="en-US" altLang="zh-CN" sz="1200" b="0" i="0" kern="1200" dirty="0" err="1" smtClean="0">
+                <a:solidFill>
+                  <a:schemeClr val="tx1"/>
+                </a:solidFill>
+                <a:effectLst/>
+                <a:latin typeface="+mn-lt"/>
+                <a:ea typeface="+mn-ea"/>
+                <a:cs typeface="+mn-cs"/>
+              </a:rPr>
+              <a:t>std</a:t>
+            </a:r>
+            <a:r>
+              <a:rPr lang="en-US" altLang="zh-CN" sz="1200" b="0" i="0" kern="1200" dirty="0" smtClean="0">
+                <a:solidFill>
+                  <a:schemeClr val="tx1"/>
+                </a:solidFill>
+                <a:effectLst/>
+                <a:latin typeface="+mn-lt"/>
+                <a:ea typeface="+mn-ea"/>
+                <a:cs typeface="+mn-cs"/>
+              </a:rPr>
+              <a:t>::</a:t>
+            </a:r>
+            <a:r>
+              <a:rPr lang="en-US" altLang="zh-CN" sz="1200" b="0" i="0" kern="1200" dirty="0" err="1" smtClean="0">
+                <a:solidFill>
+                  <a:schemeClr val="tx1"/>
+                </a:solidFill>
+                <a:effectLst/>
+                <a:latin typeface="+mn-lt"/>
+                <a:ea typeface="+mn-ea"/>
+                <a:cs typeface="+mn-cs"/>
+              </a:rPr>
+              <a:t>unique_ptr</a:t>
+            </a:r>
+            <a:r>
+              <a:rPr lang="en-US" altLang="zh-CN" sz="1200" b="0" i="0" kern="1200" dirty="0" smtClean="0">
+                <a:solidFill>
+                  <a:schemeClr val="tx1"/>
+                </a:solidFill>
+                <a:effectLst/>
+                <a:latin typeface="+mn-lt"/>
+                <a:ea typeface="+mn-ea"/>
+                <a:cs typeface="+mn-cs"/>
+              </a:rPr>
+              <a:t>/</a:t>
+            </a:r>
+            <a:r>
+              <a:rPr lang="en-US" altLang="zh-CN" sz="1200" b="0" i="0" kern="1200" dirty="0" err="1" smtClean="0">
+                <a:solidFill>
+                  <a:schemeClr val="tx1"/>
+                </a:solidFill>
+                <a:effectLst/>
+                <a:latin typeface="+mn-lt"/>
+                <a:ea typeface="+mn-ea"/>
+                <a:cs typeface="+mn-cs"/>
+              </a:rPr>
+              <a:t>std</a:t>
+            </a:r>
+            <a:r>
+              <a:rPr lang="en-US" altLang="zh-CN" sz="1200" b="0" i="0" kern="1200" dirty="0" smtClean="0">
+                <a:solidFill>
+                  <a:schemeClr val="tx1"/>
+                </a:solidFill>
+                <a:effectLst/>
+                <a:latin typeface="+mn-lt"/>
+                <a:ea typeface="+mn-ea"/>
+                <a:cs typeface="+mn-cs"/>
+              </a:rPr>
+              <a:t>::</a:t>
+            </a:r>
+            <a:r>
+              <a:rPr lang="en-US" altLang="zh-CN" sz="1200" b="0" i="0" kern="1200" dirty="0" err="1" smtClean="0">
+                <a:solidFill>
+                  <a:schemeClr val="tx1"/>
+                </a:solidFill>
+                <a:effectLst/>
+                <a:latin typeface="+mn-lt"/>
+                <a:ea typeface="+mn-ea"/>
+                <a:cs typeface="+mn-cs"/>
+              </a:rPr>
+              <a:t>weak_ptr</a:t>
+            </a:r>
+            <a:r>
+              <a:rPr lang="zh-CN" altLang="en-US" sz="1200" b="0" i="0" kern="1200" dirty="0" smtClean="0">
+                <a:solidFill>
+                  <a:schemeClr val="tx1"/>
+                </a:solidFill>
+                <a:effectLst/>
+                <a:latin typeface="+mn-lt"/>
+                <a:ea typeface="+mn-ea"/>
+                <a:cs typeface="+mn-cs"/>
+              </a:rPr>
+              <a:t>，使用它们需要包含头文件 </a:t>
+            </a:r>
+            <a:r>
+              <a:rPr lang="en-US" altLang="zh-CN" sz="1200" b="0" i="0" kern="1200" dirty="0" smtClean="0">
+                <a:solidFill>
+                  <a:schemeClr val="tx1"/>
+                </a:solidFill>
+                <a:effectLst/>
+                <a:latin typeface="+mn-lt"/>
+                <a:ea typeface="+mn-ea"/>
+                <a:cs typeface="+mn-cs"/>
+              </a:rPr>
+              <a:t>&lt;memory&gt;</a:t>
+            </a:r>
+          </a:p>
+          <a:p>
+            <a:r>
+              <a:rPr lang="en-US" dirty="0" err="1" smtClean="0"/>
+              <a:t>auto_ptr</a:t>
+            </a:r>
+            <a:r>
+              <a:rPr lang="zh-CN" altLang="en-US" dirty="0" smtClean="0"/>
+              <a:t>在</a:t>
+            </a:r>
+            <a:r>
+              <a:rPr lang="en-US" altLang="zh-CN" dirty="0" err="1" smtClean="0"/>
+              <a:t>c++</a:t>
+            </a:r>
+            <a:r>
+              <a:rPr lang="en-US" altLang="zh-CN" dirty="0" smtClean="0"/>
+              <a:t>17</a:t>
+            </a:r>
+            <a:r>
+              <a:rPr lang="zh-CN" altLang="en-US" dirty="0" smtClean="0"/>
+              <a:t>已经被弃用</a:t>
+            </a:r>
+            <a:endParaRPr lang="en-US" dirty="0" smtClean="0"/>
+          </a:p>
+        </p:txBody>
+      </p:sp>
+      <p:sp>
+        <p:nvSpPr>
+          <p:cNvPr id="4" name="Slide Number Placeholder 3"/>
+          <p:cNvSpPr>
+            <a:spLocks noGrp="1"/>
+          </p:cNvSpPr>
+          <p:nvPr>
+            <p:ph type="sldNum" sz="quarter" idx="10"/>
+          </p:nvPr>
+        </p:nvSpPr>
+        <p:spPr/>
+        <p:txBody>
+          <a:bodyPr/>
+          <a:lstStyle/>
+          <a:p>
+            <a:fld id="{BCCEB6C6-B3CD-9045-9992-F4F7C747430C}" type="slidenum">
+              <a:rPr lang="en-US" smtClean="0"/>
+              <a:t>16</a:t>
+            </a:fld>
+            <a:endParaRPr lang="en-US"/>
+          </a:p>
+        </p:txBody>
+      </p:sp>
+    </p:spTree>
+    <p:extLst>
+      <p:ext uri="{BB962C8B-B14F-4D97-AF65-F5344CB8AC3E}">
+        <p14:creationId xmlns:p14="http://schemas.microsoft.com/office/powerpoint/2010/main" val="402039786"/>
+      </p:ext>
+    </p:extLst>
+  </p:cSld>
+  <p:clrMapOvr>
+    <a:masterClrMapping/>
+  </p:clrMapOvr>
+</p:notes>
+</file>
+
+<file path=ppt/notesSlides/notesSlide12.xml><?xml version="1.0" encoding="utf-8"?>
+<p:notes xmlns:a="http://schemas.openxmlformats.org/drawingml/2006/main" xmlns:r="http://schemas.openxmlformats.org/officeDocument/2006/relationships" xmlns:p="http://schemas.openxmlformats.org/presentationml/2006/main">
+  <p:cSld>
+    <p:spTree>
+      <p:nvGrpSpPr>
+        <p:cNvPr id="1" name=""/>
+        <p:cNvGrpSpPr/>
+        <p:nvPr/>
+      </p:nvGrpSpPr>
+      <p:grpSpPr>
+        <a:xfrm>
+          <a:off x="0" y="0"/>
+          <a:ext cx="0" cy="0"/>
+          <a:chOff x="0" y="0"/>
+          <a:chExt cx="0" cy="0"/>
+        </a:xfrm>
+      </p:grpSpPr>
+      <p:sp>
+        <p:nvSpPr>
+          <p:cNvPr id="2" name="Slide Image Placeholder 1"/>
+          <p:cNvSpPr>
+            <a:spLocks noGrp="1" noRot="1" noChangeAspect="1"/>
+          </p:cNvSpPr>
+          <p:nvPr>
+            <p:ph type="sldImg"/>
+          </p:nvPr>
+        </p:nvSpPr>
+        <p:spPr/>
+      </p:sp>
+      <p:sp>
+        <p:nvSpPr>
+          <p:cNvPr id="3" name="Notes Placeholder 2"/>
+          <p:cNvSpPr>
+            <a:spLocks noGrp="1"/>
+          </p:cNvSpPr>
+          <p:nvPr>
+            <p:ph type="body" idx="1"/>
+          </p:nvPr>
+        </p:nvSpPr>
+        <p:spPr/>
+        <p:txBody>
+          <a:bodyPr/>
+          <a:lstStyle/>
+          <a:p>
+            <a:r>
+              <a:rPr lang="en-US" altLang="zh-CN" dirty="0" err="1" smtClean="0"/>
+              <a:t>pthread</a:t>
+            </a:r>
+            <a:endParaRPr lang="en-US" altLang="zh-CN" dirty="0" smtClean="0"/>
+          </a:p>
+          <a:p>
+            <a:endParaRPr lang="en-US" dirty="0"/>
+          </a:p>
+        </p:txBody>
+      </p:sp>
+      <p:sp>
+        <p:nvSpPr>
+          <p:cNvPr id="4" name="Slide Number Placeholder 3"/>
+          <p:cNvSpPr>
+            <a:spLocks noGrp="1"/>
+          </p:cNvSpPr>
+          <p:nvPr>
+            <p:ph type="sldNum" sz="quarter" idx="10"/>
+          </p:nvPr>
+        </p:nvSpPr>
+        <p:spPr/>
+        <p:txBody>
+          <a:bodyPr/>
+          <a:lstStyle/>
+          <a:p>
+            <a:fld id="{BCCEB6C6-B3CD-9045-9992-F4F7C747430C}" type="slidenum">
+              <a:rPr lang="en-US" smtClean="0"/>
+              <a:t>19</a:t>
+            </a:fld>
+            <a:endParaRPr lang="en-US"/>
+          </a:p>
+        </p:txBody>
+      </p:sp>
+    </p:spTree>
+    <p:extLst>
+      <p:ext uri="{BB962C8B-B14F-4D97-AF65-F5344CB8AC3E}">
+        <p14:creationId xmlns:p14="http://schemas.microsoft.com/office/powerpoint/2010/main" val="1985201249"/>
+      </p:ext>
+    </p:extLst>
+  </p:cSld>
+  <p:clrMapOvr>
+    <a:masterClrMapping/>
+  </p:clrMapOvr>
+</p:notes>
+</file>
+
+<file path=ppt/notesSlides/notesSlide13.xml><?xml version="1.0" encoding="utf-8"?>
+<p:notes xmlns:a="http://schemas.openxmlformats.org/drawingml/2006/main" xmlns:r="http://schemas.openxmlformats.org/officeDocument/2006/relationships" xmlns:p="http://schemas.openxmlformats.org/presentationml/2006/main">
+  <p:cSld>
+    <p:spTree>
+      <p:nvGrpSpPr>
+        <p:cNvPr id="1" name=""/>
+        <p:cNvGrpSpPr/>
+        <p:nvPr/>
+      </p:nvGrpSpPr>
+      <p:grpSpPr>
+        <a:xfrm>
+          <a:off x="0" y="0"/>
+          <a:ext cx="0" cy="0"/>
+          <a:chOff x="0" y="0"/>
+          <a:chExt cx="0" cy="0"/>
+        </a:xfrm>
+      </p:grpSpPr>
+      <p:sp>
+        <p:nvSpPr>
+          <p:cNvPr id="2" name="Slide Image Placeholder 1"/>
+          <p:cNvSpPr>
+            <a:spLocks noGrp="1" noRot="1" noChangeAspect="1"/>
+          </p:cNvSpPr>
+          <p:nvPr>
+            <p:ph type="sldImg"/>
+          </p:nvPr>
+        </p:nvSpPr>
+        <p:spPr/>
+      </p:sp>
+      <p:sp>
+        <p:nvSpPr>
+          <p:cNvPr id="3" name="Notes Placeholder 2"/>
+          <p:cNvSpPr>
+            <a:spLocks noGrp="1"/>
+          </p:cNvSpPr>
+          <p:nvPr>
+            <p:ph type="body" idx="1"/>
+          </p:nvPr>
+        </p:nvSpPr>
+        <p:spPr/>
+        <p:txBody>
+          <a:bodyPr/>
+          <a:lstStyle/>
+          <a:p>
+            <a:r>
+              <a:rPr lang="en-US" altLang="zh-CN" dirty="0" err="1" smtClean="0"/>
+              <a:t>call_once</a:t>
+            </a:r>
+            <a:endParaRPr lang="en-US" altLang="zh-CN" dirty="0" smtClean="0"/>
+          </a:p>
+          <a:p>
+            <a:endParaRPr lang="en-US" altLang="zh-CN" dirty="0" smtClean="0"/>
+          </a:p>
+          <a:p>
+            <a:r>
+              <a:rPr lang="en-US" altLang="zh-CN" dirty="0" smtClean="0"/>
+              <a:t>DCLP</a:t>
+            </a:r>
+            <a:endParaRPr lang="en-US" dirty="0"/>
+          </a:p>
+        </p:txBody>
+      </p:sp>
+      <p:sp>
+        <p:nvSpPr>
+          <p:cNvPr id="4" name="Slide Number Placeholder 3"/>
+          <p:cNvSpPr>
+            <a:spLocks noGrp="1"/>
+          </p:cNvSpPr>
+          <p:nvPr>
+            <p:ph type="sldNum" sz="quarter" idx="10"/>
+          </p:nvPr>
+        </p:nvSpPr>
+        <p:spPr/>
+        <p:txBody>
+          <a:bodyPr/>
+          <a:lstStyle/>
+          <a:p>
+            <a:fld id="{BCCEB6C6-B3CD-9045-9992-F4F7C747430C}" type="slidenum">
+              <a:rPr lang="en-US" smtClean="0"/>
+              <a:t>21</a:t>
+            </a:fld>
+            <a:endParaRPr lang="en-US"/>
+          </a:p>
+        </p:txBody>
+      </p:sp>
+    </p:spTree>
+    <p:extLst>
+      <p:ext uri="{BB962C8B-B14F-4D97-AF65-F5344CB8AC3E}">
+        <p14:creationId xmlns:p14="http://schemas.microsoft.com/office/powerpoint/2010/main" val="1225999748"/>
+      </p:ext>
+    </p:extLst>
+  </p:cSld>
+  <p:clrMapOvr>
+    <a:masterClrMapping/>
+  </p:clrMapOvr>
+</p:notes>
+</file>
+
+<file path=ppt/notesSlides/notesSlide14.xml><?xml version="1.0" encoding="utf-8"?>
+<p:notes xmlns:a="http://schemas.openxmlformats.org/drawingml/2006/main" xmlns:r="http://schemas.openxmlformats.org/officeDocument/2006/relationships" xmlns:p="http://schemas.openxmlformats.org/presentationml/2006/main">
+  <p:cSld>
+    <p:spTree>
+      <p:nvGrpSpPr>
+        <p:cNvPr id="1" name=""/>
+        <p:cNvGrpSpPr/>
+        <p:nvPr/>
+      </p:nvGrpSpPr>
+      <p:grpSpPr>
+        <a:xfrm>
+          <a:off x="0" y="0"/>
+          <a:ext cx="0" cy="0"/>
+          <a:chOff x="0" y="0"/>
+          <a:chExt cx="0" cy="0"/>
+        </a:xfrm>
+      </p:grpSpPr>
+      <p:sp>
+        <p:nvSpPr>
+          <p:cNvPr id="2" name="Slide Image Placeholder 1"/>
+          <p:cNvSpPr>
+            <a:spLocks noGrp="1" noRot="1" noChangeAspect="1"/>
+          </p:cNvSpPr>
+          <p:nvPr>
+            <p:ph type="sldImg"/>
+          </p:nvPr>
+        </p:nvSpPr>
+        <p:spPr/>
+      </p:sp>
+      <p:sp>
+        <p:nvSpPr>
+          <p:cNvPr id="3" name="Notes Placeholder 2"/>
+          <p:cNvSpPr>
+            <a:spLocks noGrp="1"/>
+          </p:cNvSpPr>
+          <p:nvPr>
+            <p:ph type="body" idx="1"/>
+          </p:nvPr>
+        </p:nvSpPr>
+        <p:spPr/>
+        <p:txBody>
+          <a:bodyPr/>
+          <a:lstStyle/>
+          <a:p>
+            <a:r>
+              <a:rPr lang="en-US" b="1" dirty="0" smtClean="0">
+                <a:effectLst/>
+              </a:rPr>
+              <a:t>Variant</a:t>
+            </a:r>
+            <a:r>
+              <a:rPr lang="en-US" dirty="0" smtClean="0"/>
+              <a:t> </a:t>
+            </a:r>
+            <a:r>
+              <a:rPr lang="en-US" dirty="0" err="1" smtClean="0"/>
+              <a:t>安全的union替换者</a:t>
+            </a:r>
+            <a:endParaRPr lang="en-US" dirty="0" smtClean="0"/>
+          </a:p>
+          <a:p>
+            <a:r>
+              <a:rPr lang="en-US" altLang="zh-CN" dirty="0" smtClean="0"/>
+              <a:t>filesystem</a:t>
+            </a:r>
+            <a:r>
+              <a:rPr lang="zh-CN" altLang="en-US" dirty="0" smtClean="0"/>
+              <a:t> </a:t>
+            </a:r>
+            <a:r>
+              <a:rPr lang="en-US" altLang="zh-CN" dirty="0" smtClean="0"/>
+              <a:t>regex</a:t>
+            </a:r>
+            <a:r>
+              <a:rPr lang="zh-CN" altLang="en-US" dirty="0" smtClean="0"/>
+              <a:t> 从</a:t>
+            </a:r>
+            <a:r>
+              <a:rPr lang="en-US" altLang="zh-CN" dirty="0" smtClean="0"/>
+              <a:t>boost</a:t>
+            </a:r>
+            <a:r>
+              <a:rPr lang="zh-CN" altLang="en-US" dirty="0" smtClean="0"/>
+              <a:t>引入</a:t>
+            </a:r>
+            <a:endParaRPr lang="en-US" dirty="0" smtClean="0"/>
+          </a:p>
+          <a:p>
+            <a:r>
+              <a:rPr lang="en-US" b="1" dirty="0" smtClean="0">
+                <a:effectLst/>
+              </a:rPr>
+              <a:t>module import</a:t>
+            </a:r>
+            <a:r>
+              <a:rPr lang="en-US" dirty="0" smtClean="0"/>
+              <a:t> 提高编译速度 防止重复编译头文件</a:t>
+            </a:r>
+          </a:p>
+          <a:p>
+            <a:r>
+              <a:rPr lang="en-US" b="1" dirty="0" err="1" smtClean="0">
+                <a:effectLst/>
+              </a:rPr>
+              <a:t>coroutine</a:t>
+            </a:r>
+            <a:r>
+              <a:rPr lang="en-US" dirty="0" smtClean="0"/>
+              <a:t> </a:t>
+            </a:r>
+            <a:r>
+              <a:rPr lang="en-US" dirty="0" err="1" smtClean="0"/>
+              <a:t>boost中的coroutine</a:t>
+            </a:r>
+            <a:endParaRPr lang="en-US" dirty="0" smtClean="0"/>
+          </a:p>
+          <a:p>
+            <a:r>
+              <a:rPr lang="en-US" b="1" dirty="0" smtClean="0">
+                <a:effectLst/>
+              </a:rPr>
+              <a:t>concept</a:t>
+            </a:r>
+            <a:r>
+              <a:rPr lang="en-US" dirty="0" smtClean="0"/>
+              <a:t> 编译期属性 </a:t>
+            </a:r>
+            <a:r>
+              <a:rPr lang="en-US" dirty="0" err="1" smtClean="0"/>
+              <a:t>requires原语支持范性编程</a:t>
+            </a:r>
+            <a:r>
+              <a:rPr lang="en-US" dirty="0" smtClean="0"/>
+              <a:t> 指定模板类型拥有的函数 </a:t>
+            </a:r>
+          </a:p>
+          <a:p>
+            <a:r>
+              <a:rPr lang="en-US" altLang="zh-CN" b="1" dirty="0" err="1" smtClean="0">
+                <a:effectLst/>
+              </a:rPr>
+              <a:t>metaclass</a:t>
+            </a:r>
+            <a:r>
+              <a:rPr lang="zh-CN" altLang="en-US" b="1" dirty="0" smtClean="0">
+                <a:effectLst/>
+              </a:rPr>
+              <a:t> </a:t>
+            </a:r>
+            <a:r>
+              <a:rPr lang="zh-CN" altLang="en-US" dirty="0" smtClean="0"/>
+              <a:t>既是对象又是类，单例类</a:t>
+            </a:r>
+            <a:endParaRPr lang="en-US" dirty="0"/>
+          </a:p>
+        </p:txBody>
+      </p:sp>
+      <p:sp>
+        <p:nvSpPr>
+          <p:cNvPr id="4" name="Slide Number Placeholder 3"/>
+          <p:cNvSpPr>
+            <a:spLocks noGrp="1"/>
+          </p:cNvSpPr>
+          <p:nvPr>
+            <p:ph type="sldNum" sz="quarter" idx="10"/>
+          </p:nvPr>
+        </p:nvSpPr>
+        <p:spPr/>
+        <p:txBody>
+          <a:bodyPr/>
+          <a:lstStyle/>
+          <a:p>
+            <a:fld id="{BCCEB6C6-B3CD-9045-9992-F4F7C747430C}" type="slidenum">
+              <a:rPr lang="en-US" smtClean="0"/>
+              <a:t>22</a:t>
+            </a:fld>
+            <a:endParaRPr lang="en-US"/>
+          </a:p>
+        </p:txBody>
+      </p:sp>
+    </p:spTree>
+    <p:extLst>
+      <p:ext uri="{BB962C8B-B14F-4D97-AF65-F5344CB8AC3E}">
+        <p14:creationId xmlns:p14="http://schemas.microsoft.com/office/powerpoint/2010/main" val="361699330"/>
+      </p:ext>
+    </p:extLst>
+  </p:cSld>
+  <p:clrMapOvr>
+    <a:masterClrMapping/>
+  </p:clrMapOvr>
+</p:notes>
+</file>
+
+<file path=ppt/notesSlides/notesSlide2.xml><?xml version="1.0" encoding="utf-8"?>
+<p:notes xmlns:a="http://schemas.openxmlformats.org/drawingml/2006/main" xmlns:r="http://schemas.openxmlformats.org/officeDocument/2006/relationships" xmlns:p="http://schemas.openxmlformats.org/presentationml/2006/main">
+  <p:cSld>
+    <p:spTree>
+      <p:nvGrpSpPr>
+        <p:cNvPr id="1" name=""/>
+        <p:cNvGrpSpPr/>
+        <p:nvPr/>
+      </p:nvGrpSpPr>
+      <p:grpSpPr>
+        <a:xfrm>
+          <a:off x="0" y="0"/>
+          <a:ext cx="0" cy="0"/>
+          <a:chOff x="0" y="0"/>
+          <a:chExt cx="0" cy="0"/>
+        </a:xfrm>
+      </p:grpSpPr>
+      <p:sp>
+        <p:nvSpPr>
+          <p:cNvPr id="2" name="Slide Image Placeholder 1"/>
+          <p:cNvSpPr>
+            <a:spLocks noGrp="1" noRot="1" noChangeAspect="1"/>
+          </p:cNvSpPr>
+          <p:nvPr>
+            <p:ph type="sldImg"/>
+          </p:nvPr>
+        </p:nvSpPr>
+        <p:spPr/>
+      </p:sp>
+      <p:sp>
+        <p:nvSpPr>
+          <p:cNvPr id="3" name="Notes Placeholder 2"/>
+          <p:cNvSpPr>
+            <a:spLocks noGrp="1"/>
+          </p:cNvSpPr>
+          <p:nvPr>
+            <p:ph type="body" idx="1"/>
+          </p:nvPr>
+        </p:nvSpPr>
+        <p:spPr/>
+        <p:txBody>
+          <a:bodyPr/>
+          <a:lstStyle/>
+          <a:p>
+            <a:r>
+              <a:rPr lang="en-US" dirty="0" smtClean="0"/>
+              <a:t>1. </a:t>
+            </a:r>
+            <a:r>
+              <a:rPr lang="en-US" dirty="0" err="1" smtClean="0"/>
+              <a:t>c++</a:t>
+            </a:r>
+            <a:r>
+              <a:rPr lang="zh-CN" altLang="en-US" dirty="0" smtClean="0"/>
+              <a:t>衍生自</a:t>
+            </a:r>
+            <a:r>
+              <a:rPr lang="en-US" altLang="zh-CN" dirty="0" smtClean="0"/>
+              <a:t>c</a:t>
+            </a:r>
+          </a:p>
+          <a:p>
+            <a:r>
+              <a:rPr lang="en-US" altLang="zh-CN" dirty="0" smtClean="0"/>
+              <a:t>2.</a:t>
+            </a:r>
+            <a:r>
+              <a:rPr lang="zh-CN" altLang="en-US" dirty="0" smtClean="0"/>
+              <a:t> </a:t>
+            </a:r>
+            <a:r>
+              <a:rPr lang="en-US" altLang="zh-CN" dirty="0" smtClean="0"/>
+              <a:t>c/</a:t>
+            </a:r>
+            <a:r>
+              <a:rPr lang="en-US" altLang="zh-CN" dirty="0" err="1" smtClean="0"/>
+              <a:t>c++</a:t>
+            </a:r>
+            <a:r>
+              <a:rPr lang="zh-CN" altLang="en-US" dirty="0" smtClean="0"/>
+              <a:t>版本是一回事吗？答案是否定的。他们的关系可以看这张图。</a:t>
+            </a:r>
+            <a:r>
+              <a:rPr lang="en-US" altLang="zh-CN" dirty="0" smtClean="0"/>
+              <a:t>c</a:t>
+            </a:r>
+            <a:r>
+              <a:rPr lang="zh-CN" altLang="en-US" dirty="0" smtClean="0"/>
+              <a:t>标准委员会和</a:t>
+            </a:r>
+            <a:r>
+              <a:rPr lang="en-US" altLang="zh-CN" dirty="0" smtClean="0"/>
+              <a:t>C++</a:t>
+            </a:r>
+            <a:r>
+              <a:rPr lang="zh-CN" altLang="en-US" dirty="0" smtClean="0"/>
+              <a:t>标准委员会好比一个单位的不同部门。</a:t>
+            </a:r>
+          </a:p>
+          <a:p>
+            <a:r>
+              <a:rPr lang="en-US" altLang="zh-CN" dirty="0" smtClean="0"/>
+              <a:t>3.</a:t>
+            </a:r>
+            <a:r>
+              <a:rPr lang="zh-CN" altLang="en-US" baseline="0" dirty="0" smtClean="0"/>
+              <a:t> </a:t>
+            </a:r>
+            <a:r>
+              <a:rPr lang="en-US" altLang="zh-CN" baseline="0" dirty="0" smtClean="0"/>
+              <a:t>03</a:t>
+            </a:r>
+            <a:r>
+              <a:rPr lang="zh-CN" altLang="en-US" baseline="0" dirty="0" smtClean="0"/>
+              <a:t>年开始，预期</a:t>
+            </a:r>
+            <a:r>
+              <a:rPr lang="en-US" altLang="zh-CN" baseline="0" dirty="0" smtClean="0"/>
+              <a:t>2010</a:t>
+            </a:r>
+            <a:r>
+              <a:rPr lang="zh-CN" altLang="en-US" baseline="0" dirty="0" smtClean="0"/>
+              <a:t>年完成，故</a:t>
+            </a:r>
+            <a:r>
+              <a:rPr lang="en-US" altLang="zh-CN" baseline="0" dirty="0" smtClean="0"/>
+              <a:t>0x</a:t>
+            </a:r>
+            <a:r>
+              <a:rPr lang="zh-CN" altLang="en-US" baseline="0" dirty="0" smtClean="0"/>
+              <a:t>版本，</a:t>
+            </a:r>
+            <a:r>
+              <a:rPr lang="en-US" altLang="zh-CN" baseline="0" dirty="0" smtClean="0"/>
+              <a:t>11</a:t>
+            </a:r>
+            <a:r>
+              <a:rPr lang="zh-CN" altLang="en-US" baseline="0" dirty="0" smtClean="0"/>
+              <a:t>年完成</a:t>
+            </a:r>
+            <a:endParaRPr lang="en-US" altLang="zh-CN" baseline="0" dirty="0" smtClean="0"/>
+          </a:p>
+          <a:p>
+            <a:r>
+              <a:rPr lang="en-US" altLang="zh-CN" baseline="0" dirty="0" smtClean="0"/>
+              <a:t>4.</a:t>
+            </a:r>
+            <a:r>
+              <a:rPr lang="zh-CN" altLang="en-US" baseline="0" dirty="0" smtClean="0"/>
+              <a:t> </a:t>
+            </a:r>
+            <a:r>
+              <a:rPr lang="en-US" altLang="zh-CN" baseline="0" dirty="0" smtClean="0"/>
+              <a:t>14/17/20</a:t>
+            </a:r>
+            <a:r>
+              <a:rPr lang="zh-CN" altLang="en-US" baseline="0" dirty="0" smtClean="0"/>
+              <a:t>在</a:t>
+            </a:r>
+            <a:r>
+              <a:rPr lang="en-US" altLang="zh-CN" baseline="0" dirty="0" smtClean="0"/>
+              <a:t>11</a:t>
+            </a:r>
+            <a:r>
+              <a:rPr lang="zh-CN" altLang="en-US" baseline="0" dirty="0" smtClean="0"/>
+              <a:t>的基础上修复了一些问题，</a:t>
+            </a:r>
+            <a:r>
+              <a:rPr lang="en-US" altLang="zh-CN" baseline="0" dirty="0" smtClean="0"/>
+              <a:t>11</a:t>
+            </a:r>
+            <a:r>
+              <a:rPr lang="zh-CN" altLang="en-US" baseline="0" dirty="0" smtClean="0"/>
+              <a:t>是大版本</a:t>
+            </a:r>
+            <a:endParaRPr lang="en-US" dirty="0"/>
+          </a:p>
+        </p:txBody>
+      </p:sp>
+      <p:sp>
+        <p:nvSpPr>
+          <p:cNvPr id="4" name="Slide Number Placeholder 3"/>
+          <p:cNvSpPr>
+            <a:spLocks noGrp="1"/>
+          </p:cNvSpPr>
+          <p:nvPr>
+            <p:ph type="sldNum" sz="quarter" idx="10"/>
+          </p:nvPr>
+        </p:nvSpPr>
+        <p:spPr/>
+        <p:txBody>
+          <a:bodyPr/>
+          <a:lstStyle/>
+          <a:p>
+            <a:fld id="{BCCEB6C6-B3CD-9045-9992-F4F7C747430C}" type="slidenum">
+              <a:rPr lang="en-US" smtClean="0"/>
+              <a:t>2</a:t>
+            </a:fld>
+            <a:endParaRPr lang="en-US"/>
+          </a:p>
+        </p:txBody>
+      </p:sp>
+    </p:spTree>
+    <p:extLst>
+      <p:ext uri="{BB962C8B-B14F-4D97-AF65-F5344CB8AC3E}">
+        <p14:creationId xmlns:p14="http://schemas.microsoft.com/office/powerpoint/2010/main" val="1854888318"/>
+      </p:ext>
+    </p:extLst>
+  </p:cSld>
+  <p:clrMapOvr>
+    <a:masterClrMapping/>
+  </p:clrMapOvr>
+</p:notes>
+</file>
+
+<file path=ppt/notesSlides/notesSlide3.xml><?xml version="1.0" encoding="utf-8"?>
+<p:notes xmlns:a="http://schemas.openxmlformats.org/drawingml/2006/main" xmlns:r="http://schemas.openxmlformats.org/officeDocument/2006/relationships" xmlns:p="http://schemas.openxmlformats.org/presentationml/2006/main">
+  <p:cSld>
+    <p:spTree>
+      <p:nvGrpSpPr>
+        <p:cNvPr id="1" name=""/>
+        <p:cNvGrpSpPr/>
+        <p:nvPr/>
+      </p:nvGrpSpPr>
+      <p:grpSpPr>
+        <a:xfrm>
+          <a:off x="0" y="0"/>
+          <a:ext cx="0" cy="0"/>
+          <a:chOff x="0" y="0"/>
+          <a:chExt cx="0" cy="0"/>
+        </a:xfrm>
+      </p:grpSpPr>
+      <p:sp>
+        <p:nvSpPr>
+          <p:cNvPr id="2" name="Slide Image Placeholder 1"/>
+          <p:cNvSpPr>
+            <a:spLocks noGrp="1" noRot="1" noChangeAspect="1"/>
+          </p:cNvSpPr>
+          <p:nvPr>
+            <p:ph type="sldImg"/>
+          </p:nvPr>
+        </p:nvSpPr>
+        <p:spPr/>
+      </p:sp>
+      <p:sp>
+        <p:nvSpPr>
+          <p:cNvPr id="3" name="Notes Placeholder 2"/>
+          <p:cNvSpPr>
+            <a:spLocks noGrp="1"/>
+          </p:cNvSpPr>
+          <p:nvPr>
+            <p:ph type="body" idx="1"/>
+          </p:nvPr>
+        </p:nvSpPr>
+        <p:spPr/>
+        <p:txBody>
+          <a:bodyPr/>
+          <a:lstStyle/>
+          <a:p>
+            <a:r>
+              <a:rPr lang="en-US" altLang="zh-CN" dirty="0" err="1" smtClean="0"/>
+              <a:t>c++</a:t>
+            </a:r>
+            <a:r>
+              <a:rPr lang="en-US" altLang="zh-CN" dirty="0" smtClean="0"/>
+              <a:t>11</a:t>
+            </a:r>
+            <a:r>
+              <a:rPr lang="zh-CN" altLang="en-US" dirty="0" smtClean="0"/>
+              <a:t>相对于</a:t>
+            </a:r>
+            <a:r>
+              <a:rPr lang="en-US" altLang="zh-CN" dirty="0" err="1" smtClean="0"/>
+              <a:t>c++</a:t>
+            </a:r>
+            <a:r>
+              <a:rPr lang="en-US" altLang="zh-CN" dirty="0" smtClean="0"/>
+              <a:t>98/03</a:t>
+            </a:r>
+            <a:r>
+              <a:rPr lang="zh-CN" altLang="en-US" dirty="0" smtClean="0"/>
+              <a:t>显著的增强，包括以下几点：</a:t>
+            </a:r>
+          </a:p>
+          <a:p>
+            <a:r>
+              <a:rPr lang="zh-CN" altLang="en-US" dirty="0" smtClean="0"/>
+              <a:t>    </a:t>
+            </a:r>
+            <a:r>
+              <a:rPr lang="en-US" altLang="zh-CN" dirty="0" smtClean="0"/>
+              <a:t>1. </a:t>
+            </a:r>
+            <a:r>
+              <a:rPr lang="zh-CN" altLang="en-US" dirty="0" smtClean="0"/>
+              <a:t>通过统一初始化表达式、</a:t>
+            </a:r>
+            <a:r>
+              <a:rPr lang="en-US" altLang="zh-CN" dirty="0" smtClean="0"/>
+              <a:t>auto</a:t>
+            </a:r>
+            <a:r>
+              <a:rPr lang="zh-CN" altLang="en-US" dirty="0" smtClean="0"/>
+              <a:t>、</a:t>
+            </a:r>
+            <a:r>
+              <a:rPr lang="en-US" altLang="zh-CN" dirty="0" err="1" smtClean="0"/>
+              <a:t>declytype</a:t>
+            </a:r>
+            <a:r>
+              <a:rPr lang="zh-CN" altLang="en-US" dirty="0" smtClean="0"/>
+              <a:t>、移动语义等来统一对泛型编程的支持</a:t>
+            </a:r>
+          </a:p>
+          <a:p>
+            <a:r>
+              <a:rPr lang="zh-CN" altLang="en-US" dirty="0" smtClean="0"/>
+              <a:t>    </a:t>
+            </a:r>
+            <a:r>
+              <a:rPr lang="en-US" altLang="zh-CN" dirty="0" smtClean="0"/>
+              <a:t>2. </a:t>
+            </a:r>
+            <a:r>
+              <a:rPr lang="zh-CN" altLang="en-US" dirty="0" smtClean="0"/>
+              <a:t>通过</a:t>
+            </a:r>
+            <a:r>
+              <a:rPr lang="en-US" altLang="zh-CN" dirty="0" err="1" smtClean="0"/>
+              <a:t>constexpr</a:t>
+            </a:r>
+            <a:r>
+              <a:rPr lang="zh-CN" altLang="en-US" dirty="0" smtClean="0"/>
+              <a:t>、</a:t>
+            </a:r>
+            <a:r>
+              <a:rPr lang="en-US" altLang="zh-CN" dirty="0" smtClean="0"/>
+              <a:t>POD</a:t>
+            </a:r>
+            <a:r>
+              <a:rPr lang="zh-CN" altLang="en-US" dirty="0" smtClean="0"/>
+              <a:t>（概念）等更好地支持系统编程</a:t>
+            </a:r>
+          </a:p>
+          <a:p>
+            <a:r>
+              <a:rPr lang="zh-CN" altLang="en-US" dirty="0" smtClean="0"/>
+              <a:t>    </a:t>
+            </a:r>
+            <a:r>
+              <a:rPr lang="en-US" altLang="zh-CN" dirty="0" smtClean="0"/>
+              <a:t>3. </a:t>
+            </a:r>
+            <a:r>
+              <a:rPr lang="zh-CN" altLang="en-US" dirty="0" smtClean="0"/>
+              <a:t>通过内联命名空间、继承构造函数和右值引用等，以更好地支持库的构建</a:t>
+            </a:r>
+            <a:endParaRPr lang="en-US" altLang="zh-CN" dirty="0" smtClean="0"/>
+          </a:p>
+          <a:p>
+            <a:pPr marL="0" marR="0" indent="0" algn="l" defTabSz="914400" rtl="0" eaLnBrk="1" fontAlgn="auto" latinLnBrk="0" hangingPunct="1">
+              <a:lnSpc>
+                <a:spcPct val="100000"/>
+              </a:lnSpc>
+              <a:spcBef>
+                <a:spcPts val="0"/>
+              </a:spcBef>
+              <a:spcAft>
+                <a:spcPts val="0"/>
+              </a:spcAft>
+              <a:buClrTx/>
+              <a:buSzTx/>
+              <a:buFontTx/>
+              <a:buNone/>
+              <a:tabLst/>
+              <a:defRPr/>
+            </a:pPr>
+            <a:r>
+              <a:rPr lang="zh-CN" altLang="en-US" baseline="0" dirty="0" smtClean="0"/>
+              <a:t>    </a:t>
+            </a:r>
+            <a:r>
+              <a:rPr lang="en-US" altLang="zh-CN" baseline="0" dirty="0" smtClean="0"/>
+              <a:t>4</a:t>
+            </a:r>
+            <a:r>
+              <a:rPr lang="en-US" altLang="zh-CN" dirty="0" smtClean="0"/>
+              <a:t>. </a:t>
+            </a:r>
+            <a:r>
+              <a:rPr lang="zh-CN" altLang="en-US" dirty="0" smtClean="0"/>
+              <a:t>通过内存模型、线程、原子操作等支持本地并行编程</a:t>
+            </a:r>
+          </a:p>
+          <a:p>
+            <a:endParaRPr lang="zh-CN" altLang="en-US" dirty="0" smtClean="0"/>
+          </a:p>
+          <a:p>
+            <a:endParaRPr lang="en-US" dirty="0"/>
+          </a:p>
+        </p:txBody>
+      </p:sp>
+      <p:sp>
+        <p:nvSpPr>
+          <p:cNvPr id="4" name="Slide Number Placeholder 3"/>
+          <p:cNvSpPr>
+            <a:spLocks noGrp="1"/>
+          </p:cNvSpPr>
+          <p:nvPr>
+            <p:ph type="sldNum" sz="quarter" idx="10"/>
+          </p:nvPr>
+        </p:nvSpPr>
+        <p:spPr/>
+        <p:txBody>
+          <a:bodyPr/>
+          <a:lstStyle/>
+          <a:p>
+            <a:fld id="{BCCEB6C6-B3CD-9045-9992-F4F7C747430C}" type="slidenum">
+              <a:rPr lang="en-US" smtClean="0"/>
+              <a:t>3</a:t>
+            </a:fld>
+            <a:endParaRPr lang="en-US"/>
+          </a:p>
+        </p:txBody>
+      </p:sp>
+    </p:spTree>
+    <p:extLst>
+      <p:ext uri="{BB962C8B-B14F-4D97-AF65-F5344CB8AC3E}">
+        <p14:creationId xmlns:p14="http://schemas.microsoft.com/office/powerpoint/2010/main" val="356086784"/>
+      </p:ext>
+    </p:extLst>
+  </p:cSld>
+  <p:clrMapOvr>
+    <a:masterClrMapping/>
+  </p:clrMapOvr>
+</p:notes>
+</file>
+
+<file path=ppt/notesSlides/notesSlide4.xml><?xml version="1.0" encoding="utf-8"?>
+<p:notes xmlns:a="http://schemas.openxmlformats.org/drawingml/2006/main" xmlns:r="http://schemas.openxmlformats.org/officeDocument/2006/relationships" xmlns:p="http://schemas.openxmlformats.org/presentationml/2006/main">
+  <p:cSld>
+    <p:spTree>
+      <p:nvGrpSpPr>
+        <p:cNvPr id="1" name=""/>
+        <p:cNvGrpSpPr/>
+        <p:nvPr/>
+      </p:nvGrpSpPr>
+      <p:grpSpPr>
+        <a:xfrm>
+          <a:off x="0" y="0"/>
+          <a:ext cx="0" cy="0"/>
+          <a:chOff x="0" y="0"/>
+          <a:chExt cx="0" cy="0"/>
+        </a:xfrm>
+      </p:grpSpPr>
+      <p:sp>
+        <p:nvSpPr>
+          <p:cNvPr id="2" name="Slide Image Placeholder 1"/>
+          <p:cNvSpPr>
+            <a:spLocks noGrp="1" noRot="1" noChangeAspect="1"/>
+          </p:cNvSpPr>
+          <p:nvPr>
+            <p:ph type="sldImg"/>
+          </p:nvPr>
+        </p:nvSpPr>
+        <p:spPr/>
+      </p:sp>
+      <p:sp>
+        <p:nvSpPr>
+          <p:cNvPr id="3" name="Notes Placeholder 2"/>
+          <p:cNvSpPr>
+            <a:spLocks noGrp="1"/>
+          </p:cNvSpPr>
+          <p:nvPr>
+            <p:ph type="body" idx="1"/>
+          </p:nvPr>
+        </p:nvSpPr>
+        <p:spPr/>
+        <p:txBody>
+          <a:bodyPr/>
+          <a:lstStyle/>
+          <a:p>
+            <a:pPr marL="0" marR="0" indent="0" algn="l" defTabSz="914400" rtl="0" eaLnBrk="1" fontAlgn="auto" latinLnBrk="0" hangingPunct="1">
+              <a:lnSpc>
+                <a:spcPct val="100000"/>
+              </a:lnSpc>
+              <a:spcBef>
+                <a:spcPts val="0"/>
+              </a:spcBef>
+              <a:spcAft>
+                <a:spcPts val="0"/>
+              </a:spcAft>
+              <a:buClrTx/>
+              <a:buSzTx/>
+              <a:buFontTx/>
+              <a:buNone/>
+              <a:tabLst/>
+              <a:defRPr/>
+            </a:pPr>
+            <a:r>
+              <a:rPr lang="zh-CN" altLang="en-US" dirty="0" smtClean="0"/>
+              <a:t> </a:t>
+            </a:r>
+            <a:r>
+              <a:rPr lang="en-US" altLang="zh-CN" dirty="0" err="1" smtClean="0"/>
+              <a:t>c++</a:t>
+            </a:r>
+            <a:r>
+              <a:rPr lang="en-US" altLang="zh-CN" dirty="0" smtClean="0"/>
+              <a:t>11</a:t>
+            </a:r>
+            <a:r>
+              <a:rPr lang="zh-CN" altLang="en-US" dirty="0" smtClean="0"/>
+              <a:t> </a:t>
+            </a:r>
+            <a:r>
+              <a:rPr lang="en-US" altLang="zh-CN" dirty="0" err="1" smtClean="0"/>
+              <a:t>range_based_for</a:t>
+            </a:r>
+            <a:r>
+              <a:rPr lang="en-US" altLang="zh-CN" baseline="0" dirty="0" err="1" smtClean="0"/>
+              <a:t>_</a:t>
+            </a:r>
+            <a:r>
+              <a:rPr lang="en-US" altLang="zh-CN" dirty="0" err="1" smtClean="0"/>
+              <a:t>loop</a:t>
+            </a:r>
+            <a:endParaRPr lang="en-US" dirty="0" smtClean="0"/>
+          </a:p>
+          <a:p>
+            <a:endParaRPr lang="en-US" dirty="0"/>
+          </a:p>
+        </p:txBody>
+      </p:sp>
+      <p:sp>
+        <p:nvSpPr>
+          <p:cNvPr id="4" name="Slide Number Placeholder 3"/>
+          <p:cNvSpPr>
+            <a:spLocks noGrp="1"/>
+          </p:cNvSpPr>
+          <p:nvPr>
+            <p:ph type="sldNum" sz="quarter" idx="10"/>
+          </p:nvPr>
+        </p:nvSpPr>
+        <p:spPr/>
+        <p:txBody>
+          <a:bodyPr/>
+          <a:lstStyle/>
+          <a:p>
+            <a:fld id="{BCCEB6C6-B3CD-9045-9992-F4F7C747430C}" type="slidenum">
+              <a:rPr lang="en-US" smtClean="0"/>
+              <a:t>4</a:t>
+            </a:fld>
+            <a:endParaRPr lang="en-US"/>
+          </a:p>
+        </p:txBody>
+      </p:sp>
+    </p:spTree>
+    <p:extLst>
+      <p:ext uri="{BB962C8B-B14F-4D97-AF65-F5344CB8AC3E}">
+        <p14:creationId xmlns:p14="http://schemas.microsoft.com/office/powerpoint/2010/main" val="2008861860"/>
+      </p:ext>
+    </p:extLst>
+  </p:cSld>
+  <p:clrMapOvr>
+    <a:masterClrMapping/>
+  </p:clrMapOvr>
+</p:notes>
+</file>
+
+<file path=ppt/notesSlides/notesSlide5.xml><?xml version="1.0" encoding="utf-8"?>
+<p:notes xmlns:a="http://schemas.openxmlformats.org/drawingml/2006/main" xmlns:r="http://schemas.openxmlformats.org/officeDocument/2006/relationships" xmlns:p="http://schemas.openxmlformats.org/presentationml/2006/main">
+  <p:cSld>
+    <p:spTree>
+      <p:nvGrpSpPr>
+        <p:cNvPr id="1" name=""/>
+        <p:cNvGrpSpPr/>
+        <p:nvPr/>
+      </p:nvGrpSpPr>
+      <p:grpSpPr>
+        <a:xfrm>
+          <a:off x="0" y="0"/>
+          <a:ext cx="0" cy="0"/>
+          <a:chOff x="0" y="0"/>
+          <a:chExt cx="0" cy="0"/>
+        </a:xfrm>
+      </p:grpSpPr>
+      <p:sp>
+        <p:nvSpPr>
+          <p:cNvPr id="2" name="Slide Image Placeholder 1"/>
+          <p:cNvSpPr>
+            <a:spLocks noGrp="1" noRot="1" noChangeAspect="1"/>
+          </p:cNvSpPr>
+          <p:nvPr>
+            <p:ph type="sldImg"/>
+          </p:nvPr>
+        </p:nvSpPr>
+        <p:spPr/>
+      </p:sp>
+      <p:sp>
+        <p:nvSpPr>
+          <p:cNvPr id="3" name="Notes Placeholder 2"/>
+          <p:cNvSpPr>
+            <a:spLocks noGrp="1"/>
+          </p:cNvSpPr>
+          <p:nvPr>
+            <p:ph type="body" idx="1"/>
+          </p:nvPr>
+        </p:nvSpPr>
+        <p:spPr/>
+        <p:txBody>
+          <a:bodyPr/>
+          <a:lstStyle/>
+          <a:p>
+            <a:r>
+              <a:rPr lang="en-US" altLang="zh-CN" dirty="0" smtClean="0"/>
+              <a:t>1.</a:t>
+            </a:r>
+            <a:r>
+              <a:rPr lang="zh-CN" altLang="en-US" dirty="0" smtClean="0"/>
+              <a:t> 裸的写</a:t>
+            </a:r>
+            <a:endParaRPr lang="en-US" altLang="zh-CN" dirty="0" smtClean="0"/>
+          </a:p>
+          <a:p>
+            <a:r>
+              <a:rPr lang="en-US" altLang="zh-CN" dirty="0" smtClean="0"/>
+              <a:t>2.</a:t>
+            </a:r>
+            <a:r>
+              <a:rPr lang="zh-CN" altLang="en-US" dirty="0" smtClean="0"/>
+              <a:t> </a:t>
+            </a:r>
+            <a:r>
+              <a:rPr lang="en-US" altLang="zh-CN" dirty="0" smtClean="0"/>
+              <a:t>define</a:t>
+            </a:r>
+            <a:r>
+              <a:rPr lang="zh-CN" altLang="en-US" dirty="0" smtClean="0"/>
+              <a:t>定义</a:t>
+            </a:r>
+            <a:endParaRPr lang="en-US" altLang="zh-CN" dirty="0" smtClean="0"/>
+          </a:p>
+        </p:txBody>
+      </p:sp>
+      <p:sp>
+        <p:nvSpPr>
+          <p:cNvPr id="4" name="Slide Number Placeholder 3"/>
+          <p:cNvSpPr>
+            <a:spLocks noGrp="1"/>
+          </p:cNvSpPr>
+          <p:nvPr>
+            <p:ph type="sldNum" sz="quarter" idx="10"/>
+          </p:nvPr>
+        </p:nvSpPr>
+        <p:spPr/>
+        <p:txBody>
+          <a:bodyPr/>
+          <a:lstStyle/>
+          <a:p>
+            <a:fld id="{BCCEB6C6-B3CD-9045-9992-F4F7C747430C}" type="slidenum">
+              <a:rPr lang="en-US" smtClean="0"/>
+              <a:t>5</a:t>
+            </a:fld>
+            <a:endParaRPr lang="en-US"/>
+          </a:p>
+        </p:txBody>
+      </p:sp>
+    </p:spTree>
+    <p:extLst>
+      <p:ext uri="{BB962C8B-B14F-4D97-AF65-F5344CB8AC3E}">
+        <p14:creationId xmlns:p14="http://schemas.microsoft.com/office/powerpoint/2010/main" val="2103522842"/>
+      </p:ext>
+    </p:extLst>
+  </p:cSld>
+  <p:clrMapOvr>
+    <a:masterClrMapping/>
+  </p:clrMapOvr>
+</p:notes>
+</file>
+
+<file path=ppt/notesSlides/notesSlide6.xml><?xml version="1.0" encoding="utf-8"?>
+<p:notes xmlns:a="http://schemas.openxmlformats.org/drawingml/2006/main" xmlns:r="http://schemas.openxmlformats.org/officeDocument/2006/relationships" xmlns:p="http://schemas.openxmlformats.org/presentationml/2006/main">
+  <p:cSld>
+    <p:spTree>
+      <p:nvGrpSpPr>
+        <p:cNvPr id="1" name=""/>
+        <p:cNvGrpSpPr/>
+        <p:nvPr/>
+      </p:nvGrpSpPr>
+      <p:grpSpPr>
+        <a:xfrm>
+          <a:off x="0" y="0"/>
+          <a:ext cx="0" cy="0"/>
+          <a:chOff x="0" y="0"/>
+          <a:chExt cx="0" cy="0"/>
+        </a:xfrm>
+      </p:grpSpPr>
+      <p:sp>
+        <p:nvSpPr>
+          <p:cNvPr id="2" name="Slide Image Placeholder 1"/>
+          <p:cNvSpPr>
+            <a:spLocks noGrp="1" noRot="1" noChangeAspect="1"/>
+          </p:cNvSpPr>
+          <p:nvPr>
+            <p:ph type="sldImg"/>
+          </p:nvPr>
+        </p:nvSpPr>
+        <p:spPr/>
+      </p:sp>
+      <p:sp>
+        <p:nvSpPr>
+          <p:cNvPr id="3" name="Notes Placeholder 2"/>
+          <p:cNvSpPr>
+            <a:spLocks noGrp="1"/>
+          </p:cNvSpPr>
+          <p:nvPr>
+            <p:ph type="body" idx="1"/>
+          </p:nvPr>
+        </p:nvSpPr>
+        <p:spPr/>
+        <p:txBody>
+          <a:bodyPr/>
+          <a:lstStyle/>
+          <a:p>
+            <a:r>
+              <a:rPr lang="en-US" altLang="zh-CN" dirty="0" smtClean="0"/>
+              <a:t>1.</a:t>
+            </a:r>
+            <a:r>
+              <a:rPr lang="zh-CN" altLang="en-US" dirty="0" smtClean="0"/>
+              <a:t> </a:t>
+            </a:r>
+            <a:r>
+              <a:rPr lang="zh-CN" altLang="en-US" baseline="0" dirty="0" smtClean="0"/>
+              <a:t> </a:t>
+            </a:r>
+            <a:r>
+              <a:rPr lang="en-US" altLang="zh-CN" baseline="0" dirty="0" smtClean="0"/>
+              <a:t>auto</a:t>
+            </a:r>
+            <a:r>
+              <a:rPr lang="zh-CN" altLang="en-US" baseline="0" dirty="0" smtClean="0"/>
+              <a:t>类型推导发生在编译器</a:t>
+            </a:r>
+            <a:endParaRPr lang="en-US" altLang="zh-CN" baseline="0" dirty="0" smtClean="0"/>
+          </a:p>
+          <a:p>
+            <a:r>
+              <a:rPr lang="en-US" altLang="zh-CN" baseline="0" dirty="0" smtClean="0"/>
+              <a:t>2.</a:t>
+            </a:r>
+            <a:r>
+              <a:rPr lang="zh-CN" altLang="en-US" baseline="0" dirty="0" smtClean="0"/>
+              <a:t> 类型推导本身就要完成</a:t>
+            </a:r>
+            <a:endParaRPr lang="en-US" dirty="0"/>
+          </a:p>
+        </p:txBody>
+      </p:sp>
+      <p:sp>
+        <p:nvSpPr>
+          <p:cNvPr id="4" name="Slide Number Placeholder 3"/>
+          <p:cNvSpPr>
+            <a:spLocks noGrp="1"/>
+          </p:cNvSpPr>
+          <p:nvPr>
+            <p:ph type="sldNum" sz="quarter" idx="10"/>
+          </p:nvPr>
+        </p:nvSpPr>
+        <p:spPr/>
+        <p:txBody>
+          <a:bodyPr/>
+          <a:lstStyle/>
+          <a:p>
+            <a:fld id="{BCCEB6C6-B3CD-9045-9992-F4F7C747430C}" type="slidenum">
+              <a:rPr lang="en-US" smtClean="0"/>
+              <a:t>6</a:t>
+            </a:fld>
+            <a:endParaRPr lang="en-US"/>
+          </a:p>
+        </p:txBody>
+      </p:sp>
+    </p:spTree>
+    <p:extLst>
+      <p:ext uri="{BB962C8B-B14F-4D97-AF65-F5344CB8AC3E}">
+        <p14:creationId xmlns:p14="http://schemas.microsoft.com/office/powerpoint/2010/main" val="687735053"/>
+      </p:ext>
+    </p:extLst>
+  </p:cSld>
+  <p:clrMapOvr>
+    <a:masterClrMapping/>
+  </p:clrMapOvr>
+</p:notes>
+</file>
+
+<file path=ppt/notesSlides/notesSlide7.xml><?xml version="1.0" encoding="utf-8"?>
+<p:notes xmlns:a="http://schemas.openxmlformats.org/drawingml/2006/main" xmlns:r="http://schemas.openxmlformats.org/officeDocument/2006/relationships" xmlns:p="http://schemas.openxmlformats.org/presentationml/2006/main">
+  <p:cSld>
+    <p:spTree>
+      <p:nvGrpSpPr>
+        <p:cNvPr id="1" name=""/>
+        <p:cNvGrpSpPr/>
+        <p:nvPr/>
+      </p:nvGrpSpPr>
+      <p:grpSpPr>
+        <a:xfrm>
+          <a:off x="0" y="0"/>
+          <a:ext cx="0" cy="0"/>
+          <a:chOff x="0" y="0"/>
+          <a:chExt cx="0" cy="0"/>
+        </a:xfrm>
+      </p:grpSpPr>
+      <p:sp>
+        <p:nvSpPr>
+          <p:cNvPr id="2" name="Slide Image Placeholder 1"/>
+          <p:cNvSpPr>
+            <a:spLocks noGrp="1" noRot="1" noChangeAspect="1"/>
+          </p:cNvSpPr>
+          <p:nvPr>
+            <p:ph type="sldImg"/>
+          </p:nvPr>
+        </p:nvSpPr>
+        <p:spPr/>
+      </p:sp>
+      <p:sp>
+        <p:nvSpPr>
+          <p:cNvPr id="3" name="Notes Placeholder 2"/>
+          <p:cNvSpPr>
+            <a:spLocks noGrp="1"/>
+          </p:cNvSpPr>
+          <p:nvPr>
+            <p:ph type="body" idx="1"/>
+          </p:nvPr>
+        </p:nvSpPr>
+        <p:spPr/>
+        <p:txBody>
+          <a:bodyPr/>
+          <a:lstStyle/>
+          <a:p>
+            <a:r>
+              <a:rPr lang="en-US" dirty="0" smtClean="0"/>
+              <a:t>1. </a:t>
+            </a:r>
+            <a:r>
+              <a:rPr lang="zh-CN" altLang="en-US" dirty="0" smtClean="0"/>
+              <a:t>介绍格式</a:t>
+            </a:r>
+            <a:r>
+              <a:rPr lang="en-US" altLang="zh-CN" dirty="0" smtClean="0"/>
+              <a:t>: </a:t>
+            </a:r>
+            <a:r>
+              <a:rPr lang="zh-CN" altLang="en-US" dirty="0" smtClean="0"/>
+              <a:t>重点 捕获 </a:t>
+            </a:r>
+            <a:r>
+              <a:rPr lang="en-US" altLang="zh-CN" dirty="0" smtClean="0"/>
+              <a:t>mutable/</a:t>
+            </a:r>
+            <a:r>
+              <a:rPr lang="en-US" altLang="zh-CN" dirty="0" err="1" smtClean="0"/>
+              <a:t>const</a:t>
+            </a:r>
+            <a:r>
+              <a:rPr lang="zh-CN" altLang="en-US" dirty="0" smtClean="0"/>
+              <a:t> 异常</a:t>
+            </a:r>
+            <a:endParaRPr lang="en-US" altLang="zh-CN" dirty="0" smtClean="0"/>
+          </a:p>
+          <a:p>
+            <a:r>
+              <a:rPr lang="en-US" altLang="zh-CN" dirty="0" smtClean="0"/>
+              <a:t>2.</a:t>
+            </a:r>
+            <a:r>
+              <a:rPr lang="zh-CN" altLang="en-US" dirty="0" smtClean="0"/>
+              <a:t> 好处</a:t>
+            </a:r>
+            <a:r>
+              <a:rPr lang="en-US" altLang="zh-CN" dirty="0" smtClean="0"/>
+              <a:t>1</a:t>
+            </a:r>
+            <a:r>
+              <a:rPr lang="zh-CN" altLang="en-US" baseline="0" dirty="0" smtClean="0"/>
+              <a:t> 捕获上下文不用传参数列表</a:t>
+            </a:r>
+            <a:endParaRPr lang="en-US" altLang="zh-CN" baseline="0" dirty="0" smtClean="0"/>
+          </a:p>
+          <a:p>
+            <a:r>
+              <a:rPr lang="en-US" altLang="zh-CN" baseline="0" dirty="0" smtClean="0"/>
+              <a:t>3.</a:t>
+            </a:r>
+            <a:r>
+              <a:rPr lang="zh-CN" altLang="en-US" baseline="0" dirty="0" smtClean="0"/>
+              <a:t> 好处</a:t>
+            </a:r>
+            <a:r>
+              <a:rPr lang="en-US" altLang="zh-CN" baseline="0" dirty="0" smtClean="0"/>
+              <a:t>2</a:t>
+            </a:r>
+            <a:r>
+              <a:rPr lang="zh-CN" altLang="en-US" baseline="0" dirty="0" smtClean="0"/>
+              <a:t> 不用想名字</a:t>
+            </a:r>
+            <a:endParaRPr lang="en-US" altLang="zh-CN" baseline="0" dirty="0" smtClean="0"/>
+          </a:p>
+        </p:txBody>
+      </p:sp>
+      <p:sp>
+        <p:nvSpPr>
+          <p:cNvPr id="4" name="Slide Number Placeholder 3"/>
+          <p:cNvSpPr>
+            <a:spLocks noGrp="1"/>
+          </p:cNvSpPr>
+          <p:nvPr>
+            <p:ph type="sldNum" sz="quarter" idx="10"/>
+          </p:nvPr>
+        </p:nvSpPr>
+        <p:spPr/>
+        <p:txBody>
+          <a:bodyPr/>
+          <a:lstStyle/>
+          <a:p>
+            <a:fld id="{BCCEB6C6-B3CD-9045-9992-F4F7C747430C}" type="slidenum">
+              <a:rPr lang="en-US" smtClean="0"/>
+              <a:t>7</a:t>
+            </a:fld>
+            <a:endParaRPr lang="en-US"/>
+          </a:p>
+        </p:txBody>
+      </p:sp>
+    </p:spTree>
+    <p:extLst>
+      <p:ext uri="{BB962C8B-B14F-4D97-AF65-F5344CB8AC3E}">
+        <p14:creationId xmlns:p14="http://schemas.microsoft.com/office/powerpoint/2010/main" val="1591000624"/>
+      </p:ext>
+    </p:extLst>
+  </p:cSld>
+  <p:clrMapOvr>
+    <a:masterClrMapping/>
+  </p:clrMapOvr>
+</p:notes>
+</file>
+
+<file path=ppt/notesSlides/notesSlide8.xml><?xml version="1.0" encoding="utf-8"?>
+<p:notes xmlns:a="http://schemas.openxmlformats.org/drawingml/2006/main" xmlns:r="http://schemas.openxmlformats.org/officeDocument/2006/relationships" xmlns:p="http://schemas.openxmlformats.org/presentationml/2006/main">
+  <p:cSld>
+    <p:spTree>
+      <p:nvGrpSpPr>
+        <p:cNvPr id="1" name=""/>
+        <p:cNvGrpSpPr/>
+        <p:nvPr/>
+      </p:nvGrpSpPr>
+      <p:grpSpPr>
+        <a:xfrm>
+          <a:off x="0" y="0"/>
+          <a:ext cx="0" cy="0"/>
+          <a:chOff x="0" y="0"/>
+          <a:chExt cx="0" cy="0"/>
+        </a:xfrm>
+      </p:grpSpPr>
+      <p:sp>
+        <p:nvSpPr>
+          <p:cNvPr id="2" name="Slide Image Placeholder 1"/>
+          <p:cNvSpPr>
+            <a:spLocks noGrp="1" noRot="1" noChangeAspect="1"/>
+          </p:cNvSpPr>
+          <p:nvPr>
+            <p:ph type="sldImg"/>
+          </p:nvPr>
+        </p:nvSpPr>
+        <p:spPr/>
+      </p:sp>
+      <p:sp>
+        <p:nvSpPr>
+          <p:cNvPr id="3" name="Notes Placeholder 2"/>
+          <p:cNvSpPr>
+            <a:spLocks noGrp="1"/>
+          </p:cNvSpPr>
+          <p:nvPr>
+            <p:ph type="body" idx="1"/>
+          </p:nvPr>
+        </p:nvSpPr>
+        <p:spPr/>
+        <p:txBody>
+          <a:bodyPr/>
+          <a:lstStyle/>
+          <a:p>
+            <a:r>
+              <a:rPr lang="zh-CN" altLang="en-US" dirty="0" smtClean="0"/>
+              <a:t>局限 只能作用于父作用域</a:t>
+            </a:r>
+            <a:endParaRPr lang="en-US" dirty="0"/>
+          </a:p>
+        </p:txBody>
+      </p:sp>
+      <p:sp>
+        <p:nvSpPr>
+          <p:cNvPr id="4" name="Slide Number Placeholder 3"/>
+          <p:cNvSpPr>
+            <a:spLocks noGrp="1"/>
+          </p:cNvSpPr>
+          <p:nvPr>
+            <p:ph type="sldNum" sz="quarter" idx="10"/>
+          </p:nvPr>
+        </p:nvSpPr>
+        <p:spPr/>
+        <p:txBody>
+          <a:bodyPr/>
+          <a:lstStyle/>
+          <a:p>
+            <a:fld id="{BCCEB6C6-B3CD-9045-9992-F4F7C747430C}" type="slidenum">
+              <a:rPr lang="en-US" smtClean="0"/>
+              <a:t>8</a:t>
+            </a:fld>
+            <a:endParaRPr lang="en-US"/>
+          </a:p>
+        </p:txBody>
+      </p:sp>
+    </p:spTree>
+    <p:extLst>
+      <p:ext uri="{BB962C8B-B14F-4D97-AF65-F5344CB8AC3E}">
+        <p14:creationId xmlns:p14="http://schemas.microsoft.com/office/powerpoint/2010/main" val="977876729"/>
+      </p:ext>
+    </p:extLst>
+  </p:cSld>
+  <p:clrMapOvr>
+    <a:masterClrMapping/>
+  </p:clrMapOvr>
+</p:notes>
+</file>
+
+<file path=ppt/notesSlides/notesSlide9.xml><?xml version="1.0" encoding="utf-8"?>
+<p:notes xmlns:a="http://schemas.openxmlformats.org/drawingml/2006/main" xmlns:r="http://schemas.openxmlformats.org/officeDocument/2006/relationships" xmlns:p="http://schemas.openxmlformats.org/presentationml/2006/main">
+  <p:cSld>
+    <p:spTree>
+      <p:nvGrpSpPr>
+        <p:cNvPr id="1" name=""/>
+        <p:cNvGrpSpPr/>
+        <p:nvPr/>
+      </p:nvGrpSpPr>
+      <p:grpSpPr>
+        <a:xfrm>
+          <a:off x="0" y="0"/>
+          <a:ext cx="0" cy="0"/>
+          <a:chOff x="0" y="0"/>
+          <a:chExt cx="0" cy="0"/>
+        </a:xfrm>
+      </p:grpSpPr>
+      <p:sp>
+        <p:nvSpPr>
+          <p:cNvPr id="2" name="Slide Image Placeholder 1"/>
+          <p:cNvSpPr>
+            <a:spLocks noGrp="1" noRot="1" noChangeAspect="1"/>
+          </p:cNvSpPr>
+          <p:nvPr>
+            <p:ph type="sldImg"/>
+          </p:nvPr>
+        </p:nvSpPr>
+        <p:spPr/>
+      </p:sp>
+      <p:sp>
+        <p:nvSpPr>
+          <p:cNvPr id="3" name="Notes Placeholder 2"/>
+          <p:cNvSpPr>
+            <a:spLocks noGrp="1"/>
+          </p:cNvSpPr>
+          <p:nvPr>
+            <p:ph type="body" idx="1"/>
+          </p:nvPr>
+        </p:nvSpPr>
+        <p:spPr/>
+        <p:txBody>
+          <a:bodyPr/>
+          <a:lstStyle/>
+          <a:p>
+            <a:r>
+              <a:rPr lang="en-US" dirty="0" smtClean="0"/>
+              <a:t>1</a:t>
+            </a:r>
+            <a:r>
+              <a:rPr lang="en-US" baseline="0" dirty="0" smtClean="0"/>
+              <a:t>. </a:t>
+            </a:r>
+            <a:r>
+              <a:rPr lang="zh-CN" altLang="en-US" baseline="0" dirty="0" smtClean="0"/>
+              <a:t>基础的左右值概念</a:t>
+            </a:r>
+            <a:endParaRPr lang="en-US" altLang="zh-CN" baseline="0" dirty="0" smtClean="0"/>
+          </a:p>
+          <a:p>
+            <a:r>
+              <a:rPr lang="en-US" altLang="zh-CN" baseline="0" dirty="0" smtClean="0"/>
+              <a:t>2. </a:t>
+            </a:r>
+            <a:r>
+              <a:rPr lang="zh-CN" altLang="en-US" baseline="0" dirty="0" smtClean="0"/>
+              <a:t>标准</a:t>
+            </a:r>
+            <a:r>
+              <a:rPr lang="en-US" altLang="zh-CN" baseline="0" dirty="0" smtClean="0"/>
+              <a:t>/</a:t>
+            </a:r>
+            <a:r>
+              <a:rPr lang="zh-CN" altLang="en-US" baseline="0" dirty="0" smtClean="0"/>
+              <a:t>书面一些的说法</a:t>
+            </a:r>
+            <a:endParaRPr lang="en-US" altLang="zh-CN" baseline="0" dirty="0" smtClean="0"/>
+          </a:p>
+          <a:p>
+            <a:r>
+              <a:rPr lang="en-US" altLang="zh-CN" baseline="0" dirty="0" smtClean="0"/>
+              <a:t>3. </a:t>
+            </a:r>
+            <a:r>
+              <a:rPr lang="zh-CN" altLang="en-US" baseline="0" dirty="0" smtClean="0"/>
+              <a:t>左值引用，常见</a:t>
+            </a:r>
+            <a:endParaRPr lang="en-US" altLang="zh-CN" baseline="0" dirty="0" smtClean="0"/>
+          </a:p>
+          <a:p>
+            <a:r>
+              <a:rPr lang="en-US" altLang="zh-CN" baseline="0" dirty="0" smtClean="0"/>
+              <a:t>4.</a:t>
+            </a:r>
+            <a:r>
+              <a:rPr lang="zh-CN" altLang="en-US" baseline="0" dirty="0" smtClean="0"/>
+              <a:t> 右值引用</a:t>
+            </a:r>
+            <a:endParaRPr lang="en-US" altLang="zh-CN" baseline="0" dirty="0" smtClean="0"/>
+          </a:p>
+          <a:p>
+            <a:r>
+              <a:rPr lang="en-US" altLang="zh-CN" baseline="0" dirty="0" smtClean="0"/>
+              <a:t>5.</a:t>
+            </a:r>
+            <a:r>
+              <a:rPr lang="zh-CN" altLang="en-US" baseline="0" dirty="0" smtClean="0"/>
+              <a:t> 重点：万能引用（左值右值都能识别</a:t>
+            </a:r>
+            <a:r>
+              <a:rPr lang="en-US" altLang="zh-CN" baseline="0" dirty="0" smtClean="0"/>
+              <a:t>)</a:t>
+            </a:r>
+            <a:r>
+              <a:rPr lang="zh-CN" altLang="en-US" baseline="0" dirty="0" smtClean="0"/>
+              <a:t> 没有右值参数，会识别成左值常量</a:t>
+            </a:r>
+            <a:endParaRPr lang="en-US" altLang="zh-CN" baseline="0" dirty="0" smtClean="0"/>
+          </a:p>
+          <a:p>
+            <a:r>
+              <a:rPr lang="en-US" altLang="zh-CN" baseline="0" dirty="0" smtClean="0"/>
+              <a:t>6.</a:t>
+            </a:r>
+            <a:r>
+              <a:rPr lang="zh-CN" altLang="en-US" baseline="0" dirty="0" smtClean="0"/>
+              <a:t> 引用绑定，引用折叠</a:t>
+            </a:r>
+            <a:endParaRPr lang="en-US" altLang="zh-CN" baseline="0" dirty="0" smtClean="0"/>
+          </a:p>
+          <a:p>
+            <a:r>
+              <a:rPr lang="zh-CN" altLang="en-US" baseline="0" dirty="0" smtClean="0"/>
+              <a:t> </a:t>
+            </a:r>
+            <a:r>
+              <a:rPr lang="en-US" altLang="zh-CN" baseline="0" dirty="0" smtClean="0"/>
+              <a:t>modern</a:t>
+            </a:r>
+            <a:r>
+              <a:rPr lang="zh-CN" altLang="en-US" baseline="0" dirty="0" smtClean="0"/>
+              <a:t> </a:t>
+            </a:r>
+            <a:r>
+              <a:rPr lang="en-US" altLang="zh-CN" baseline="0" dirty="0" smtClean="0"/>
+              <a:t>effective</a:t>
+            </a:r>
+            <a:r>
+              <a:rPr lang="zh-CN" altLang="en-US" baseline="0" dirty="0" smtClean="0"/>
+              <a:t> </a:t>
+            </a:r>
+            <a:r>
+              <a:rPr lang="en-US" altLang="zh-CN" baseline="0" dirty="0" err="1" smtClean="0"/>
+              <a:t>c++</a:t>
+            </a:r>
+            <a:r>
+              <a:rPr lang="zh-CN" altLang="en-US" baseline="0" dirty="0" smtClean="0"/>
+              <a:t>的作者</a:t>
+            </a:r>
+            <a:r>
+              <a:rPr lang="en-US" altLang="zh-CN" baseline="0" dirty="0" err="1" smtClean="0"/>
+              <a:t>scott</a:t>
+            </a:r>
+            <a:r>
+              <a:rPr lang="zh-CN" altLang="en-US" baseline="0" dirty="0" smtClean="0"/>
+              <a:t> </a:t>
+            </a:r>
+            <a:r>
+              <a:rPr lang="en-US" altLang="zh-CN" baseline="0" dirty="0" err="1" smtClean="0"/>
+              <a:t>meyer</a:t>
+            </a:r>
+            <a:r>
+              <a:rPr lang="zh-CN" altLang="en-US" baseline="0" dirty="0" smtClean="0"/>
+              <a:t>，称为</a:t>
+            </a:r>
+            <a:r>
+              <a:rPr lang="en-US" altLang="zh-CN" baseline="0" dirty="0" smtClean="0"/>
+              <a:t>universal</a:t>
+            </a:r>
+            <a:r>
+              <a:rPr lang="zh-CN" altLang="en-US" baseline="0" dirty="0" smtClean="0"/>
+              <a:t> </a:t>
+            </a:r>
+            <a:r>
+              <a:rPr lang="en-US" altLang="zh-CN" baseline="0" dirty="0" smtClean="0"/>
+              <a:t>reference</a:t>
+            </a:r>
+          </a:p>
+          <a:p>
+            <a:r>
+              <a:rPr lang="zh-CN" altLang="en-US" baseline="0" dirty="0" smtClean="0"/>
+              <a:t>不细说</a:t>
+            </a:r>
+            <a:endParaRPr lang="en-US" dirty="0"/>
+          </a:p>
+        </p:txBody>
+      </p:sp>
+      <p:sp>
+        <p:nvSpPr>
+          <p:cNvPr id="4" name="Slide Number Placeholder 3"/>
+          <p:cNvSpPr>
+            <a:spLocks noGrp="1"/>
+          </p:cNvSpPr>
+          <p:nvPr>
+            <p:ph type="sldNum" sz="quarter" idx="10"/>
+          </p:nvPr>
+        </p:nvSpPr>
+        <p:spPr/>
+        <p:txBody>
+          <a:bodyPr/>
+          <a:lstStyle/>
+          <a:p>
+            <a:fld id="{BCCEB6C6-B3CD-9045-9992-F4F7C747430C}" type="slidenum">
+              <a:rPr lang="en-US" smtClean="0"/>
+              <a:t>9</a:t>
+            </a:fld>
+            <a:endParaRPr lang="en-US"/>
+          </a:p>
+        </p:txBody>
+      </p:sp>
+    </p:spTree>
+    <p:extLst>
+      <p:ext uri="{BB962C8B-B14F-4D97-AF65-F5344CB8AC3E}">
+        <p14:creationId xmlns:p14="http://schemas.microsoft.com/office/powerpoint/2010/main" val="216742098"/>
+      </p:ext>
+    </p:extLst>
+  </p:cSld>
+  <p:clrMapOvr>
+    <a:masterClrMapping/>
+  </p:clrMapOvr>
+</p:notes>
 </file>
 
 <file path=ppt/slideLayouts/slideLayout1.xml><?xml version="1.0" encoding="utf-8"?>
@@ -3288,7 +5660,7 @@
           <a:p>
             <a:fld id="{C6255890-9A61-4A62-90F2-6D5F594D636A}" type="datetimeFigureOut">
               <a:rPr lang="zh-CN" altLang="en-US" smtClean="0"/>
-              <a:t>2017/11/6</a:t>
+              <a:t>2017/11/7</a:t>
             </a:fld>
             <a:endParaRPr lang="zh-CN" altLang="en-US"/>
           </a:p>
@@ -3573,7 +5945,7 @@
           <a:p>
             <a:fld id="{C6255890-9A61-4A62-90F2-6D5F594D636A}" type="datetimeFigureOut">
               <a:rPr lang="zh-CN" altLang="en-US" smtClean="0"/>
-              <a:t>2017/11/6</a:t>
+              <a:t>2017/11/7</a:t>
             </a:fld>
             <a:endParaRPr lang="zh-CN" altLang="en-US"/>
           </a:p>
@@ -3748,7 +6120,7 @@
           <a:p>
             <a:fld id="{C6255890-9A61-4A62-90F2-6D5F594D636A}" type="datetimeFigureOut">
               <a:rPr lang="zh-CN" altLang="en-US" smtClean="0"/>
-              <a:t>2017/11/6</a:t>
+              <a:t>2017/11/7</a:t>
             </a:fld>
             <a:endParaRPr lang="zh-CN" altLang="en-US"/>
           </a:p>
@@ -3913,7 +6285,7 @@
           <a:p>
             <a:fld id="{C6255890-9A61-4A62-90F2-6D5F594D636A}" type="datetimeFigureOut">
               <a:rPr lang="zh-CN" altLang="en-US" smtClean="0"/>
-              <a:t>2017/11/6</a:t>
+              <a:t>2017/11/7</a:t>
             </a:fld>
             <a:endParaRPr lang="zh-CN" altLang="en-US"/>
           </a:p>
@@ -4154,7 +6526,7 @@
           <a:p>
             <a:fld id="{C6255890-9A61-4A62-90F2-6D5F594D636A}" type="datetimeFigureOut">
               <a:rPr lang="zh-CN" altLang="en-US" smtClean="0"/>
-              <a:t>2017/11/6</a:t>
+              <a:t>2017/11/7</a:t>
             </a:fld>
             <a:endParaRPr lang="zh-CN" altLang="en-US"/>
           </a:p>
@@ -4267,7 +6639,7 @@
           <a:p>
             <a:fld id="{C6255890-9A61-4A62-90F2-6D5F594D636A}" type="datetimeFigureOut">
               <a:rPr lang="zh-CN" altLang="en-US" smtClean="0"/>
-              <a:t>2017/11/6</a:t>
+              <a:t>2017/11/7</a:t>
             </a:fld>
             <a:endParaRPr lang="zh-CN" altLang="en-US"/>
           </a:p>
@@ -4806,7 +7178,7 @@
           <a:p>
             <a:fld id="{C6255890-9A61-4A62-90F2-6D5F594D636A}" type="datetimeFigureOut">
               <a:rPr lang="zh-CN" altLang="en-US" smtClean="0"/>
-              <a:t>2017/11/6</a:t>
+              <a:t>2017/11/7</a:t>
             </a:fld>
             <a:endParaRPr lang="zh-CN" altLang="en-US"/>
           </a:p>
@@ -4919,7 +7291,7 @@
           <a:p>
             <a:fld id="{C6255890-9A61-4A62-90F2-6D5F594D636A}" type="datetimeFigureOut">
               <a:rPr lang="zh-CN" altLang="en-US" smtClean="0"/>
-              <a:t>2017/11/6</a:t>
+              <a:t>2017/11/7</a:t>
             </a:fld>
             <a:endParaRPr lang="zh-CN" altLang="en-US"/>
           </a:p>
@@ -5009,7 +7381,7 @@
           <a:p>
             <a:fld id="{C6255890-9A61-4A62-90F2-6D5F594D636A}" type="datetimeFigureOut">
               <a:rPr lang="zh-CN" altLang="en-US" smtClean="0"/>
-              <a:t>2017/11/6</a:t>
+              <a:t>2017/11/7</a:t>
             </a:fld>
             <a:endParaRPr lang="zh-CN" altLang="en-US"/>
           </a:p>
@@ -7660,7 +10032,7 @@
           <a:p>
             <a:fld id="{C6255890-9A61-4A62-90F2-6D5F594D636A}" type="datetimeFigureOut">
               <a:rPr lang="zh-CN" altLang="en-US" smtClean="0"/>
-              <a:t>2017/11/6</a:t>
+              <a:t>2017/11/7</a:t>
             </a:fld>
             <a:endParaRPr lang="zh-CN" altLang="en-US"/>
           </a:p>
@@ -10872,7 +13244,7 @@
           <a:p>
             <a:fld id="{C6255890-9A61-4A62-90F2-6D5F594D636A}" type="datetimeFigureOut">
               <a:rPr lang="zh-CN" altLang="en-US" smtClean="0"/>
-              <a:t>2017/11/6</a:t>
+              <a:t>2017/11/7</a:t>
             </a:fld>
             <a:endParaRPr lang="zh-CN" altLang="en-US"/>
           </a:p>
@@ -13694,7 +16066,7 @@
           <a:p>
             <a:fld id="{C6255890-9A61-4A62-90F2-6D5F594D636A}" type="datetimeFigureOut">
               <a:rPr lang="zh-CN" altLang="en-US" smtClean="0"/>
-              <a:t>2017/11/6</a:t>
+              <a:t>2017/11/7</a:t>
             </a:fld>
             <a:endParaRPr lang="zh-CN" altLang="en-US"/>
           </a:p>
@@ -14171,11 +16543,7 @@
           <a:p>
             <a:r>
               <a:rPr lang="en-US" altLang="zh-CN" dirty="0" smtClean="0"/>
-              <a:t>C++</a:t>
-            </a:r>
-            <a:r>
-              <a:rPr lang="en-US" altLang="zh-CN" dirty="0" smtClean="0"/>
-              <a:t>11</a:t>
+              <a:t>C++11</a:t>
             </a:r>
             <a:r>
               <a:rPr lang="zh-CN" altLang="en-US" dirty="0" smtClean="0"/>
@@ -15339,11 +17707,7 @@
             </a:r>
             <a:r>
               <a:rPr lang="en-US" altLang="zh-CN" dirty="0" err="1" smtClean="0"/>
-              <a:t>s</a:t>
-            </a:r>
-            <a:r>
-              <a:rPr lang="en-US" altLang="zh-CN" dirty="0" err="1" smtClean="0"/>
-              <a:t>td</a:t>
+              <a:t>std</a:t>
             </a:r>
             <a:r>
               <a:rPr lang="en-US" altLang="zh-CN" dirty="0" smtClean="0"/>
@@ -15593,10 +17957,10 @@
           <a:lstStyle/>
           <a:p>
             <a:r>
-              <a:rPr lang="en-US" altLang="zh-CN" dirty="0" err="1" smtClean="0"/>
+              <a:rPr lang="en-US" altLang="zh-CN" strike="sngStrike" dirty="0" err="1" smtClean="0"/>
               <a:t>auto_ptr</a:t>
             </a:r>
-            <a:endParaRPr lang="en-US" altLang="zh-CN" dirty="0" smtClean="0"/>
+            <a:endParaRPr lang="en-US" altLang="zh-CN" strike="sngStrike" dirty="0" smtClean="0"/>
           </a:p>
           <a:p>
             <a:r>
@@ -15957,15 +18321,7 @@
           <a:p>
             <a:r>
               <a:rPr lang="zh-CN" altLang="en-US" b="1" dirty="0" smtClean="0"/>
-              <a:t>线程安全的单</a:t>
-            </a:r>
-            <a:r>
-              <a:rPr lang="zh-CN" altLang="en-US" b="1" dirty="0" smtClean="0"/>
-              <a:t>例</a:t>
-            </a:r>
-            <a:r>
-              <a:rPr lang="zh-CN" altLang="en-US" b="1" dirty="0" smtClean="0"/>
-              <a:t>模式</a:t>
+              <a:t>线程安全的单例模式</a:t>
             </a:r>
             <a:endParaRPr lang="zh-CN" altLang="en-US" b="1" dirty="0"/>
           </a:p>
@@ -16069,8 +18425,13 @@
           <a:p>
             <a:r>
               <a:rPr lang="en-US" altLang="zh-CN" dirty="0" smtClean="0"/>
-              <a:t>C++20</a:t>
-            </a:r>
+              <a:t>C</a:t>
+            </a:r>
+            <a:r>
+              <a:rPr lang="en-US" altLang="zh-CN" dirty="0" smtClean="0"/>
+              <a:t>++14/17/20</a:t>
+            </a:r>
+            <a:endParaRPr lang="en-US" altLang="zh-CN" dirty="0" smtClean="0"/>
           </a:p>
           <a:p>
             <a:r>
@@ -16089,7 +18450,7 @@
           <p:nvPr/>
         </p:nvPicPr>
         <p:blipFill>
-          <a:blip r:embed="rId2" cstate="print">
+          <a:blip r:embed="rId3" cstate="print">
             <a:extLst>
               <a:ext uri="{28A0092B-C50C-407E-A947-70E740481C1C}">
                 <a14:useLocalDpi xmlns:a14="http://schemas.microsoft.com/office/drawing/2010/main" val="0"/>
@@ -16143,7 +18504,7 @@
           <p:nvPr/>
         </p:nvPicPr>
         <p:blipFill>
-          <a:blip r:embed="rId3">
+          <a:blip r:embed="rId4">
             <a:extLst>
               <a:ext uri="{28A0092B-C50C-407E-A947-70E740481C1C}">
                 <a14:useLocalDpi xmlns:a14="http://schemas.microsoft.com/office/drawing/2010/main" val="0"/>
@@ -16673,7 +19034,7 @@
                                           </p:stCondLst>
                                         </p:cTn>
                                         <p:tgtEl>
-                                          <p:spTgt spid="1027"/>
+                                          <p:spTgt spid="1026"/>
                                         </p:tgtEl>
                                         <p:attrNameLst>
                                           <p:attrName>style.visibility</p:attrName>
@@ -16687,28 +19048,46 @@
                                       <p:cBhvr>
                                         <p:cTn id="29" dur="500"/>
                                         <p:tgtEl>
-                                          <p:spTgt spid="1027"/>
+                                          <p:spTgt spid="1026"/>
                                         </p:tgtEl>
                                       </p:cBhvr>
                                     </p:animEffect>
                                   </p:childTnLst>
                                 </p:cTn>
                               </p:par>
+                            </p:childTnLst>
+                          </p:cTn>
+                        </p:par>
+                      </p:childTnLst>
+                    </p:cTn>
+                  </p:par>
+                  <p:par>
+                    <p:cTn id="30" fill="hold">
+                      <p:stCondLst>
+                        <p:cond delay="indefinite"/>
+                      </p:stCondLst>
+                      <p:childTnLst>
+                        <p:par>
+                          <p:cTn id="31" fill="hold">
+                            <p:stCondLst>
+                              <p:cond delay="0"/>
+                            </p:stCondLst>
+                            <p:childTnLst>
                               <p:par>
-                                <p:cTn id="30" presetID="14" presetClass="entr" presetSubtype="10" fill="hold" nodeType="withEffect">
+                                <p:cTn id="32" presetID="14" presetClass="entr" presetSubtype="10" fill="hold" nodeType="clickEffect">
                                   <p:stCondLst>
                                     <p:cond delay="0"/>
                                   </p:stCondLst>
                                   <p:childTnLst>
                                     <p:set>
                                       <p:cBhvr>
-                                        <p:cTn id="31" dur="1" fill="hold">
+                                        <p:cTn id="33" dur="1" fill="hold">
                                           <p:stCondLst>
                                             <p:cond delay="0"/>
                                           </p:stCondLst>
                                         </p:cTn>
                                         <p:tgtEl>
-                                          <p:spTgt spid="1026"/>
+                                          <p:spTgt spid="1027"/>
                                         </p:tgtEl>
                                         <p:attrNameLst>
                                           <p:attrName>style.visibility</p:attrName>
@@ -16720,9 +19099,9 @@
                                     </p:set>
                                     <p:animEffect transition="in" filter="randombar(horizontal)">
                                       <p:cBhvr>
-                                        <p:cTn id="32" dur="500"/>
+                                        <p:cTn id="34" dur="500"/>
                                         <p:tgtEl>
-                                          <p:spTgt spid="1026"/>
+                                          <p:spTgt spid="1027"/>
                                         </p:tgtEl>
                                       </p:cBhvr>
                                     </p:animEffect>
@@ -16926,7 +19305,7 @@
           <p:nvPr/>
         </p:nvPicPr>
         <p:blipFill>
-          <a:blip r:embed="rId2"/>
+          <a:blip r:embed="rId3"/>
           <a:stretch>
             <a:fillRect/>
           </a:stretch>
@@ -17066,7 +19445,6 @@
               <a:rPr lang="en-US" altLang="zh-CN" dirty="0" smtClean="0"/>
               <a:t>17)</a:t>
             </a:r>
-            <a:endParaRPr lang="en-US" altLang="zh-CN" dirty="0" smtClean="0"/>
           </a:p>
           <a:p>
             <a:r>
@@ -17111,11 +19489,7 @@
           <a:p>
             <a:r>
               <a:rPr lang="en-US" altLang="zh-CN" dirty="0" smtClean="0"/>
-              <a:t>concepts</a:t>
-            </a:r>
-            <a:r>
-              <a:rPr lang="en-US" altLang="zh-CN" dirty="0" smtClean="0"/>
-              <a:t>(</a:t>
+              <a:t>concepts(</a:t>
             </a:r>
             <a:r>
               <a:rPr lang="en-US" altLang="zh-CN" dirty="0" smtClean="0">
@@ -17676,7 +20050,6 @@
               <a:rPr lang="en-US" altLang="zh-CN" b="1" u="sng" dirty="0" smtClean="0"/>
               <a:t>move</a:t>
             </a:r>
-            <a:endParaRPr lang="en-US" altLang="zh-CN" b="1" u="sng" dirty="0" smtClean="0"/>
           </a:p>
           <a:p>
             <a:r>
@@ -18086,7 +20459,7 @@
           <p:nvPr/>
         </p:nvPicPr>
         <p:blipFill>
-          <a:blip r:embed="rId2">
+          <a:blip r:embed="rId3">
             <a:extLst>
               <a:ext uri="{28A0092B-C50C-407E-A947-70E740481C1C}">
                 <a14:useLocalDpi xmlns:a14="http://schemas.microsoft.com/office/drawing/2010/main" val="0"/>
@@ -18213,11 +20586,7 @@
           <a:p>
             <a:r>
               <a:rPr lang="zh-CN" altLang="en-US" dirty="0" smtClean="0"/>
-              <a:t>会</a:t>
-            </a:r>
-            <a:r>
-              <a:rPr lang="zh-CN" altLang="en-US" dirty="0" smtClean="0"/>
-              <a:t>影响运行</a:t>
+              <a:t>会影响运行</a:t>
             </a:r>
             <a:r>
               <a:rPr lang="en-US" altLang="zh-CN" dirty="0" smtClean="0"/>
@@ -18225,11 +20594,7 @@
             </a:r>
             <a:r>
               <a:rPr lang="zh-CN" altLang="en-US" dirty="0" smtClean="0"/>
-              <a:t>编译</a:t>
-            </a:r>
-            <a:r>
-              <a:rPr lang="zh-CN" altLang="en-US" dirty="0" smtClean="0"/>
-              <a:t>速度吗？</a:t>
+              <a:t>编译速度吗？</a:t>
             </a:r>
           </a:p>
           <a:p>
@@ -18271,7 +20636,7 @@
           <p:nvPr/>
         </p:nvPicPr>
         <p:blipFill>
-          <a:blip r:embed="rId2"/>
+          <a:blip r:embed="rId3"/>
           <a:stretch>
             <a:fillRect/>
           </a:stretch>
@@ -18295,7 +20660,7 @@
           <p:nvPr/>
         </p:nvPicPr>
         <p:blipFill>
-          <a:blip r:embed="rId3"/>
+          <a:blip r:embed="rId4"/>
           <a:stretch>
             <a:fillRect/>
           </a:stretch>
@@ -18319,7 +20684,7 @@
           <p:nvPr/>
         </p:nvPicPr>
         <p:blipFill>
-          <a:blip r:embed="rId4">
+          <a:blip r:embed="rId5">
             <a:extLst>
               <a:ext uri="{28A0092B-C50C-407E-A947-70E740481C1C}">
                 <a14:useLocalDpi xmlns:a14="http://schemas.microsoft.com/office/drawing/2010/main" val="0"/>
